--- a/Presentation/thesis_overview_v3.pptx
+++ b/Presentation/thesis_overview_v3.pptx
@@ -5,40 +5,46 @@
     <p:sldMasterId id="2147483648" r:id="rId1"/>
   </p:sldMasterIdLst>
   <p:notesMasterIdLst>
-    <p:notesMasterId r:id="rId33"/>
+    <p:notesMasterId r:id="rId39"/>
   </p:notesMasterIdLst>
   <p:sldIdLst>
     <p:sldId id="257" r:id="rId2"/>
     <p:sldId id="256" r:id="rId3"/>
-    <p:sldId id="263" r:id="rId4"/>
-    <p:sldId id="264" r:id="rId5"/>
-    <p:sldId id="265" r:id="rId6"/>
-    <p:sldId id="266" r:id="rId7"/>
-    <p:sldId id="267" r:id="rId8"/>
-    <p:sldId id="268" r:id="rId9"/>
-    <p:sldId id="269" r:id="rId10"/>
-    <p:sldId id="270" r:id="rId11"/>
-    <p:sldId id="271" r:id="rId12"/>
-    <p:sldId id="272" r:id="rId13"/>
-    <p:sldId id="273" r:id="rId14"/>
-    <p:sldId id="274" r:id="rId15"/>
-    <p:sldId id="275" r:id="rId16"/>
-    <p:sldId id="276" r:id="rId17"/>
-    <p:sldId id="277" r:id="rId18"/>
-    <p:sldId id="278" r:id="rId19"/>
-    <p:sldId id="279" r:id="rId20"/>
-    <p:sldId id="280" r:id="rId21"/>
-    <p:sldId id="281" r:id="rId22"/>
-    <p:sldId id="282" r:id="rId23"/>
-    <p:sldId id="283" r:id="rId24"/>
-    <p:sldId id="284" r:id="rId25"/>
-    <p:sldId id="285" r:id="rId26"/>
-    <p:sldId id="286" r:id="rId27"/>
-    <p:sldId id="287" r:id="rId28"/>
-    <p:sldId id="288" r:id="rId29"/>
-    <p:sldId id="289" r:id="rId30"/>
-    <p:sldId id="291" r:id="rId31"/>
-    <p:sldId id="292" r:id="rId32"/>
+    <p:sldId id="270" r:id="rId4"/>
+    <p:sldId id="271" r:id="rId5"/>
+    <p:sldId id="272" r:id="rId6"/>
+    <p:sldId id="273" r:id="rId7"/>
+    <p:sldId id="274" r:id="rId8"/>
+    <p:sldId id="275" r:id="rId9"/>
+    <p:sldId id="276" r:id="rId10"/>
+    <p:sldId id="277" r:id="rId11"/>
+    <p:sldId id="278" r:id="rId12"/>
+    <p:sldId id="279" r:id="rId13"/>
+    <p:sldId id="280" r:id="rId14"/>
+    <p:sldId id="281" r:id="rId15"/>
+    <p:sldId id="282" r:id="rId16"/>
+    <p:sldId id="283" r:id="rId17"/>
+    <p:sldId id="284" r:id="rId18"/>
+    <p:sldId id="285" r:id="rId19"/>
+    <p:sldId id="286" r:id="rId20"/>
+    <p:sldId id="287" r:id="rId21"/>
+    <p:sldId id="288" r:id="rId22"/>
+    <p:sldId id="289" r:id="rId23"/>
+    <p:sldId id="291" r:id="rId24"/>
+    <p:sldId id="292" r:id="rId25"/>
+    <p:sldId id="293" r:id="rId26"/>
+    <p:sldId id="295" r:id="rId27"/>
+    <p:sldId id="296" r:id="rId28"/>
+    <p:sldId id="297" r:id="rId29"/>
+    <p:sldId id="298" r:id="rId30"/>
+    <p:sldId id="299" r:id="rId31"/>
+    <p:sldId id="263" r:id="rId32"/>
+    <p:sldId id="264" r:id="rId33"/>
+    <p:sldId id="265" r:id="rId34"/>
+    <p:sldId id="266" r:id="rId35"/>
+    <p:sldId id="267" r:id="rId36"/>
+    <p:sldId id="268" r:id="rId37"/>
+    <p:sldId id="269" r:id="rId38"/>
   </p:sldIdLst>
   <p:sldSz cx="12192000" cy="6858000"/>
   <p:notesSz cx="6858000" cy="9144000"/>
@@ -137,6 +143,11 @@
       </a:defRPr>
     </a:lvl9pPr>
   </p:defaultTextStyle>
+  <p:extLst>
+    <p:ext uri="{EFAFB233-063F-42B5-8137-9DF3F51BA10A}">
+      <p15:sldGuideLst xmlns:p15="http://schemas.microsoft.com/office/powerpoint/2012/main"/>
+    </p:ext>
+  </p:extLst>
 </p:presentation>
 </file>
 
@@ -222,7 +233,7 @@
           <a:p>
             <a:fld id="{B6C2DD4F-436F-4418-87BA-048F53D04887}" type="datetimeFigureOut">
               <a:rPr lang="en-GB" smtClean="0"/>
-              <a:t>27/05/2021</a:t>
+              <a:t>28/05/2021</a:t>
             </a:fld>
             <a:endParaRPr lang="en-GB"/>
           </a:p>
@@ -697,92 +708,13 @@
           <a:bodyPr/>
           <a:lstStyle/>
           <a:p>
-            <a:pPr>
-              <a:lnSpc>
-                <a:spcPct val="107000"/>
-              </a:lnSpc>
-              <a:spcAft>
-                <a:spcPts val="800"/>
-              </a:spcAft>
+            <a:pPr marL="0" indent="0">
+              <a:buFont typeface="Arial" panose="020B0604020202020204" pitchFamily="34" charset="0"/>
+              <a:buNone/>
             </a:pPr>
             <a:r>
-              <a:rPr lang="en-GB" sz="1200" dirty="0">
-                <a:effectLst/>
-                <a:latin typeface="Calibri" panose="020F0502020204030204" pitchFamily="34" charset="0"/>
-                <a:ea typeface="Calibri" panose="020F0502020204030204" pitchFamily="34" charset="0"/>
-                <a:cs typeface="Times New Roman" panose="02020603050405020304" pitchFamily="18" charset="0"/>
-              </a:rPr>
-              <a:t>So that’s all I will say about the introduction chapter.</a:t>
-            </a:r>
-          </a:p>
-          <a:p>
-            <a:pPr>
-              <a:lnSpc>
-                <a:spcPct val="107000"/>
-              </a:lnSpc>
-              <a:spcAft>
-                <a:spcPts val="800"/>
-              </a:spcAft>
-            </a:pPr>
-            <a:endParaRPr lang="en-GB" sz="1200" dirty="0">
-              <a:effectLst/>
-              <a:latin typeface="Calibri" panose="020F0502020204030204" pitchFamily="34" charset="0"/>
-              <a:ea typeface="Calibri" panose="020F0502020204030204" pitchFamily="34" charset="0"/>
-              <a:cs typeface="Times New Roman" panose="02020603050405020304" pitchFamily="18" charset="0"/>
-            </a:endParaRPr>
-          </a:p>
-          <a:p>
-            <a:pPr>
-              <a:lnSpc>
-                <a:spcPct val="107000"/>
-              </a:lnSpc>
-              <a:spcAft>
-                <a:spcPts val="800"/>
-              </a:spcAft>
-            </a:pPr>
-            <a:r>
-              <a:rPr lang="en-GB" sz="1200" dirty="0">
-                <a:effectLst/>
-                <a:latin typeface="Calibri" panose="020F0502020204030204" pitchFamily="34" charset="0"/>
-                <a:ea typeface="Calibri" panose="020F0502020204030204" pitchFamily="34" charset="0"/>
-                <a:cs typeface="Times New Roman" panose="02020603050405020304" pitchFamily="18" charset="0"/>
-              </a:rPr>
-              <a:t>In chapter 2, my goal is to introduce some of the most relevant facts about footpoint driven Alfven waves for this thesis. </a:t>
-            </a:r>
-          </a:p>
-          <a:p>
-            <a:pPr>
-              <a:lnSpc>
-                <a:spcPct val="107000"/>
-              </a:lnSpc>
-              <a:spcAft>
-                <a:spcPts val="800"/>
-              </a:spcAft>
-            </a:pPr>
-            <a:endParaRPr lang="en-GB" sz="1200" dirty="0">
-              <a:effectLst/>
-              <a:latin typeface="Calibri" panose="020F0502020204030204" pitchFamily="34" charset="0"/>
-              <a:ea typeface="Calibri" panose="020F0502020204030204" pitchFamily="34" charset="0"/>
-              <a:cs typeface="Times New Roman" panose="02020603050405020304" pitchFamily="18" charset="0"/>
-            </a:endParaRPr>
-          </a:p>
-          <a:p>
-            <a:pPr>
-              <a:lnSpc>
-                <a:spcPct val="107000"/>
-              </a:lnSpc>
-              <a:spcAft>
-                <a:spcPts val="800"/>
-              </a:spcAft>
-            </a:pPr>
-            <a:r>
-              <a:rPr lang="en-GB" sz="1200" dirty="0">
-                <a:effectLst/>
-                <a:latin typeface="Calibri" panose="020F0502020204030204" pitchFamily="34" charset="0"/>
-                <a:ea typeface="Calibri" panose="020F0502020204030204" pitchFamily="34" charset="0"/>
-                <a:cs typeface="Times New Roman" panose="02020603050405020304" pitchFamily="18" charset="0"/>
-              </a:rPr>
-              <a:t>I think this chapter reads like a cross between an introductory chapter and a research chapter. I talk about lots of results that are already quite well known, so I think I would struggle to write a paper based on this content. However, I think I the way I derive many of the results is original so it could perhaps make it in to some sort of review paper.</a:t>
+              <a:rPr lang="en-GB" dirty="0"/>
+              <a:t>In seventh section I show how the general solution derived in the third section can be modified to include leakage. Or in other words, modified to ensure that only a  fraction R of the waves reflects each time the waves hits one of the boundaries.</a:t>
             </a:r>
           </a:p>
         </p:txBody>
@@ -813,7 +745,7 @@
     </p:spTree>
     <p:extLst>
       <p:ext uri="{BB962C8B-B14F-4D97-AF65-F5344CB8AC3E}">
-        <p14:creationId xmlns:p14="http://schemas.microsoft.com/office/powerpoint/2010/main" val="2226684155"/>
+        <p14:creationId xmlns:p14="http://schemas.microsoft.com/office/powerpoint/2010/main" val="3220894544"/>
       </p:ext>
     </p:extLst>
   </p:cSld>
@@ -867,22 +799,47 @@
           <a:bodyPr/>
           <a:lstStyle/>
           <a:p>
-            <a:pPr>
-              <a:lnSpc>
-                <a:spcPct val="107000"/>
-              </a:lnSpc>
-              <a:spcAft>
-                <a:spcPts val="800"/>
-              </a:spcAft>
+            <a:pPr marL="0" indent="0">
+              <a:buFont typeface="Arial" panose="020B0604020202020204" pitchFamily="34" charset="0"/>
+              <a:buNone/>
             </a:pPr>
             <a:r>
-              <a:rPr lang="en-GB" sz="1200" dirty="0">
-                <a:effectLst/>
-                <a:latin typeface="Calibri" panose="020F0502020204030204" pitchFamily="34" charset="0"/>
-                <a:ea typeface="Calibri" panose="020F0502020204030204" pitchFamily="34" charset="0"/>
-                <a:cs typeface="Times New Roman" panose="02020603050405020304" pitchFamily="18" charset="0"/>
-              </a:rPr>
-              <a:t>I start this chapter by giving a very brief introduction.</a:t>
+              <a:rPr lang="en-GB" dirty="0"/>
+              <a:t>There are two main aims in the eighth section</a:t>
+            </a:r>
+          </a:p>
+          <a:p>
+            <a:pPr marL="0" indent="0">
+              <a:buFont typeface="Arial" panose="020B0604020202020204" pitchFamily="34" charset="0"/>
+              <a:buNone/>
+            </a:pPr>
+            <a:endParaRPr lang="en-GB" dirty="0"/>
+          </a:p>
+          <a:p>
+            <a:pPr marL="0" indent="0">
+              <a:buFont typeface="Arial" panose="020B0604020202020204" pitchFamily="34" charset="0"/>
+              <a:buNone/>
+            </a:pPr>
+            <a:r>
+              <a:rPr lang="en-GB" dirty="0"/>
+              <a:t>The first aim here is to introduce the idea of a steady-state. In other words, that for a leaky loop or resistive loop the system will go through a transient phase where the system can oscillate at different frequencies to the driver frequency but at steady-state the whole system oscillates at the driver frequency.</a:t>
+            </a:r>
+          </a:p>
+          <a:p>
+            <a:pPr marL="0" indent="0">
+              <a:buFont typeface="Arial" panose="020B0604020202020204" pitchFamily="34" charset="0"/>
+              <a:buNone/>
+            </a:pPr>
+            <a:endParaRPr lang="en-GB" dirty="0"/>
+          </a:p>
+          <a:p>
+            <a:pPr marL="0" indent="0">
+              <a:buFont typeface="Arial" panose="020B0604020202020204" pitchFamily="34" charset="0"/>
+              <a:buNone/>
+            </a:pPr>
+            <a:r>
+              <a:rPr lang="en-GB" dirty="0"/>
+              <a:t>Another aim is to convince the reader that the formula we derived is indeed accurate. I do this by calculating both a numeric and analytic solution and checking they agree. Confirming this formula is accurate is useful in Chapter 3 when we look at resistive phase mixed Alfven waves in a leaky loop.</a:t>
             </a:r>
           </a:p>
         </p:txBody>
@@ -913,7 +870,7 @@
     </p:spTree>
     <p:extLst>
       <p:ext uri="{BB962C8B-B14F-4D97-AF65-F5344CB8AC3E}">
-        <p14:creationId xmlns:p14="http://schemas.microsoft.com/office/powerpoint/2010/main" val="427813186"/>
+        <p14:creationId xmlns:p14="http://schemas.microsoft.com/office/powerpoint/2010/main" val="2961517012"/>
       </p:ext>
     </p:extLst>
   </p:cSld>
@@ -967,22 +924,13 @@
           <a:bodyPr/>
           <a:lstStyle/>
           <a:p>
-            <a:pPr>
-              <a:lnSpc>
-                <a:spcPct val="107000"/>
-              </a:lnSpc>
-              <a:spcAft>
-                <a:spcPts val="800"/>
-              </a:spcAft>
+            <a:pPr marL="0" indent="0">
+              <a:buFont typeface="Arial" panose="020B0604020202020204" pitchFamily="34" charset="0"/>
+              <a:buNone/>
             </a:pPr>
             <a:r>
-              <a:rPr lang="en-GB" sz="1200" dirty="0">
-                <a:effectLst/>
-                <a:latin typeface="Calibri" panose="020F0502020204030204" pitchFamily="34" charset="0"/>
-                <a:ea typeface="Calibri" panose="020F0502020204030204" pitchFamily="34" charset="0"/>
-                <a:cs typeface="Times New Roman" panose="02020603050405020304" pitchFamily="18" charset="0"/>
-              </a:rPr>
-              <a:t>I then present the model and linearised equations we use. </a:t>
+              <a:rPr lang="en-GB" dirty="0"/>
+              <a:t>In section 9 the goal is to introduce phase mixing so the reader is ready for the more in-depth discussion of phase mixing in the next chapter. I do this by illustrating phase mixing using graphs in the simplest setup I could think of.</a:t>
             </a:r>
           </a:p>
         </p:txBody>
@@ -1013,7 +961,7 @@
     </p:spTree>
     <p:extLst>
       <p:ext uri="{BB962C8B-B14F-4D97-AF65-F5344CB8AC3E}">
-        <p14:creationId xmlns:p14="http://schemas.microsoft.com/office/powerpoint/2010/main" val="904671963"/>
+        <p14:creationId xmlns:p14="http://schemas.microsoft.com/office/powerpoint/2010/main" val="2777048949"/>
       </p:ext>
     </p:extLst>
   </p:cSld>
@@ -1067,48 +1015,14 @@
           <a:bodyPr/>
           <a:lstStyle/>
           <a:p>
-            <a:pPr marL="0" marR="0" lvl="0" indent="0" algn="l" defTabSz="914400" rtl="0" eaLnBrk="1" fontAlgn="auto" latinLnBrk="0" hangingPunct="1">
-              <a:lnSpc>
-                <a:spcPct val="107000"/>
-              </a:lnSpc>
-              <a:spcBef>
-                <a:spcPts val="0"/>
-              </a:spcBef>
-              <a:spcAft>
-                <a:spcPts val="800"/>
-              </a:spcAft>
-              <a:buClrTx/>
-              <a:buSzTx/>
-              <a:buFontTx/>
+            <a:pPr marL="0" indent="0">
+              <a:buFont typeface="Arial" panose="020B0604020202020204" pitchFamily="34" charset="0"/>
               <a:buNone/>
-              <a:tabLst/>
-              <a:defRPr/>
             </a:pPr>
             <a:r>
-              <a:rPr lang="en-GB" sz="1200" dirty="0">
-                <a:effectLst/>
-                <a:latin typeface="Calibri" panose="020F0502020204030204" pitchFamily="34" charset="0"/>
-                <a:ea typeface="Calibri" panose="020F0502020204030204" pitchFamily="34" charset="0"/>
-                <a:cs typeface="Times New Roman" panose="02020603050405020304" pitchFamily="18" charset="0"/>
-              </a:rPr>
-              <a:t>In the third section my goal is to calculate the general solution for linear Alfven waves in a closed uniform field line using a method of images approach combined with d'Alembert's formula. The main reason I derive this formula is that I make use of it in Chapter 3 when we calculate the solution for linear, resistive phase-mixed Alfven waves in a leaky loop. It’s really easy to include leakage with this formula. It also comes in handy in the next section when we look at the case where the driver is sinusoidal.</a:t>
-            </a:r>
-          </a:p>
-          <a:p>
-            <a:pPr>
-              <a:lnSpc>
-                <a:spcPct val="107000"/>
-              </a:lnSpc>
-              <a:spcAft>
-                <a:spcPts val="800"/>
-              </a:spcAft>
-            </a:pPr>
-            <a:endParaRPr lang="en-GB" sz="1200" dirty="0">
-              <a:effectLst/>
-              <a:latin typeface="Calibri" panose="020F0502020204030204" pitchFamily="34" charset="0"/>
-              <a:ea typeface="Calibri" panose="020F0502020204030204" pitchFamily="34" charset="0"/>
-              <a:cs typeface="Times New Roman" panose="02020603050405020304" pitchFamily="18" charset="0"/>
-            </a:endParaRPr>
+              <a:rPr lang="en-GB" dirty="0"/>
+              <a:t>Finally, section 10 gives a summary of the main results from the chapter.</a:t>
+            </a:r>
           </a:p>
         </p:txBody>
       </p:sp>
@@ -1138,7 +1052,7 @@
     </p:spTree>
     <p:extLst>
       <p:ext uri="{BB962C8B-B14F-4D97-AF65-F5344CB8AC3E}">
-        <p14:creationId xmlns:p14="http://schemas.microsoft.com/office/powerpoint/2010/main" val="1147163397"/>
+        <p14:creationId xmlns:p14="http://schemas.microsoft.com/office/powerpoint/2010/main" val="2586647524"/>
       </p:ext>
     </p:extLst>
   </p:cSld>
@@ -1192,33 +1106,28 @@
           <a:bodyPr/>
           <a:lstStyle/>
           <a:p>
-            <a:pPr marL="0" marR="0" lvl="0" indent="0" algn="l" defTabSz="914400" rtl="0" eaLnBrk="1" fontAlgn="auto" latinLnBrk="0" hangingPunct="1">
-              <a:lnSpc>
-                <a:spcPct val="107000"/>
-              </a:lnSpc>
-              <a:spcBef>
-                <a:spcPts val="0"/>
-              </a:spcBef>
-              <a:spcAft>
-                <a:spcPts val="800"/>
-              </a:spcAft>
-              <a:buClrTx/>
-              <a:buSzTx/>
-              <a:buFontTx/>
-              <a:buNone/>
-              <a:tabLst/>
-              <a:defRPr/>
-            </a:pPr>
             <a:r>
               <a:rPr lang="en-GB" dirty="0"/>
-              <a:t>In the fourth section my aim is to calculate the solution for the case where the driver is sinusoidal. The reason I consider a sinusoidal driver is that I think it’s the simplest case to consider. In reality the footpoint driver on the Sun will be much more random but you can model this as a superposition of many sinusoidal drivers. In this section my goal was to introduce some key concepts like resonance and the beating effect. I produced lots of graphs as I thought this is really useful for building intuition for how the solution changes depending on the frequency of the driver. </a:t>
-            </a:r>
-            <a:endParaRPr lang="en-GB" sz="1200" dirty="0">
-              <a:effectLst/>
-              <a:latin typeface="Calibri" panose="020F0502020204030204" pitchFamily="34" charset="0"/>
-              <a:ea typeface="Calibri" panose="020F0502020204030204" pitchFamily="34" charset="0"/>
-              <a:cs typeface="Times New Roman" panose="02020603050405020304" pitchFamily="18" charset="0"/>
-            </a:endParaRPr>
+              <a:t>So that’s all I’m going to say about chapter 2.</a:t>
+            </a:r>
+          </a:p>
+          <a:p>
+            <a:endParaRPr lang="en-GB" dirty="0"/>
+          </a:p>
+          <a:p>
+            <a:r>
+              <a:rPr lang="en-GB" dirty="0"/>
+              <a:t>Chapter 3 is closely related to a paper I published in 2019. The main goal of this chapter is to show that phase mixing is not a viable standalone heating mechanism in the closed solar corona. I still think its possible that phase mixing could play an indirect role in coronal heating. For example, it could trigger the Kelvin-Helmholtz instability which then causes energy to be dissipated due to gradients parallel to the velocity and magnetic field. But I don’t think the direct dissipation of the transverse gradients produced by phase mixing plays a significant role in coronal heating.</a:t>
+            </a:r>
+          </a:p>
+          <a:p>
+            <a:endParaRPr lang="en-GB" dirty="0"/>
+          </a:p>
+          <a:p>
+            <a:r>
+              <a:rPr lang="en-GB" dirty="0"/>
+              <a:t>I structure this chapter by starting simple with an open loop. Then I keep adding complexity to the model in each subsequent section.</a:t>
+            </a:r>
           </a:p>
         </p:txBody>
       </p:sp>
@@ -1248,7 +1157,7 @@
     </p:spTree>
     <p:extLst>
       <p:ext uri="{BB962C8B-B14F-4D97-AF65-F5344CB8AC3E}">
-        <p14:creationId xmlns:p14="http://schemas.microsoft.com/office/powerpoint/2010/main" val="2613893387"/>
+        <p14:creationId xmlns:p14="http://schemas.microsoft.com/office/powerpoint/2010/main" val="3320340563"/>
       </p:ext>
     </p:extLst>
   </p:cSld>
@@ -1302,73 +1211,91 @@
           <a:bodyPr/>
           <a:lstStyle/>
           <a:p>
-            <a:pPr marL="0" indent="0">
-              <a:buFont typeface="Arial" panose="020B0604020202020204" pitchFamily="34" charset="0"/>
+            <a:r>
+              <a:rPr lang="en-GB" dirty="0"/>
+              <a:t>In the first section I give an introduction.</a:t>
+            </a:r>
+          </a:p>
+          <a:p>
+            <a:endParaRPr lang="en-GB" dirty="0"/>
+          </a:p>
+          <a:p>
+            <a:r>
+              <a:rPr lang="en-GB" dirty="0"/>
+              <a:t>The most important thing I introduce in this section is something I call the heating rate per unit of wave energy which I denote with the symbol gamma.</a:t>
+            </a:r>
+          </a:p>
+          <a:p>
+            <a:endParaRPr lang="en-GB" dirty="0"/>
+          </a:p>
+          <a:p>
+            <a:pPr marL="0" marR="0" lvl="0" indent="0" algn="l" defTabSz="914400" rtl="0" eaLnBrk="1" fontAlgn="auto" latinLnBrk="0" hangingPunct="1">
+              <a:lnSpc>
+                <a:spcPct val="100000"/>
+              </a:lnSpc>
+              <a:spcBef>
+                <a:spcPts val="0"/>
+              </a:spcBef>
+              <a:spcAft>
+                <a:spcPts val="0"/>
+              </a:spcAft>
+              <a:buClrTx/>
+              <a:buSzTx/>
+              <a:buFontTx/>
               <a:buNone/>
+              <a:tabLst/>
+              <a:defRPr/>
             </a:pPr>
             <a:r>
               <a:rPr lang="en-GB" dirty="0"/>
-              <a:t>In the fifth section my aim is to calculate the solution for the case where a broadband or noisy driver is used. Throughout this thesis I mainly use sinusoidal drivers but I thought it would be good to at least once consider the case where a noisy driver is used as this more closely resembles what the driver on the sun actually behaves like.</a:t>
-            </a:r>
-          </a:p>
-          <a:p>
-            <a:pPr marL="0" indent="0">
-              <a:buFont typeface="Arial" panose="020B0604020202020204" pitchFamily="34" charset="0"/>
+              <a:t>I then estimate that we need a heating rate per unit of wave energy of about 10^-1 s-^-1 to the heat the corona. This comes from estimating the heating rate required per unit volume and dividing by observed wave energy density in the corona.</a:t>
+            </a:r>
+          </a:p>
+          <a:p>
+            <a:pPr marL="0" marR="0" lvl="0" indent="0" algn="l" defTabSz="914400" rtl="0" eaLnBrk="1" fontAlgn="auto" latinLnBrk="0" hangingPunct="1">
+              <a:lnSpc>
+                <a:spcPct val="100000"/>
+              </a:lnSpc>
+              <a:spcBef>
+                <a:spcPts val="0"/>
+              </a:spcBef>
+              <a:spcAft>
+                <a:spcPts val="0"/>
+              </a:spcAft>
+              <a:buClrTx/>
+              <a:buSzTx/>
+              <a:buFontTx/>
               <a:buNone/>
+              <a:tabLst/>
+              <a:defRPr/>
             </a:pPr>
             <a:endParaRPr lang="en-GB" dirty="0"/>
           </a:p>
           <a:p>
-            <a:pPr marL="0" indent="0">
-              <a:buFont typeface="Arial" panose="020B0604020202020204" pitchFamily="34" charset="0"/>
+            <a:pPr marL="0" marR="0" lvl="0" indent="0" algn="l" defTabSz="914400" rtl="0" eaLnBrk="1" fontAlgn="auto" latinLnBrk="0" hangingPunct="1">
+              <a:lnSpc>
+                <a:spcPct val="100000"/>
+              </a:lnSpc>
+              <a:spcBef>
+                <a:spcPts val="0"/>
+              </a:spcBef>
+              <a:spcAft>
+                <a:spcPts val="0"/>
+              </a:spcAft>
+              <a:buClrTx/>
+              <a:buSzTx/>
+              <a:buFontTx/>
               <a:buNone/>
+              <a:tabLst/>
+              <a:defRPr/>
             </a:pPr>
             <a:r>
               <a:rPr lang="en-GB" dirty="0"/>
-              <a:t>I basically had two aims in this section.</a:t>
-            </a:r>
-          </a:p>
-          <a:p>
-            <a:pPr marL="0" indent="0">
-              <a:buFont typeface="Arial" panose="020B0604020202020204" pitchFamily="34" charset="0"/>
-              <a:buNone/>
-            </a:pPr>
+              <a:t>This quantity is really important later on in this chapter because I use it to show that phase mixing is not viable standalone heating mechanism because you can’t produce enough heat with observed wave amplitudes via the viscous and resistive dissipation of the gradients produced by phase mixing..</a:t>
+            </a:r>
+          </a:p>
+          <a:p>
             <a:endParaRPr lang="en-GB" dirty="0"/>
-          </a:p>
-          <a:p>
-            <a:pPr marL="0" indent="0">
-              <a:buFont typeface="Arial" panose="020B0604020202020204" pitchFamily="34" charset="0"/>
-              <a:buNone/>
-            </a:pPr>
-            <a:r>
-              <a:rPr lang="en-GB" dirty="0"/>
-              <a:t>The first was to see if the energy will grow to infinity or oscillate about a finite value if a random driver is used. I thought this was an interesting question to answer and until I did the calculation I actually had no idea if it would grow to infinity or not. It turns out the for a white noise driver the energy grows linearly with time and for a resonant driver the energy grows as t squared.</a:t>
-            </a:r>
-          </a:p>
-          <a:p>
-            <a:pPr marL="0" indent="0">
-              <a:buFont typeface="Arial" panose="020B0604020202020204" pitchFamily="34" charset="0"/>
-              <a:buNone/>
-            </a:pPr>
-            <a:endParaRPr lang="en-GB" dirty="0"/>
-          </a:p>
-          <a:p>
-            <a:pPr marL="0" indent="0">
-              <a:buFont typeface="Arial" panose="020B0604020202020204" pitchFamily="34" charset="0"/>
-              <a:buNone/>
-            </a:pPr>
-            <a:r>
-              <a:rPr lang="en-GB" dirty="0"/>
-              <a:t>The second aim was to check that a true white noise driver which excites all frequencies with a given amount of energy gives the same results as an approximate white noise signal which only excites the frequencies over a finite range. It turns out that provided the resonant frequency is excited then the true white noise signal and approximate white noise signal give approximately the same answer. The reason I wanted to check this because a true white noise signal isn’t actually physical because it has a variance of infinity whereas an approximate white noise </a:t>
-            </a:r>
-            <a:r>
-              <a:rPr lang="en-GB" dirty="0" err="1"/>
-              <a:t>singal</a:t>
-            </a:r>
-            <a:r>
-              <a:rPr lang="en-GB" dirty="0"/>
-              <a:t> has a finite variance so is physical. So its reassuring to know that although true white noise isn’t physical it is still a useful tool for making predictions.</a:t>
-            </a:r>
           </a:p>
         </p:txBody>
       </p:sp>
@@ -1398,7 +1325,7 @@
     </p:spTree>
     <p:extLst>
       <p:ext uri="{BB962C8B-B14F-4D97-AF65-F5344CB8AC3E}">
-        <p14:creationId xmlns:p14="http://schemas.microsoft.com/office/powerpoint/2010/main" val="1481797288"/>
+        <p14:creationId xmlns:p14="http://schemas.microsoft.com/office/powerpoint/2010/main" val="709315399"/>
       </p:ext>
     </p:extLst>
   </p:cSld>
@@ -1452,21 +1379,9 @@
           <a:bodyPr/>
           <a:lstStyle/>
           <a:p>
-            <a:pPr marL="0" indent="0">
-              <a:buFont typeface="Arial" panose="020B0604020202020204" pitchFamily="34" charset="0"/>
-              <a:buNone/>
-            </a:pPr>
             <a:r>
               <a:rPr lang="en-GB" dirty="0"/>
-              <a:t>The sixth sections aims to calculate an estimate for the reflection coefficient, R. This is important as to simulate the leakage I model that a fraction R of the waves reflects each time the waves hit each of the boundaries. To estimate the reflection coefficient I use a method which is similar to what Joe </a:t>
-            </a:r>
-            <a:r>
-              <a:rPr lang="en-GB" dirty="0" err="1"/>
-              <a:t>Hollweg</a:t>
-            </a:r>
-            <a:r>
-              <a:rPr lang="en-GB" dirty="0"/>
-              <a:t> uses in a in a paper he wrote in 1984.</a:t>
+              <a:t>In the second section I introduce the model and equations I will use in this chapter.</a:t>
             </a:r>
           </a:p>
         </p:txBody>
@@ -1497,7 +1412,7 @@
     </p:spTree>
     <p:extLst>
       <p:ext uri="{BB962C8B-B14F-4D97-AF65-F5344CB8AC3E}">
-        <p14:creationId xmlns:p14="http://schemas.microsoft.com/office/powerpoint/2010/main" val="1919909110"/>
+        <p14:creationId xmlns:p14="http://schemas.microsoft.com/office/powerpoint/2010/main" val="1859306969"/>
       </p:ext>
     </p:extLst>
   </p:cSld>
@@ -1551,13 +1466,26 @@
           <a:bodyPr/>
           <a:lstStyle/>
           <a:p>
-            <a:pPr marL="0" indent="0">
-              <a:buFont typeface="Arial" panose="020B0604020202020204" pitchFamily="34" charset="0"/>
-              <a:buNone/>
-            </a:pPr>
             <a:r>
               <a:rPr lang="en-GB" dirty="0"/>
-              <a:t>In seventh section I show how the general solution derived in the third section can be modified to include leakage. Or in other words, modified to ensure that only a  fraction R of the waves reflects each time the waves hits one of the boundaries.</a:t>
+              <a:t>The main goal in the third section is to rederive the equations which </a:t>
+            </a:r>
+            <a:r>
+              <a:rPr lang="en-GB" dirty="0" err="1"/>
+              <a:t>Heyvearts</a:t>
+            </a:r>
+            <a:r>
+              <a:rPr lang="en-GB" dirty="0"/>
+              <a:t> and Priest derived in their 1983 paper for phase-mixed Alfven waves in an open field. I then check it’s accurate by comparing the analytic formula with numerical solutions. </a:t>
+            </a:r>
+          </a:p>
+          <a:p>
+            <a:endParaRPr lang="en-GB" dirty="0"/>
+          </a:p>
+          <a:p>
+            <a:r>
+              <a:rPr lang="en-GB" dirty="0"/>
+              <a:t>This formula is useful because I combine this formula with the method of images formula I derived in section 2 to calculate the solution in a closed loop and leaky loop.</a:t>
             </a:r>
           </a:p>
         </p:txBody>
@@ -1588,7 +1516,7 @@
     </p:spTree>
     <p:extLst>
       <p:ext uri="{BB962C8B-B14F-4D97-AF65-F5344CB8AC3E}">
-        <p14:creationId xmlns:p14="http://schemas.microsoft.com/office/powerpoint/2010/main" val="3220894544"/>
+        <p14:creationId xmlns:p14="http://schemas.microsoft.com/office/powerpoint/2010/main" val="506988415"/>
       </p:ext>
     </p:extLst>
   </p:cSld>
@@ -1642,47 +1570,27 @@
           <a:bodyPr/>
           <a:lstStyle/>
           <a:p>
-            <a:pPr marL="0" indent="0">
-              <a:buFont typeface="Arial" panose="020B0604020202020204" pitchFamily="34" charset="0"/>
-              <a:buNone/>
-            </a:pPr>
             <a:r>
               <a:rPr lang="en-GB" dirty="0"/>
-              <a:t>There are two main aims in the eight section</a:t>
-            </a:r>
-          </a:p>
-          <a:p>
-            <a:pPr marL="0" indent="0">
-              <a:buFont typeface="Arial" panose="020B0604020202020204" pitchFamily="34" charset="0"/>
-              <a:buNone/>
-            </a:pPr>
+              <a:t>In the fourth section I calculate the solution in a closed loop and then verify it numerically. </a:t>
+            </a:r>
+          </a:p>
+          <a:p>
             <a:endParaRPr lang="en-GB" dirty="0"/>
           </a:p>
           <a:p>
-            <a:pPr marL="0" indent="0">
-              <a:buFont typeface="Arial" panose="020B0604020202020204" pitchFamily="34" charset="0"/>
-              <a:buNone/>
-            </a:pPr>
             <a:r>
               <a:rPr lang="en-GB" dirty="0"/>
-              <a:t>The first aim here is to introduce the idea of a steady-state. In other words, that for a leaky loop or resistive loop the system will go through a transient phase where the system can oscillate at different frequencies to the driver frequency but at steady-state the whole system oscillates at the driver frequency.</a:t>
-            </a:r>
-          </a:p>
-          <a:p>
-            <a:pPr marL="0" indent="0">
-              <a:buFont typeface="Arial" panose="020B0604020202020204" pitchFamily="34" charset="0"/>
-              <a:buNone/>
-            </a:pPr>
+              <a:t>But the main goal here is to calculate an expression for the heating rate per unit of wave energy as I use this to show that phase mixing is not a viable standalone heating mechanism. </a:t>
+            </a:r>
+          </a:p>
+          <a:p>
             <a:endParaRPr lang="en-GB" dirty="0"/>
           </a:p>
           <a:p>
-            <a:pPr marL="0" indent="0">
-              <a:buFont typeface="Arial" panose="020B0604020202020204" pitchFamily="34" charset="0"/>
-              <a:buNone/>
-            </a:pPr>
             <a:r>
               <a:rPr lang="en-GB" dirty="0"/>
-              <a:t>Another aim is to convince that the formula we derived is indeed accurate. I do this by calculating both a numeric and analytic solution and checking they agree. Confirming this formula is accurate is useful in Chapter 3 when we look at resistive phase mixed Alfven waves in a leaky loop.</a:t>
+              <a:t>I also investigate how adding multiple harmonics affects the heating rate per unit of wave energy and how changing the slope of the power spectrum effects it.</a:t>
             </a:r>
           </a:p>
         </p:txBody>
@@ -1713,7 +1621,7 @@
     </p:spTree>
     <p:extLst>
       <p:ext uri="{BB962C8B-B14F-4D97-AF65-F5344CB8AC3E}">
-        <p14:creationId xmlns:p14="http://schemas.microsoft.com/office/powerpoint/2010/main" val="2961517012"/>
+        <p14:creationId xmlns:p14="http://schemas.microsoft.com/office/powerpoint/2010/main" val="1298109422"/>
       </p:ext>
     </p:extLst>
   </p:cSld>
@@ -1767,13 +1675,27 @@
           <a:bodyPr/>
           <a:lstStyle/>
           <a:p>
-            <a:pPr marL="0" indent="0">
-              <a:buFont typeface="Arial" panose="020B0604020202020204" pitchFamily="34" charset="0"/>
-              <a:buNone/>
-            </a:pPr>
             <a:r>
               <a:rPr lang="en-GB" dirty="0"/>
-              <a:t>In section 9 the goal is to introduce phase mixing so the reader is ready for the more in-depth discussion of phase mixing in the next chapter. I do this by illustrating phase mixing using graphs in the simplest setup I could think of.</a:t>
+              <a:t>In the fifth section the main goal is to investigate how leakage effects the heating rate per unit of wave energy. It turns out that leakage further acts to decrease the heating rate per unit of wave energy. </a:t>
+            </a:r>
+          </a:p>
+          <a:p>
+            <a:endParaRPr lang="en-GB" dirty="0"/>
+          </a:p>
+          <a:p>
+            <a:r>
+              <a:rPr lang="en-GB" dirty="0"/>
+              <a:t>So this further strengthens the idea that phase mixing is not a viable standalone heating mechanism. </a:t>
+            </a:r>
+          </a:p>
+          <a:p>
+            <a:endParaRPr lang="en-GB" dirty="0"/>
+          </a:p>
+          <a:p>
+            <a:r>
+              <a:rPr lang="en-GB" dirty="0"/>
+              <a:t>But even if we don’t include leakage in the model we still find that that phase mixing is not a viable standalone heating mechanism.</a:t>
             </a:r>
           </a:p>
         </p:txBody>
@@ -1804,7 +1726,7 @@
     </p:spTree>
     <p:extLst>
       <p:ext uri="{BB962C8B-B14F-4D97-AF65-F5344CB8AC3E}">
-        <p14:creationId xmlns:p14="http://schemas.microsoft.com/office/powerpoint/2010/main" val="2777048949"/>
+        <p14:creationId xmlns:p14="http://schemas.microsoft.com/office/powerpoint/2010/main" val="22992873"/>
       </p:ext>
     </p:extLst>
   </p:cSld>
@@ -2038,7 +1960,7 @@
                 <a:ea typeface="Calibri" panose="020F0502020204030204" pitchFamily="34" charset="0"/>
                 <a:cs typeface="Times New Roman" panose="02020603050405020304" pitchFamily="18" charset="0"/>
               </a:rPr>
-              <a:t>I will start by giving a brief overview of the thesis as a whole then I will go through chapter by chapter explaining the main aims and results from each section.</a:t>
+              <a:t>I will start by giving a brief overview of the thesis as a whole, then I will go through chapter by chapter explaining the main aims and results from each section.</a:t>
             </a:r>
           </a:p>
           <a:p>
@@ -2144,7 +2066,7 @@
                 <a:ea typeface="Calibri" panose="020F0502020204030204" pitchFamily="34" charset="0"/>
                 <a:cs typeface="Times New Roman" panose="02020603050405020304" pitchFamily="18" charset="0"/>
               </a:rPr>
-              <a:t>I think the two most important results from this thesis are discussed in chapter 3 and chapter 4. I think the key result from chapter 3 is that I show that phase mixing is not a viable standalone coronal heating mechanism. The key results from chapter 4 is that I show that, counterintuitively, the length scales parallel to the solar surface play a role in determining the validity of line–tied boundary conditions. I think there are other interesting results from this thesis, but these two stand out because I think they are original as well as interesting.</a:t>
+              <a:t>I think the two most important results from this thesis are shown in chapter 3 and chapter 4. I think the key result from chapter 3, is that I show that phase mixing is not a viable standalone coronal heating mechanism. The key results from chapter 4 is that I show that, counterintuitively, the length scales parallel to the solar surface play a role in determining the validity of line–tied boundary conditions. I think there are other interesting results from this thesis, but these two stand out because I think they are original as well as interesting.</a:t>
             </a:r>
             <a:endParaRPr lang="en-GB" sz="1200" dirty="0">
               <a:effectLst/>
@@ -2257,13 +2179,9 @@
           <a:bodyPr/>
           <a:lstStyle/>
           <a:p>
-            <a:pPr marL="0" indent="0">
-              <a:buFont typeface="Arial" panose="020B0604020202020204" pitchFamily="34" charset="0"/>
-              <a:buNone/>
-            </a:pPr>
             <a:r>
               <a:rPr lang="en-GB" dirty="0"/>
-              <a:t>Finally, section 10 gives a summary of the main results from the chapter.</a:t>
+              <a:t>In the sixth chapter I bring together results from the chapter and from the literature to make the case that phase mixing is not a viable standalone heating mechanism. There’s lots of physics which I neglect in my model but in this discussion I try to make the argument that ignoring this physics causes my model to overestimate the heating rate per unit of wave energy. Therefore, my estimate serves as an upper bound. If my upper bound can’t give enough heat then we know a more physical model will also not give enough heat.</a:t>
             </a:r>
           </a:p>
         </p:txBody>
@@ -2294,7 +2212,7 @@
     </p:spTree>
     <p:extLst>
       <p:ext uri="{BB962C8B-B14F-4D97-AF65-F5344CB8AC3E}">
-        <p14:creationId xmlns:p14="http://schemas.microsoft.com/office/powerpoint/2010/main" val="2586647524"/>
+        <p14:creationId xmlns:p14="http://schemas.microsoft.com/office/powerpoint/2010/main" val="915811317"/>
       </p:ext>
     </p:extLst>
   </p:cSld>
@@ -2350,25 +2268,7 @@
           <a:p>
             <a:r>
               <a:rPr lang="en-GB" dirty="0"/>
-              <a:t>So that’s all I’m going to say about chapter 2.</a:t>
-            </a:r>
-          </a:p>
-          <a:p>
-            <a:endParaRPr lang="en-GB" dirty="0"/>
-          </a:p>
-          <a:p>
-            <a:r>
-              <a:rPr lang="en-GB" dirty="0"/>
-              <a:t>Chapter 3 is closely related to a paper I published in 2019. The main goal of this chapter is to shows that phase mixing is not a viable standalone heating mechanism in the closed solar corona. I still think its possible that phase mixing could play an indirect role in coronal heating. For example, it could trigger the Kelvin-Helmholtz instability which then causes energy to be dissipated due to gradients parallel to the velocity and magnetic field. But I don’t think the direct dissipation of the transverse gradients produced by phase mixing plays a significant role in coronal heating.</a:t>
-            </a:r>
-          </a:p>
-          <a:p>
-            <a:endParaRPr lang="en-GB" dirty="0"/>
-          </a:p>
-          <a:p>
-            <a:r>
-              <a:rPr lang="en-GB" dirty="0"/>
-              <a:t>I structure this chapter by starting simple with an open loop. Then I keep adding complexity to the model in each subsequent section.</a:t>
+              <a:t>Finally, I end the chapter by summarising the results in a conclusion section.</a:t>
             </a:r>
           </a:p>
         </p:txBody>
@@ -2399,7 +2299,7 @@
     </p:spTree>
     <p:extLst>
       <p:ext uri="{BB962C8B-B14F-4D97-AF65-F5344CB8AC3E}">
-        <p14:creationId xmlns:p14="http://schemas.microsoft.com/office/powerpoint/2010/main" val="3320340563"/>
+        <p14:creationId xmlns:p14="http://schemas.microsoft.com/office/powerpoint/2010/main" val="2381941844"/>
       </p:ext>
     </p:extLst>
   </p:cSld>
@@ -2455,7 +2355,7 @@
           <a:p>
             <a:r>
               <a:rPr lang="en-GB" dirty="0"/>
-              <a:t>In the first section I give an introduction.</a:t>
+              <a:t>So that’s all I will say about the third chapter.</a:t>
             </a:r>
           </a:p>
           <a:p>
@@ -2464,79 +2364,68 @@
           <a:p>
             <a:r>
               <a:rPr lang="en-GB" dirty="0"/>
-              <a:t>The most important thing I introduce in this section is something I call the heating rate per unit of wave energy which I denote with the symbol gamma.</a:t>
+              <a:t>The fourth chapter is very similar to a paper I submitted to </a:t>
+            </a:r>
+            <a:r>
+              <a:rPr lang="en-GB" dirty="0" err="1"/>
+              <a:t>ApJ</a:t>
+            </a:r>
+            <a:r>
+              <a:rPr lang="en-GB" dirty="0"/>
+              <a:t> this year. The paper been approved by the referee I’m just wating to get the proofs.</a:t>
             </a:r>
           </a:p>
           <a:p>
             <a:endParaRPr lang="en-GB" dirty="0"/>
           </a:p>
           <a:p>
-            <a:pPr marL="0" marR="0" lvl="0" indent="0" algn="l" defTabSz="914400" rtl="0" eaLnBrk="1" fontAlgn="auto" latinLnBrk="0" hangingPunct="1">
-              <a:lnSpc>
-                <a:spcPct val="100000"/>
-              </a:lnSpc>
-              <a:spcBef>
-                <a:spcPts val="0"/>
-              </a:spcBef>
-              <a:spcAft>
-                <a:spcPts val="0"/>
-              </a:spcAft>
-              <a:buClrTx/>
-              <a:buSzTx/>
-              <a:buFontTx/>
-              <a:buNone/>
-              <a:tabLst/>
-              <a:defRPr/>
+            <a:r>
+              <a:rPr lang="en-GB" dirty="0"/>
+              <a:t>This chapter has three main aims:</a:t>
+            </a:r>
+          </a:p>
+          <a:p>
+            <a:pPr marL="171450" indent="-171450">
+              <a:buFont typeface="Arial" panose="020B0604020202020204" pitchFamily="34" charset="0"/>
+              <a:buChar char="•"/>
             </a:pPr>
             <a:r>
               <a:rPr lang="en-GB" dirty="0"/>
-              <a:t>I then estimate that we need a heating rate per unit of wave energy of about 10^-1 s-^-1 to the heat the corona. This comes from estimating the heating rate required per unit volume and dividing by observed wave energy density in the corona.</a:t>
-            </a:r>
-          </a:p>
-          <a:p>
-            <a:pPr marL="0" marR="0" lvl="0" indent="0" algn="l" defTabSz="914400" rtl="0" eaLnBrk="1" fontAlgn="auto" latinLnBrk="0" hangingPunct="1">
-              <a:lnSpc>
-                <a:spcPct val="100000"/>
-              </a:lnSpc>
-              <a:spcBef>
-                <a:spcPts val="0"/>
-              </a:spcBef>
-              <a:spcAft>
-                <a:spcPts val="0"/>
-              </a:spcAft>
-              <a:buClrTx/>
-              <a:buSzTx/>
-              <a:buFontTx/>
-              <a:buNone/>
-              <a:tabLst/>
-              <a:defRPr/>
+              <a:t>The first is to show that Alfven waves couple to fast waves at the transition region if the background field is oblique to the solar surface.</a:t>
+            </a:r>
+          </a:p>
+          <a:p>
+            <a:pPr marL="171450" indent="-171450">
+              <a:buFont typeface="Arial" panose="020B0604020202020204" pitchFamily="34" charset="0"/>
+              <a:buChar char="•"/>
+            </a:pPr>
+            <a:r>
+              <a:rPr lang="en-GB" dirty="0"/>
+              <a:t>The second is to show that the polarisation of an Alfven wave changes upon reflection at the transition region.</a:t>
+            </a:r>
+          </a:p>
+          <a:p>
+            <a:pPr marL="171450" indent="-171450">
+              <a:buFont typeface="Arial" panose="020B0604020202020204" pitchFamily="34" charset="0"/>
+              <a:buChar char="•"/>
+            </a:pPr>
+            <a:r>
+              <a:rPr lang="en-GB" dirty="0"/>
+              <a:t>The third aim is to show that the validity of line-tied boundary conditions is dependent, counterintuitively, on the length scales tangential to the solar surface. This is relevant to resonant absorption where the length scales across the magnetic field can be very short.</a:t>
+            </a:r>
+          </a:p>
+          <a:p>
+            <a:pPr marL="171450" indent="-171450">
+              <a:buFont typeface="Arial" panose="020B0604020202020204" pitchFamily="34" charset="0"/>
+              <a:buChar char="•"/>
             </a:pPr>
             <a:endParaRPr lang="en-GB" dirty="0"/>
           </a:p>
           <a:p>
-            <a:pPr marL="0" marR="0" lvl="0" indent="0" algn="l" defTabSz="914400" rtl="0" eaLnBrk="1" fontAlgn="auto" latinLnBrk="0" hangingPunct="1">
-              <a:lnSpc>
-                <a:spcPct val="100000"/>
-              </a:lnSpc>
-              <a:spcBef>
-                <a:spcPts val="0"/>
-              </a:spcBef>
-              <a:spcAft>
-                <a:spcPts val="0"/>
-              </a:spcAft>
-              <a:buClrTx/>
-              <a:buSzTx/>
-              <a:buFontTx/>
+            <a:pPr marL="0" indent="0">
+              <a:buFont typeface="Arial" panose="020B0604020202020204" pitchFamily="34" charset="0"/>
               <a:buNone/>
-              <a:tabLst/>
-              <a:defRPr/>
             </a:pPr>
-            <a:r>
-              <a:rPr lang="en-GB" dirty="0"/>
-              <a:t>This quantity is really important later on in this chapter because I use it to show that phase mixing is not viable standalone heating mechanism because you can’t produce enough heat with observed wave amplitudes via the viscous and resistive dissipation of the gradients produced by phase mixing..</a:t>
-            </a:r>
-          </a:p>
-          <a:p>
             <a:endParaRPr lang="en-GB" dirty="0"/>
           </a:p>
         </p:txBody>
@@ -2567,7 +2456,7 @@
     </p:spTree>
     <p:extLst>
       <p:ext uri="{BB962C8B-B14F-4D97-AF65-F5344CB8AC3E}">
-        <p14:creationId xmlns:p14="http://schemas.microsoft.com/office/powerpoint/2010/main" val="709315399"/>
+        <p14:creationId xmlns:p14="http://schemas.microsoft.com/office/powerpoint/2010/main" val="2487833197"/>
       </p:ext>
     </p:extLst>
   </p:cSld>
@@ -2623,8 +2512,22 @@
           <a:p>
             <a:r>
               <a:rPr lang="en-GB" dirty="0"/>
-              <a:t>In the second section I introduce the model and equations I will use in this chapter.</a:t>
-            </a:r>
+              <a:t>The first 4 sections of this chapter are all basically introductory sections so I won’t go into them here. The fourth section here aims to introduce resonant resonant absorption and show some of its key features.</a:t>
+            </a:r>
+          </a:p>
+          <a:p>
+            <a:pPr marL="171450" indent="-171450">
+              <a:buFont typeface="Arial" panose="020B0604020202020204" pitchFamily="34" charset="0"/>
+              <a:buChar char="•"/>
+            </a:pPr>
+            <a:endParaRPr lang="en-GB" dirty="0"/>
+          </a:p>
+          <a:p>
+            <a:pPr marL="0" indent="0">
+              <a:buFont typeface="Arial" panose="020B0604020202020204" pitchFamily="34" charset="0"/>
+              <a:buNone/>
+            </a:pPr>
+            <a:endParaRPr lang="en-GB" dirty="0"/>
           </a:p>
         </p:txBody>
       </p:sp>
@@ -2654,7 +2557,7 @@
     </p:spTree>
     <p:extLst>
       <p:ext uri="{BB962C8B-B14F-4D97-AF65-F5344CB8AC3E}">
-        <p14:creationId xmlns:p14="http://schemas.microsoft.com/office/powerpoint/2010/main" val="1859306969"/>
+        <p14:creationId xmlns:p14="http://schemas.microsoft.com/office/powerpoint/2010/main" val="3127401397"/>
       </p:ext>
     </p:extLst>
   </p:cSld>
@@ -2710,24 +2613,7 @@
           <a:p>
             <a:r>
               <a:rPr lang="en-GB" dirty="0"/>
-              <a:t>The main goal in the third section is to rederive the equations which </a:t>
-            </a:r>
-            <a:r>
-              <a:rPr lang="en-GB" dirty="0" err="1"/>
-              <a:t>Heyvearts</a:t>
-            </a:r>
-            <a:r>
-              <a:rPr lang="en-GB" dirty="0"/>
-              <a:t> and Priest derived in their 1983 paper for phase-mixed Alfven waves in an open field. I then check it’s accurate by comparing the analytic formula with numerical solutions. </a:t>
-            </a:r>
-          </a:p>
-          <a:p>
-            <a:endParaRPr lang="en-GB" dirty="0"/>
-          </a:p>
-          <a:p>
-            <a:r>
-              <a:rPr lang="en-GB" dirty="0"/>
-              <a:t>This formula is useful because I combine this formula with the method of images formula I derived in section 2 the solution in a closed loop and leaky loop.</a:t>
+              <a:t>In the fifth section the goal is show that if the background field is oblique to the solar surface then the Alfven waves couple to fast waves upon reflection with the solar surface. I do this by imposing an incident Alfven then calculating the unique solution which keeps the velocity equal to zero at the boundary</a:t>
             </a:r>
           </a:p>
         </p:txBody>
@@ -2758,7 +2644,7 @@
     </p:spTree>
     <p:extLst>
       <p:ext uri="{BB962C8B-B14F-4D97-AF65-F5344CB8AC3E}">
-        <p14:creationId xmlns:p14="http://schemas.microsoft.com/office/powerpoint/2010/main" val="506988415"/>
+        <p14:creationId xmlns:p14="http://schemas.microsoft.com/office/powerpoint/2010/main" val="1664928254"/>
       </p:ext>
     </p:extLst>
   </p:cSld>
@@ -2814,7 +2700,7 @@
           <a:p>
             <a:r>
               <a:rPr lang="en-GB" dirty="0"/>
-              <a:t>In this section I calculate the solution in a closed loop and then verify it numerically. </a:t>
+              <a:t>In the sixth section, the goal is to check the validity of line-tied boundary conditions. I do this by using a piecewise constant background density and imposing continuity of the velocity and magnetic field at the interface. I then compare the results from this section with the previous section to see if they agree. We should see that the solutions agree if I make the density in the chromosphere very large. We do indeed find that the solutions mostly agree. However, if the length scales tangential to the solar surface are sufficiently short then the solutions start to disagree.</a:t>
             </a:r>
           </a:p>
           <a:p>
@@ -2823,15 +2709,23 @@
           <a:p>
             <a:r>
               <a:rPr lang="en-GB" dirty="0"/>
-              <a:t>But the main goal here is to calculate </a:t>
+              <a:t>We find that if </a:t>
             </a:r>
             <a:r>
               <a:rPr lang="en-GB" dirty="0" err="1"/>
-              <a:t>calculate</a:t>
+              <a:t>kx</a:t>
             </a:r>
             <a:r>
               <a:rPr lang="en-GB" dirty="0"/>
-              <a:t> an expression for the heating rate per unit of wave energy as I use this to show that phase mixing is not a viable standalone heating mechanism. </a:t>
+              <a:t> is very large then the </a:t>
+            </a:r>
+            <a:r>
+              <a:rPr lang="en-GB" dirty="0" err="1"/>
+              <a:t>lintied</a:t>
+            </a:r>
+            <a:r>
+              <a:rPr lang="en-GB" dirty="0"/>
+              <a:t> model gives very steep boundary layers, however, in the piecewise constant model, the boundary layers go away.</a:t>
             </a:r>
           </a:p>
           <a:p>
@@ -2840,8 +2734,25 @@
           <a:p>
             <a:r>
               <a:rPr lang="en-GB" dirty="0"/>
-              <a:t>I also investigate how adding multiple harmonics affects the heating rate per unit of wave energy and how changing the slope of the power spectrum effects it.</a:t>
-            </a:r>
+              <a:t>Given that the boundary layers go away for large </a:t>
+            </a:r>
+            <a:r>
+              <a:rPr lang="en-GB" dirty="0" err="1"/>
+              <a:t>kx</a:t>
+            </a:r>
+            <a:r>
+              <a:rPr lang="en-GB" dirty="0"/>
+              <a:t>. </a:t>
+            </a:r>
+          </a:p>
+          <a:p>
+            <a:r>
+              <a:rPr lang="en-GB" dirty="0"/>
+              <a:t>This means that they should not appear in an ideal resonant absorption experiment at the resonant location, provided a piecewise constant background density is used. This is because a singularity develops at the the resonant location which is equivalent to having an infinite wavenumber.</a:t>
+            </a:r>
+          </a:p>
+          <a:p>
+            <a:endParaRPr lang="en-GB" dirty="0"/>
           </a:p>
         </p:txBody>
       </p:sp>
@@ -2871,7 +2782,7 @@
     </p:spTree>
     <p:extLst>
       <p:ext uri="{BB962C8B-B14F-4D97-AF65-F5344CB8AC3E}">
-        <p14:creationId xmlns:p14="http://schemas.microsoft.com/office/powerpoint/2010/main" val="1298109422"/>
+        <p14:creationId xmlns:p14="http://schemas.microsoft.com/office/powerpoint/2010/main" val="3821027144"/>
       </p:ext>
     </p:extLst>
   </p:cSld>
@@ -2927,7 +2838,34 @@
           <a:p>
             <a:r>
               <a:rPr lang="en-GB" dirty="0"/>
-              <a:t>In the fifth section the main goal is to investigate how leakage effects the heating rate per unit of wave energy. It turns out that leakage further acts to decrease the heating rate per unit of wave energy. So this further strengthens the idea that phase mixing is not a viable standalone heating mechanism. Even if I don’t include leakage in the model we still find that that phase mixing is not a viable standalone heating mechanism.</a:t>
+              <a:t>In the seventh section, the goal is to to test this hypothesis.</a:t>
+            </a:r>
+          </a:p>
+          <a:p>
+            <a:endParaRPr lang="en-GB" dirty="0"/>
+          </a:p>
+          <a:p>
+            <a:r>
+              <a:rPr lang="en-GB" dirty="0"/>
+              <a:t>I do this by first calculating an analytic approximation.</a:t>
+            </a:r>
+          </a:p>
+          <a:p>
+            <a:endParaRPr lang="en-GB" dirty="0"/>
+          </a:p>
+          <a:p>
+            <a:r>
+              <a:rPr lang="en-GB" dirty="0"/>
+              <a:t>I then verify the analytic solution via a numerical approach.</a:t>
+            </a:r>
+          </a:p>
+          <a:p>
+            <a:endParaRPr lang="en-GB" dirty="0"/>
+          </a:p>
+          <a:p>
+            <a:r>
+              <a:rPr lang="en-GB" dirty="0"/>
+              <a:t>This section is probably the most involved section, but at the end of it we do indeed confirm that near the singularity in a resonant absorption experiment, the boundary layers are not present.</a:t>
             </a:r>
           </a:p>
         </p:txBody>
@@ -2958,7 +2896,7 @@
     </p:spTree>
     <p:extLst>
       <p:ext uri="{BB962C8B-B14F-4D97-AF65-F5344CB8AC3E}">
-        <p14:creationId xmlns:p14="http://schemas.microsoft.com/office/powerpoint/2010/main" val="22992873"/>
+        <p14:creationId xmlns:p14="http://schemas.microsoft.com/office/powerpoint/2010/main" val="2723528898"/>
       </p:ext>
     </p:extLst>
   </p:cSld>
@@ -3014,7 +2952,7 @@
           <a:p>
             <a:r>
               <a:rPr lang="en-GB" dirty="0"/>
-              <a:t>In the sixth chapter I bring together results from the chapter to make the case that phase mixing is not a viable standalone heating mechanism. There’s lots of physics which I neglect in my model but in this discussion I try to make the argument that ignoring this physics causes my model to overestimate the heating rate per unit of wave energy. Therefore, my estimate serves as an upper bound if my upper bound can’t give enough heat then we know a more physical model will also not give enough heat.</a:t>
+              <a:t>In the final section I give a summary and conclusion.</a:t>
             </a:r>
           </a:p>
         </p:txBody>
@@ -3045,7 +2983,7 @@
     </p:spTree>
     <p:extLst>
       <p:ext uri="{BB962C8B-B14F-4D97-AF65-F5344CB8AC3E}">
-        <p14:creationId xmlns:p14="http://schemas.microsoft.com/office/powerpoint/2010/main" val="915811317"/>
+        <p14:creationId xmlns:p14="http://schemas.microsoft.com/office/powerpoint/2010/main" val="3660968345"/>
       </p:ext>
     </p:extLst>
   </p:cSld>
@@ -3101,7 +3039,24 @@
           <a:p>
             <a:r>
               <a:rPr lang="en-GB" dirty="0"/>
-              <a:t>Finally, I end the chapter by summarising the results in a conclusion chapter.</a:t>
+              <a:t>That’s all I’ll say about chapter 4.</a:t>
+            </a:r>
+          </a:p>
+          <a:p>
+            <a:endParaRPr lang="en-GB" dirty="0"/>
+          </a:p>
+          <a:p>
+            <a:r>
+              <a:rPr lang="en-GB" dirty="0"/>
+              <a:t>I then give a conclusion and discussion of future work. One of the ideas I had for future work is the possibility of </a:t>
+            </a:r>
+            <a:r>
+              <a:rPr lang="en-GB" dirty="0" err="1"/>
+              <a:t>cotonal</a:t>
+            </a:r>
+            <a:r>
+              <a:rPr lang="en-GB" dirty="0"/>
+              <a:t> heating by fast waves or compressive waves.</a:t>
             </a:r>
           </a:p>
         </p:txBody>
@@ -3132,7 +3087,7 @@
     </p:spTree>
     <p:extLst>
       <p:ext uri="{BB962C8B-B14F-4D97-AF65-F5344CB8AC3E}">
-        <p14:creationId xmlns:p14="http://schemas.microsoft.com/office/powerpoint/2010/main" val="2381941844"/>
+        <p14:creationId xmlns:p14="http://schemas.microsoft.com/office/powerpoint/2010/main" val="2485107547"/>
       </p:ext>
     </p:extLst>
   </p:cSld>
@@ -3188,7 +3143,7 @@
           <a:p>
             <a:r>
               <a:rPr lang="en-GB" dirty="0"/>
-              <a:t>So that’s all I will say about the third chapter.</a:t>
+              <a:t>That’s all I’ll say about chapter 4.</a:t>
             </a:r>
           </a:p>
           <a:p>
@@ -3197,69 +3152,8 @@
           <a:p>
             <a:r>
               <a:rPr lang="en-GB" dirty="0"/>
-              <a:t>The fourth chapter is very similar to a paper I submitted to </a:t>
-            </a:r>
-            <a:r>
-              <a:rPr lang="en-GB" dirty="0" err="1"/>
-              <a:t>ApJ</a:t>
-            </a:r>
-            <a:r>
-              <a:rPr lang="en-GB" dirty="0"/>
-              <a:t> this year. The paper been approved by the referee I’m just wating to get the proofs.</a:t>
-            </a:r>
-          </a:p>
-          <a:p>
-            <a:endParaRPr lang="en-GB" dirty="0"/>
-          </a:p>
-          <a:p>
-            <a:r>
-              <a:rPr lang="en-GB" dirty="0"/>
-              <a:t>This chapter has three main aims:</a:t>
-            </a:r>
-          </a:p>
-          <a:p>
-            <a:pPr marL="171450" indent="-171450">
-              <a:buFont typeface="Arial" panose="020B0604020202020204" pitchFamily="34" charset="0"/>
-              <a:buChar char="•"/>
-            </a:pPr>
-            <a:r>
-              <a:rPr lang="en-GB" dirty="0"/>
-              <a:t>The first is to show that Alfven waves couple to fast waves at the transition region if the background field is oblique to the transition region.</a:t>
-            </a:r>
-          </a:p>
-          <a:p>
-            <a:pPr marL="171450" indent="-171450">
-              <a:buFont typeface="Arial" panose="020B0604020202020204" pitchFamily="34" charset="0"/>
-              <a:buChar char="•"/>
-            </a:pPr>
-            <a:r>
-              <a:rPr lang="en-GB" dirty="0"/>
-              <a:t>The second is to show that the polarisation of an Alfven wave changes upon reflection at the transition region.</a:t>
-            </a:r>
-          </a:p>
-          <a:p>
-            <a:pPr marL="171450" indent="-171450">
-              <a:buFont typeface="Arial" panose="020B0604020202020204" pitchFamily="34" charset="0"/>
-              <a:buChar char="•"/>
-            </a:pPr>
-            <a:r>
-              <a:rPr lang="en-GB" dirty="0"/>
-              <a:t>The third aim is to show that the validity of line-tied boundary conditions is dependent, counterintuitively, on the length scales tangential to the solar surface. This is relevant to resonant absorption where the length scales across the magnetic field can be very short.</a:t>
-            </a:r>
-          </a:p>
-          <a:p>
-            <a:pPr marL="171450" indent="-171450">
-              <a:buFont typeface="Arial" panose="020B0604020202020204" pitchFamily="34" charset="0"/>
-              <a:buChar char="•"/>
-            </a:pPr>
-            <a:endParaRPr lang="en-GB" dirty="0"/>
-          </a:p>
-          <a:p>
-            <a:pPr marL="0" indent="0">
-              <a:buFont typeface="Arial" panose="020B0604020202020204" pitchFamily="34" charset="0"/>
-              <a:buNone/>
-            </a:pPr>
-            <a:endParaRPr lang="en-GB" dirty="0"/>
+              <a:t>I then give a conclusion and discussion of future work.</a:t>
+            </a:r>
           </a:p>
         </p:txBody>
       </p:sp>
@@ -3289,7 +3183,7 @@
     </p:spTree>
     <p:extLst>
       <p:ext uri="{BB962C8B-B14F-4D97-AF65-F5344CB8AC3E}">
-        <p14:creationId xmlns:p14="http://schemas.microsoft.com/office/powerpoint/2010/main" val="2487833197"/>
+        <p14:creationId xmlns:p14="http://schemas.microsoft.com/office/powerpoint/2010/main" val="1552883892"/>
       </p:ext>
     </p:extLst>
   </p:cSld>
@@ -3343,78 +3237,14 @@
           <a:bodyPr/>
           <a:lstStyle/>
           <a:p>
-            <a:pPr marL="0" marR="0" lvl="0" indent="0" algn="l" defTabSz="914400" rtl="0" eaLnBrk="1" fontAlgn="auto" latinLnBrk="0" hangingPunct="1">
+            <a:pPr>
               <a:lnSpc>
-                <a:spcPct val="100000"/>
+                <a:spcPct val="107000"/>
               </a:lnSpc>
-              <a:spcBef>
-                <a:spcPts val="0"/>
-              </a:spcBef>
               <a:spcAft>
-                <a:spcPts val="0"/>
+                <a:spcPts val="800"/>
               </a:spcAft>
-              <a:buClrTx/>
-              <a:buSzTx/>
-              <a:buFontTx/>
-              <a:buNone/>
-              <a:tabLst/>
-              <a:defRPr/>
             </a:pPr>
-            <a:r>
-              <a:rPr lang="en-GB" dirty="0"/>
-              <a:t>Now I will go through the thesis chapter by chapter starting with the introduction chapter. </a:t>
-            </a:r>
-          </a:p>
-          <a:p>
-            <a:pPr marL="0" marR="0" lvl="0" indent="0" algn="l" defTabSz="914400" rtl="0" eaLnBrk="1" fontAlgn="auto" latinLnBrk="0" hangingPunct="1">
-              <a:lnSpc>
-                <a:spcPct val="100000"/>
-              </a:lnSpc>
-              <a:spcBef>
-                <a:spcPts val="0"/>
-              </a:spcBef>
-              <a:spcAft>
-                <a:spcPts val="0"/>
-              </a:spcAft>
-              <a:buClrTx/>
-              <a:buSzTx/>
-              <a:buFontTx/>
-              <a:buNone/>
-              <a:tabLst/>
-              <a:defRPr/>
-            </a:pPr>
-            <a:endParaRPr lang="en-GB" sz="1200" dirty="0">
-              <a:effectLst/>
-              <a:latin typeface="Calibri" panose="020F0502020204030204" pitchFamily="34" charset="0"/>
-              <a:cs typeface="Times New Roman" panose="02020603050405020304" pitchFamily="18" charset="0"/>
-            </a:endParaRPr>
-          </a:p>
-          <a:p>
-            <a:pPr marL="0" marR="0" lvl="0" indent="0" algn="l" defTabSz="914400" rtl="0" eaLnBrk="1" fontAlgn="auto" latinLnBrk="0" hangingPunct="1">
-              <a:lnSpc>
-                <a:spcPct val="100000"/>
-              </a:lnSpc>
-              <a:spcBef>
-                <a:spcPts val="0"/>
-              </a:spcBef>
-              <a:spcAft>
-                <a:spcPts val="0"/>
-              </a:spcAft>
-              <a:buClrTx/>
-              <a:buSzTx/>
-              <a:buFontTx/>
-              <a:buNone/>
-              <a:tabLst/>
-              <a:defRPr/>
-            </a:pPr>
-            <a:r>
-              <a:rPr lang="en-GB" sz="1200" dirty="0">
-                <a:effectLst/>
-                <a:latin typeface="Calibri" panose="020F0502020204030204" pitchFamily="34" charset="0"/>
-                <a:cs typeface="Times New Roman" panose="02020603050405020304" pitchFamily="18" charset="0"/>
-              </a:rPr>
-              <a:t>M</a:t>
-            </a:r>
             <a:r>
               <a:rPr lang="en-GB" sz="1200" dirty="0">
                 <a:effectLst/>
@@ -3422,7 +3252,77 @@
                 <a:ea typeface="Calibri" panose="020F0502020204030204" pitchFamily="34" charset="0"/>
                 <a:cs typeface="Times New Roman" panose="02020603050405020304" pitchFamily="18" charset="0"/>
               </a:rPr>
-              <a:t>y goal with this chapter is to introduce the main equations and terminology I will use throughout the thesis.</a:t>
+              <a:t>I will start by discussing chapter 2. If we have time I will talk about the introductory chapter at the end.</a:t>
+            </a:r>
+          </a:p>
+          <a:p>
+            <a:pPr>
+              <a:lnSpc>
+                <a:spcPct val="107000"/>
+              </a:lnSpc>
+              <a:spcAft>
+                <a:spcPts val="800"/>
+              </a:spcAft>
+            </a:pPr>
+            <a:endParaRPr lang="en-GB" sz="1200" dirty="0">
+              <a:effectLst/>
+              <a:latin typeface="Calibri" panose="020F0502020204030204" pitchFamily="34" charset="0"/>
+              <a:ea typeface="Calibri" panose="020F0502020204030204" pitchFamily="34" charset="0"/>
+              <a:cs typeface="Times New Roman" panose="02020603050405020304" pitchFamily="18" charset="0"/>
+            </a:endParaRPr>
+          </a:p>
+          <a:p>
+            <a:pPr>
+              <a:lnSpc>
+                <a:spcPct val="107000"/>
+              </a:lnSpc>
+              <a:spcAft>
+                <a:spcPts val="800"/>
+              </a:spcAft>
+            </a:pPr>
+            <a:r>
+              <a:rPr lang="en-GB" sz="1200" dirty="0">
+                <a:effectLst/>
+                <a:latin typeface="Calibri" panose="020F0502020204030204" pitchFamily="34" charset="0"/>
+                <a:ea typeface="Calibri" panose="020F0502020204030204" pitchFamily="34" charset="0"/>
+                <a:cs typeface="Times New Roman" panose="02020603050405020304" pitchFamily="18" charset="0"/>
+              </a:rPr>
+              <a:t>In chapter 2, my goal is to introduce some of the most relevant facts about footpoint driven Alfven waves for this thesis. </a:t>
+            </a:r>
+          </a:p>
+          <a:p>
+            <a:pPr>
+              <a:lnSpc>
+                <a:spcPct val="107000"/>
+              </a:lnSpc>
+              <a:spcAft>
+                <a:spcPts val="800"/>
+              </a:spcAft>
+            </a:pPr>
+            <a:endParaRPr lang="en-GB" sz="1200" dirty="0">
+              <a:effectLst/>
+              <a:latin typeface="Calibri" panose="020F0502020204030204" pitchFamily="34" charset="0"/>
+              <a:ea typeface="Calibri" panose="020F0502020204030204" pitchFamily="34" charset="0"/>
+              <a:cs typeface="Times New Roman" panose="02020603050405020304" pitchFamily="18" charset="0"/>
+            </a:endParaRPr>
+          </a:p>
+          <a:p>
+            <a:pPr>
+              <a:lnSpc>
+                <a:spcPct val="107000"/>
+              </a:lnSpc>
+              <a:spcAft>
+                <a:spcPts val="800"/>
+              </a:spcAft>
+            </a:pPr>
+            <a:r>
+              <a:rPr lang="en-GB" sz="1200" dirty="0">
+                <a:effectLst/>
+                <a:latin typeface="Calibri" panose="020F0502020204030204" pitchFamily="34" charset="0"/>
+                <a:ea typeface="Calibri" panose="020F0502020204030204" pitchFamily="34" charset="0"/>
+                <a:cs typeface="Times New Roman" panose="02020603050405020304" pitchFamily="18" charset="0"/>
+              </a:rPr>
+              <a:t>I think this chapter reads like a cross between an introductory chapter and a research chapter. I talk about lots of results that are already quite well known, so I think I would struggle to write a paper based on this content. However, I think I the way I derive many of the results is original so it could perhaps make it in to some sort of review paper.</a:t>
             </a:r>
           </a:p>
         </p:txBody>
@@ -3453,7 +3353,7 @@
     </p:spTree>
     <p:extLst>
       <p:ext uri="{BB962C8B-B14F-4D97-AF65-F5344CB8AC3E}">
-        <p14:creationId xmlns:p14="http://schemas.microsoft.com/office/powerpoint/2010/main" val="3663696700"/>
+        <p14:creationId xmlns:p14="http://schemas.microsoft.com/office/powerpoint/2010/main" val="2226684155"/>
       </p:ext>
     </p:extLst>
   </p:cSld>
@@ -3509,22 +3409,8 @@
           <a:p>
             <a:r>
               <a:rPr lang="en-GB" dirty="0"/>
-              <a:t>The first 4 sections of this chapter are all basically introductory chapters so I won’t go into them here.</a:t>
-            </a:r>
-          </a:p>
-          <a:p>
-            <a:pPr marL="171450" indent="-171450">
-              <a:buFont typeface="Arial" panose="020B0604020202020204" pitchFamily="34" charset="0"/>
-              <a:buChar char="•"/>
-            </a:pPr>
-            <a:endParaRPr lang="en-GB" dirty="0"/>
-          </a:p>
-          <a:p>
-            <a:pPr marL="0" indent="0">
-              <a:buFont typeface="Arial" panose="020B0604020202020204" pitchFamily="34" charset="0"/>
-              <a:buNone/>
-            </a:pPr>
-            <a:endParaRPr lang="en-GB" dirty="0"/>
+              <a:t>Finally, in the appendix, I follow-up one of the ideas I have for further study. Which is the possibility that the viscous dissipation of compressive waves could play a significant role in coronal heating. The reason I think further study could be interesting, is because the viscosity dissipates compressive gradients and gradients parallel to the magnetic field of the order 10^10 more efficiently than transverse gradients.</a:t>
+            </a:r>
           </a:p>
         </p:txBody>
       </p:sp>
@@ -3554,7 +3440,7 @@
     </p:spTree>
     <p:extLst>
       <p:ext uri="{BB962C8B-B14F-4D97-AF65-F5344CB8AC3E}">
-        <p14:creationId xmlns:p14="http://schemas.microsoft.com/office/powerpoint/2010/main" val="3127401397"/>
+        <p14:creationId xmlns:p14="http://schemas.microsoft.com/office/powerpoint/2010/main" val="795329814"/>
       </p:ext>
     </p:extLst>
   </p:cSld>
@@ -3608,29 +3494,87 @@
           <a:bodyPr/>
           <a:lstStyle/>
           <a:p>
+            <a:pPr marL="0" marR="0" lvl="0" indent="0" algn="l" defTabSz="914400" rtl="0" eaLnBrk="1" fontAlgn="auto" latinLnBrk="0" hangingPunct="1">
+              <a:lnSpc>
+                <a:spcPct val="100000"/>
+              </a:lnSpc>
+              <a:spcBef>
+                <a:spcPts val="0"/>
+              </a:spcBef>
+              <a:spcAft>
+                <a:spcPts val="0"/>
+              </a:spcAft>
+              <a:buClrTx/>
+              <a:buSzTx/>
+              <a:buFontTx/>
+              <a:buNone/>
+              <a:tabLst/>
+              <a:defRPr/>
+            </a:pPr>
             <a:r>
               <a:rPr lang="en-GB" dirty="0"/>
-              <a:t>In the fifth section the goal is show that if the field is oblique to the solar surface then the fast waves and </a:t>
-            </a:r>
-            <a:r>
-              <a:rPr lang="en-GB"/>
-              <a:t>Alfven waves </a:t>
-            </a:r>
-            <a:endParaRPr lang="en-GB" dirty="0"/>
-          </a:p>
-          <a:p>
-            <a:pPr marL="171450" indent="-171450">
-              <a:buFont typeface="Arial" panose="020B0604020202020204" pitchFamily="34" charset="0"/>
-              <a:buChar char="•"/>
+              <a:t>Now I will go through the thesis chapter by chapter starting with the introduction chapter. </a:t>
+            </a:r>
+          </a:p>
+          <a:p>
+            <a:pPr marL="0" marR="0" lvl="0" indent="0" algn="l" defTabSz="914400" rtl="0" eaLnBrk="1" fontAlgn="auto" latinLnBrk="0" hangingPunct="1">
+              <a:lnSpc>
+                <a:spcPct val="100000"/>
+              </a:lnSpc>
+              <a:spcBef>
+                <a:spcPts val="0"/>
+              </a:spcBef>
+              <a:spcAft>
+                <a:spcPts val="0"/>
+              </a:spcAft>
+              <a:buClrTx/>
+              <a:buSzTx/>
+              <a:buFontTx/>
+              <a:buNone/>
+              <a:tabLst/>
+              <a:defRPr/>
             </a:pPr>
-            <a:endParaRPr lang="en-GB" dirty="0"/>
-          </a:p>
-          <a:p>
-            <a:pPr marL="0" indent="0">
-              <a:buFont typeface="Arial" panose="020B0604020202020204" pitchFamily="34" charset="0"/>
+            <a:endParaRPr lang="en-GB" sz="1200" dirty="0">
+              <a:effectLst/>
+              <a:latin typeface="Calibri" panose="020F0502020204030204" pitchFamily="34" charset="0"/>
+              <a:cs typeface="Times New Roman" panose="02020603050405020304" pitchFamily="18" charset="0"/>
+            </a:endParaRPr>
+          </a:p>
+          <a:p>
+            <a:pPr marL="0" marR="0" lvl="0" indent="0" algn="l" defTabSz="914400" rtl="0" eaLnBrk="1" fontAlgn="auto" latinLnBrk="0" hangingPunct="1">
+              <a:lnSpc>
+                <a:spcPct val="100000"/>
+              </a:lnSpc>
+              <a:spcBef>
+                <a:spcPts val="0"/>
+              </a:spcBef>
+              <a:spcAft>
+                <a:spcPts val="0"/>
+              </a:spcAft>
+              <a:buClrTx/>
+              <a:buSzTx/>
+              <a:buFontTx/>
               <a:buNone/>
+              <a:tabLst/>
+              <a:defRPr/>
             </a:pPr>
-            <a:endParaRPr lang="en-GB" dirty="0"/>
+            <a:r>
+              <a:rPr lang="en-GB" sz="1200" dirty="0">
+                <a:effectLst/>
+                <a:latin typeface="Calibri" panose="020F0502020204030204" pitchFamily="34" charset="0"/>
+                <a:cs typeface="Times New Roman" panose="02020603050405020304" pitchFamily="18" charset="0"/>
+              </a:rPr>
+              <a:t>M</a:t>
+            </a:r>
+            <a:r>
+              <a:rPr lang="en-GB" sz="1200" dirty="0">
+                <a:effectLst/>
+                <a:latin typeface="Calibri" panose="020F0502020204030204" pitchFamily="34" charset="0"/>
+                <a:ea typeface="Calibri" panose="020F0502020204030204" pitchFamily="34" charset="0"/>
+                <a:cs typeface="Times New Roman" panose="02020603050405020304" pitchFamily="18" charset="0"/>
+              </a:rPr>
+              <a:t>y goal with this chapter is to introduce the main equations and terminology I will use throughout the thesis.</a:t>
+            </a:r>
           </a:p>
         </p:txBody>
       </p:sp>
@@ -3660,7 +3604,799 @@
     </p:spTree>
     <p:extLst>
       <p:ext uri="{BB962C8B-B14F-4D97-AF65-F5344CB8AC3E}">
-        <p14:creationId xmlns:p14="http://schemas.microsoft.com/office/powerpoint/2010/main" val="1664928254"/>
+        <p14:creationId xmlns:p14="http://schemas.microsoft.com/office/powerpoint/2010/main" val="3663696700"/>
+      </p:ext>
+    </p:extLst>
+  </p:cSld>
+  <p:clrMapOvr>
+    <a:masterClrMapping/>
+  </p:clrMapOvr>
+</p:notes>
+</file>
+
+<file path=ppt/notesSlides/notesSlide32.xml><?xml version="1.0" encoding="utf-8"?>
+<p:notes xmlns:a="http://schemas.openxmlformats.org/drawingml/2006/main" xmlns:r="http://schemas.openxmlformats.org/officeDocument/2006/relationships" xmlns:p="http://schemas.openxmlformats.org/presentationml/2006/main">
+  <p:cSld>
+    <p:spTree>
+      <p:nvGrpSpPr>
+        <p:cNvPr id="1" name=""/>
+        <p:cNvGrpSpPr/>
+        <p:nvPr/>
+      </p:nvGrpSpPr>
+      <p:grpSpPr>
+        <a:xfrm>
+          <a:off x="0" y="0"/>
+          <a:ext cx="0" cy="0"/>
+          <a:chOff x="0" y="0"/>
+          <a:chExt cx="0" cy="0"/>
+        </a:xfrm>
+      </p:grpSpPr>
+      <p:sp>
+        <p:nvSpPr>
+          <p:cNvPr id="2" name="Slide Image Placeholder 1"/>
+          <p:cNvSpPr>
+            <a:spLocks noGrp="1" noRot="1" noChangeAspect="1"/>
+          </p:cNvSpPr>
+          <p:nvPr>
+            <p:ph type="sldImg"/>
+          </p:nvPr>
+        </p:nvSpPr>
+        <p:spPr/>
+      </p:sp>
+      <p:sp>
+        <p:nvSpPr>
+          <p:cNvPr id="3" name="Notes Placeholder 2"/>
+          <p:cNvSpPr>
+            <a:spLocks noGrp="1"/>
+          </p:cNvSpPr>
+          <p:nvPr>
+            <p:ph type="body" idx="1"/>
+          </p:nvPr>
+        </p:nvSpPr>
+        <p:spPr/>
+        <p:txBody>
+          <a:bodyPr/>
+          <a:lstStyle/>
+          <a:p>
+            <a:pPr marL="0" marR="0" lvl="0" indent="0" algn="l" defTabSz="914400" rtl="0" eaLnBrk="1" fontAlgn="auto" latinLnBrk="0" hangingPunct="1">
+              <a:lnSpc>
+                <a:spcPct val="100000"/>
+              </a:lnSpc>
+              <a:spcBef>
+                <a:spcPts val="0"/>
+              </a:spcBef>
+              <a:spcAft>
+                <a:spcPts val="0"/>
+              </a:spcAft>
+              <a:buClrTx/>
+              <a:buSzTx/>
+              <a:buFontTx/>
+              <a:buNone/>
+              <a:tabLst/>
+              <a:defRPr/>
+            </a:pPr>
+            <a:r>
+              <a:rPr lang="en-GB" sz="1200" dirty="0">
+                <a:effectLst/>
+                <a:latin typeface="Calibri" panose="020F0502020204030204" pitchFamily="34" charset="0"/>
+                <a:cs typeface="Times New Roman" panose="02020603050405020304" pitchFamily="18" charset="0"/>
+              </a:rPr>
+              <a:t>The first section aims to introduce some basic facts about the solar atmosphere. I want to make sure the reader knows what I mean when I say words like photosphere, transition region, quiet sun, active region etc</a:t>
+            </a:r>
+          </a:p>
+        </p:txBody>
+      </p:sp>
+      <p:sp>
+        <p:nvSpPr>
+          <p:cNvPr id="4" name="Slide Number Placeholder 3"/>
+          <p:cNvSpPr>
+            <a:spLocks noGrp="1"/>
+          </p:cNvSpPr>
+          <p:nvPr>
+            <p:ph type="sldNum" sz="quarter" idx="5"/>
+          </p:nvPr>
+        </p:nvSpPr>
+        <p:spPr/>
+        <p:txBody>
+          <a:bodyPr/>
+          <a:lstStyle/>
+          <a:p>
+            <a:fld id="{1E87CAF0-729D-43D8-91D5-D499CDCACC7E}" type="slidenum">
+              <a:rPr lang="en-GB" smtClean="0"/>
+              <a:t>32</a:t>
+            </a:fld>
+            <a:endParaRPr lang="en-GB"/>
+          </a:p>
+        </p:txBody>
+      </p:sp>
+    </p:spTree>
+    <p:extLst>
+      <p:ext uri="{BB962C8B-B14F-4D97-AF65-F5344CB8AC3E}">
+        <p14:creationId xmlns:p14="http://schemas.microsoft.com/office/powerpoint/2010/main" val="1286531437"/>
+      </p:ext>
+    </p:extLst>
+  </p:cSld>
+  <p:clrMapOvr>
+    <a:masterClrMapping/>
+  </p:clrMapOvr>
+</p:notes>
+</file>
+
+<file path=ppt/notesSlides/notesSlide33.xml><?xml version="1.0" encoding="utf-8"?>
+<p:notes xmlns:a="http://schemas.openxmlformats.org/drawingml/2006/main" xmlns:r="http://schemas.openxmlformats.org/officeDocument/2006/relationships" xmlns:p="http://schemas.openxmlformats.org/presentationml/2006/main">
+  <p:cSld>
+    <p:spTree>
+      <p:nvGrpSpPr>
+        <p:cNvPr id="1" name=""/>
+        <p:cNvGrpSpPr/>
+        <p:nvPr/>
+      </p:nvGrpSpPr>
+      <p:grpSpPr>
+        <a:xfrm>
+          <a:off x="0" y="0"/>
+          <a:ext cx="0" cy="0"/>
+          <a:chOff x="0" y="0"/>
+          <a:chExt cx="0" cy="0"/>
+        </a:xfrm>
+      </p:grpSpPr>
+      <p:sp>
+        <p:nvSpPr>
+          <p:cNvPr id="2" name="Slide Image Placeholder 1"/>
+          <p:cNvSpPr>
+            <a:spLocks noGrp="1" noRot="1" noChangeAspect="1"/>
+          </p:cNvSpPr>
+          <p:nvPr>
+            <p:ph type="sldImg"/>
+          </p:nvPr>
+        </p:nvSpPr>
+        <p:spPr/>
+      </p:sp>
+      <p:sp>
+        <p:nvSpPr>
+          <p:cNvPr id="3" name="Notes Placeholder 2"/>
+          <p:cNvSpPr>
+            <a:spLocks noGrp="1"/>
+          </p:cNvSpPr>
+          <p:nvPr>
+            <p:ph type="body" idx="1"/>
+          </p:nvPr>
+        </p:nvSpPr>
+        <p:spPr/>
+        <p:txBody>
+          <a:bodyPr/>
+          <a:lstStyle/>
+          <a:p>
+            <a:pPr marL="0" marR="0" lvl="0" indent="0" algn="l" defTabSz="914400" rtl="0" eaLnBrk="1" fontAlgn="auto" latinLnBrk="0" hangingPunct="1">
+              <a:lnSpc>
+                <a:spcPct val="100000"/>
+              </a:lnSpc>
+              <a:spcBef>
+                <a:spcPts val="0"/>
+              </a:spcBef>
+              <a:spcAft>
+                <a:spcPts val="0"/>
+              </a:spcAft>
+              <a:buClrTx/>
+              <a:buSzTx/>
+              <a:buFontTx/>
+              <a:buNone/>
+              <a:tabLst/>
+              <a:defRPr/>
+            </a:pPr>
+            <a:r>
+              <a:rPr lang="en-GB" sz="1200" dirty="0">
+                <a:effectLst/>
+                <a:latin typeface="Calibri" panose="020F0502020204030204" pitchFamily="34" charset="0"/>
+                <a:cs typeface="Times New Roman" panose="02020603050405020304" pitchFamily="18" charset="0"/>
+              </a:rPr>
+              <a:t>The second section aims to give an introduction to the coronal heating. I thought it would be good to introduce the coronal heating problem here because I go in to a lot of detail about a specific coronal heating mechanism, namely, phase mixing in chapter 3. I also talk about coronal heating in the appendix. </a:t>
+            </a:r>
+          </a:p>
+        </p:txBody>
+      </p:sp>
+      <p:sp>
+        <p:nvSpPr>
+          <p:cNvPr id="4" name="Slide Number Placeholder 3"/>
+          <p:cNvSpPr>
+            <a:spLocks noGrp="1"/>
+          </p:cNvSpPr>
+          <p:nvPr>
+            <p:ph type="sldNum" sz="quarter" idx="5"/>
+          </p:nvPr>
+        </p:nvSpPr>
+        <p:spPr/>
+        <p:txBody>
+          <a:bodyPr/>
+          <a:lstStyle/>
+          <a:p>
+            <a:fld id="{1E87CAF0-729D-43D8-91D5-D499CDCACC7E}" type="slidenum">
+              <a:rPr lang="en-GB" smtClean="0"/>
+              <a:t>33</a:t>
+            </a:fld>
+            <a:endParaRPr lang="en-GB"/>
+          </a:p>
+        </p:txBody>
+      </p:sp>
+    </p:spTree>
+    <p:extLst>
+      <p:ext uri="{BB962C8B-B14F-4D97-AF65-F5344CB8AC3E}">
+        <p14:creationId xmlns:p14="http://schemas.microsoft.com/office/powerpoint/2010/main" val="3981504322"/>
+      </p:ext>
+    </p:extLst>
+  </p:cSld>
+  <p:clrMapOvr>
+    <a:masterClrMapping/>
+  </p:clrMapOvr>
+</p:notes>
+</file>
+
+<file path=ppt/notesSlides/notesSlide34.xml><?xml version="1.0" encoding="utf-8"?>
+<p:notes xmlns:a="http://schemas.openxmlformats.org/drawingml/2006/main" xmlns:r="http://schemas.openxmlformats.org/officeDocument/2006/relationships" xmlns:p="http://schemas.openxmlformats.org/presentationml/2006/main">
+  <p:cSld>
+    <p:spTree>
+      <p:nvGrpSpPr>
+        <p:cNvPr id="1" name=""/>
+        <p:cNvGrpSpPr/>
+        <p:nvPr/>
+      </p:nvGrpSpPr>
+      <p:grpSpPr>
+        <a:xfrm>
+          <a:off x="0" y="0"/>
+          <a:ext cx="0" cy="0"/>
+          <a:chOff x="0" y="0"/>
+          <a:chExt cx="0" cy="0"/>
+        </a:xfrm>
+      </p:grpSpPr>
+      <p:sp>
+        <p:nvSpPr>
+          <p:cNvPr id="2" name="Slide Image Placeholder 1"/>
+          <p:cNvSpPr>
+            <a:spLocks noGrp="1" noRot="1" noChangeAspect="1"/>
+          </p:cNvSpPr>
+          <p:nvPr>
+            <p:ph type="sldImg"/>
+          </p:nvPr>
+        </p:nvSpPr>
+        <p:spPr/>
+      </p:sp>
+      <p:sp>
+        <p:nvSpPr>
+          <p:cNvPr id="3" name="Notes Placeholder 2"/>
+          <p:cNvSpPr>
+            <a:spLocks noGrp="1"/>
+          </p:cNvSpPr>
+          <p:nvPr>
+            <p:ph type="body" idx="1"/>
+          </p:nvPr>
+        </p:nvSpPr>
+        <p:spPr/>
+        <p:txBody>
+          <a:bodyPr/>
+          <a:lstStyle/>
+          <a:p>
+            <a:pPr marL="0" marR="0" lvl="0" indent="0" algn="l" defTabSz="914400" rtl="0" eaLnBrk="1" fontAlgn="auto" latinLnBrk="0" hangingPunct="1">
+              <a:lnSpc>
+                <a:spcPct val="100000"/>
+              </a:lnSpc>
+              <a:spcBef>
+                <a:spcPts val="0"/>
+              </a:spcBef>
+              <a:spcAft>
+                <a:spcPts val="0"/>
+              </a:spcAft>
+              <a:buClrTx/>
+              <a:buSzTx/>
+              <a:buFontTx/>
+              <a:buNone/>
+              <a:tabLst/>
+              <a:defRPr/>
+            </a:pPr>
+            <a:r>
+              <a:rPr lang="en-GB" sz="1200" dirty="0">
+                <a:effectLst/>
+                <a:latin typeface="Calibri" panose="020F0502020204030204" pitchFamily="34" charset="0"/>
+                <a:cs typeface="Times New Roman" panose="02020603050405020304" pitchFamily="18" charset="0"/>
+              </a:rPr>
+              <a:t>The third section aims to introduce the MHD equations and some of the critical assumptions. </a:t>
+            </a:r>
+            <a:r>
+              <a:rPr lang="en-GB" sz="1200" dirty="0">
+                <a:effectLst/>
+                <a:latin typeface="Calibri" panose="020F0502020204030204" pitchFamily="34" charset="0"/>
+                <a:ea typeface="Calibri" panose="020F0502020204030204" pitchFamily="34" charset="0"/>
+                <a:cs typeface="Times New Roman" panose="02020603050405020304" pitchFamily="18" charset="0"/>
+              </a:rPr>
+              <a:t>. </a:t>
+            </a:r>
+          </a:p>
+          <a:p>
+            <a:pPr marL="0" marR="0" lvl="0" indent="0" algn="l" defTabSz="914400" rtl="0" eaLnBrk="1" fontAlgn="auto" latinLnBrk="0" hangingPunct="1">
+              <a:lnSpc>
+                <a:spcPct val="100000"/>
+              </a:lnSpc>
+              <a:spcBef>
+                <a:spcPts val="0"/>
+              </a:spcBef>
+              <a:spcAft>
+                <a:spcPts val="0"/>
+              </a:spcAft>
+              <a:buClrTx/>
+              <a:buSzTx/>
+              <a:buFontTx/>
+              <a:buNone/>
+              <a:tabLst/>
+              <a:defRPr/>
+            </a:pPr>
+            <a:endParaRPr lang="en-GB" sz="1200" dirty="0">
+              <a:effectLst/>
+              <a:latin typeface="Calibri" panose="020F0502020204030204" pitchFamily="34" charset="0"/>
+              <a:ea typeface="Calibri" panose="020F0502020204030204" pitchFamily="34" charset="0"/>
+              <a:cs typeface="Times New Roman" panose="02020603050405020304" pitchFamily="18" charset="0"/>
+            </a:endParaRPr>
+          </a:p>
+          <a:p>
+            <a:pPr marL="0" marR="0" lvl="0" indent="0" algn="l" defTabSz="914400" rtl="0" eaLnBrk="1" fontAlgn="auto" latinLnBrk="0" hangingPunct="1">
+              <a:lnSpc>
+                <a:spcPct val="100000"/>
+              </a:lnSpc>
+              <a:spcBef>
+                <a:spcPts val="0"/>
+              </a:spcBef>
+              <a:spcAft>
+                <a:spcPts val="0"/>
+              </a:spcAft>
+              <a:buClrTx/>
+              <a:buSzTx/>
+              <a:buFontTx/>
+              <a:buNone/>
+              <a:tabLst/>
+              <a:defRPr/>
+            </a:pPr>
+            <a:r>
+              <a:rPr lang="en-GB" sz="1200" dirty="0">
+                <a:effectLst/>
+                <a:latin typeface="Calibri" panose="020F0502020204030204" pitchFamily="34" charset="0"/>
+                <a:ea typeface="Calibri" panose="020F0502020204030204" pitchFamily="34" charset="0"/>
+                <a:cs typeface="Times New Roman" panose="02020603050405020304" pitchFamily="18" charset="0"/>
+              </a:rPr>
+              <a:t>I thought it was important to show when the length scales are too short for the plasma to be modelled as collisional because, in the later chapters, very short length scales form due to phase mixing. I think most PhD students in this field have a section in their introduction very similar to this. </a:t>
+            </a:r>
+          </a:p>
+          <a:p>
+            <a:pPr marL="0" marR="0" lvl="0" indent="0" algn="l" defTabSz="914400" rtl="0" eaLnBrk="1" fontAlgn="auto" latinLnBrk="0" hangingPunct="1">
+              <a:lnSpc>
+                <a:spcPct val="100000"/>
+              </a:lnSpc>
+              <a:spcBef>
+                <a:spcPts val="0"/>
+              </a:spcBef>
+              <a:spcAft>
+                <a:spcPts val="0"/>
+              </a:spcAft>
+              <a:buClrTx/>
+              <a:buSzTx/>
+              <a:buFontTx/>
+              <a:buNone/>
+              <a:tabLst/>
+              <a:defRPr/>
+            </a:pPr>
+            <a:endParaRPr lang="en-GB" sz="1200" dirty="0">
+              <a:effectLst/>
+              <a:latin typeface="Calibri" panose="020F0502020204030204" pitchFamily="34" charset="0"/>
+              <a:ea typeface="Calibri" panose="020F0502020204030204" pitchFamily="34" charset="0"/>
+              <a:cs typeface="Times New Roman" panose="02020603050405020304" pitchFamily="18" charset="0"/>
+            </a:endParaRPr>
+          </a:p>
+          <a:p>
+            <a:pPr marL="0" marR="0" lvl="0" indent="0" algn="l" defTabSz="914400" rtl="0" eaLnBrk="1" fontAlgn="auto" latinLnBrk="0" hangingPunct="1">
+              <a:lnSpc>
+                <a:spcPct val="100000"/>
+              </a:lnSpc>
+              <a:spcBef>
+                <a:spcPts val="0"/>
+              </a:spcBef>
+              <a:spcAft>
+                <a:spcPts val="0"/>
+              </a:spcAft>
+              <a:buClrTx/>
+              <a:buSzTx/>
+              <a:buFontTx/>
+              <a:buNone/>
+              <a:tabLst/>
+              <a:defRPr/>
+            </a:pPr>
+            <a:r>
+              <a:rPr lang="en-GB" sz="1200" dirty="0">
+                <a:effectLst/>
+                <a:latin typeface="Calibri" panose="020F0502020204030204" pitchFamily="34" charset="0"/>
+                <a:ea typeface="Calibri" panose="020F0502020204030204" pitchFamily="34" charset="0"/>
+                <a:cs typeface="Times New Roman" panose="02020603050405020304" pitchFamily="18" charset="0"/>
+              </a:rPr>
+              <a:t>I go into more detail about the viscosity tensor than I think most other PhD students would. I do this because, in chapter 3, I make strong claims about phase mixing as a coronal heating mechanism. I also propose the dissipation of fast waves as a possible heating mechanism in the appendix. My claims are heavily reliant on modelling the resistivity and viscosity correctly. So I thought it was worth spending a bit of extra time clearly defining how I model the viscosity.</a:t>
+            </a:r>
+            <a:endParaRPr lang="en-GB" dirty="0"/>
+          </a:p>
+        </p:txBody>
+      </p:sp>
+      <p:sp>
+        <p:nvSpPr>
+          <p:cNvPr id="4" name="Slide Number Placeholder 3"/>
+          <p:cNvSpPr>
+            <a:spLocks noGrp="1"/>
+          </p:cNvSpPr>
+          <p:nvPr>
+            <p:ph type="sldNum" sz="quarter" idx="5"/>
+          </p:nvPr>
+        </p:nvSpPr>
+        <p:spPr/>
+        <p:txBody>
+          <a:bodyPr/>
+          <a:lstStyle/>
+          <a:p>
+            <a:fld id="{1E87CAF0-729D-43D8-91D5-D499CDCACC7E}" type="slidenum">
+              <a:rPr lang="en-GB" smtClean="0"/>
+              <a:t>34</a:t>
+            </a:fld>
+            <a:endParaRPr lang="en-GB"/>
+          </a:p>
+        </p:txBody>
+      </p:sp>
+    </p:spTree>
+    <p:extLst>
+      <p:ext uri="{BB962C8B-B14F-4D97-AF65-F5344CB8AC3E}">
+        <p14:creationId xmlns:p14="http://schemas.microsoft.com/office/powerpoint/2010/main" val="587528790"/>
+      </p:ext>
+    </p:extLst>
+  </p:cSld>
+  <p:clrMapOvr>
+    <a:masterClrMapping/>
+  </p:clrMapOvr>
+</p:notes>
+</file>
+
+<file path=ppt/notesSlides/notesSlide35.xml><?xml version="1.0" encoding="utf-8"?>
+<p:notes xmlns:a="http://schemas.openxmlformats.org/drawingml/2006/main" xmlns:r="http://schemas.openxmlformats.org/officeDocument/2006/relationships" xmlns:p="http://schemas.openxmlformats.org/presentationml/2006/main">
+  <p:cSld>
+    <p:spTree>
+      <p:nvGrpSpPr>
+        <p:cNvPr id="1" name=""/>
+        <p:cNvGrpSpPr/>
+        <p:nvPr/>
+      </p:nvGrpSpPr>
+      <p:grpSpPr>
+        <a:xfrm>
+          <a:off x="0" y="0"/>
+          <a:ext cx="0" cy="0"/>
+          <a:chOff x="0" y="0"/>
+          <a:chExt cx="0" cy="0"/>
+        </a:xfrm>
+      </p:grpSpPr>
+      <p:sp>
+        <p:nvSpPr>
+          <p:cNvPr id="2" name="Slide Image Placeholder 1"/>
+          <p:cNvSpPr>
+            <a:spLocks noGrp="1" noRot="1" noChangeAspect="1"/>
+          </p:cNvSpPr>
+          <p:nvPr>
+            <p:ph type="sldImg"/>
+          </p:nvPr>
+        </p:nvSpPr>
+        <p:spPr/>
+      </p:sp>
+      <p:sp>
+        <p:nvSpPr>
+          <p:cNvPr id="3" name="Notes Placeholder 2"/>
+          <p:cNvSpPr>
+            <a:spLocks noGrp="1"/>
+          </p:cNvSpPr>
+          <p:nvPr>
+            <p:ph type="body" idx="1"/>
+          </p:nvPr>
+        </p:nvSpPr>
+        <p:spPr/>
+        <p:txBody>
+          <a:bodyPr/>
+          <a:lstStyle/>
+          <a:p>
+            <a:pPr marL="0" marR="0" lvl="0" indent="0" algn="l" defTabSz="914400" rtl="0" eaLnBrk="1" fontAlgn="auto" latinLnBrk="0" hangingPunct="1">
+              <a:lnSpc>
+                <a:spcPct val="100000"/>
+              </a:lnSpc>
+              <a:spcBef>
+                <a:spcPts val="0"/>
+              </a:spcBef>
+              <a:spcAft>
+                <a:spcPts val="0"/>
+              </a:spcAft>
+              <a:buClrTx/>
+              <a:buSzTx/>
+              <a:buFontTx/>
+              <a:buNone/>
+              <a:tabLst/>
+              <a:defRPr/>
+            </a:pPr>
+            <a:r>
+              <a:rPr lang="en-GB" sz="1200" dirty="0">
+                <a:effectLst/>
+                <a:latin typeface="Calibri" panose="020F0502020204030204" pitchFamily="34" charset="0"/>
+                <a:cs typeface="Times New Roman" panose="02020603050405020304" pitchFamily="18" charset="0"/>
+              </a:rPr>
+              <a:t>The fourth section aims to introduce some basic facts about linear fast and Alfven waves. I do this by deriving the dispersion relation and then using this to show basic facts like that linear Alfven waves are incompressible and fast waves propagate isotropically. I don’t talk much about slow waves as I model the plasma beta equal to zero throughout most of this thesis.</a:t>
+            </a:r>
+            <a:endParaRPr lang="en-GB" dirty="0"/>
+          </a:p>
+        </p:txBody>
+      </p:sp>
+      <p:sp>
+        <p:nvSpPr>
+          <p:cNvPr id="4" name="Slide Number Placeholder 3"/>
+          <p:cNvSpPr>
+            <a:spLocks noGrp="1"/>
+          </p:cNvSpPr>
+          <p:nvPr>
+            <p:ph type="sldNum" sz="quarter" idx="5"/>
+          </p:nvPr>
+        </p:nvSpPr>
+        <p:spPr/>
+        <p:txBody>
+          <a:bodyPr/>
+          <a:lstStyle/>
+          <a:p>
+            <a:fld id="{1E87CAF0-729D-43D8-91D5-D499CDCACC7E}" type="slidenum">
+              <a:rPr lang="en-GB" smtClean="0"/>
+              <a:t>35</a:t>
+            </a:fld>
+            <a:endParaRPr lang="en-GB"/>
+          </a:p>
+        </p:txBody>
+      </p:sp>
+    </p:spTree>
+    <p:extLst>
+      <p:ext uri="{BB962C8B-B14F-4D97-AF65-F5344CB8AC3E}">
+        <p14:creationId xmlns:p14="http://schemas.microsoft.com/office/powerpoint/2010/main" val="971111398"/>
+      </p:ext>
+    </p:extLst>
+  </p:cSld>
+  <p:clrMapOvr>
+    <a:masterClrMapping/>
+  </p:clrMapOvr>
+</p:notes>
+</file>
+
+<file path=ppt/notesSlides/notesSlide36.xml><?xml version="1.0" encoding="utf-8"?>
+<p:notes xmlns:a="http://schemas.openxmlformats.org/drawingml/2006/main" xmlns:r="http://schemas.openxmlformats.org/officeDocument/2006/relationships" xmlns:p="http://schemas.openxmlformats.org/presentationml/2006/main">
+  <p:cSld>
+    <p:spTree>
+      <p:nvGrpSpPr>
+        <p:cNvPr id="1" name=""/>
+        <p:cNvGrpSpPr/>
+        <p:nvPr/>
+      </p:nvGrpSpPr>
+      <p:grpSpPr>
+        <a:xfrm>
+          <a:off x="0" y="0"/>
+          <a:ext cx="0" cy="0"/>
+          <a:chOff x="0" y="0"/>
+          <a:chExt cx="0" cy="0"/>
+        </a:xfrm>
+      </p:grpSpPr>
+      <p:sp>
+        <p:nvSpPr>
+          <p:cNvPr id="2" name="Slide Image Placeholder 1"/>
+          <p:cNvSpPr>
+            <a:spLocks noGrp="1" noRot="1" noChangeAspect="1"/>
+          </p:cNvSpPr>
+          <p:nvPr>
+            <p:ph type="sldImg"/>
+          </p:nvPr>
+        </p:nvSpPr>
+        <p:spPr/>
+      </p:sp>
+      <p:sp>
+        <p:nvSpPr>
+          <p:cNvPr id="3" name="Notes Placeholder 2"/>
+          <p:cNvSpPr>
+            <a:spLocks noGrp="1"/>
+          </p:cNvSpPr>
+          <p:nvPr>
+            <p:ph type="body" idx="1"/>
+          </p:nvPr>
+        </p:nvSpPr>
+        <p:spPr/>
+        <p:txBody>
+          <a:bodyPr/>
+          <a:lstStyle/>
+          <a:p>
+            <a:pPr marL="0" lvl="0" indent="0">
+              <a:lnSpc>
+                <a:spcPct val="107000"/>
+              </a:lnSpc>
+              <a:spcAft>
+                <a:spcPts val="800"/>
+              </a:spcAft>
+              <a:buFont typeface="Symbol" panose="05050102010706020507" pitchFamily="18" charset="2"/>
+              <a:buNone/>
+            </a:pPr>
+            <a:r>
+              <a:rPr lang="en-GB" sz="1200" dirty="0">
+                <a:effectLst/>
+                <a:latin typeface="Calibri" panose="020F0502020204030204" pitchFamily="34" charset="0"/>
+                <a:ea typeface="Calibri" panose="020F0502020204030204" pitchFamily="34" charset="0"/>
+                <a:cs typeface="Times New Roman" panose="02020603050405020304" pitchFamily="18" charset="0"/>
+              </a:rPr>
+              <a:t>The fifth section aims to introduce the observed power spectra of waves on the sun. I thought it would be good to introduce it here because I refer to it later in chapter 2 when we look at footpoint driven waves where the driver is noisy. I also use it in chapter 3 to calculate the heat produced by multiple harmonics of standing phase-mixed Alfven waves.</a:t>
+            </a:r>
+          </a:p>
+          <a:p>
+            <a:pPr marL="0" lvl="0" indent="0">
+              <a:lnSpc>
+                <a:spcPct val="107000"/>
+              </a:lnSpc>
+              <a:spcAft>
+                <a:spcPts val="800"/>
+              </a:spcAft>
+              <a:buFont typeface="Symbol" panose="05050102010706020507" pitchFamily="18" charset="2"/>
+              <a:buNone/>
+            </a:pPr>
+            <a:endParaRPr lang="en-GB" sz="1200" dirty="0">
+              <a:effectLst/>
+              <a:latin typeface="Calibri" panose="020F0502020204030204" pitchFamily="34" charset="0"/>
+              <a:ea typeface="Calibri" panose="020F0502020204030204" pitchFamily="34" charset="0"/>
+              <a:cs typeface="Times New Roman" panose="02020603050405020304" pitchFamily="18" charset="0"/>
+            </a:endParaRPr>
+          </a:p>
+          <a:p>
+            <a:pPr marL="0" lvl="0" indent="0">
+              <a:lnSpc>
+                <a:spcPct val="107000"/>
+              </a:lnSpc>
+              <a:spcAft>
+                <a:spcPts val="800"/>
+              </a:spcAft>
+              <a:buFont typeface="Symbol" panose="05050102010706020507" pitchFamily="18" charset="2"/>
+              <a:buNone/>
+            </a:pPr>
+            <a:r>
+              <a:rPr lang="en-GB" sz="1200" dirty="0">
+                <a:effectLst/>
+                <a:latin typeface="Calibri" panose="020F0502020204030204" pitchFamily="34" charset="0"/>
+                <a:ea typeface="Calibri" panose="020F0502020204030204" pitchFamily="34" charset="0"/>
+                <a:cs typeface="Times New Roman" panose="02020603050405020304" pitchFamily="18" charset="0"/>
+              </a:rPr>
+              <a:t>In this section I also go into the maths of how power spectra are calculated in a lot more detail than I would in say a paper. The reason is because in a paper you would normally assume the reader already knows this but for this thesis I wanted to make sure the reader knows precisely how the power spectrum is defined.</a:t>
+            </a:r>
+          </a:p>
+        </p:txBody>
+      </p:sp>
+      <p:sp>
+        <p:nvSpPr>
+          <p:cNvPr id="4" name="Slide Number Placeholder 3"/>
+          <p:cNvSpPr>
+            <a:spLocks noGrp="1"/>
+          </p:cNvSpPr>
+          <p:nvPr>
+            <p:ph type="sldNum" sz="quarter" idx="5"/>
+          </p:nvPr>
+        </p:nvSpPr>
+        <p:spPr/>
+        <p:txBody>
+          <a:bodyPr/>
+          <a:lstStyle/>
+          <a:p>
+            <a:fld id="{1E87CAF0-729D-43D8-91D5-D499CDCACC7E}" type="slidenum">
+              <a:rPr lang="en-GB" smtClean="0"/>
+              <a:t>36</a:t>
+            </a:fld>
+            <a:endParaRPr lang="en-GB"/>
+          </a:p>
+        </p:txBody>
+      </p:sp>
+    </p:spTree>
+    <p:extLst>
+      <p:ext uri="{BB962C8B-B14F-4D97-AF65-F5344CB8AC3E}">
+        <p14:creationId xmlns:p14="http://schemas.microsoft.com/office/powerpoint/2010/main" val="2285234356"/>
+      </p:ext>
+    </p:extLst>
+  </p:cSld>
+  <p:clrMapOvr>
+    <a:masterClrMapping/>
+  </p:clrMapOvr>
+</p:notes>
+</file>
+
+<file path=ppt/notesSlides/notesSlide37.xml><?xml version="1.0" encoding="utf-8"?>
+<p:notes xmlns:a="http://schemas.openxmlformats.org/drawingml/2006/main" xmlns:r="http://schemas.openxmlformats.org/officeDocument/2006/relationships" xmlns:p="http://schemas.openxmlformats.org/presentationml/2006/main">
+  <p:cSld>
+    <p:spTree>
+      <p:nvGrpSpPr>
+        <p:cNvPr id="1" name=""/>
+        <p:cNvGrpSpPr/>
+        <p:nvPr/>
+      </p:nvGrpSpPr>
+      <p:grpSpPr>
+        <a:xfrm>
+          <a:off x="0" y="0"/>
+          <a:ext cx="0" cy="0"/>
+          <a:chOff x="0" y="0"/>
+          <a:chExt cx="0" cy="0"/>
+        </a:xfrm>
+      </p:grpSpPr>
+      <p:sp>
+        <p:nvSpPr>
+          <p:cNvPr id="2" name="Slide Image Placeholder 1"/>
+          <p:cNvSpPr>
+            <a:spLocks noGrp="1" noRot="1" noChangeAspect="1"/>
+          </p:cNvSpPr>
+          <p:nvPr>
+            <p:ph type="sldImg"/>
+          </p:nvPr>
+        </p:nvSpPr>
+        <p:spPr/>
+      </p:sp>
+      <p:sp>
+        <p:nvSpPr>
+          <p:cNvPr id="3" name="Notes Placeholder 2"/>
+          <p:cNvSpPr>
+            <a:spLocks noGrp="1"/>
+          </p:cNvSpPr>
+          <p:nvPr>
+            <p:ph type="body" idx="1"/>
+          </p:nvPr>
+        </p:nvSpPr>
+        <p:spPr/>
+        <p:txBody>
+          <a:bodyPr/>
+          <a:lstStyle/>
+          <a:p>
+            <a:pPr marL="0" lvl="0" indent="0">
+              <a:lnSpc>
+                <a:spcPct val="107000"/>
+              </a:lnSpc>
+              <a:spcAft>
+                <a:spcPts val="800"/>
+              </a:spcAft>
+              <a:buFont typeface="Symbol" panose="05050102010706020507" pitchFamily="18" charset="2"/>
+              <a:buNone/>
+            </a:pPr>
+            <a:r>
+              <a:rPr lang="en-GB" sz="1200" dirty="0">
+                <a:effectLst/>
+                <a:latin typeface="Calibri" panose="020F0502020204030204" pitchFamily="34" charset="0"/>
+                <a:ea typeface="Calibri" panose="020F0502020204030204" pitchFamily="34" charset="0"/>
+                <a:cs typeface="Times New Roman" panose="02020603050405020304" pitchFamily="18" charset="0"/>
+              </a:rPr>
+              <a:t>Finally section 6 gives a brief outline of the thesis.</a:t>
+            </a:r>
+          </a:p>
+        </p:txBody>
+      </p:sp>
+      <p:sp>
+        <p:nvSpPr>
+          <p:cNvPr id="4" name="Slide Number Placeholder 3"/>
+          <p:cNvSpPr>
+            <a:spLocks noGrp="1"/>
+          </p:cNvSpPr>
+          <p:nvPr>
+            <p:ph type="sldNum" sz="quarter" idx="5"/>
+          </p:nvPr>
+        </p:nvSpPr>
+        <p:spPr/>
+        <p:txBody>
+          <a:bodyPr/>
+          <a:lstStyle/>
+          <a:p>
+            <a:fld id="{1E87CAF0-729D-43D8-91D5-D499CDCACC7E}" type="slidenum">
+              <a:rPr lang="en-GB" smtClean="0"/>
+              <a:t>37</a:t>
+            </a:fld>
+            <a:endParaRPr lang="en-GB"/>
+          </a:p>
+        </p:txBody>
+      </p:sp>
+    </p:spTree>
+    <p:extLst>
+      <p:ext uri="{BB962C8B-B14F-4D97-AF65-F5344CB8AC3E}">
+        <p14:creationId xmlns:p14="http://schemas.microsoft.com/office/powerpoint/2010/main" val="791399348"/>
       </p:ext>
     </p:extLst>
   </p:cSld>
@@ -3714,30 +4450,22 @@
           <a:bodyPr/>
           <a:lstStyle/>
           <a:p>
-            <a:pPr marL="0" marR="0" lvl="0" indent="0" algn="l" defTabSz="914400" rtl="0" eaLnBrk="1" fontAlgn="auto" latinLnBrk="0" hangingPunct="1">
+            <a:pPr>
               <a:lnSpc>
-                <a:spcPct val="100000"/>
+                <a:spcPct val="107000"/>
               </a:lnSpc>
-              <a:spcBef>
-                <a:spcPts val="0"/>
-              </a:spcBef>
               <a:spcAft>
-                <a:spcPts val="0"/>
+                <a:spcPts val="800"/>
               </a:spcAft>
-              <a:buClrTx/>
-              <a:buSzTx/>
-              <a:buFontTx/>
-              <a:buNone/>
-              <a:tabLst/>
-              <a:defRPr/>
             </a:pPr>
             <a:r>
               <a:rPr lang="en-GB" sz="1200" dirty="0">
                 <a:effectLst/>
                 <a:latin typeface="Calibri" panose="020F0502020204030204" pitchFamily="34" charset="0"/>
+                <a:ea typeface="Calibri" panose="020F0502020204030204" pitchFamily="34" charset="0"/>
                 <a:cs typeface="Times New Roman" panose="02020603050405020304" pitchFamily="18" charset="0"/>
               </a:rPr>
-              <a:t>The first section aims to introduce some basic facts about the solar atmosphere. I want to make sure the reader knows what I mean when I say words like photosphere, transition region, quiet sun, active region etc</a:t>
+              <a:t>I start this chapter by giving a very brief introduction.</a:t>
             </a:r>
           </a:p>
         </p:txBody>
@@ -3768,7 +4496,7 @@
     </p:spTree>
     <p:extLst>
       <p:ext uri="{BB962C8B-B14F-4D97-AF65-F5344CB8AC3E}">
-        <p14:creationId xmlns:p14="http://schemas.microsoft.com/office/powerpoint/2010/main" val="1286531437"/>
+        <p14:creationId xmlns:p14="http://schemas.microsoft.com/office/powerpoint/2010/main" val="427813186"/>
       </p:ext>
     </p:extLst>
   </p:cSld>
@@ -3822,30 +4550,22 @@
           <a:bodyPr/>
           <a:lstStyle/>
           <a:p>
-            <a:pPr marL="0" marR="0" lvl="0" indent="0" algn="l" defTabSz="914400" rtl="0" eaLnBrk="1" fontAlgn="auto" latinLnBrk="0" hangingPunct="1">
+            <a:pPr>
               <a:lnSpc>
-                <a:spcPct val="100000"/>
+                <a:spcPct val="107000"/>
               </a:lnSpc>
-              <a:spcBef>
-                <a:spcPts val="0"/>
-              </a:spcBef>
               <a:spcAft>
-                <a:spcPts val="0"/>
+                <a:spcPts val="800"/>
               </a:spcAft>
-              <a:buClrTx/>
-              <a:buSzTx/>
-              <a:buFontTx/>
-              <a:buNone/>
-              <a:tabLst/>
-              <a:defRPr/>
             </a:pPr>
             <a:r>
               <a:rPr lang="en-GB" sz="1200" dirty="0">
                 <a:effectLst/>
                 <a:latin typeface="Calibri" panose="020F0502020204030204" pitchFamily="34" charset="0"/>
+                <a:ea typeface="Calibri" panose="020F0502020204030204" pitchFamily="34" charset="0"/>
                 <a:cs typeface="Times New Roman" panose="02020603050405020304" pitchFamily="18" charset="0"/>
               </a:rPr>
-              <a:t>The second section aims to give an introduction to the coronal heating. I thought it would be good to introduce the coronal heating problem here because I go in to a lot of detail about a specific coronal heating mechanism, namely, phase mixing in chapter 3. I also talk about coronal heating in the appendix. </a:t>
+              <a:t>I then present the model and linearised equations we use. </a:t>
             </a:r>
           </a:p>
         </p:txBody>
@@ -3876,7 +4596,7 @@
     </p:spTree>
     <p:extLst>
       <p:ext uri="{BB962C8B-B14F-4D97-AF65-F5344CB8AC3E}">
-        <p14:creationId xmlns:p14="http://schemas.microsoft.com/office/powerpoint/2010/main" val="3981504322"/>
+        <p14:creationId xmlns:p14="http://schemas.microsoft.com/office/powerpoint/2010/main" val="904671963"/>
       </p:ext>
     </p:extLst>
   </p:cSld>
@@ -3932,13 +4652,13 @@
           <a:p>
             <a:pPr marL="0" marR="0" lvl="0" indent="0" algn="l" defTabSz="914400" rtl="0" eaLnBrk="1" fontAlgn="auto" latinLnBrk="0" hangingPunct="1">
               <a:lnSpc>
-                <a:spcPct val="100000"/>
+                <a:spcPct val="107000"/>
               </a:lnSpc>
               <a:spcBef>
                 <a:spcPts val="0"/>
               </a:spcBef>
               <a:spcAft>
-                <a:spcPts val="0"/>
+                <a:spcPts val="800"/>
               </a:spcAft>
               <a:buClrTx/>
               <a:buSzTx/>
@@ -3951,37 +4671,20 @@
               <a:rPr lang="en-GB" sz="1200" dirty="0">
                 <a:effectLst/>
                 <a:latin typeface="Calibri" panose="020F0502020204030204" pitchFamily="34" charset="0"/>
-                <a:cs typeface="Times New Roman" panose="02020603050405020304" pitchFamily="18" charset="0"/>
-              </a:rPr>
-              <a:t>The third section aims to introduce the MHD equations and some of the critical assumptions. </a:t>
-            </a:r>
-            <a:r>
-              <a:rPr lang="en-GB" sz="1200" dirty="0">
-                <a:effectLst/>
-                <a:latin typeface="Calibri" panose="020F0502020204030204" pitchFamily="34" charset="0"/>
                 <a:ea typeface="Calibri" panose="020F0502020204030204" pitchFamily="34" charset="0"/>
                 <a:cs typeface="Times New Roman" panose="02020603050405020304" pitchFamily="18" charset="0"/>
               </a:rPr>
-              <a:t>. </a:t>
-            </a:r>
-          </a:p>
-          <a:p>
-            <a:pPr marL="0" marR="0" lvl="0" indent="0" algn="l" defTabSz="914400" rtl="0" eaLnBrk="1" fontAlgn="auto" latinLnBrk="0" hangingPunct="1">
+              <a:t>In the third section my goal is to calculate the general solution for linear Alfven waves in a closed uniform field line using a method of images approach combined with d'Alembert's formula. The main reason I derive this formula is that I make use of it in Chapter 3 when we calculate the solution for linear, resistive phase-mixed Alfven waves in a leaky loop. It’s really easy to include leakage with this formula. It also comes in handy in the next section when we look at the case where the driver is sinusoidal.</a:t>
+            </a:r>
+          </a:p>
+          <a:p>
+            <a:pPr>
               <a:lnSpc>
-                <a:spcPct val="100000"/>
+                <a:spcPct val="107000"/>
               </a:lnSpc>
-              <a:spcBef>
-                <a:spcPts val="0"/>
-              </a:spcBef>
               <a:spcAft>
-                <a:spcPts val="0"/>
+                <a:spcPts val="800"/>
               </a:spcAft>
-              <a:buClrTx/>
-              <a:buSzTx/>
-              <a:buFontTx/>
-              <a:buNone/>
-              <a:tabLst/>
-              <a:defRPr/>
             </a:pPr>
             <a:endParaRPr lang="en-GB" sz="1200" dirty="0">
               <a:effectLst/>
@@ -3990,88 +4693,6 @@
               <a:cs typeface="Times New Roman" panose="02020603050405020304" pitchFamily="18" charset="0"/>
             </a:endParaRPr>
           </a:p>
-          <a:p>
-            <a:pPr marL="0" marR="0" lvl="0" indent="0" algn="l" defTabSz="914400" rtl="0" eaLnBrk="1" fontAlgn="auto" latinLnBrk="0" hangingPunct="1">
-              <a:lnSpc>
-                <a:spcPct val="100000"/>
-              </a:lnSpc>
-              <a:spcBef>
-                <a:spcPts val="0"/>
-              </a:spcBef>
-              <a:spcAft>
-                <a:spcPts val="0"/>
-              </a:spcAft>
-              <a:buClrTx/>
-              <a:buSzTx/>
-              <a:buFontTx/>
-              <a:buNone/>
-              <a:tabLst/>
-              <a:defRPr/>
-            </a:pPr>
-            <a:r>
-              <a:rPr lang="en-GB" sz="1200" dirty="0">
-                <a:effectLst/>
-                <a:latin typeface="Calibri" panose="020F0502020204030204" pitchFamily="34" charset="0"/>
-                <a:ea typeface="Calibri" panose="020F0502020204030204" pitchFamily="34" charset="0"/>
-                <a:cs typeface="Times New Roman" panose="02020603050405020304" pitchFamily="18" charset="0"/>
-              </a:rPr>
-              <a:t>I thought it was important to show when the length scales are too short for the plasma to be modelled as collisional because, in the later chapters, very short length scales form due to phase mixing. I think most PhD students in this field have a section in their introduction very similar to this. </a:t>
-            </a:r>
-          </a:p>
-          <a:p>
-            <a:pPr marL="0" marR="0" lvl="0" indent="0" algn="l" defTabSz="914400" rtl="0" eaLnBrk="1" fontAlgn="auto" latinLnBrk="0" hangingPunct="1">
-              <a:lnSpc>
-                <a:spcPct val="100000"/>
-              </a:lnSpc>
-              <a:spcBef>
-                <a:spcPts val="0"/>
-              </a:spcBef>
-              <a:spcAft>
-                <a:spcPts val="0"/>
-              </a:spcAft>
-              <a:buClrTx/>
-              <a:buSzTx/>
-              <a:buFontTx/>
-              <a:buNone/>
-              <a:tabLst/>
-              <a:defRPr/>
-            </a:pPr>
-            <a:endParaRPr lang="en-GB" sz="1200" dirty="0">
-              <a:effectLst/>
-              <a:latin typeface="Calibri" panose="020F0502020204030204" pitchFamily="34" charset="0"/>
-              <a:ea typeface="Calibri" panose="020F0502020204030204" pitchFamily="34" charset="0"/>
-              <a:cs typeface="Times New Roman" panose="02020603050405020304" pitchFamily="18" charset="0"/>
-            </a:endParaRPr>
-          </a:p>
-          <a:p>
-            <a:pPr marL="0" marR="0" lvl="0" indent="0" algn="l" defTabSz="914400" rtl="0" eaLnBrk="1" fontAlgn="auto" latinLnBrk="0" hangingPunct="1">
-              <a:lnSpc>
-                <a:spcPct val="100000"/>
-              </a:lnSpc>
-              <a:spcBef>
-                <a:spcPts val="0"/>
-              </a:spcBef>
-              <a:spcAft>
-                <a:spcPts val="0"/>
-              </a:spcAft>
-              <a:buClrTx/>
-              <a:buSzTx/>
-              <a:buFontTx/>
-              <a:buNone/>
-              <a:tabLst/>
-              <a:defRPr/>
-            </a:pPr>
-            <a:r>
-              <a:rPr lang="en-GB" sz="1200" dirty="0">
-                <a:effectLst/>
-                <a:latin typeface="Calibri" panose="020F0502020204030204" pitchFamily="34" charset="0"/>
-                <a:ea typeface="Calibri" panose="020F0502020204030204" pitchFamily="34" charset="0"/>
-                <a:cs typeface="Times New Roman" panose="02020603050405020304" pitchFamily="18" charset="0"/>
-              </a:rPr>
-              <a:t>I go into more detail about the viscosity tensor than I think most other PhD students would. I do this because, in chapter 3, I make strong claims about phase mixing as a coronal heating mechanism. I also propose the dissipation of fast waves as a possible heating mechanism in the appendix. My claims are heavily reliant on modelling the resistivity and viscosity correctly. So I thought it was worth spending a bit of extra time clearly defining how I model the viscosity.</a:t>
-            </a:r>
-            <a:endParaRPr lang="en-GB" dirty="0"/>
-          </a:p>
         </p:txBody>
       </p:sp>
       <p:sp>
@@ -4100,7 +4721,7 @@
     </p:spTree>
     <p:extLst>
       <p:ext uri="{BB962C8B-B14F-4D97-AF65-F5344CB8AC3E}">
-        <p14:creationId xmlns:p14="http://schemas.microsoft.com/office/powerpoint/2010/main" val="587528790"/>
+        <p14:creationId xmlns:p14="http://schemas.microsoft.com/office/powerpoint/2010/main" val="1147163397"/>
       </p:ext>
     </p:extLst>
   </p:cSld>
@@ -4156,13 +4777,13 @@
           <a:p>
             <a:pPr marL="0" marR="0" lvl="0" indent="0" algn="l" defTabSz="914400" rtl="0" eaLnBrk="1" fontAlgn="auto" latinLnBrk="0" hangingPunct="1">
               <a:lnSpc>
-                <a:spcPct val="100000"/>
+                <a:spcPct val="107000"/>
               </a:lnSpc>
               <a:spcBef>
                 <a:spcPts val="0"/>
               </a:spcBef>
               <a:spcAft>
-                <a:spcPts val="0"/>
+                <a:spcPts val="800"/>
               </a:spcAft>
               <a:buClrTx/>
               <a:buSzTx/>
@@ -4172,14 +4793,15 @@
               <a:defRPr/>
             </a:pPr>
             <a:r>
-              <a:rPr lang="en-GB" sz="1200" dirty="0">
-                <a:effectLst/>
-                <a:latin typeface="Calibri" panose="020F0502020204030204" pitchFamily="34" charset="0"/>
-                <a:cs typeface="Times New Roman" panose="02020603050405020304" pitchFamily="18" charset="0"/>
-              </a:rPr>
-              <a:t>The fourth section aims to introduce some basic facts about linear fast and Alfven waves. I do this by deriving the dispersion relation and then using this to show basic facts like that linear Alfven waves are incompressible and fast waves propagate isotropically. I don’t talk much about slow waves as I model the plasma beta equal to zero throughout most of this thesis.</a:t>
-            </a:r>
-            <a:endParaRPr lang="en-GB" dirty="0"/>
+              <a:rPr lang="en-GB" dirty="0"/>
+              <a:t>In the fourth section my aim is to calculate the solution for the case where the driver is sinusoidal. The reason I consider a sinusoidal driver is that I think it’s the simplest case to consider. In reality the footpoint driver on the Sun will be much more random but you can model this as a superposition of many sinusoidal drivers. In this section my goal was to introduce some key concepts like resonance and the beating effect. I produced lots of graphs as I thought this is really useful for building intuition for how the solution changes depending on the frequency of the driver. </a:t>
+            </a:r>
+            <a:endParaRPr lang="en-GB" sz="1200" dirty="0">
+              <a:effectLst/>
+              <a:latin typeface="Calibri" panose="020F0502020204030204" pitchFamily="34" charset="0"/>
+              <a:ea typeface="Calibri" panose="020F0502020204030204" pitchFamily="34" charset="0"/>
+              <a:cs typeface="Times New Roman" panose="02020603050405020304" pitchFamily="18" charset="0"/>
+            </a:endParaRPr>
           </a:p>
         </p:txBody>
       </p:sp>
@@ -4209,7 +4831,7 @@
     </p:spTree>
     <p:extLst>
       <p:ext uri="{BB962C8B-B14F-4D97-AF65-F5344CB8AC3E}">
-        <p14:creationId xmlns:p14="http://schemas.microsoft.com/office/powerpoint/2010/main" val="971111398"/>
+        <p14:creationId xmlns:p14="http://schemas.microsoft.com/office/powerpoint/2010/main" val="2613893387"/>
       </p:ext>
     </p:extLst>
   </p:cSld>
@@ -4263,63 +4885,81 @@
           <a:bodyPr/>
           <a:lstStyle/>
           <a:p>
-            <a:pPr marL="0" lvl="0" indent="0">
-              <a:lnSpc>
-                <a:spcPct val="107000"/>
-              </a:lnSpc>
-              <a:spcAft>
-                <a:spcPts val="800"/>
-              </a:spcAft>
-              <a:buFont typeface="Symbol" panose="05050102010706020507" pitchFamily="18" charset="2"/>
+            <a:pPr marL="0" indent="0">
+              <a:buFont typeface="Arial" panose="020B0604020202020204" pitchFamily="34" charset="0"/>
               <a:buNone/>
             </a:pPr>
             <a:r>
-              <a:rPr lang="en-GB" sz="1200" dirty="0">
-                <a:effectLst/>
-                <a:latin typeface="Calibri" panose="020F0502020204030204" pitchFamily="34" charset="0"/>
-                <a:ea typeface="Calibri" panose="020F0502020204030204" pitchFamily="34" charset="0"/>
-                <a:cs typeface="Times New Roman" panose="02020603050405020304" pitchFamily="18" charset="0"/>
-              </a:rPr>
-              <a:t>The fifth section aims to introduce the observed power spectra of waves on the sun. I thought it would be good to introduce it here because I refer to it later in chapter 2 when we look at footpoint driven waves where the driver is noisy. I also use it in chapter 3 to calculate the heat produced by multiple harmonics of standing phase-mixed Alfven waves.</a:t>
-            </a:r>
-          </a:p>
-          <a:p>
-            <a:pPr marL="0" lvl="0" indent="0">
-              <a:lnSpc>
-                <a:spcPct val="107000"/>
-              </a:lnSpc>
-              <a:spcAft>
-                <a:spcPts val="800"/>
-              </a:spcAft>
-              <a:buFont typeface="Symbol" panose="05050102010706020507" pitchFamily="18" charset="2"/>
+              <a:rPr lang="en-GB" dirty="0"/>
+              <a:t>In the fifth section my aim is to calculate the solution for the case where a broadband or noisy driver is used. </a:t>
+            </a:r>
+          </a:p>
+          <a:p>
+            <a:pPr marL="0" indent="0">
+              <a:buFont typeface="Arial" panose="020B0604020202020204" pitchFamily="34" charset="0"/>
               <a:buNone/>
             </a:pPr>
-            <a:endParaRPr lang="en-GB" sz="1200" dirty="0">
-              <a:effectLst/>
-              <a:latin typeface="Calibri" panose="020F0502020204030204" pitchFamily="34" charset="0"/>
-              <a:ea typeface="Calibri" panose="020F0502020204030204" pitchFamily="34" charset="0"/>
-              <a:cs typeface="Times New Roman" panose="02020603050405020304" pitchFamily="18" charset="0"/>
-            </a:endParaRPr>
-          </a:p>
-          <a:p>
-            <a:pPr marL="0" lvl="0" indent="0">
-              <a:lnSpc>
-                <a:spcPct val="107000"/>
-              </a:lnSpc>
-              <a:spcAft>
-                <a:spcPts val="800"/>
-              </a:spcAft>
-              <a:buFont typeface="Symbol" panose="05050102010706020507" pitchFamily="18" charset="2"/>
+            <a:endParaRPr lang="en-GB" dirty="0"/>
+          </a:p>
+          <a:p>
+            <a:pPr marL="0" indent="0">
+              <a:buFont typeface="Arial" panose="020B0604020202020204" pitchFamily="34" charset="0"/>
               <a:buNone/>
             </a:pPr>
             <a:r>
-              <a:rPr lang="en-GB" sz="1200" dirty="0">
-                <a:effectLst/>
-                <a:latin typeface="Calibri" panose="020F0502020204030204" pitchFamily="34" charset="0"/>
-                <a:ea typeface="Calibri" panose="020F0502020204030204" pitchFamily="34" charset="0"/>
-                <a:cs typeface="Times New Roman" panose="02020603050405020304" pitchFamily="18" charset="0"/>
-              </a:rPr>
-              <a:t>In this section I also go into the maths of how power spectra are calculated in a lot more detail than I would in say a paper. The reason is because in a paper you would normally assume the reader already knows this but for this thesis I wanted to make sure the reader knows precisely how the power spectrum is defined.</a:t>
+              <a:rPr lang="en-GB" dirty="0"/>
+              <a:t>Throughout this thesis I mainly use sinusoidal drivers but I thought it would be good to at least once consider the case where a noisy driver is used as this more closely resembles what the driver on the sun actually behaves like.</a:t>
+            </a:r>
+          </a:p>
+          <a:p>
+            <a:pPr marL="0" indent="0">
+              <a:buFont typeface="Arial" panose="020B0604020202020204" pitchFamily="34" charset="0"/>
+              <a:buNone/>
+            </a:pPr>
+            <a:endParaRPr lang="en-GB" dirty="0"/>
+          </a:p>
+          <a:p>
+            <a:pPr marL="0" indent="0">
+              <a:buFont typeface="Arial" panose="020B0604020202020204" pitchFamily="34" charset="0"/>
+              <a:buNone/>
+            </a:pPr>
+            <a:r>
+              <a:rPr lang="en-GB" dirty="0"/>
+              <a:t>I basically had two aims in this section.</a:t>
+            </a:r>
+          </a:p>
+          <a:p>
+            <a:pPr marL="0" indent="0">
+              <a:buFont typeface="Arial" panose="020B0604020202020204" pitchFamily="34" charset="0"/>
+              <a:buNone/>
+            </a:pPr>
+            <a:endParaRPr lang="en-GB" dirty="0"/>
+          </a:p>
+          <a:p>
+            <a:pPr marL="0" indent="0">
+              <a:buFont typeface="Arial" panose="020B0604020202020204" pitchFamily="34" charset="0"/>
+              <a:buNone/>
+            </a:pPr>
+            <a:r>
+              <a:rPr lang="en-GB" dirty="0"/>
+              <a:t>The first was to see if the energy will grow to infinity or oscillate about a finite value if a random driver is used. I thought this was an interesting question to answer and until I did the calculation I actually had no idea if it would grow to infinity or not. It turns out, that for a white noise driver, the energy grows linearly with time, and for a resonant driver, the energy grows as t squared.</a:t>
+            </a:r>
+          </a:p>
+          <a:p>
+            <a:pPr marL="0" indent="0">
+              <a:buFont typeface="Arial" panose="020B0604020202020204" pitchFamily="34" charset="0"/>
+              <a:buNone/>
+            </a:pPr>
+            <a:endParaRPr lang="en-GB" dirty="0"/>
+          </a:p>
+          <a:p>
+            <a:pPr marL="0" indent="0">
+              <a:buFont typeface="Arial" panose="020B0604020202020204" pitchFamily="34" charset="0"/>
+              <a:buNone/>
+            </a:pPr>
+            <a:r>
+              <a:rPr lang="en-GB" dirty="0"/>
+              <a:t>The second aim was to check that a true white noise driver which excites all frequencies with a given amount of energy gives the same results as an approximate white noise signal which only excites the frequencies over a finite range. It turns out that provided the resonant frequency is excited then the true white noise signal and approximate white noise signal give approximately the same answer. The reason I wanted to check this because a true white noise signal isn’t actually physical because it has a variance of infinity whereas an approximate white noise signal has a finite variance so is physical. So its reassuring to know that although true white noise isn’t physical it is still a useful tool for making predictions.</a:t>
             </a:r>
           </a:p>
         </p:txBody>
@@ -4350,7 +4990,7 @@
     </p:spTree>
     <p:extLst>
       <p:ext uri="{BB962C8B-B14F-4D97-AF65-F5344CB8AC3E}">
-        <p14:creationId xmlns:p14="http://schemas.microsoft.com/office/powerpoint/2010/main" val="2285234356"/>
+        <p14:creationId xmlns:p14="http://schemas.microsoft.com/office/powerpoint/2010/main" val="1481797288"/>
       </p:ext>
     </p:extLst>
   </p:cSld>
@@ -4404,24 +5044,21 @@
           <a:bodyPr/>
           <a:lstStyle/>
           <a:p>
-            <a:pPr marL="0" lvl="0" indent="0">
-              <a:lnSpc>
-                <a:spcPct val="107000"/>
-              </a:lnSpc>
-              <a:spcAft>
-                <a:spcPts val="800"/>
-              </a:spcAft>
-              <a:buFont typeface="Symbol" panose="05050102010706020507" pitchFamily="18" charset="2"/>
+            <a:pPr marL="0" indent="0">
+              <a:buFont typeface="Arial" panose="020B0604020202020204" pitchFamily="34" charset="0"/>
               <a:buNone/>
             </a:pPr>
             <a:r>
-              <a:rPr lang="en-GB" sz="1200" dirty="0">
-                <a:effectLst/>
-                <a:latin typeface="Calibri" panose="020F0502020204030204" pitchFamily="34" charset="0"/>
-                <a:ea typeface="Calibri" panose="020F0502020204030204" pitchFamily="34" charset="0"/>
-                <a:cs typeface="Times New Roman" panose="02020603050405020304" pitchFamily="18" charset="0"/>
-              </a:rPr>
-              <a:t>Finally section 6 gives a brief outline of the thesis.</a:t>
+              <a:rPr lang="en-GB" dirty="0"/>
+              <a:t>The sixth sections aims to estimate a reflection coefficient, R. This is important as to simulate the leakage I model that a fraction R of the waves reflects each time the waves hit each of the boundaries. To estimate the reflection coefficient I use a method which is similar to what Joe </a:t>
+            </a:r>
+            <a:r>
+              <a:rPr lang="en-GB" dirty="0" err="1"/>
+              <a:t>Hollweg</a:t>
+            </a:r>
+            <a:r>
+              <a:rPr lang="en-GB" dirty="0"/>
+              <a:t> uses in a in a paper he wrote in 1984.</a:t>
             </a:r>
           </a:p>
         </p:txBody>
@@ -4452,7 +5089,7 @@
     </p:spTree>
     <p:extLst>
       <p:ext uri="{BB962C8B-B14F-4D97-AF65-F5344CB8AC3E}">
-        <p14:creationId xmlns:p14="http://schemas.microsoft.com/office/powerpoint/2010/main" val="791399348"/>
+        <p14:creationId xmlns:p14="http://schemas.microsoft.com/office/powerpoint/2010/main" val="1919909110"/>
       </p:ext>
     </p:extLst>
   </p:cSld>
@@ -4611,7 +5248,7 @@
           <a:p>
             <a:fld id="{56EEEA2F-7E23-417F-9FCD-482E647E329D}" type="datetimeFigureOut">
               <a:rPr lang="en-GB" smtClean="0"/>
-              <a:t>27/05/2021</a:t>
+              <a:t>28/05/2021</a:t>
             </a:fld>
             <a:endParaRPr lang="en-GB"/>
           </a:p>
@@ -4811,7 +5448,7 @@
           <a:p>
             <a:fld id="{56EEEA2F-7E23-417F-9FCD-482E647E329D}" type="datetimeFigureOut">
               <a:rPr lang="en-GB" smtClean="0"/>
-              <a:t>27/05/2021</a:t>
+              <a:t>28/05/2021</a:t>
             </a:fld>
             <a:endParaRPr lang="en-GB"/>
           </a:p>
@@ -5021,7 +5658,7 @@
           <a:p>
             <a:fld id="{56EEEA2F-7E23-417F-9FCD-482E647E329D}" type="datetimeFigureOut">
               <a:rPr lang="en-GB" smtClean="0"/>
-              <a:t>27/05/2021</a:t>
+              <a:t>28/05/2021</a:t>
             </a:fld>
             <a:endParaRPr lang="en-GB"/>
           </a:p>
@@ -5221,7 +5858,7 @@
           <a:p>
             <a:fld id="{56EEEA2F-7E23-417F-9FCD-482E647E329D}" type="datetimeFigureOut">
               <a:rPr lang="en-GB" smtClean="0"/>
-              <a:t>27/05/2021</a:t>
+              <a:t>28/05/2021</a:t>
             </a:fld>
             <a:endParaRPr lang="en-GB"/>
           </a:p>
@@ -5497,7 +6134,7 @@
           <a:p>
             <a:fld id="{56EEEA2F-7E23-417F-9FCD-482E647E329D}" type="datetimeFigureOut">
               <a:rPr lang="en-GB" smtClean="0"/>
-              <a:t>27/05/2021</a:t>
+              <a:t>28/05/2021</a:t>
             </a:fld>
             <a:endParaRPr lang="en-GB"/>
           </a:p>
@@ -5765,7 +6402,7 @@
           <a:p>
             <a:fld id="{56EEEA2F-7E23-417F-9FCD-482E647E329D}" type="datetimeFigureOut">
               <a:rPr lang="en-GB" smtClean="0"/>
-              <a:t>27/05/2021</a:t>
+              <a:t>28/05/2021</a:t>
             </a:fld>
             <a:endParaRPr lang="en-GB"/>
           </a:p>
@@ -6180,7 +6817,7 @@
           <a:p>
             <a:fld id="{56EEEA2F-7E23-417F-9FCD-482E647E329D}" type="datetimeFigureOut">
               <a:rPr lang="en-GB" smtClean="0"/>
-              <a:t>27/05/2021</a:t>
+              <a:t>28/05/2021</a:t>
             </a:fld>
             <a:endParaRPr lang="en-GB"/>
           </a:p>
@@ -6322,7 +6959,7 @@
           <a:p>
             <a:fld id="{56EEEA2F-7E23-417F-9FCD-482E647E329D}" type="datetimeFigureOut">
               <a:rPr lang="en-GB" smtClean="0"/>
-              <a:t>27/05/2021</a:t>
+              <a:t>28/05/2021</a:t>
             </a:fld>
             <a:endParaRPr lang="en-GB"/>
           </a:p>
@@ -6435,7 +7072,7 @@
           <a:p>
             <a:fld id="{56EEEA2F-7E23-417F-9FCD-482E647E329D}" type="datetimeFigureOut">
               <a:rPr lang="en-GB" smtClean="0"/>
-              <a:t>27/05/2021</a:t>
+              <a:t>28/05/2021</a:t>
             </a:fld>
             <a:endParaRPr lang="en-GB"/>
           </a:p>
@@ -6748,7 +7385,7 @@
           <a:p>
             <a:fld id="{56EEEA2F-7E23-417F-9FCD-482E647E329D}" type="datetimeFigureOut">
               <a:rPr lang="en-GB" smtClean="0"/>
-              <a:t>27/05/2021</a:t>
+              <a:t>28/05/2021</a:t>
             </a:fld>
             <a:endParaRPr lang="en-GB"/>
           </a:p>
@@ -7037,7 +7674,7 @@
           <a:p>
             <a:fld id="{56EEEA2F-7E23-417F-9FCD-482E647E329D}" type="datetimeFigureOut">
               <a:rPr lang="en-GB" smtClean="0"/>
-              <a:t>27/05/2021</a:t>
+              <a:t>28/05/2021</a:t>
             </a:fld>
             <a:endParaRPr lang="en-GB"/>
           </a:p>
@@ -7280,7 +7917,7 @@
           <a:p>
             <a:fld id="{56EEEA2F-7E23-417F-9FCD-482E647E329D}" type="datetimeFigureOut">
               <a:rPr lang="en-GB" smtClean="0"/>
-              <a:t>27/05/2021</a:t>
+              <a:t>28/05/2021</a:t>
             </a:fld>
             <a:endParaRPr lang="en-GB"/>
           </a:p>
@@ -7927,8 +8564,8 @@
         </p:nvSpPr>
         <p:spPr>
           <a:xfrm>
-            <a:off x="28575" y="5427730"/>
-            <a:ext cx="3971925" cy="170987"/>
+            <a:off x="4124325" y="2578443"/>
+            <a:ext cx="3971925" cy="181233"/>
           </a:xfrm>
           <a:prstGeom prst="rect">
             <a:avLst/>
@@ -7968,7 +8605,7 @@
     </p:spTree>
     <p:extLst>
       <p:ext uri="{BB962C8B-B14F-4D97-AF65-F5344CB8AC3E}">
-        <p14:creationId xmlns:p14="http://schemas.microsoft.com/office/powerpoint/2010/main" val="2070340591"/>
+        <p14:creationId xmlns:p14="http://schemas.microsoft.com/office/powerpoint/2010/main" val="2914483572"/>
       </p:ext>
     </p:extLst>
   </p:cSld>
@@ -8096,8 +8733,8 @@
         </p:nvSpPr>
         <p:spPr>
           <a:xfrm>
-            <a:off x="28575" y="5592486"/>
-            <a:ext cx="3971925" cy="170987"/>
+            <a:off x="4124325" y="2734961"/>
+            <a:ext cx="3971925" cy="181233"/>
           </a:xfrm>
           <a:prstGeom prst="rect">
             <a:avLst/>
@@ -8137,7 +8774,7 @@
     </p:spTree>
     <p:extLst>
       <p:ext uri="{BB962C8B-B14F-4D97-AF65-F5344CB8AC3E}">
-        <p14:creationId xmlns:p14="http://schemas.microsoft.com/office/powerpoint/2010/main" val="1981701234"/>
+        <p14:creationId xmlns:p14="http://schemas.microsoft.com/office/powerpoint/2010/main" val="3079720989"/>
       </p:ext>
     </p:extLst>
   </p:cSld>
@@ -8265,8 +8902,8 @@
         </p:nvSpPr>
         <p:spPr>
           <a:xfrm>
-            <a:off x="4124325" y="707448"/>
-            <a:ext cx="3971925" cy="170987"/>
+            <a:off x="4124325" y="2899718"/>
+            <a:ext cx="3971925" cy="181233"/>
           </a:xfrm>
           <a:prstGeom prst="rect">
             <a:avLst/>
@@ -8306,7 +8943,7 @@
     </p:spTree>
     <p:extLst>
       <p:ext uri="{BB962C8B-B14F-4D97-AF65-F5344CB8AC3E}">
-        <p14:creationId xmlns:p14="http://schemas.microsoft.com/office/powerpoint/2010/main" val="1977621991"/>
+        <p14:creationId xmlns:p14="http://schemas.microsoft.com/office/powerpoint/2010/main" val="3033220531"/>
       </p:ext>
     </p:extLst>
   </p:cSld>
@@ -8434,8 +9071,8 @@
         </p:nvSpPr>
         <p:spPr>
           <a:xfrm>
-            <a:off x="4124325" y="872204"/>
-            <a:ext cx="3971925" cy="170987"/>
+            <a:off x="4124325" y="3031523"/>
+            <a:ext cx="3971925" cy="181233"/>
           </a:xfrm>
           <a:prstGeom prst="rect">
             <a:avLst/>
@@ -8475,7 +9112,7 @@
     </p:spTree>
     <p:extLst>
       <p:ext uri="{BB962C8B-B14F-4D97-AF65-F5344CB8AC3E}">
-        <p14:creationId xmlns:p14="http://schemas.microsoft.com/office/powerpoint/2010/main" val="1775451064"/>
+        <p14:creationId xmlns:p14="http://schemas.microsoft.com/office/powerpoint/2010/main" val="284216428"/>
       </p:ext>
     </p:extLst>
   </p:cSld>
@@ -8603,8 +9240,8 @@
         </p:nvSpPr>
         <p:spPr>
           <a:xfrm>
-            <a:off x="4124325" y="1036960"/>
-            <a:ext cx="3971925" cy="775364"/>
+            <a:off x="4095749" y="3298483"/>
+            <a:ext cx="3971925" cy="181233"/>
           </a:xfrm>
           <a:prstGeom prst="rect">
             <a:avLst/>
@@ -8644,7 +9281,7 @@
     </p:spTree>
     <p:extLst>
       <p:ext uri="{BB962C8B-B14F-4D97-AF65-F5344CB8AC3E}">
-        <p14:creationId xmlns:p14="http://schemas.microsoft.com/office/powerpoint/2010/main" val="719958958"/>
+        <p14:creationId xmlns:p14="http://schemas.microsoft.com/office/powerpoint/2010/main" val="1930018435"/>
       </p:ext>
     </p:extLst>
   </p:cSld>
@@ -8772,8 +9409,8 @@
         </p:nvSpPr>
         <p:spPr>
           <a:xfrm>
-            <a:off x="4124325" y="1819555"/>
-            <a:ext cx="3971925" cy="627083"/>
+            <a:off x="4095749" y="3463240"/>
+            <a:ext cx="3971925" cy="181233"/>
           </a:xfrm>
           <a:prstGeom prst="rect">
             <a:avLst/>
@@ -8813,7 +9450,7 @@
     </p:spTree>
     <p:extLst>
       <p:ext uri="{BB962C8B-B14F-4D97-AF65-F5344CB8AC3E}">
-        <p14:creationId xmlns:p14="http://schemas.microsoft.com/office/powerpoint/2010/main" val="2193806873"/>
+        <p14:creationId xmlns:p14="http://schemas.microsoft.com/office/powerpoint/2010/main" val="962929400"/>
       </p:ext>
     </p:extLst>
   </p:cSld>
@@ -8941,7 +9578,7 @@
         </p:nvSpPr>
         <p:spPr>
           <a:xfrm>
-            <a:off x="4124325" y="2413686"/>
+            <a:off x="4095749" y="3611521"/>
             <a:ext cx="3971925" cy="181233"/>
           </a:xfrm>
           <a:prstGeom prst="rect">
@@ -8982,7 +9619,7 @@
     </p:spTree>
     <p:extLst>
       <p:ext uri="{BB962C8B-B14F-4D97-AF65-F5344CB8AC3E}">
-        <p14:creationId xmlns:p14="http://schemas.microsoft.com/office/powerpoint/2010/main" val="938772190"/>
+        <p14:creationId xmlns:p14="http://schemas.microsoft.com/office/powerpoint/2010/main" val="1524343250"/>
       </p:ext>
     </p:extLst>
   </p:cSld>
@@ -9110,8 +9747,8 @@
         </p:nvSpPr>
         <p:spPr>
           <a:xfrm>
-            <a:off x="4124325" y="2578443"/>
-            <a:ext cx="3971925" cy="181233"/>
+            <a:off x="4095749" y="3784516"/>
+            <a:ext cx="3971925" cy="466208"/>
           </a:xfrm>
           <a:prstGeom prst="rect">
             <a:avLst/>
@@ -9151,7 +9788,7 @@
     </p:spTree>
     <p:extLst>
       <p:ext uri="{BB962C8B-B14F-4D97-AF65-F5344CB8AC3E}">
-        <p14:creationId xmlns:p14="http://schemas.microsoft.com/office/powerpoint/2010/main" val="2914483572"/>
+        <p14:creationId xmlns:p14="http://schemas.microsoft.com/office/powerpoint/2010/main" val="261373994"/>
       </p:ext>
     </p:extLst>
   </p:cSld>
@@ -9279,8 +9916,8 @@
         </p:nvSpPr>
         <p:spPr>
           <a:xfrm>
-            <a:off x="4124325" y="2734961"/>
-            <a:ext cx="3971925" cy="181233"/>
+            <a:off x="4095749" y="4242486"/>
+            <a:ext cx="3971925" cy="774356"/>
           </a:xfrm>
           <a:prstGeom prst="rect">
             <a:avLst/>
@@ -9320,7 +9957,7 @@
     </p:spTree>
     <p:extLst>
       <p:ext uri="{BB962C8B-B14F-4D97-AF65-F5344CB8AC3E}">
-        <p14:creationId xmlns:p14="http://schemas.microsoft.com/office/powerpoint/2010/main" val="3079720989"/>
+        <p14:creationId xmlns:p14="http://schemas.microsoft.com/office/powerpoint/2010/main" val="1330818357"/>
       </p:ext>
     </p:extLst>
   </p:cSld>
@@ -9448,8 +10085,8 @@
         </p:nvSpPr>
         <p:spPr>
           <a:xfrm>
-            <a:off x="4124325" y="2899718"/>
-            <a:ext cx="3971925" cy="181233"/>
+            <a:off x="4095749" y="5025080"/>
+            <a:ext cx="3971925" cy="164755"/>
           </a:xfrm>
           <a:prstGeom prst="rect">
             <a:avLst/>
@@ -9489,7 +10126,7 @@
     </p:spTree>
     <p:extLst>
       <p:ext uri="{BB962C8B-B14F-4D97-AF65-F5344CB8AC3E}">
-        <p14:creationId xmlns:p14="http://schemas.microsoft.com/office/powerpoint/2010/main" val="3033220531"/>
+        <p14:creationId xmlns:p14="http://schemas.microsoft.com/office/powerpoint/2010/main" val="1439769895"/>
       </p:ext>
     </p:extLst>
   </p:cSld>
@@ -9734,8 +10371,8 @@
         </p:nvSpPr>
         <p:spPr>
           <a:xfrm>
-            <a:off x="4124325" y="3031523"/>
-            <a:ext cx="3971925" cy="181233"/>
+            <a:off x="4095749" y="5156885"/>
+            <a:ext cx="3971925" cy="164755"/>
           </a:xfrm>
           <a:prstGeom prst="rect">
             <a:avLst/>
@@ -9775,7 +10412,7 @@
     </p:spTree>
     <p:extLst>
       <p:ext uri="{BB962C8B-B14F-4D97-AF65-F5344CB8AC3E}">
-        <p14:creationId xmlns:p14="http://schemas.microsoft.com/office/powerpoint/2010/main" val="284216428"/>
+        <p14:creationId xmlns:p14="http://schemas.microsoft.com/office/powerpoint/2010/main" val="1684566342"/>
       </p:ext>
     </p:extLst>
   </p:cSld>
@@ -9903,8 +10540,8 @@
         </p:nvSpPr>
         <p:spPr>
           <a:xfrm>
-            <a:off x="4095749" y="3298483"/>
-            <a:ext cx="3971925" cy="181233"/>
+            <a:off x="4095749" y="5329879"/>
+            <a:ext cx="3971925" cy="164755"/>
           </a:xfrm>
           <a:prstGeom prst="rect">
             <a:avLst/>
@@ -9944,7 +10581,7 @@
     </p:spTree>
     <p:extLst>
       <p:ext uri="{BB962C8B-B14F-4D97-AF65-F5344CB8AC3E}">
-        <p14:creationId xmlns:p14="http://schemas.microsoft.com/office/powerpoint/2010/main" val="1930018435"/>
+        <p14:creationId xmlns:p14="http://schemas.microsoft.com/office/powerpoint/2010/main" val="3221480976"/>
       </p:ext>
     </p:extLst>
   </p:cSld>
@@ -10072,8 +10709,8 @@
         </p:nvSpPr>
         <p:spPr>
           <a:xfrm>
-            <a:off x="4095749" y="3463240"/>
-            <a:ext cx="3971925" cy="181233"/>
+            <a:off x="8191496" y="716690"/>
+            <a:ext cx="3971925" cy="164755"/>
           </a:xfrm>
           <a:prstGeom prst="rect">
             <a:avLst/>
@@ -10113,7 +10750,7 @@
     </p:spTree>
     <p:extLst>
       <p:ext uri="{BB962C8B-B14F-4D97-AF65-F5344CB8AC3E}">
-        <p14:creationId xmlns:p14="http://schemas.microsoft.com/office/powerpoint/2010/main" val="962929400"/>
+        <p14:creationId xmlns:p14="http://schemas.microsoft.com/office/powerpoint/2010/main" val="1798269881"/>
       </p:ext>
     </p:extLst>
   </p:cSld>
@@ -10241,8 +10878,8 @@
         </p:nvSpPr>
         <p:spPr>
           <a:xfrm>
-            <a:off x="4095749" y="3611521"/>
-            <a:ext cx="3971925" cy="181233"/>
+            <a:off x="8191496" y="881450"/>
+            <a:ext cx="3971925" cy="1103870"/>
           </a:xfrm>
           <a:prstGeom prst="rect">
             <a:avLst/>
@@ -10282,7 +10919,7 @@
     </p:spTree>
     <p:extLst>
       <p:ext uri="{BB962C8B-B14F-4D97-AF65-F5344CB8AC3E}">
-        <p14:creationId xmlns:p14="http://schemas.microsoft.com/office/powerpoint/2010/main" val="1524343250"/>
+        <p14:creationId xmlns:p14="http://schemas.microsoft.com/office/powerpoint/2010/main" val="2581897666"/>
       </p:ext>
     </p:extLst>
   </p:cSld>
@@ -10410,8 +11047,8 @@
         </p:nvSpPr>
         <p:spPr>
           <a:xfrm>
-            <a:off x="4095749" y="3784516"/>
-            <a:ext cx="3971925" cy="466208"/>
+            <a:off x="8191496" y="1960604"/>
+            <a:ext cx="3971925" cy="486033"/>
           </a:xfrm>
           <a:prstGeom prst="rect">
             <a:avLst/>
@@ -10451,7 +11088,7 @@
     </p:spTree>
     <p:extLst>
       <p:ext uri="{BB962C8B-B14F-4D97-AF65-F5344CB8AC3E}">
-        <p14:creationId xmlns:p14="http://schemas.microsoft.com/office/powerpoint/2010/main" val="261373994"/>
+        <p14:creationId xmlns:p14="http://schemas.microsoft.com/office/powerpoint/2010/main" val="3838394295"/>
       </p:ext>
     </p:extLst>
   </p:cSld>
@@ -10579,8 +11216,8 @@
         </p:nvSpPr>
         <p:spPr>
           <a:xfrm>
-            <a:off x="4095749" y="4242486"/>
-            <a:ext cx="3971925" cy="774356"/>
+            <a:off x="8191496" y="2426948"/>
+            <a:ext cx="3971925" cy="486033"/>
           </a:xfrm>
           <a:prstGeom prst="rect">
             <a:avLst/>
@@ -10620,7 +11257,7 @@
     </p:spTree>
     <p:extLst>
       <p:ext uri="{BB962C8B-B14F-4D97-AF65-F5344CB8AC3E}">
-        <p14:creationId xmlns:p14="http://schemas.microsoft.com/office/powerpoint/2010/main" val="1330818357"/>
+        <p14:creationId xmlns:p14="http://schemas.microsoft.com/office/powerpoint/2010/main" val="3989612695"/>
       </p:ext>
     </p:extLst>
   </p:cSld>
@@ -10748,8 +11385,8 @@
         </p:nvSpPr>
         <p:spPr>
           <a:xfrm>
-            <a:off x="4095749" y="5025080"/>
-            <a:ext cx="3971925" cy="164755"/>
+            <a:off x="8191496" y="2905715"/>
+            <a:ext cx="3971925" cy="786391"/>
           </a:xfrm>
           <a:prstGeom prst="rect">
             <a:avLst/>
@@ -10789,7 +11426,7 @@
     </p:spTree>
     <p:extLst>
       <p:ext uri="{BB962C8B-B14F-4D97-AF65-F5344CB8AC3E}">
-        <p14:creationId xmlns:p14="http://schemas.microsoft.com/office/powerpoint/2010/main" val="1439769895"/>
+        <p14:creationId xmlns:p14="http://schemas.microsoft.com/office/powerpoint/2010/main" val="3562435308"/>
       </p:ext>
     </p:extLst>
   </p:cSld>
@@ -10917,8 +11554,8 @@
         </p:nvSpPr>
         <p:spPr>
           <a:xfrm>
-            <a:off x="4095749" y="5156885"/>
-            <a:ext cx="3971925" cy="164755"/>
+            <a:off x="8191496" y="3670664"/>
+            <a:ext cx="3971925" cy="178197"/>
           </a:xfrm>
           <a:prstGeom prst="rect">
             <a:avLst/>
@@ -10958,7 +11595,7 @@
     </p:spTree>
     <p:extLst>
       <p:ext uri="{BB962C8B-B14F-4D97-AF65-F5344CB8AC3E}">
-        <p14:creationId xmlns:p14="http://schemas.microsoft.com/office/powerpoint/2010/main" val="1684566342"/>
+        <p14:creationId xmlns:p14="http://schemas.microsoft.com/office/powerpoint/2010/main" val="1241824012"/>
       </p:ext>
     </p:extLst>
   </p:cSld>
@@ -11086,8 +11723,8 @@
         </p:nvSpPr>
         <p:spPr>
           <a:xfrm>
-            <a:off x="4095749" y="5329879"/>
-            <a:ext cx="3971925" cy="164755"/>
+            <a:off x="8191496" y="3920562"/>
+            <a:ext cx="3971925" cy="178197"/>
           </a:xfrm>
           <a:prstGeom prst="rect">
             <a:avLst/>
@@ -11127,7 +11764,7 @@
     </p:spTree>
     <p:extLst>
       <p:ext uri="{BB962C8B-B14F-4D97-AF65-F5344CB8AC3E}">
-        <p14:creationId xmlns:p14="http://schemas.microsoft.com/office/powerpoint/2010/main" val="3221480976"/>
+        <p14:creationId xmlns:p14="http://schemas.microsoft.com/office/powerpoint/2010/main" val="3964850597"/>
       </p:ext>
     </p:extLst>
   </p:cSld>
@@ -11255,8 +11892,8 @@
         </p:nvSpPr>
         <p:spPr>
           <a:xfrm>
-            <a:off x="8191496" y="716690"/>
-            <a:ext cx="3971925" cy="164755"/>
+            <a:off x="8191496" y="3920562"/>
+            <a:ext cx="3971925" cy="178197"/>
           </a:xfrm>
           <a:prstGeom prst="rect">
             <a:avLst/>
@@ -11296,7 +11933,7 @@
     </p:spTree>
     <p:extLst>
       <p:ext uri="{BB962C8B-B14F-4D97-AF65-F5344CB8AC3E}">
-        <p14:creationId xmlns:p14="http://schemas.microsoft.com/office/powerpoint/2010/main" val="1798269881"/>
+        <p14:creationId xmlns:p14="http://schemas.microsoft.com/office/powerpoint/2010/main" val="1958914651"/>
       </p:ext>
     </p:extLst>
   </p:cSld>
@@ -11412,10 +12049,10 @@
       </p:pic>
       <p:sp>
         <p:nvSpPr>
-          <p:cNvPr id="2" name="Rectangle 1">
-            <a:extLst>
-              <a:ext uri="{FF2B5EF4-FFF2-40B4-BE49-F238E27FC236}">
-                <a16:creationId xmlns:a16="http://schemas.microsoft.com/office/drawing/2014/main" id="{45E9089C-611D-48E5-B5B8-F2AE129417DD}"/>
+          <p:cNvPr id="8" name="Rectangle 7">
+            <a:extLst>
+              <a:ext uri="{FF2B5EF4-FFF2-40B4-BE49-F238E27FC236}">
+                <a16:creationId xmlns:a16="http://schemas.microsoft.com/office/drawing/2014/main" id="{B835B33B-500F-4DDD-A6AA-93FA9FC45D9E}"/>
               </a:ext>
             </a:extLst>
           </p:cNvPr>
@@ -11424,8 +12061,8 @@
         </p:nvSpPr>
         <p:spPr>
           <a:xfrm>
-            <a:off x="28575" y="2066925"/>
-            <a:ext cx="3971925" cy="180975"/>
+            <a:off x="28575" y="5427730"/>
+            <a:ext cx="3971925" cy="170987"/>
           </a:xfrm>
           <a:prstGeom prst="rect">
             <a:avLst/>
@@ -11465,7 +12102,7 @@
     </p:spTree>
     <p:extLst>
       <p:ext uri="{BB962C8B-B14F-4D97-AF65-F5344CB8AC3E}">
-        <p14:creationId xmlns:p14="http://schemas.microsoft.com/office/powerpoint/2010/main" val="997854273"/>
+        <p14:creationId xmlns:p14="http://schemas.microsoft.com/office/powerpoint/2010/main" val="2070340591"/>
       </p:ext>
     </p:extLst>
   </p:cSld>
@@ -11593,8 +12230,8 @@
         </p:nvSpPr>
         <p:spPr>
           <a:xfrm>
-            <a:off x="8191496" y="881450"/>
-            <a:ext cx="3971925" cy="1103870"/>
+            <a:off x="8191496" y="4157629"/>
+            <a:ext cx="3971925" cy="702238"/>
           </a:xfrm>
           <a:prstGeom prst="rect">
             <a:avLst/>
@@ -11634,7 +12271,7 @@
     </p:spTree>
     <p:extLst>
       <p:ext uri="{BB962C8B-B14F-4D97-AF65-F5344CB8AC3E}">
-        <p14:creationId xmlns:p14="http://schemas.microsoft.com/office/powerpoint/2010/main" val="2581897666"/>
+        <p14:creationId xmlns:p14="http://schemas.microsoft.com/office/powerpoint/2010/main" val="3595124467"/>
       </p:ext>
     </p:extLst>
   </p:cSld>
@@ -11645,7 +12282,7 @@
 </file>
 
 <file path=ppt/slides/slide31.xml><?xml version="1.0" encoding="utf-8"?>
-<p:sld xmlns:a="http://schemas.openxmlformats.org/drawingml/2006/main" xmlns:r="http://schemas.openxmlformats.org/officeDocument/2006/relationships" xmlns:p="http://schemas.openxmlformats.org/presentationml/2006/main">
+<p:sld xmlns:a="http://schemas.openxmlformats.org/drawingml/2006/main" xmlns:r="http://schemas.openxmlformats.org/officeDocument/2006/relationships" xmlns:p="http://schemas.openxmlformats.org/presentationml/2006/main" show="0">
   <p:cSld>
     <p:spTree>
       <p:nvGrpSpPr>
@@ -11750,10 +12387,10 @@
       </p:pic>
       <p:sp>
         <p:nvSpPr>
-          <p:cNvPr id="8" name="Rectangle 7">
-            <a:extLst>
-              <a:ext uri="{FF2B5EF4-FFF2-40B4-BE49-F238E27FC236}">
-                <a16:creationId xmlns:a16="http://schemas.microsoft.com/office/drawing/2014/main" id="{B835B33B-500F-4DDD-A6AA-93FA9FC45D9E}"/>
+          <p:cNvPr id="2" name="Rectangle 1">
+            <a:extLst>
+              <a:ext uri="{FF2B5EF4-FFF2-40B4-BE49-F238E27FC236}">
+                <a16:creationId xmlns:a16="http://schemas.microsoft.com/office/drawing/2014/main" id="{45E9089C-611D-48E5-B5B8-F2AE129417DD}"/>
               </a:ext>
             </a:extLst>
           </p:cNvPr>
@@ -11762,8 +12399,8 @@
         </p:nvSpPr>
         <p:spPr>
           <a:xfrm>
-            <a:off x="8191496" y="1960604"/>
-            <a:ext cx="3971925" cy="486033"/>
+            <a:off x="28575" y="2066925"/>
+            <a:ext cx="3971925" cy="180975"/>
           </a:xfrm>
           <a:prstGeom prst="rect">
             <a:avLst/>
@@ -11803,7 +12440,1021 @@
     </p:spTree>
     <p:extLst>
       <p:ext uri="{BB962C8B-B14F-4D97-AF65-F5344CB8AC3E}">
-        <p14:creationId xmlns:p14="http://schemas.microsoft.com/office/powerpoint/2010/main" val="3838394295"/>
+        <p14:creationId xmlns:p14="http://schemas.microsoft.com/office/powerpoint/2010/main" val="997854273"/>
+      </p:ext>
+    </p:extLst>
+  </p:cSld>
+  <p:clrMapOvr>
+    <a:masterClrMapping/>
+  </p:clrMapOvr>
+</p:sld>
+</file>
+
+<file path=ppt/slides/slide32.xml><?xml version="1.0" encoding="utf-8"?>
+<p:sld xmlns:a="http://schemas.openxmlformats.org/drawingml/2006/main" xmlns:r="http://schemas.openxmlformats.org/officeDocument/2006/relationships" xmlns:p="http://schemas.openxmlformats.org/presentationml/2006/main" show="0">
+  <p:cSld>
+    <p:spTree>
+      <p:nvGrpSpPr>
+        <p:cNvPr id="1" name=""/>
+        <p:cNvGrpSpPr/>
+        <p:nvPr/>
+      </p:nvGrpSpPr>
+      <p:grpSpPr>
+        <a:xfrm>
+          <a:off x="0" y="0"/>
+          <a:ext cx="0" cy="0"/>
+          <a:chOff x="0" y="0"/>
+          <a:chExt cx="0" cy="0"/>
+        </a:xfrm>
+      </p:grpSpPr>
+      <p:pic>
+        <p:nvPicPr>
+          <p:cNvPr id="5" name="Picture 4">
+            <a:extLst>
+              <a:ext uri="{FF2B5EF4-FFF2-40B4-BE49-F238E27FC236}">
+                <a16:creationId xmlns:a16="http://schemas.microsoft.com/office/drawing/2014/main" id="{F5C2D6F9-CF07-492E-95A8-A2EDECA338A7}"/>
+              </a:ext>
+            </a:extLst>
+          </p:cNvPr>
+          <p:cNvPicPr>
+            <a:picLocks noChangeAspect="1"/>
+          </p:cNvPicPr>
+          <p:nvPr/>
+        </p:nvPicPr>
+        <p:blipFill rotWithShape="1">
+          <a:blip r:embed="rId3"/>
+          <a:srcRect l="33795" r="33392"/>
+          <a:stretch/>
+        </p:blipFill>
+        <p:spPr>
+          <a:xfrm>
+            <a:off x="0" y="0"/>
+            <a:ext cx="4000503" cy="6858000"/>
+          </a:xfrm>
+          <a:prstGeom prst="rect">
+            <a:avLst/>
+          </a:prstGeom>
+        </p:spPr>
+      </p:pic>
+      <p:pic>
+        <p:nvPicPr>
+          <p:cNvPr id="7" name="Picture 6">
+            <a:extLst>
+              <a:ext uri="{FF2B5EF4-FFF2-40B4-BE49-F238E27FC236}">
+                <a16:creationId xmlns:a16="http://schemas.microsoft.com/office/drawing/2014/main" id="{7A8E5883-8227-450E-A1C8-36475780AD47}"/>
+              </a:ext>
+            </a:extLst>
+          </p:cNvPr>
+          <p:cNvPicPr>
+            <a:picLocks noChangeAspect="1"/>
+          </p:cNvPicPr>
+          <p:nvPr/>
+        </p:nvPicPr>
+        <p:blipFill rotWithShape="1">
+          <a:blip r:embed="rId4"/>
+          <a:srcRect l="33828" r="33359"/>
+          <a:stretch/>
+        </p:blipFill>
+        <p:spPr>
+          <a:xfrm>
+            <a:off x="4095749" y="0"/>
+            <a:ext cx="4000501" cy="6858000"/>
+          </a:xfrm>
+          <a:prstGeom prst="rect">
+            <a:avLst/>
+          </a:prstGeom>
+        </p:spPr>
+      </p:pic>
+      <p:pic>
+        <p:nvPicPr>
+          <p:cNvPr id="10" name="Picture 9">
+            <a:extLst>
+              <a:ext uri="{FF2B5EF4-FFF2-40B4-BE49-F238E27FC236}">
+                <a16:creationId xmlns:a16="http://schemas.microsoft.com/office/drawing/2014/main" id="{96C8E9C6-433B-48A1-9684-1D9E1CBA8C82}"/>
+              </a:ext>
+            </a:extLst>
+          </p:cNvPr>
+          <p:cNvPicPr>
+            <a:picLocks noChangeAspect="1"/>
+          </p:cNvPicPr>
+          <p:nvPr/>
+        </p:nvPicPr>
+        <p:blipFill rotWithShape="1">
+          <a:blip r:embed="rId5"/>
+          <a:srcRect l="33906" r="33281"/>
+          <a:stretch/>
+        </p:blipFill>
+        <p:spPr>
+          <a:xfrm>
+            <a:off x="8191499" y="0"/>
+            <a:ext cx="4000501" cy="6858000"/>
+          </a:xfrm>
+          <a:prstGeom prst="rect">
+            <a:avLst/>
+          </a:prstGeom>
+        </p:spPr>
+      </p:pic>
+      <p:sp>
+        <p:nvSpPr>
+          <p:cNvPr id="6" name="Rectangle 5">
+            <a:extLst>
+              <a:ext uri="{FF2B5EF4-FFF2-40B4-BE49-F238E27FC236}">
+                <a16:creationId xmlns:a16="http://schemas.microsoft.com/office/drawing/2014/main" id="{F6AE576E-BD66-4381-BD1F-AD97ADBD590D}"/>
+              </a:ext>
+            </a:extLst>
+          </p:cNvPr>
+          <p:cNvSpPr/>
+          <p:nvPr/>
+        </p:nvSpPr>
+        <p:spPr>
+          <a:xfrm>
+            <a:off x="28575" y="2215608"/>
+            <a:ext cx="3971925" cy="180975"/>
+          </a:xfrm>
+          <a:prstGeom prst="rect">
+            <a:avLst/>
+          </a:prstGeom>
+          <a:noFill/>
+          <a:ln w="38100">
+            <a:solidFill>
+              <a:srgbClr val="FF0000"/>
+            </a:solidFill>
+          </a:ln>
+        </p:spPr>
+        <p:style>
+          <a:lnRef idx="2">
+            <a:schemeClr val="accent1">
+              <a:shade val="50000"/>
+            </a:schemeClr>
+          </a:lnRef>
+          <a:fillRef idx="1">
+            <a:schemeClr val="accent1"/>
+          </a:fillRef>
+          <a:effectRef idx="0">
+            <a:schemeClr val="accent1"/>
+          </a:effectRef>
+          <a:fontRef idx="minor">
+            <a:schemeClr val="lt1"/>
+          </a:fontRef>
+        </p:style>
+        <p:txBody>
+          <a:bodyPr rtlCol="0" anchor="ctr"/>
+          <a:lstStyle/>
+          <a:p>
+            <a:pPr algn="ctr"/>
+            <a:endParaRPr lang="en-GB"/>
+          </a:p>
+        </p:txBody>
+      </p:sp>
+    </p:spTree>
+    <p:extLst>
+      <p:ext uri="{BB962C8B-B14F-4D97-AF65-F5344CB8AC3E}">
+        <p14:creationId xmlns:p14="http://schemas.microsoft.com/office/powerpoint/2010/main" val="2159621259"/>
+      </p:ext>
+    </p:extLst>
+  </p:cSld>
+  <p:clrMapOvr>
+    <a:masterClrMapping/>
+  </p:clrMapOvr>
+</p:sld>
+</file>
+
+<file path=ppt/slides/slide33.xml><?xml version="1.0" encoding="utf-8"?>
+<p:sld xmlns:a="http://schemas.openxmlformats.org/drawingml/2006/main" xmlns:r="http://schemas.openxmlformats.org/officeDocument/2006/relationships" xmlns:p="http://schemas.openxmlformats.org/presentationml/2006/main" show="0">
+  <p:cSld>
+    <p:spTree>
+      <p:nvGrpSpPr>
+        <p:cNvPr id="1" name=""/>
+        <p:cNvGrpSpPr/>
+        <p:nvPr/>
+      </p:nvGrpSpPr>
+      <p:grpSpPr>
+        <a:xfrm>
+          <a:off x="0" y="0"/>
+          <a:ext cx="0" cy="0"/>
+          <a:chOff x="0" y="0"/>
+          <a:chExt cx="0" cy="0"/>
+        </a:xfrm>
+      </p:grpSpPr>
+      <p:pic>
+        <p:nvPicPr>
+          <p:cNvPr id="5" name="Picture 4">
+            <a:extLst>
+              <a:ext uri="{FF2B5EF4-FFF2-40B4-BE49-F238E27FC236}">
+                <a16:creationId xmlns:a16="http://schemas.microsoft.com/office/drawing/2014/main" id="{F5C2D6F9-CF07-492E-95A8-A2EDECA338A7}"/>
+              </a:ext>
+            </a:extLst>
+          </p:cNvPr>
+          <p:cNvPicPr>
+            <a:picLocks noChangeAspect="1"/>
+          </p:cNvPicPr>
+          <p:nvPr/>
+        </p:nvPicPr>
+        <p:blipFill rotWithShape="1">
+          <a:blip r:embed="rId3"/>
+          <a:srcRect l="33795" r="33392"/>
+          <a:stretch/>
+        </p:blipFill>
+        <p:spPr>
+          <a:xfrm>
+            <a:off x="0" y="0"/>
+            <a:ext cx="4000503" cy="6858000"/>
+          </a:xfrm>
+          <a:prstGeom prst="rect">
+            <a:avLst/>
+          </a:prstGeom>
+        </p:spPr>
+      </p:pic>
+      <p:pic>
+        <p:nvPicPr>
+          <p:cNvPr id="7" name="Picture 6">
+            <a:extLst>
+              <a:ext uri="{FF2B5EF4-FFF2-40B4-BE49-F238E27FC236}">
+                <a16:creationId xmlns:a16="http://schemas.microsoft.com/office/drawing/2014/main" id="{7A8E5883-8227-450E-A1C8-36475780AD47}"/>
+              </a:ext>
+            </a:extLst>
+          </p:cNvPr>
+          <p:cNvPicPr>
+            <a:picLocks noChangeAspect="1"/>
+          </p:cNvPicPr>
+          <p:nvPr/>
+        </p:nvPicPr>
+        <p:blipFill rotWithShape="1">
+          <a:blip r:embed="rId4"/>
+          <a:srcRect l="33828" r="33359"/>
+          <a:stretch/>
+        </p:blipFill>
+        <p:spPr>
+          <a:xfrm>
+            <a:off x="4095749" y="0"/>
+            <a:ext cx="4000501" cy="6858000"/>
+          </a:xfrm>
+          <a:prstGeom prst="rect">
+            <a:avLst/>
+          </a:prstGeom>
+        </p:spPr>
+      </p:pic>
+      <p:pic>
+        <p:nvPicPr>
+          <p:cNvPr id="10" name="Picture 9">
+            <a:extLst>
+              <a:ext uri="{FF2B5EF4-FFF2-40B4-BE49-F238E27FC236}">
+                <a16:creationId xmlns:a16="http://schemas.microsoft.com/office/drawing/2014/main" id="{96C8E9C6-433B-48A1-9684-1D9E1CBA8C82}"/>
+              </a:ext>
+            </a:extLst>
+          </p:cNvPr>
+          <p:cNvPicPr>
+            <a:picLocks noChangeAspect="1"/>
+          </p:cNvPicPr>
+          <p:nvPr/>
+        </p:nvPicPr>
+        <p:blipFill rotWithShape="1">
+          <a:blip r:embed="rId5"/>
+          <a:srcRect l="33906" r="33281"/>
+          <a:stretch/>
+        </p:blipFill>
+        <p:spPr>
+          <a:xfrm>
+            <a:off x="8191499" y="0"/>
+            <a:ext cx="4000501" cy="6858000"/>
+          </a:xfrm>
+          <a:prstGeom prst="rect">
+            <a:avLst/>
+          </a:prstGeom>
+        </p:spPr>
+      </p:pic>
+      <p:sp>
+        <p:nvSpPr>
+          <p:cNvPr id="6" name="Rectangle 5">
+            <a:extLst>
+              <a:ext uri="{FF2B5EF4-FFF2-40B4-BE49-F238E27FC236}">
+                <a16:creationId xmlns:a16="http://schemas.microsoft.com/office/drawing/2014/main" id="{F6AE576E-BD66-4381-BD1F-AD97ADBD590D}"/>
+              </a:ext>
+            </a:extLst>
+          </p:cNvPr>
+          <p:cNvSpPr/>
+          <p:nvPr/>
+        </p:nvSpPr>
+        <p:spPr>
+          <a:xfrm>
+            <a:off x="28575" y="2371725"/>
+            <a:ext cx="3971925" cy="180975"/>
+          </a:xfrm>
+          <a:prstGeom prst="rect">
+            <a:avLst/>
+          </a:prstGeom>
+          <a:noFill/>
+          <a:ln w="38100">
+            <a:solidFill>
+              <a:srgbClr val="FF0000"/>
+            </a:solidFill>
+          </a:ln>
+        </p:spPr>
+        <p:style>
+          <a:lnRef idx="2">
+            <a:schemeClr val="accent1">
+              <a:shade val="50000"/>
+            </a:schemeClr>
+          </a:lnRef>
+          <a:fillRef idx="1">
+            <a:schemeClr val="accent1"/>
+          </a:fillRef>
+          <a:effectRef idx="0">
+            <a:schemeClr val="accent1"/>
+          </a:effectRef>
+          <a:fontRef idx="minor">
+            <a:schemeClr val="lt1"/>
+          </a:fontRef>
+        </p:style>
+        <p:txBody>
+          <a:bodyPr rtlCol="0" anchor="ctr"/>
+          <a:lstStyle/>
+          <a:p>
+            <a:pPr algn="ctr"/>
+            <a:endParaRPr lang="en-GB"/>
+          </a:p>
+        </p:txBody>
+      </p:sp>
+    </p:spTree>
+    <p:extLst>
+      <p:ext uri="{BB962C8B-B14F-4D97-AF65-F5344CB8AC3E}">
+        <p14:creationId xmlns:p14="http://schemas.microsoft.com/office/powerpoint/2010/main" val="2057268742"/>
+      </p:ext>
+    </p:extLst>
+  </p:cSld>
+  <p:clrMapOvr>
+    <a:masterClrMapping/>
+  </p:clrMapOvr>
+</p:sld>
+</file>
+
+<file path=ppt/slides/slide34.xml><?xml version="1.0" encoding="utf-8"?>
+<p:sld xmlns:a="http://schemas.openxmlformats.org/drawingml/2006/main" xmlns:r="http://schemas.openxmlformats.org/officeDocument/2006/relationships" xmlns:p="http://schemas.openxmlformats.org/presentationml/2006/main" show="0">
+  <p:cSld>
+    <p:spTree>
+      <p:nvGrpSpPr>
+        <p:cNvPr id="1" name=""/>
+        <p:cNvGrpSpPr/>
+        <p:nvPr/>
+      </p:nvGrpSpPr>
+      <p:grpSpPr>
+        <a:xfrm>
+          <a:off x="0" y="0"/>
+          <a:ext cx="0" cy="0"/>
+          <a:chOff x="0" y="0"/>
+          <a:chExt cx="0" cy="0"/>
+        </a:xfrm>
+      </p:grpSpPr>
+      <p:pic>
+        <p:nvPicPr>
+          <p:cNvPr id="5" name="Picture 4">
+            <a:extLst>
+              <a:ext uri="{FF2B5EF4-FFF2-40B4-BE49-F238E27FC236}">
+                <a16:creationId xmlns:a16="http://schemas.microsoft.com/office/drawing/2014/main" id="{F5C2D6F9-CF07-492E-95A8-A2EDECA338A7}"/>
+              </a:ext>
+            </a:extLst>
+          </p:cNvPr>
+          <p:cNvPicPr>
+            <a:picLocks noChangeAspect="1"/>
+          </p:cNvPicPr>
+          <p:nvPr/>
+        </p:nvPicPr>
+        <p:blipFill rotWithShape="1">
+          <a:blip r:embed="rId3"/>
+          <a:srcRect l="33795" r="33392"/>
+          <a:stretch/>
+        </p:blipFill>
+        <p:spPr>
+          <a:xfrm>
+            <a:off x="0" y="0"/>
+            <a:ext cx="4000503" cy="6858000"/>
+          </a:xfrm>
+          <a:prstGeom prst="rect">
+            <a:avLst/>
+          </a:prstGeom>
+        </p:spPr>
+      </p:pic>
+      <p:pic>
+        <p:nvPicPr>
+          <p:cNvPr id="7" name="Picture 6">
+            <a:extLst>
+              <a:ext uri="{FF2B5EF4-FFF2-40B4-BE49-F238E27FC236}">
+                <a16:creationId xmlns:a16="http://schemas.microsoft.com/office/drawing/2014/main" id="{7A8E5883-8227-450E-A1C8-36475780AD47}"/>
+              </a:ext>
+            </a:extLst>
+          </p:cNvPr>
+          <p:cNvPicPr>
+            <a:picLocks noChangeAspect="1"/>
+          </p:cNvPicPr>
+          <p:nvPr/>
+        </p:nvPicPr>
+        <p:blipFill rotWithShape="1">
+          <a:blip r:embed="rId4"/>
+          <a:srcRect l="33828" r="33359"/>
+          <a:stretch/>
+        </p:blipFill>
+        <p:spPr>
+          <a:xfrm>
+            <a:off x="4095749" y="0"/>
+            <a:ext cx="4000501" cy="6858000"/>
+          </a:xfrm>
+          <a:prstGeom prst="rect">
+            <a:avLst/>
+          </a:prstGeom>
+        </p:spPr>
+      </p:pic>
+      <p:pic>
+        <p:nvPicPr>
+          <p:cNvPr id="10" name="Picture 9">
+            <a:extLst>
+              <a:ext uri="{FF2B5EF4-FFF2-40B4-BE49-F238E27FC236}">
+                <a16:creationId xmlns:a16="http://schemas.microsoft.com/office/drawing/2014/main" id="{96C8E9C6-433B-48A1-9684-1D9E1CBA8C82}"/>
+              </a:ext>
+            </a:extLst>
+          </p:cNvPr>
+          <p:cNvPicPr>
+            <a:picLocks noChangeAspect="1"/>
+          </p:cNvPicPr>
+          <p:nvPr/>
+        </p:nvPicPr>
+        <p:blipFill rotWithShape="1">
+          <a:blip r:embed="rId5"/>
+          <a:srcRect l="33906" r="33281"/>
+          <a:stretch/>
+        </p:blipFill>
+        <p:spPr>
+          <a:xfrm>
+            <a:off x="8191499" y="0"/>
+            <a:ext cx="4000501" cy="6858000"/>
+          </a:xfrm>
+          <a:prstGeom prst="rect">
+            <a:avLst/>
+          </a:prstGeom>
+        </p:spPr>
+      </p:pic>
+      <p:sp>
+        <p:nvSpPr>
+          <p:cNvPr id="8" name="Rectangle 7">
+            <a:extLst>
+              <a:ext uri="{FF2B5EF4-FFF2-40B4-BE49-F238E27FC236}">
+                <a16:creationId xmlns:a16="http://schemas.microsoft.com/office/drawing/2014/main" id="{B835B33B-500F-4DDD-A6AA-93FA9FC45D9E}"/>
+              </a:ext>
+            </a:extLst>
+          </p:cNvPr>
+          <p:cNvSpPr/>
+          <p:nvPr/>
+        </p:nvSpPr>
+        <p:spPr>
+          <a:xfrm>
+            <a:off x="28575" y="2550146"/>
+            <a:ext cx="3971925" cy="1865738"/>
+          </a:xfrm>
+          <a:prstGeom prst="rect">
+            <a:avLst/>
+          </a:prstGeom>
+          <a:noFill/>
+          <a:ln w="38100">
+            <a:solidFill>
+              <a:srgbClr val="FF0000"/>
+            </a:solidFill>
+          </a:ln>
+        </p:spPr>
+        <p:style>
+          <a:lnRef idx="2">
+            <a:schemeClr val="accent1">
+              <a:shade val="50000"/>
+            </a:schemeClr>
+          </a:lnRef>
+          <a:fillRef idx="1">
+            <a:schemeClr val="accent1"/>
+          </a:fillRef>
+          <a:effectRef idx="0">
+            <a:schemeClr val="accent1"/>
+          </a:effectRef>
+          <a:fontRef idx="minor">
+            <a:schemeClr val="lt1"/>
+          </a:fontRef>
+        </p:style>
+        <p:txBody>
+          <a:bodyPr rtlCol="0" anchor="ctr"/>
+          <a:lstStyle/>
+          <a:p>
+            <a:pPr algn="ctr"/>
+            <a:endParaRPr lang="en-GB"/>
+          </a:p>
+        </p:txBody>
+      </p:sp>
+    </p:spTree>
+    <p:extLst>
+      <p:ext uri="{BB962C8B-B14F-4D97-AF65-F5344CB8AC3E}">
+        <p14:creationId xmlns:p14="http://schemas.microsoft.com/office/powerpoint/2010/main" val="3542546647"/>
+      </p:ext>
+    </p:extLst>
+  </p:cSld>
+  <p:clrMapOvr>
+    <a:masterClrMapping/>
+  </p:clrMapOvr>
+</p:sld>
+</file>
+
+<file path=ppt/slides/slide35.xml><?xml version="1.0" encoding="utf-8"?>
+<p:sld xmlns:a="http://schemas.openxmlformats.org/drawingml/2006/main" xmlns:r="http://schemas.openxmlformats.org/officeDocument/2006/relationships" xmlns:p="http://schemas.openxmlformats.org/presentationml/2006/main" show="0">
+  <p:cSld>
+    <p:spTree>
+      <p:nvGrpSpPr>
+        <p:cNvPr id="1" name=""/>
+        <p:cNvGrpSpPr/>
+        <p:nvPr/>
+      </p:nvGrpSpPr>
+      <p:grpSpPr>
+        <a:xfrm>
+          <a:off x="0" y="0"/>
+          <a:ext cx="0" cy="0"/>
+          <a:chOff x="0" y="0"/>
+          <a:chExt cx="0" cy="0"/>
+        </a:xfrm>
+      </p:grpSpPr>
+      <p:pic>
+        <p:nvPicPr>
+          <p:cNvPr id="5" name="Picture 4">
+            <a:extLst>
+              <a:ext uri="{FF2B5EF4-FFF2-40B4-BE49-F238E27FC236}">
+                <a16:creationId xmlns:a16="http://schemas.microsoft.com/office/drawing/2014/main" id="{F5C2D6F9-CF07-492E-95A8-A2EDECA338A7}"/>
+              </a:ext>
+            </a:extLst>
+          </p:cNvPr>
+          <p:cNvPicPr>
+            <a:picLocks noChangeAspect="1"/>
+          </p:cNvPicPr>
+          <p:nvPr/>
+        </p:nvPicPr>
+        <p:blipFill rotWithShape="1">
+          <a:blip r:embed="rId3"/>
+          <a:srcRect l="33795" r="33392"/>
+          <a:stretch/>
+        </p:blipFill>
+        <p:spPr>
+          <a:xfrm>
+            <a:off x="0" y="0"/>
+            <a:ext cx="4000503" cy="6858000"/>
+          </a:xfrm>
+          <a:prstGeom prst="rect">
+            <a:avLst/>
+          </a:prstGeom>
+        </p:spPr>
+      </p:pic>
+      <p:pic>
+        <p:nvPicPr>
+          <p:cNvPr id="7" name="Picture 6">
+            <a:extLst>
+              <a:ext uri="{FF2B5EF4-FFF2-40B4-BE49-F238E27FC236}">
+                <a16:creationId xmlns:a16="http://schemas.microsoft.com/office/drawing/2014/main" id="{7A8E5883-8227-450E-A1C8-36475780AD47}"/>
+              </a:ext>
+            </a:extLst>
+          </p:cNvPr>
+          <p:cNvPicPr>
+            <a:picLocks noChangeAspect="1"/>
+          </p:cNvPicPr>
+          <p:nvPr/>
+        </p:nvPicPr>
+        <p:blipFill rotWithShape="1">
+          <a:blip r:embed="rId4"/>
+          <a:srcRect l="33828" r="33359"/>
+          <a:stretch/>
+        </p:blipFill>
+        <p:spPr>
+          <a:xfrm>
+            <a:off x="4095749" y="0"/>
+            <a:ext cx="4000501" cy="6858000"/>
+          </a:xfrm>
+          <a:prstGeom prst="rect">
+            <a:avLst/>
+          </a:prstGeom>
+        </p:spPr>
+      </p:pic>
+      <p:pic>
+        <p:nvPicPr>
+          <p:cNvPr id="10" name="Picture 9">
+            <a:extLst>
+              <a:ext uri="{FF2B5EF4-FFF2-40B4-BE49-F238E27FC236}">
+                <a16:creationId xmlns:a16="http://schemas.microsoft.com/office/drawing/2014/main" id="{96C8E9C6-433B-48A1-9684-1D9E1CBA8C82}"/>
+              </a:ext>
+            </a:extLst>
+          </p:cNvPr>
+          <p:cNvPicPr>
+            <a:picLocks noChangeAspect="1"/>
+          </p:cNvPicPr>
+          <p:nvPr/>
+        </p:nvPicPr>
+        <p:blipFill rotWithShape="1">
+          <a:blip r:embed="rId5"/>
+          <a:srcRect l="33906" r="33281"/>
+          <a:stretch/>
+        </p:blipFill>
+        <p:spPr>
+          <a:xfrm>
+            <a:off x="8191499" y="0"/>
+            <a:ext cx="4000501" cy="6858000"/>
+          </a:xfrm>
+          <a:prstGeom prst="rect">
+            <a:avLst/>
+          </a:prstGeom>
+        </p:spPr>
+      </p:pic>
+      <p:sp>
+        <p:nvSpPr>
+          <p:cNvPr id="8" name="Rectangle 7">
+            <a:extLst>
+              <a:ext uri="{FF2B5EF4-FFF2-40B4-BE49-F238E27FC236}">
+                <a16:creationId xmlns:a16="http://schemas.microsoft.com/office/drawing/2014/main" id="{B835B33B-500F-4DDD-A6AA-93FA9FC45D9E}"/>
+              </a:ext>
+            </a:extLst>
+          </p:cNvPr>
+          <p:cNvSpPr/>
+          <p:nvPr/>
+        </p:nvSpPr>
+        <p:spPr>
+          <a:xfrm>
+            <a:off x="28575" y="4395188"/>
+            <a:ext cx="3971925" cy="639338"/>
+          </a:xfrm>
+          <a:prstGeom prst="rect">
+            <a:avLst/>
+          </a:prstGeom>
+          <a:noFill/>
+          <a:ln w="38100">
+            <a:solidFill>
+              <a:srgbClr val="FF0000"/>
+            </a:solidFill>
+          </a:ln>
+        </p:spPr>
+        <p:style>
+          <a:lnRef idx="2">
+            <a:schemeClr val="accent1">
+              <a:shade val="50000"/>
+            </a:schemeClr>
+          </a:lnRef>
+          <a:fillRef idx="1">
+            <a:schemeClr val="accent1"/>
+          </a:fillRef>
+          <a:effectRef idx="0">
+            <a:schemeClr val="accent1"/>
+          </a:effectRef>
+          <a:fontRef idx="minor">
+            <a:schemeClr val="lt1"/>
+          </a:fontRef>
+        </p:style>
+        <p:txBody>
+          <a:bodyPr rtlCol="0" anchor="ctr"/>
+          <a:lstStyle/>
+          <a:p>
+            <a:pPr algn="ctr"/>
+            <a:endParaRPr lang="en-GB"/>
+          </a:p>
+        </p:txBody>
+      </p:sp>
+    </p:spTree>
+    <p:extLst>
+      <p:ext uri="{BB962C8B-B14F-4D97-AF65-F5344CB8AC3E}">
+        <p14:creationId xmlns:p14="http://schemas.microsoft.com/office/powerpoint/2010/main" val="498483810"/>
+      </p:ext>
+    </p:extLst>
+  </p:cSld>
+  <p:clrMapOvr>
+    <a:masterClrMapping/>
+  </p:clrMapOvr>
+</p:sld>
+</file>
+
+<file path=ppt/slides/slide36.xml><?xml version="1.0" encoding="utf-8"?>
+<p:sld xmlns:a="http://schemas.openxmlformats.org/drawingml/2006/main" xmlns:r="http://schemas.openxmlformats.org/officeDocument/2006/relationships" xmlns:p="http://schemas.openxmlformats.org/presentationml/2006/main" show="0">
+  <p:cSld>
+    <p:spTree>
+      <p:nvGrpSpPr>
+        <p:cNvPr id="1" name=""/>
+        <p:cNvGrpSpPr/>
+        <p:nvPr/>
+      </p:nvGrpSpPr>
+      <p:grpSpPr>
+        <a:xfrm>
+          <a:off x="0" y="0"/>
+          <a:ext cx="0" cy="0"/>
+          <a:chOff x="0" y="0"/>
+          <a:chExt cx="0" cy="0"/>
+        </a:xfrm>
+      </p:grpSpPr>
+      <p:pic>
+        <p:nvPicPr>
+          <p:cNvPr id="5" name="Picture 4">
+            <a:extLst>
+              <a:ext uri="{FF2B5EF4-FFF2-40B4-BE49-F238E27FC236}">
+                <a16:creationId xmlns:a16="http://schemas.microsoft.com/office/drawing/2014/main" id="{F5C2D6F9-CF07-492E-95A8-A2EDECA338A7}"/>
+              </a:ext>
+            </a:extLst>
+          </p:cNvPr>
+          <p:cNvPicPr>
+            <a:picLocks noChangeAspect="1"/>
+          </p:cNvPicPr>
+          <p:nvPr/>
+        </p:nvPicPr>
+        <p:blipFill rotWithShape="1">
+          <a:blip r:embed="rId3"/>
+          <a:srcRect l="33795" r="33392"/>
+          <a:stretch/>
+        </p:blipFill>
+        <p:spPr>
+          <a:xfrm>
+            <a:off x="0" y="0"/>
+            <a:ext cx="4000503" cy="6858000"/>
+          </a:xfrm>
+          <a:prstGeom prst="rect">
+            <a:avLst/>
+          </a:prstGeom>
+        </p:spPr>
+      </p:pic>
+      <p:pic>
+        <p:nvPicPr>
+          <p:cNvPr id="7" name="Picture 6">
+            <a:extLst>
+              <a:ext uri="{FF2B5EF4-FFF2-40B4-BE49-F238E27FC236}">
+                <a16:creationId xmlns:a16="http://schemas.microsoft.com/office/drawing/2014/main" id="{7A8E5883-8227-450E-A1C8-36475780AD47}"/>
+              </a:ext>
+            </a:extLst>
+          </p:cNvPr>
+          <p:cNvPicPr>
+            <a:picLocks noChangeAspect="1"/>
+          </p:cNvPicPr>
+          <p:nvPr/>
+        </p:nvPicPr>
+        <p:blipFill rotWithShape="1">
+          <a:blip r:embed="rId4"/>
+          <a:srcRect l="33828" r="33359"/>
+          <a:stretch/>
+        </p:blipFill>
+        <p:spPr>
+          <a:xfrm>
+            <a:off x="4095749" y="0"/>
+            <a:ext cx="4000501" cy="6858000"/>
+          </a:xfrm>
+          <a:prstGeom prst="rect">
+            <a:avLst/>
+          </a:prstGeom>
+        </p:spPr>
+      </p:pic>
+      <p:pic>
+        <p:nvPicPr>
+          <p:cNvPr id="10" name="Picture 9">
+            <a:extLst>
+              <a:ext uri="{FF2B5EF4-FFF2-40B4-BE49-F238E27FC236}">
+                <a16:creationId xmlns:a16="http://schemas.microsoft.com/office/drawing/2014/main" id="{96C8E9C6-433B-48A1-9684-1D9E1CBA8C82}"/>
+              </a:ext>
+            </a:extLst>
+          </p:cNvPr>
+          <p:cNvPicPr>
+            <a:picLocks noChangeAspect="1"/>
+          </p:cNvPicPr>
+          <p:nvPr/>
+        </p:nvPicPr>
+        <p:blipFill rotWithShape="1">
+          <a:blip r:embed="rId5"/>
+          <a:srcRect l="33906" r="33281"/>
+          <a:stretch/>
+        </p:blipFill>
+        <p:spPr>
+          <a:xfrm>
+            <a:off x="8191499" y="0"/>
+            <a:ext cx="4000501" cy="6858000"/>
+          </a:xfrm>
+          <a:prstGeom prst="rect">
+            <a:avLst/>
+          </a:prstGeom>
+        </p:spPr>
+      </p:pic>
+      <p:sp>
+        <p:nvSpPr>
+          <p:cNvPr id="8" name="Rectangle 7">
+            <a:extLst>
+              <a:ext uri="{FF2B5EF4-FFF2-40B4-BE49-F238E27FC236}">
+                <a16:creationId xmlns:a16="http://schemas.microsoft.com/office/drawing/2014/main" id="{B835B33B-500F-4DDD-A6AA-93FA9FC45D9E}"/>
+              </a:ext>
+            </a:extLst>
+          </p:cNvPr>
+          <p:cNvSpPr/>
+          <p:nvPr/>
+        </p:nvSpPr>
+        <p:spPr>
+          <a:xfrm>
+            <a:off x="28575" y="5025482"/>
+            <a:ext cx="3971925" cy="170987"/>
+          </a:xfrm>
+          <a:prstGeom prst="rect">
+            <a:avLst/>
+          </a:prstGeom>
+          <a:noFill/>
+          <a:ln w="38100">
+            <a:solidFill>
+              <a:srgbClr val="FF0000"/>
+            </a:solidFill>
+          </a:ln>
+        </p:spPr>
+        <p:style>
+          <a:lnRef idx="2">
+            <a:schemeClr val="accent1">
+              <a:shade val="50000"/>
+            </a:schemeClr>
+          </a:lnRef>
+          <a:fillRef idx="1">
+            <a:schemeClr val="accent1"/>
+          </a:fillRef>
+          <a:effectRef idx="0">
+            <a:schemeClr val="accent1"/>
+          </a:effectRef>
+          <a:fontRef idx="minor">
+            <a:schemeClr val="lt1"/>
+          </a:fontRef>
+        </p:style>
+        <p:txBody>
+          <a:bodyPr rtlCol="0" anchor="ctr"/>
+          <a:lstStyle/>
+          <a:p>
+            <a:pPr algn="ctr"/>
+            <a:endParaRPr lang="en-GB"/>
+          </a:p>
+        </p:txBody>
+      </p:sp>
+    </p:spTree>
+    <p:extLst>
+      <p:ext uri="{BB962C8B-B14F-4D97-AF65-F5344CB8AC3E}">
+        <p14:creationId xmlns:p14="http://schemas.microsoft.com/office/powerpoint/2010/main" val="3310774538"/>
+      </p:ext>
+    </p:extLst>
+  </p:cSld>
+  <p:clrMapOvr>
+    <a:masterClrMapping/>
+  </p:clrMapOvr>
+</p:sld>
+</file>
+
+<file path=ppt/slides/slide37.xml><?xml version="1.0" encoding="utf-8"?>
+<p:sld xmlns:a="http://schemas.openxmlformats.org/drawingml/2006/main" xmlns:r="http://schemas.openxmlformats.org/officeDocument/2006/relationships" xmlns:p="http://schemas.openxmlformats.org/presentationml/2006/main" show="0">
+  <p:cSld>
+    <p:spTree>
+      <p:nvGrpSpPr>
+        <p:cNvPr id="1" name=""/>
+        <p:cNvGrpSpPr/>
+        <p:nvPr/>
+      </p:nvGrpSpPr>
+      <p:grpSpPr>
+        <a:xfrm>
+          <a:off x="0" y="0"/>
+          <a:ext cx="0" cy="0"/>
+          <a:chOff x="0" y="0"/>
+          <a:chExt cx="0" cy="0"/>
+        </a:xfrm>
+      </p:grpSpPr>
+      <p:pic>
+        <p:nvPicPr>
+          <p:cNvPr id="5" name="Picture 4">
+            <a:extLst>
+              <a:ext uri="{FF2B5EF4-FFF2-40B4-BE49-F238E27FC236}">
+                <a16:creationId xmlns:a16="http://schemas.microsoft.com/office/drawing/2014/main" id="{F5C2D6F9-CF07-492E-95A8-A2EDECA338A7}"/>
+              </a:ext>
+            </a:extLst>
+          </p:cNvPr>
+          <p:cNvPicPr>
+            <a:picLocks noChangeAspect="1"/>
+          </p:cNvPicPr>
+          <p:nvPr/>
+        </p:nvPicPr>
+        <p:blipFill rotWithShape="1">
+          <a:blip r:embed="rId3"/>
+          <a:srcRect l="33795" r="33392"/>
+          <a:stretch/>
+        </p:blipFill>
+        <p:spPr>
+          <a:xfrm>
+            <a:off x="0" y="0"/>
+            <a:ext cx="4000503" cy="6858000"/>
+          </a:xfrm>
+          <a:prstGeom prst="rect">
+            <a:avLst/>
+          </a:prstGeom>
+        </p:spPr>
+      </p:pic>
+      <p:pic>
+        <p:nvPicPr>
+          <p:cNvPr id="7" name="Picture 6">
+            <a:extLst>
+              <a:ext uri="{FF2B5EF4-FFF2-40B4-BE49-F238E27FC236}">
+                <a16:creationId xmlns:a16="http://schemas.microsoft.com/office/drawing/2014/main" id="{7A8E5883-8227-450E-A1C8-36475780AD47}"/>
+              </a:ext>
+            </a:extLst>
+          </p:cNvPr>
+          <p:cNvPicPr>
+            <a:picLocks noChangeAspect="1"/>
+          </p:cNvPicPr>
+          <p:nvPr/>
+        </p:nvPicPr>
+        <p:blipFill rotWithShape="1">
+          <a:blip r:embed="rId4"/>
+          <a:srcRect l="33828" r="33359"/>
+          <a:stretch/>
+        </p:blipFill>
+        <p:spPr>
+          <a:xfrm>
+            <a:off x="4095749" y="0"/>
+            <a:ext cx="4000501" cy="6858000"/>
+          </a:xfrm>
+          <a:prstGeom prst="rect">
+            <a:avLst/>
+          </a:prstGeom>
+        </p:spPr>
+      </p:pic>
+      <p:pic>
+        <p:nvPicPr>
+          <p:cNvPr id="10" name="Picture 9">
+            <a:extLst>
+              <a:ext uri="{FF2B5EF4-FFF2-40B4-BE49-F238E27FC236}">
+                <a16:creationId xmlns:a16="http://schemas.microsoft.com/office/drawing/2014/main" id="{96C8E9C6-433B-48A1-9684-1D9E1CBA8C82}"/>
+              </a:ext>
+            </a:extLst>
+          </p:cNvPr>
+          <p:cNvPicPr>
+            <a:picLocks noChangeAspect="1"/>
+          </p:cNvPicPr>
+          <p:nvPr/>
+        </p:nvPicPr>
+        <p:blipFill rotWithShape="1">
+          <a:blip r:embed="rId5"/>
+          <a:srcRect l="33906" r="33281"/>
+          <a:stretch/>
+        </p:blipFill>
+        <p:spPr>
+          <a:xfrm>
+            <a:off x="8191499" y="0"/>
+            <a:ext cx="4000501" cy="6858000"/>
+          </a:xfrm>
+          <a:prstGeom prst="rect">
+            <a:avLst/>
+          </a:prstGeom>
+        </p:spPr>
+      </p:pic>
+      <p:sp>
+        <p:nvSpPr>
+          <p:cNvPr id="8" name="Rectangle 7">
+            <a:extLst>
+              <a:ext uri="{FF2B5EF4-FFF2-40B4-BE49-F238E27FC236}">
+                <a16:creationId xmlns:a16="http://schemas.microsoft.com/office/drawing/2014/main" id="{B835B33B-500F-4DDD-A6AA-93FA9FC45D9E}"/>
+              </a:ext>
+            </a:extLst>
+          </p:cNvPr>
+          <p:cNvSpPr/>
+          <p:nvPr/>
+        </p:nvSpPr>
+        <p:spPr>
+          <a:xfrm>
+            <a:off x="28575" y="5174165"/>
+            <a:ext cx="3971925" cy="170987"/>
+          </a:xfrm>
+          <a:prstGeom prst="rect">
+            <a:avLst/>
+          </a:prstGeom>
+          <a:noFill/>
+          <a:ln w="38100">
+            <a:solidFill>
+              <a:srgbClr val="FF0000"/>
+            </a:solidFill>
+          </a:ln>
+        </p:spPr>
+        <p:style>
+          <a:lnRef idx="2">
+            <a:schemeClr val="accent1">
+              <a:shade val="50000"/>
+            </a:schemeClr>
+          </a:lnRef>
+          <a:fillRef idx="1">
+            <a:schemeClr val="accent1"/>
+          </a:fillRef>
+          <a:effectRef idx="0">
+            <a:schemeClr val="accent1"/>
+          </a:effectRef>
+          <a:fontRef idx="minor">
+            <a:schemeClr val="lt1"/>
+          </a:fontRef>
+        </p:style>
+        <p:txBody>
+          <a:bodyPr rtlCol="0" anchor="ctr"/>
+          <a:lstStyle/>
+          <a:p>
+            <a:pPr algn="ctr"/>
+            <a:endParaRPr lang="en-GB"/>
+          </a:p>
+        </p:txBody>
+      </p:sp>
+    </p:spTree>
+    <p:extLst>
+      <p:ext uri="{BB962C8B-B14F-4D97-AF65-F5344CB8AC3E}">
+        <p14:creationId xmlns:p14="http://schemas.microsoft.com/office/powerpoint/2010/main" val="3635097388"/>
       </p:ext>
     </p:extLst>
   </p:cSld>
@@ -11919,10 +13570,10 @@
       </p:pic>
       <p:sp>
         <p:nvSpPr>
-          <p:cNvPr id="6" name="Rectangle 5">
-            <a:extLst>
-              <a:ext uri="{FF2B5EF4-FFF2-40B4-BE49-F238E27FC236}">
-                <a16:creationId xmlns:a16="http://schemas.microsoft.com/office/drawing/2014/main" id="{F6AE576E-BD66-4381-BD1F-AD97ADBD590D}"/>
+          <p:cNvPr id="8" name="Rectangle 7">
+            <a:extLst>
+              <a:ext uri="{FF2B5EF4-FFF2-40B4-BE49-F238E27FC236}">
+                <a16:creationId xmlns:a16="http://schemas.microsoft.com/office/drawing/2014/main" id="{B835B33B-500F-4DDD-A6AA-93FA9FC45D9E}"/>
               </a:ext>
             </a:extLst>
           </p:cNvPr>
@@ -11931,8 +13582,8 @@
         </p:nvSpPr>
         <p:spPr>
           <a:xfrm>
-            <a:off x="28575" y="2215608"/>
-            <a:ext cx="3971925" cy="180975"/>
+            <a:off x="28575" y="5592486"/>
+            <a:ext cx="3971925" cy="170987"/>
           </a:xfrm>
           <a:prstGeom prst="rect">
             <a:avLst/>
@@ -11972,7 +13623,7 @@
     </p:spTree>
     <p:extLst>
       <p:ext uri="{BB962C8B-B14F-4D97-AF65-F5344CB8AC3E}">
-        <p14:creationId xmlns:p14="http://schemas.microsoft.com/office/powerpoint/2010/main" val="2159621259"/>
+        <p14:creationId xmlns:p14="http://schemas.microsoft.com/office/powerpoint/2010/main" val="1981701234"/>
       </p:ext>
     </p:extLst>
   </p:cSld>
@@ -12088,10 +13739,10 @@
       </p:pic>
       <p:sp>
         <p:nvSpPr>
-          <p:cNvPr id="6" name="Rectangle 5">
-            <a:extLst>
-              <a:ext uri="{FF2B5EF4-FFF2-40B4-BE49-F238E27FC236}">
-                <a16:creationId xmlns:a16="http://schemas.microsoft.com/office/drawing/2014/main" id="{F6AE576E-BD66-4381-BD1F-AD97ADBD590D}"/>
+          <p:cNvPr id="8" name="Rectangle 7">
+            <a:extLst>
+              <a:ext uri="{FF2B5EF4-FFF2-40B4-BE49-F238E27FC236}">
+                <a16:creationId xmlns:a16="http://schemas.microsoft.com/office/drawing/2014/main" id="{B835B33B-500F-4DDD-A6AA-93FA9FC45D9E}"/>
               </a:ext>
             </a:extLst>
           </p:cNvPr>
@@ -12100,8 +13751,8 @@
         </p:nvSpPr>
         <p:spPr>
           <a:xfrm>
-            <a:off x="28575" y="2371725"/>
-            <a:ext cx="3971925" cy="180975"/>
+            <a:off x="4124325" y="707448"/>
+            <a:ext cx="3971925" cy="170987"/>
           </a:xfrm>
           <a:prstGeom prst="rect">
             <a:avLst/>
@@ -12141,7 +13792,7 @@
     </p:spTree>
     <p:extLst>
       <p:ext uri="{BB962C8B-B14F-4D97-AF65-F5344CB8AC3E}">
-        <p14:creationId xmlns:p14="http://schemas.microsoft.com/office/powerpoint/2010/main" val="2057268742"/>
+        <p14:creationId xmlns:p14="http://schemas.microsoft.com/office/powerpoint/2010/main" val="1977621991"/>
       </p:ext>
     </p:extLst>
   </p:cSld>
@@ -12269,8 +13920,8 @@
         </p:nvSpPr>
         <p:spPr>
           <a:xfrm>
-            <a:off x="28575" y="2550146"/>
-            <a:ext cx="3971925" cy="1865738"/>
+            <a:off x="4124325" y="872204"/>
+            <a:ext cx="3971925" cy="170987"/>
           </a:xfrm>
           <a:prstGeom prst="rect">
             <a:avLst/>
@@ -12310,7 +13961,7 @@
     </p:spTree>
     <p:extLst>
       <p:ext uri="{BB962C8B-B14F-4D97-AF65-F5344CB8AC3E}">
-        <p14:creationId xmlns:p14="http://schemas.microsoft.com/office/powerpoint/2010/main" val="3542546647"/>
+        <p14:creationId xmlns:p14="http://schemas.microsoft.com/office/powerpoint/2010/main" val="1775451064"/>
       </p:ext>
     </p:extLst>
   </p:cSld>
@@ -12438,8 +14089,8 @@
         </p:nvSpPr>
         <p:spPr>
           <a:xfrm>
-            <a:off x="28575" y="4395188"/>
-            <a:ext cx="3971925" cy="639338"/>
+            <a:off x="4124325" y="1036960"/>
+            <a:ext cx="3971925" cy="775364"/>
           </a:xfrm>
           <a:prstGeom prst="rect">
             <a:avLst/>
@@ -12479,7 +14130,7 @@
     </p:spTree>
     <p:extLst>
       <p:ext uri="{BB962C8B-B14F-4D97-AF65-F5344CB8AC3E}">
-        <p14:creationId xmlns:p14="http://schemas.microsoft.com/office/powerpoint/2010/main" val="498483810"/>
+        <p14:creationId xmlns:p14="http://schemas.microsoft.com/office/powerpoint/2010/main" val="719958958"/>
       </p:ext>
     </p:extLst>
   </p:cSld>
@@ -12607,8 +14258,8 @@
         </p:nvSpPr>
         <p:spPr>
           <a:xfrm>
-            <a:off x="28575" y="5025482"/>
-            <a:ext cx="3971925" cy="170987"/>
+            <a:off x="4124325" y="1819555"/>
+            <a:ext cx="3971925" cy="627083"/>
           </a:xfrm>
           <a:prstGeom prst="rect">
             <a:avLst/>
@@ -12648,7 +14299,7 @@
     </p:spTree>
     <p:extLst>
       <p:ext uri="{BB962C8B-B14F-4D97-AF65-F5344CB8AC3E}">
-        <p14:creationId xmlns:p14="http://schemas.microsoft.com/office/powerpoint/2010/main" val="3310774538"/>
+        <p14:creationId xmlns:p14="http://schemas.microsoft.com/office/powerpoint/2010/main" val="2193806873"/>
       </p:ext>
     </p:extLst>
   </p:cSld>
@@ -12776,8 +14427,8 @@
         </p:nvSpPr>
         <p:spPr>
           <a:xfrm>
-            <a:off x="28575" y="5174165"/>
-            <a:ext cx="3971925" cy="170987"/>
+            <a:off x="4124325" y="2413686"/>
+            <a:ext cx="3971925" cy="181233"/>
           </a:xfrm>
           <a:prstGeom prst="rect">
             <a:avLst/>
@@ -12817,7 +14468,7 @@
     </p:spTree>
     <p:extLst>
       <p:ext uri="{BB962C8B-B14F-4D97-AF65-F5344CB8AC3E}">
-        <p14:creationId xmlns:p14="http://schemas.microsoft.com/office/powerpoint/2010/main" val="3635097388"/>
+        <p14:creationId xmlns:p14="http://schemas.microsoft.com/office/powerpoint/2010/main" val="938772190"/>
       </p:ext>
     </p:extLst>
   </p:cSld>

--- a/Presentation/thesis_overview_v3.pptx
+++ b/Presentation/thesis_overview_v3.pptx
@@ -5,46 +5,47 @@
     <p:sldMasterId id="2147483648" r:id="rId1"/>
   </p:sldMasterIdLst>
   <p:notesMasterIdLst>
-    <p:notesMasterId r:id="rId39"/>
+    <p:notesMasterId r:id="rId40"/>
   </p:notesMasterIdLst>
   <p:sldIdLst>
     <p:sldId id="257" r:id="rId2"/>
     <p:sldId id="256" r:id="rId3"/>
-    <p:sldId id="270" r:id="rId4"/>
-    <p:sldId id="271" r:id="rId5"/>
-    <p:sldId id="272" r:id="rId6"/>
-    <p:sldId id="273" r:id="rId7"/>
-    <p:sldId id="274" r:id="rId8"/>
-    <p:sldId id="275" r:id="rId9"/>
-    <p:sldId id="276" r:id="rId10"/>
-    <p:sldId id="277" r:id="rId11"/>
-    <p:sldId id="278" r:id="rId12"/>
-    <p:sldId id="279" r:id="rId13"/>
-    <p:sldId id="280" r:id="rId14"/>
-    <p:sldId id="281" r:id="rId15"/>
-    <p:sldId id="282" r:id="rId16"/>
-    <p:sldId id="283" r:id="rId17"/>
-    <p:sldId id="284" r:id="rId18"/>
-    <p:sldId id="285" r:id="rId19"/>
-    <p:sldId id="286" r:id="rId20"/>
-    <p:sldId id="287" r:id="rId21"/>
-    <p:sldId id="288" r:id="rId22"/>
-    <p:sldId id="289" r:id="rId23"/>
-    <p:sldId id="291" r:id="rId24"/>
-    <p:sldId id="292" r:id="rId25"/>
-    <p:sldId id="293" r:id="rId26"/>
-    <p:sldId id="295" r:id="rId27"/>
-    <p:sldId id="296" r:id="rId28"/>
-    <p:sldId id="297" r:id="rId29"/>
-    <p:sldId id="298" r:id="rId30"/>
-    <p:sldId id="299" r:id="rId31"/>
-    <p:sldId id="263" r:id="rId32"/>
-    <p:sldId id="264" r:id="rId33"/>
-    <p:sldId id="265" r:id="rId34"/>
-    <p:sldId id="266" r:id="rId35"/>
-    <p:sldId id="267" r:id="rId36"/>
-    <p:sldId id="268" r:id="rId37"/>
-    <p:sldId id="269" r:id="rId38"/>
+    <p:sldId id="300" r:id="rId4"/>
+    <p:sldId id="270" r:id="rId5"/>
+    <p:sldId id="271" r:id="rId6"/>
+    <p:sldId id="272" r:id="rId7"/>
+    <p:sldId id="273" r:id="rId8"/>
+    <p:sldId id="274" r:id="rId9"/>
+    <p:sldId id="275" r:id="rId10"/>
+    <p:sldId id="276" r:id="rId11"/>
+    <p:sldId id="277" r:id="rId12"/>
+    <p:sldId id="278" r:id="rId13"/>
+    <p:sldId id="279" r:id="rId14"/>
+    <p:sldId id="280" r:id="rId15"/>
+    <p:sldId id="281" r:id="rId16"/>
+    <p:sldId id="282" r:id="rId17"/>
+    <p:sldId id="283" r:id="rId18"/>
+    <p:sldId id="284" r:id="rId19"/>
+    <p:sldId id="285" r:id="rId20"/>
+    <p:sldId id="286" r:id="rId21"/>
+    <p:sldId id="287" r:id="rId22"/>
+    <p:sldId id="288" r:id="rId23"/>
+    <p:sldId id="289" r:id="rId24"/>
+    <p:sldId id="291" r:id="rId25"/>
+    <p:sldId id="292" r:id="rId26"/>
+    <p:sldId id="293" r:id="rId27"/>
+    <p:sldId id="295" r:id="rId28"/>
+    <p:sldId id="296" r:id="rId29"/>
+    <p:sldId id="297" r:id="rId30"/>
+    <p:sldId id="298" r:id="rId31"/>
+    <p:sldId id="299" r:id="rId32"/>
+    <p:sldId id="263" r:id="rId33"/>
+    <p:sldId id="264" r:id="rId34"/>
+    <p:sldId id="265" r:id="rId35"/>
+    <p:sldId id="266" r:id="rId36"/>
+    <p:sldId id="267" r:id="rId37"/>
+    <p:sldId id="268" r:id="rId38"/>
+    <p:sldId id="269" r:id="rId39"/>
   </p:sldIdLst>
   <p:sldSz cx="12192000" cy="6858000"/>
   <p:notesSz cx="6858000" cy="9144000"/>
@@ -714,7 +715,15 @@
             </a:pPr>
             <a:r>
               <a:rPr lang="en-GB" dirty="0"/>
-              <a:t>In seventh section I show how the general solution derived in the third section can be modified to include leakage. Or in other words, modified to ensure that only a  fraction R of the waves reflects each time the waves hits one of the boundaries.</a:t>
+              <a:t>The sixth sections aims to estimate a reflection coefficient, R. This is important as to simulate the leakage I model that a fraction R of the waves reflects each time the waves hit each of the boundaries. To estimate the reflection coefficient I use a method which is similar to what Joe </a:t>
+            </a:r>
+            <a:r>
+              <a:rPr lang="en-GB" dirty="0" err="1"/>
+              <a:t>Hollweg</a:t>
+            </a:r>
+            <a:r>
+              <a:rPr lang="en-GB" dirty="0"/>
+              <a:t> uses in a in a paper he wrote in 1984.</a:t>
             </a:r>
           </a:p>
         </p:txBody>
@@ -745,7 +754,7 @@
     </p:spTree>
     <p:extLst>
       <p:ext uri="{BB962C8B-B14F-4D97-AF65-F5344CB8AC3E}">
-        <p14:creationId xmlns:p14="http://schemas.microsoft.com/office/powerpoint/2010/main" val="3220894544"/>
+        <p14:creationId xmlns:p14="http://schemas.microsoft.com/office/powerpoint/2010/main" val="1919909110"/>
       </p:ext>
     </p:extLst>
   </p:cSld>
@@ -805,41 +814,7 @@
             </a:pPr>
             <a:r>
               <a:rPr lang="en-GB" dirty="0"/>
-              <a:t>There are two main aims in the eighth section</a:t>
-            </a:r>
-          </a:p>
-          <a:p>
-            <a:pPr marL="0" indent="0">
-              <a:buFont typeface="Arial" panose="020B0604020202020204" pitchFamily="34" charset="0"/>
-              <a:buNone/>
-            </a:pPr>
-            <a:endParaRPr lang="en-GB" dirty="0"/>
-          </a:p>
-          <a:p>
-            <a:pPr marL="0" indent="0">
-              <a:buFont typeface="Arial" panose="020B0604020202020204" pitchFamily="34" charset="0"/>
-              <a:buNone/>
-            </a:pPr>
-            <a:r>
-              <a:rPr lang="en-GB" dirty="0"/>
-              <a:t>The first aim here is to introduce the idea of a steady-state. In other words, that for a leaky loop or resistive loop the system will go through a transient phase where the system can oscillate at different frequencies to the driver frequency but at steady-state the whole system oscillates at the driver frequency.</a:t>
-            </a:r>
-          </a:p>
-          <a:p>
-            <a:pPr marL="0" indent="0">
-              <a:buFont typeface="Arial" panose="020B0604020202020204" pitchFamily="34" charset="0"/>
-              <a:buNone/>
-            </a:pPr>
-            <a:endParaRPr lang="en-GB" dirty="0"/>
-          </a:p>
-          <a:p>
-            <a:pPr marL="0" indent="0">
-              <a:buFont typeface="Arial" panose="020B0604020202020204" pitchFamily="34" charset="0"/>
-              <a:buNone/>
-            </a:pPr>
-            <a:r>
-              <a:rPr lang="en-GB" dirty="0"/>
-              <a:t>Another aim is to convince the reader that the formula we derived is indeed accurate. I do this by calculating both a numeric and analytic solution and checking they agree. Confirming this formula is accurate is useful in Chapter 3 when we look at resistive phase mixed Alfven waves in a leaky loop.</a:t>
+              <a:t>In seventh section I show how the general solution derived in the third section can be modified to include leakage. Or in other words, modified to ensure that only a  fraction R of the waves reflects each time the waves hits one of the boundaries.</a:t>
             </a:r>
           </a:p>
         </p:txBody>
@@ -870,7 +845,7 @@
     </p:spTree>
     <p:extLst>
       <p:ext uri="{BB962C8B-B14F-4D97-AF65-F5344CB8AC3E}">
-        <p14:creationId xmlns:p14="http://schemas.microsoft.com/office/powerpoint/2010/main" val="2961517012"/>
+        <p14:creationId xmlns:p14="http://schemas.microsoft.com/office/powerpoint/2010/main" val="3220894544"/>
       </p:ext>
     </p:extLst>
   </p:cSld>
@@ -930,7 +905,41 @@
             </a:pPr>
             <a:r>
               <a:rPr lang="en-GB" dirty="0"/>
-              <a:t>In section 9 the goal is to introduce phase mixing so the reader is ready for the more in-depth discussion of phase mixing in the next chapter. I do this by illustrating phase mixing using graphs in the simplest setup I could think of.</a:t>
+              <a:t>There are two main aims in the eighth section</a:t>
+            </a:r>
+          </a:p>
+          <a:p>
+            <a:pPr marL="0" indent="0">
+              <a:buFont typeface="Arial" panose="020B0604020202020204" pitchFamily="34" charset="0"/>
+              <a:buNone/>
+            </a:pPr>
+            <a:endParaRPr lang="en-GB" dirty="0"/>
+          </a:p>
+          <a:p>
+            <a:pPr marL="0" indent="0">
+              <a:buFont typeface="Arial" panose="020B0604020202020204" pitchFamily="34" charset="0"/>
+              <a:buNone/>
+            </a:pPr>
+            <a:r>
+              <a:rPr lang="en-GB" dirty="0"/>
+              <a:t>The first aim here is to introduce the idea of a steady-state. In other words, that for a leaky loop or resistive loop the system will go through a transient phase where the system can oscillate at different frequencies to the driver frequency but at steady-state the whole system oscillates at the driver frequency.</a:t>
+            </a:r>
+          </a:p>
+          <a:p>
+            <a:pPr marL="0" indent="0">
+              <a:buFont typeface="Arial" panose="020B0604020202020204" pitchFamily="34" charset="0"/>
+              <a:buNone/>
+            </a:pPr>
+            <a:endParaRPr lang="en-GB" dirty="0"/>
+          </a:p>
+          <a:p>
+            <a:pPr marL="0" indent="0">
+              <a:buFont typeface="Arial" panose="020B0604020202020204" pitchFamily="34" charset="0"/>
+              <a:buNone/>
+            </a:pPr>
+            <a:r>
+              <a:rPr lang="en-GB" dirty="0"/>
+              <a:t>Another aim is to convince the reader that the formula we derived is indeed accurate. I do this by calculating both a numeric and analytic solution and checking they agree. Confirming this formula is accurate is useful in Chapter 3 when we look at resistive phase mixed Alfven waves in a leaky loop.</a:t>
             </a:r>
           </a:p>
         </p:txBody>
@@ -961,7 +970,7 @@
     </p:spTree>
     <p:extLst>
       <p:ext uri="{BB962C8B-B14F-4D97-AF65-F5344CB8AC3E}">
-        <p14:creationId xmlns:p14="http://schemas.microsoft.com/office/powerpoint/2010/main" val="2777048949"/>
+        <p14:creationId xmlns:p14="http://schemas.microsoft.com/office/powerpoint/2010/main" val="2961517012"/>
       </p:ext>
     </p:extLst>
   </p:cSld>
@@ -1021,7 +1030,7 @@
             </a:pPr>
             <a:r>
               <a:rPr lang="en-GB" dirty="0"/>
-              <a:t>Finally, section 10 gives a summary of the main results from the chapter.</a:t>
+              <a:t>In section 9 the goal is to introduce phase mixing so the reader is ready for the more in-depth discussion of phase mixing in the next chapter. I do this by illustrating phase mixing using graphs in the simplest setup I could think of.</a:t>
             </a:r>
           </a:p>
         </p:txBody>
@@ -1052,7 +1061,7 @@
     </p:spTree>
     <p:extLst>
       <p:ext uri="{BB962C8B-B14F-4D97-AF65-F5344CB8AC3E}">
-        <p14:creationId xmlns:p14="http://schemas.microsoft.com/office/powerpoint/2010/main" val="2586647524"/>
+        <p14:creationId xmlns:p14="http://schemas.microsoft.com/office/powerpoint/2010/main" val="2777048949"/>
       </p:ext>
     </p:extLst>
   </p:cSld>
@@ -1106,27 +1115,13 @@
           <a:bodyPr/>
           <a:lstStyle/>
           <a:p>
+            <a:pPr marL="0" indent="0">
+              <a:buFont typeface="Arial" panose="020B0604020202020204" pitchFamily="34" charset="0"/>
+              <a:buNone/>
+            </a:pPr>
             <a:r>
               <a:rPr lang="en-GB" dirty="0"/>
-              <a:t>So that’s all I’m going to say about chapter 2.</a:t>
-            </a:r>
-          </a:p>
-          <a:p>
-            <a:endParaRPr lang="en-GB" dirty="0"/>
-          </a:p>
-          <a:p>
-            <a:r>
-              <a:rPr lang="en-GB" dirty="0"/>
-              <a:t>Chapter 3 is closely related to a paper I published in 2019. The main goal of this chapter is to show that phase mixing is not a viable standalone heating mechanism in the closed solar corona. I still think its possible that phase mixing could play an indirect role in coronal heating. For example, it could trigger the Kelvin-Helmholtz instability which then causes energy to be dissipated due to gradients parallel to the velocity and magnetic field. But I don’t think the direct dissipation of the transverse gradients produced by phase mixing plays a significant role in coronal heating.</a:t>
-            </a:r>
-          </a:p>
-          <a:p>
-            <a:endParaRPr lang="en-GB" dirty="0"/>
-          </a:p>
-          <a:p>
-            <a:r>
-              <a:rPr lang="en-GB" dirty="0"/>
-              <a:t>I structure this chapter by starting simple with an open loop. Then I keep adding complexity to the model in each subsequent section.</a:t>
+              <a:t>Finally, section 10 gives a summary of the main results from the chapter.</a:t>
             </a:r>
           </a:p>
         </p:txBody>
@@ -1157,7 +1152,7 @@
     </p:spTree>
     <p:extLst>
       <p:ext uri="{BB962C8B-B14F-4D97-AF65-F5344CB8AC3E}">
-        <p14:creationId xmlns:p14="http://schemas.microsoft.com/office/powerpoint/2010/main" val="3320340563"/>
+        <p14:creationId xmlns:p14="http://schemas.microsoft.com/office/powerpoint/2010/main" val="2586647524"/>
       </p:ext>
     </p:extLst>
   </p:cSld>
@@ -1213,7 +1208,7 @@
           <a:p>
             <a:r>
               <a:rPr lang="en-GB" dirty="0"/>
-              <a:t>In the first section I give an introduction.</a:t>
+              <a:t>So that’s all I’m going to say about chapter 2.</a:t>
             </a:r>
           </a:p>
           <a:p>
@@ -1222,80 +1217,17 @@
           <a:p>
             <a:r>
               <a:rPr lang="en-GB" dirty="0"/>
-              <a:t>The most important thing I introduce in this section is something I call the heating rate per unit of wave energy which I denote with the symbol gamma.</a:t>
+              <a:t>Chapter 3 is closely related to a paper I published in 2019. The main goal of this chapter is to show that phase mixing is not a viable standalone heating mechanism in the closed solar corona. I still think its possible that phase mixing could play an indirect role in coronal heating. For example, it could trigger the Kelvin-Helmholtz instability which then causes energy to be dissipated due to gradients parallel to the velocity and magnetic field. But I don’t think the direct dissipation of the transverse gradients produced by phase mixing plays a significant role in coronal heating.</a:t>
             </a:r>
           </a:p>
           <a:p>
             <a:endParaRPr lang="en-GB" dirty="0"/>
           </a:p>
           <a:p>
-            <a:pPr marL="0" marR="0" lvl="0" indent="0" algn="l" defTabSz="914400" rtl="0" eaLnBrk="1" fontAlgn="auto" latinLnBrk="0" hangingPunct="1">
-              <a:lnSpc>
-                <a:spcPct val="100000"/>
-              </a:lnSpc>
-              <a:spcBef>
-                <a:spcPts val="0"/>
-              </a:spcBef>
-              <a:spcAft>
-                <a:spcPts val="0"/>
-              </a:spcAft>
-              <a:buClrTx/>
-              <a:buSzTx/>
-              <a:buFontTx/>
-              <a:buNone/>
-              <a:tabLst/>
-              <a:defRPr/>
-            </a:pPr>
             <a:r>
               <a:rPr lang="en-GB" dirty="0"/>
-              <a:t>I then estimate that we need a heating rate per unit of wave energy of about 10^-1 s-^-1 to the heat the corona. This comes from estimating the heating rate required per unit volume and dividing by observed wave energy density in the corona.</a:t>
-            </a:r>
-          </a:p>
-          <a:p>
-            <a:pPr marL="0" marR="0" lvl="0" indent="0" algn="l" defTabSz="914400" rtl="0" eaLnBrk="1" fontAlgn="auto" latinLnBrk="0" hangingPunct="1">
-              <a:lnSpc>
-                <a:spcPct val="100000"/>
-              </a:lnSpc>
-              <a:spcBef>
-                <a:spcPts val="0"/>
-              </a:spcBef>
-              <a:spcAft>
-                <a:spcPts val="0"/>
-              </a:spcAft>
-              <a:buClrTx/>
-              <a:buSzTx/>
-              <a:buFontTx/>
-              <a:buNone/>
-              <a:tabLst/>
-              <a:defRPr/>
-            </a:pPr>
-            <a:endParaRPr lang="en-GB" dirty="0"/>
-          </a:p>
-          <a:p>
-            <a:pPr marL="0" marR="0" lvl="0" indent="0" algn="l" defTabSz="914400" rtl="0" eaLnBrk="1" fontAlgn="auto" latinLnBrk="0" hangingPunct="1">
-              <a:lnSpc>
-                <a:spcPct val="100000"/>
-              </a:lnSpc>
-              <a:spcBef>
-                <a:spcPts val="0"/>
-              </a:spcBef>
-              <a:spcAft>
-                <a:spcPts val="0"/>
-              </a:spcAft>
-              <a:buClrTx/>
-              <a:buSzTx/>
-              <a:buFontTx/>
-              <a:buNone/>
-              <a:tabLst/>
-              <a:defRPr/>
-            </a:pPr>
-            <a:r>
-              <a:rPr lang="en-GB" dirty="0"/>
-              <a:t>This quantity is really important later on in this chapter because I use it to show that phase mixing is not viable standalone heating mechanism because you can’t produce enough heat with observed wave amplitudes via the viscous and resistive dissipation of the gradients produced by phase mixing..</a:t>
-            </a:r>
-          </a:p>
-          <a:p>
-            <a:endParaRPr lang="en-GB" dirty="0"/>
+              <a:t>I structure this chapter by starting simple with an open loop. Then I keep adding complexity to the model in each subsequent section.</a:t>
+            </a:r>
           </a:p>
         </p:txBody>
       </p:sp>
@@ -1325,7 +1257,7 @@
     </p:spTree>
     <p:extLst>
       <p:ext uri="{BB962C8B-B14F-4D97-AF65-F5344CB8AC3E}">
-        <p14:creationId xmlns:p14="http://schemas.microsoft.com/office/powerpoint/2010/main" val="709315399"/>
+        <p14:creationId xmlns:p14="http://schemas.microsoft.com/office/powerpoint/2010/main" val="3320340563"/>
       </p:ext>
     </p:extLst>
   </p:cSld>
@@ -1381,8 +1313,89 @@
           <a:p>
             <a:r>
               <a:rPr lang="en-GB" dirty="0"/>
-              <a:t>In the second section I introduce the model and equations I will use in this chapter.</a:t>
-            </a:r>
+              <a:t>In the first section I give an introduction.</a:t>
+            </a:r>
+          </a:p>
+          <a:p>
+            <a:endParaRPr lang="en-GB" dirty="0"/>
+          </a:p>
+          <a:p>
+            <a:r>
+              <a:rPr lang="en-GB" dirty="0"/>
+              <a:t>The most important thing I introduce in this section is something I call the heating rate per unit of wave energy which I denote with the symbol gamma.</a:t>
+            </a:r>
+          </a:p>
+          <a:p>
+            <a:endParaRPr lang="en-GB" dirty="0"/>
+          </a:p>
+          <a:p>
+            <a:pPr marL="0" marR="0" lvl="0" indent="0" algn="l" defTabSz="914400" rtl="0" eaLnBrk="1" fontAlgn="auto" latinLnBrk="0" hangingPunct="1">
+              <a:lnSpc>
+                <a:spcPct val="100000"/>
+              </a:lnSpc>
+              <a:spcBef>
+                <a:spcPts val="0"/>
+              </a:spcBef>
+              <a:spcAft>
+                <a:spcPts val="0"/>
+              </a:spcAft>
+              <a:buClrTx/>
+              <a:buSzTx/>
+              <a:buFontTx/>
+              <a:buNone/>
+              <a:tabLst/>
+              <a:defRPr/>
+            </a:pPr>
+            <a:r>
+              <a:rPr lang="en-GB" dirty="0"/>
+              <a:t>I then estimate that we need a heating rate per unit of wave energy of about 10^-1 s-^-1 to the heat the corona. This comes from estimating the heating rate required per unit volume and dividing by observed wave energy density in the corona.</a:t>
+            </a:r>
+          </a:p>
+          <a:p>
+            <a:pPr marL="0" marR="0" lvl="0" indent="0" algn="l" defTabSz="914400" rtl="0" eaLnBrk="1" fontAlgn="auto" latinLnBrk="0" hangingPunct="1">
+              <a:lnSpc>
+                <a:spcPct val="100000"/>
+              </a:lnSpc>
+              <a:spcBef>
+                <a:spcPts val="0"/>
+              </a:spcBef>
+              <a:spcAft>
+                <a:spcPts val="0"/>
+              </a:spcAft>
+              <a:buClrTx/>
+              <a:buSzTx/>
+              <a:buFontTx/>
+              <a:buNone/>
+              <a:tabLst/>
+              <a:defRPr/>
+            </a:pPr>
+            <a:endParaRPr lang="en-GB" dirty="0"/>
+          </a:p>
+          <a:p>
+            <a:pPr marL="0" marR="0" lvl="0" indent="0" algn="l" defTabSz="914400" rtl="0" eaLnBrk="1" fontAlgn="auto" latinLnBrk="0" hangingPunct="1">
+              <a:lnSpc>
+                <a:spcPct val="100000"/>
+              </a:lnSpc>
+              <a:spcBef>
+                <a:spcPts val="0"/>
+              </a:spcBef>
+              <a:spcAft>
+                <a:spcPts val="0"/>
+              </a:spcAft>
+              <a:buClrTx/>
+              <a:buSzTx/>
+              <a:buFontTx/>
+              <a:buNone/>
+              <a:tabLst/>
+              <a:defRPr/>
+            </a:pPr>
+            <a:r>
+              <a:rPr lang="en-GB" dirty="0"/>
+              <a:t>This quantity is really important later on in this chapter because I use it to show that phase mixing is not viable standalone heating mechanism because you can’t produce enough heat with observed wave amplitudes via the viscous and resistive dissipation of the gradients produced by phase mixing..</a:t>
+            </a:r>
+          </a:p>
+          <a:p>
+            <a:endParaRPr lang="en-GB" dirty="0"/>
           </a:p>
         </p:txBody>
       </p:sp>
@@ -1412,7 +1425,7 @@
     </p:spTree>
     <p:extLst>
       <p:ext uri="{BB962C8B-B14F-4D97-AF65-F5344CB8AC3E}">
-        <p14:creationId xmlns:p14="http://schemas.microsoft.com/office/powerpoint/2010/main" val="1859306969"/>
+        <p14:creationId xmlns:p14="http://schemas.microsoft.com/office/powerpoint/2010/main" val="709315399"/>
       </p:ext>
     </p:extLst>
   </p:cSld>
@@ -1468,24 +1481,7 @@
           <a:p>
             <a:r>
               <a:rPr lang="en-GB" dirty="0"/>
-              <a:t>The main goal in the third section is to rederive the equations which </a:t>
-            </a:r>
-            <a:r>
-              <a:rPr lang="en-GB" dirty="0" err="1"/>
-              <a:t>Heyvearts</a:t>
-            </a:r>
-            <a:r>
-              <a:rPr lang="en-GB" dirty="0"/>
-              <a:t> and Priest derived in their 1983 paper for phase-mixed Alfven waves in an open field. I then check it’s accurate by comparing the analytic formula with numerical solutions. </a:t>
-            </a:r>
-          </a:p>
-          <a:p>
-            <a:endParaRPr lang="en-GB" dirty="0"/>
-          </a:p>
-          <a:p>
-            <a:r>
-              <a:rPr lang="en-GB" dirty="0"/>
-              <a:t>This formula is useful because I combine this formula with the method of images formula I derived in section 2 to calculate the solution in a closed loop and leaky loop.</a:t>
+              <a:t>In the second section I introduce the model and equations I will use in this chapter.</a:t>
             </a:r>
           </a:p>
         </p:txBody>
@@ -1516,7 +1512,7 @@
     </p:spTree>
     <p:extLst>
       <p:ext uri="{BB962C8B-B14F-4D97-AF65-F5344CB8AC3E}">
-        <p14:creationId xmlns:p14="http://schemas.microsoft.com/office/powerpoint/2010/main" val="506988415"/>
+        <p14:creationId xmlns:p14="http://schemas.microsoft.com/office/powerpoint/2010/main" val="1859306969"/>
       </p:ext>
     </p:extLst>
   </p:cSld>
@@ -1572,7 +1568,15 @@
           <a:p>
             <a:r>
               <a:rPr lang="en-GB" dirty="0"/>
-              <a:t>In the fourth section I calculate the solution in a closed loop and then verify it numerically. </a:t>
+              <a:t>The main goal in the third section is to rederive the equations which </a:t>
+            </a:r>
+            <a:r>
+              <a:rPr lang="en-GB" dirty="0" err="1"/>
+              <a:t>Heyvearts</a:t>
+            </a:r>
+            <a:r>
+              <a:rPr lang="en-GB" dirty="0"/>
+              <a:t> and Priest derived in their 1983 paper for phase-mixed Alfven waves in an open field. I then check it’s accurate by comparing the analytic formula with numerical solutions. </a:t>
             </a:r>
           </a:p>
           <a:p>
@@ -1581,16 +1585,7 @@
           <a:p>
             <a:r>
               <a:rPr lang="en-GB" dirty="0"/>
-              <a:t>But the main goal here is to calculate an expression for the heating rate per unit of wave energy as I use this to show that phase mixing is not a viable standalone heating mechanism. </a:t>
-            </a:r>
-          </a:p>
-          <a:p>
-            <a:endParaRPr lang="en-GB" dirty="0"/>
-          </a:p>
-          <a:p>
-            <a:r>
-              <a:rPr lang="en-GB" dirty="0"/>
-              <a:t>I also investigate how adding multiple harmonics affects the heating rate per unit of wave energy and how changing the slope of the power spectrum effects it.</a:t>
+              <a:t>This formula is useful because I combine this formula with the method of images formula I derived in section 2 to calculate the solution in a closed loop and leaky loop.</a:t>
             </a:r>
           </a:p>
         </p:txBody>
@@ -1621,7 +1616,7 @@
     </p:spTree>
     <p:extLst>
       <p:ext uri="{BB962C8B-B14F-4D97-AF65-F5344CB8AC3E}">
-        <p14:creationId xmlns:p14="http://schemas.microsoft.com/office/powerpoint/2010/main" val="1298109422"/>
+        <p14:creationId xmlns:p14="http://schemas.microsoft.com/office/powerpoint/2010/main" val="506988415"/>
       </p:ext>
     </p:extLst>
   </p:cSld>
@@ -1677,7 +1672,7 @@
           <a:p>
             <a:r>
               <a:rPr lang="en-GB" dirty="0"/>
-              <a:t>In the fifth section the main goal is to investigate how leakage effects the heating rate per unit of wave energy. It turns out that leakage further acts to decrease the heating rate per unit of wave energy. </a:t>
+              <a:t>In the fourth section I calculate the solution in a closed loop and then verify it numerically. </a:t>
             </a:r>
           </a:p>
           <a:p>
@@ -1686,7 +1681,7 @@
           <a:p>
             <a:r>
               <a:rPr lang="en-GB" dirty="0"/>
-              <a:t>So this further strengthens the idea that phase mixing is not a viable standalone heating mechanism. </a:t>
+              <a:t>But the main goal here is to calculate an expression for the heating rate per unit of wave energy as I use this to show that phase mixing is not a viable standalone heating mechanism. </a:t>
             </a:r>
           </a:p>
           <a:p>
@@ -1695,7 +1690,7 @@
           <a:p>
             <a:r>
               <a:rPr lang="en-GB" dirty="0"/>
-              <a:t>But even if we don’t include leakage in the model we still find that that phase mixing is not a viable standalone heating mechanism.</a:t>
+              <a:t>I also investigate how adding multiple harmonics affects the heating rate per unit of wave energy and how changing the slope of the power spectrum effects it.</a:t>
             </a:r>
           </a:p>
         </p:txBody>
@@ -1726,7 +1721,7 @@
     </p:spTree>
     <p:extLst>
       <p:ext uri="{BB962C8B-B14F-4D97-AF65-F5344CB8AC3E}">
-        <p14:creationId xmlns:p14="http://schemas.microsoft.com/office/powerpoint/2010/main" val="22992873"/>
+        <p14:creationId xmlns:p14="http://schemas.microsoft.com/office/powerpoint/2010/main" val="1298109422"/>
       </p:ext>
     </p:extLst>
   </p:cSld>
@@ -2181,7 +2176,25 @@
           <a:p>
             <a:r>
               <a:rPr lang="en-GB" dirty="0"/>
-              <a:t>In the sixth chapter I bring together results from the chapter and from the literature to make the case that phase mixing is not a viable standalone heating mechanism. There’s lots of physics which I neglect in my model but in this discussion I try to make the argument that ignoring this physics causes my model to overestimate the heating rate per unit of wave energy. Therefore, my estimate serves as an upper bound. If my upper bound can’t give enough heat then we know a more physical model will also not give enough heat.</a:t>
+              <a:t>In the fifth section the main goal is to investigate how leakage effects the heating rate per unit of wave energy. It turns out that leakage further acts to decrease the heating rate per unit of wave energy. </a:t>
+            </a:r>
+          </a:p>
+          <a:p>
+            <a:endParaRPr lang="en-GB" dirty="0"/>
+          </a:p>
+          <a:p>
+            <a:r>
+              <a:rPr lang="en-GB" dirty="0"/>
+              <a:t>So this further strengthens the idea that phase mixing is not a viable standalone heating mechanism. </a:t>
+            </a:r>
+          </a:p>
+          <a:p>
+            <a:endParaRPr lang="en-GB" dirty="0"/>
+          </a:p>
+          <a:p>
+            <a:r>
+              <a:rPr lang="en-GB" dirty="0"/>
+              <a:t>But even if we don’t include leakage in the model we still find that that phase mixing is not a viable standalone heating mechanism.</a:t>
             </a:r>
           </a:p>
         </p:txBody>
@@ -2212,7 +2225,7 @@
     </p:spTree>
     <p:extLst>
       <p:ext uri="{BB962C8B-B14F-4D97-AF65-F5344CB8AC3E}">
-        <p14:creationId xmlns:p14="http://schemas.microsoft.com/office/powerpoint/2010/main" val="915811317"/>
+        <p14:creationId xmlns:p14="http://schemas.microsoft.com/office/powerpoint/2010/main" val="22992873"/>
       </p:ext>
     </p:extLst>
   </p:cSld>
@@ -2268,7 +2281,7 @@
           <a:p>
             <a:r>
               <a:rPr lang="en-GB" dirty="0"/>
-              <a:t>Finally, I end the chapter by summarising the results in a conclusion section.</a:t>
+              <a:t>In the sixth chapter I bring together results from the chapter and from the literature to make the case that phase mixing is not a viable standalone heating mechanism. There’s lots of physics which I neglect in my model but in this discussion I try to make the argument that ignoring this physics causes my model to overestimate the heating rate per unit of wave energy. Therefore, my estimate serves as an upper bound. If my upper bound can’t give enough heat then we know a more physical model will also not give enough heat.</a:t>
             </a:r>
           </a:p>
         </p:txBody>
@@ -2299,7 +2312,7 @@
     </p:spTree>
     <p:extLst>
       <p:ext uri="{BB962C8B-B14F-4D97-AF65-F5344CB8AC3E}">
-        <p14:creationId xmlns:p14="http://schemas.microsoft.com/office/powerpoint/2010/main" val="2381941844"/>
+        <p14:creationId xmlns:p14="http://schemas.microsoft.com/office/powerpoint/2010/main" val="915811317"/>
       </p:ext>
     </p:extLst>
   </p:cSld>
@@ -2355,78 +2368,8 @@
           <a:p>
             <a:r>
               <a:rPr lang="en-GB" dirty="0"/>
-              <a:t>So that’s all I will say about the third chapter.</a:t>
-            </a:r>
-          </a:p>
-          <a:p>
-            <a:endParaRPr lang="en-GB" dirty="0"/>
-          </a:p>
-          <a:p>
-            <a:r>
-              <a:rPr lang="en-GB" dirty="0"/>
-              <a:t>The fourth chapter is very similar to a paper I submitted to </a:t>
-            </a:r>
-            <a:r>
-              <a:rPr lang="en-GB" dirty="0" err="1"/>
-              <a:t>ApJ</a:t>
-            </a:r>
-            <a:r>
-              <a:rPr lang="en-GB" dirty="0"/>
-              <a:t> this year. The paper been approved by the referee I’m just wating to get the proofs.</a:t>
-            </a:r>
-          </a:p>
-          <a:p>
-            <a:endParaRPr lang="en-GB" dirty="0"/>
-          </a:p>
-          <a:p>
-            <a:r>
-              <a:rPr lang="en-GB" dirty="0"/>
-              <a:t>This chapter has three main aims:</a:t>
-            </a:r>
-          </a:p>
-          <a:p>
-            <a:pPr marL="171450" indent="-171450">
-              <a:buFont typeface="Arial" panose="020B0604020202020204" pitchFamily="34" charset="0"/>
-              <a:buChar char="•"/>
-            </a:pPr>
-            <a:r>
-              <a:rPr lang="en-GB" dirty="0"/>
-              <a:t>The first is to show that Alfven waves couple to fast waves at the transition region if the background field is oblique to the solar surface.</a:t>
-            </a:r>
-          </a:p>
-          <a:p>
-            <a:pPr marL="171450" indent="-171450">
-              <a:buFont typeface="Arial" panose="020B0604020202020204" pitchFamily="34" charset="0"/>
-              <a:buChar char="•"/>
-            </a:pPr>
-            <a:r>
-              <a:rPr lang="en-GB" dirty="0"/>
-              <a:t>The second is to show that the polarisation of an Alfven wave changes upon reflection at the transition region.</a:t>
-            </a:r>
-          </a:p>
-          <a:p>
-            <a:pPr marL="171450" indent="-171450">
-              <a:buFont typeface="Arial" panose="020B0604020202020204" pitchFamily="34" charset="0"/>
-              <a:buChar char="•"/>
-            </a:pPr>
-            <a:r>
-              <a:rPr lang="en-GB" dirty="0"/>
-              <a:t>The third aim is to show that the validity of line-tied boundary conditions is dependent, counterintuitively, on the length scales tangential to the solar surface. This is relevant to resonant absorption where the length scales across the magnetic field can be very short.</a:t>
-            </a:r>
-          </a:p>
-          <a:p>
-            <a:pPr marL="171450" indent="-171450">
-              <a:buFont typeface="Arial" panose="020B0604020202020204" pitchFamily="34" charset="0"/>
-              <a:buChar char="•"/>
-            </a:pPr>
-            <a:endParaRPr lang="en-GB" dirty="0"/>
-          </a:p>
-          <a:p>
-            <a:pPr marL="0" indent="0">
-              <a:buFont typeface="Arial" panose="020B0604020202020204" pitchFamily="34" charset="0"/>
-              <a:buNone/>
-            </a:pPr>
-            <a:endParaRPr lang="en-GB" dirty="0"/>
+              <a:t>Finally, I end the chapter by summarising the results in a conclusion section.</a:t>
+            </a:r>
           </a:p>
         </p:txBody>
       </p:sp>
@@ -2456,7 +2399,7 @@
     </p:spTree>
     <p:extLst>
       <p:ext uri="{BB962C8B-B14F-4D97-AF65-F5344CB8AC3E}">
-        <p14:creationId xmlns:p14="http://schemas.microsoft.com/office/powerpoint/2010/main" val="2487833197"/>
+        <p14:creationId xmlns:p14="http://schemas.microsoft.com/office/powerpoint/2010/main" val="2381941844"/>
       </p:ext>
     </p:extLst>
   </p:cSld>
@@ -2512,7 +2455,63 @@
           <a:p>
             <a:r>
               <a:rPr lang="en-GB" dirty="0"/>
-              <a:t>The first 4 sections of this chapter are all basically introductory sections so I won’t go into them here. The fourth section here aims to introduce resonant resonant absorption and show some of its key features.</a:t>
+              <a:t>So that’s all I will say about the third chapter.</a:t>
+            </a:r>
+          </a:p>
+          <a:p>
+            <a:endParaRPr lang="en-GB" dirty="0"/>
+          </a:p>
+          <a:p>
+            <a:r>
+              <a:rPr lang="en-GB" dirty="0"/>
+              <a:t>The fourth chapter is very similar to a paper I submitted to </a:t>
+            </a:r>
+            <a:r>
+              <a:rPr lang="en-GB" dirty="0" err="1"/>
+              <a:t>ApJ</a:t>
+            </a:r>
+            <a:r>
+              <a:rPr lang="en-GB" dirty="0"/>
+              <a:t> this year. The paper been approved by the referee I’m just wating to get the proofs.</a:t>
+            </a:r>
+          </a:p>
+          <a:p>
+            <a:endParaRPr lang="en-GB" dirty="0"/>
+          </a:p>
+          <a:p>
+            <a:r>
+              <a:rPr lang="en-GB" dirty="0"/>
+              <a:t>This chapter has three main aims:</a:t>
+            </a:r>
+          </a:p>
+          <a:p>
+            <a:pPr marL="171450" indent="-171450">
+              <a:buFont typeface="Arial" panose="020B0604020202020204" pitchFamily="34" charset="0"/>
+              <a:buChar char="•"/>
+            </a:pPr>
+            <a:r>
+              <a:rPr lang="en-GB" dirty="0"/>
+              <a:t>The first is to show that Alfven waves couple to fast waves at the transition region if the background field is oblique to the solar surface.</a:t>
+            </a:r>
+          </a:p>
+          <a:p>
+            <a:pPr marL="171450" indent="-171450">
+              <a:buFont typeface="Arial" panose="020B0604020202020204" pitchFamily="34" charset="0"/>
+              <a:buChar char="•"/>
+            </a:pPr>
+            <a:r>
+              <a:rPr lang="en-GB" dirty="0"/>
+              <a:t>The second is to show that the polarisation of an Alfven wave changes upon reflection at the transition region.</a:t>
+            </a:r>
+          </a:p>
+          <a:p>
+            <a:pPr marL="171450" indent="-171450">
+              <a:buFont typeface="Arial" panose="020B0604020202020204" pitchFamily="34" charset="0"/>
+              <a:buChar char="•"/>
+            </a:pPr>
+            <a:r>
+              <a:rPr lang="en-GB" dirty="0"/>
+              <a:t>The third aim is to show that the validity of line-tied boundary conditions is dependent, counterintuitively, on the length scales tangential to the solar surface. This is relevant to resonant absorption where the length scales across the magnetic field can be very short.</a:t>
             </a:r>
           </a:p>
           <a:p>
@@ -2557,7 +2556,7 @@
     </p:spTree>
     <p:extLst>
       <p:ext uri="{BB962C8B-B14F-4D97-AF65-F5344CB8AC3E}">
-        <p14:creationId xmlns:p14="http://schemas.microsoft.com/office/powerpoint/2010/main" val="3127401397"/>
+        <p14:creationId xmlns:p14="http://schemas.microsoft.com/office/powerpoint/2010/main" val="2487833197"/>
       </p:ext>
     </p:extLst>
   </p:cSld>
@@ -2613,8 +2612,22 @@
           <a:p>
             <a:r>
               <a:rPr lang="en-GB" dirty="0"/>
-              <a:t>In the fifth section the goal is show that if the background field is oblique to the solar surface then the Alfven waves couple to fast waves upon reflection with the solar surface. I do this by imposing an incident Alfven then calculating the unique solution which keeps the velocity equal to zero at the boundary</a:t>
-            </a:r>
+              <a:t>The first 4 sections of this chapter are all basically introductory sections so I won’t go into them here. The fourth section here aims to introduce resonant resonant absorption and show some of its key features.</a:t>
+            </a:r>
+          </a:p>
+          <a:p>
+            <a:pPr marL="171450" indent="-171450">
+              <a:buFont typeface="Arial" panose="020B0604020202020204" pitchFamily="34" charset="0"/>
+              <a:buChar char="•"/>
+            </a:pPr>
+            <a:endParaRPr lang="en-GB" dirty="0"/>
+          </a:p>
+          <a:p>
+            <a:pPr marL="0" indent="0">
+              <a:buFont typeface="Arial" panose="020B0604020202020204" pitchFamily="34" charset="0"/>
+              <a:buNone/>
+            </a:pPr>
+            <a:endParaRPr lang="en-GB" dirty="0"/>
           </a:p>
         </p:txBody>
       </p:sp>
@@ -2644,7 +2657,7 @@
     </p:spTree>
     <p:extLst>
       <p:ext uri="{BB962C8B-B14F-4D97-AF65-F5344CB8AC3E}">
-        <p14:creationId xmlns:p14="http://schemas.microsoft.com/office/powerpoint/2010/main" val="1664928254"/>
+        <p14:creationId xmlns:p14="http://schemas.microsoft.com/office/powerpoint/2010/main" val="3127401397"/>
       </p:ext>
     </p:extLst>
   </p:cSld>
@@ -2700,59 +2713,8 @@
           <a:p>
             <a:r>
               <a:rPr lang="en-GB" dirty="0"/>
-              <a:t>In the sixth section, the goal is to check the validity of line-tied boundary conditions. I do this by using a piecewise constant background density and imposing continuity of the velocity and magnetic field at the interface. I then compare the results from this section with the previous section to see if they agree. We should see that the solutions agree if I make the density in the chromosphere very large. We do indeed find that the solutions mostly agree. However, if the length scales tangential to the solar surface are sufficiently short then the solutions start to disagree.</a:t>
-            </a:r>
-          </a:p>
-          <a:p>
-            <a:endParaRPr lang="en-GB" dirty="0"/>
-          </a:p>
-          <a:p>
-            <a:r>
-              <a:rPr lang="en-GB" dirty="0"/>
-              <a:t>We find that if </a:t>
-            </a:r>
-            <a:r>
-              <a:rPr lang="en-GB" dirty="0" err="1"/>
-              <a:t>kx</a:t>
-            </a:r>
-            <a:r>
-              <a:rPr lang="en-GB" dirty="0"/>
-              <a:t> is very large then the </a:t>
-            </a:r>
-            <a:r>
-              <a:rPr lang="en-GB" dirty="0" err="1"/>
-              <a:t>lintied</a:t>
-            </a:r>
-            <a:r>
-              <a:rPr lang="en-GB" dirty="0"/>
-              <a:t> model gives very steep boundary layers, however, in the piecewise constant model, the boundary layers go away.</a:t>
-            </a:r>
-          </a:p>
-          <a:p>
-            <a:endParaRPr lang="en-GB" dirty="0"/>
-          </a:p>
-          <a:p>
-            <a:r>
-              <a:rPr lang="en-GB" dirty="0"/>
-              <a:t>Given that the boundary layers go away for large </a:t>
-            </a:r>
-            <a:r>
-              <a:rPr lang="en-GB" dirty="0" err="1"/>
-              <a:t>kx</a:t>
-            </a:r>
-            <a:r>
-              <a:rPr lang="en-GB" dirty="0"/>
-              <a:t>. </a:t>
-            </a:r>
-          </a:p>
-          <a:p>
-            <a:r>
-              <a:rPr lang="en-GB" dirty="0"/>
-              <a:t>This means that they should not appear in an ideal resonant absorption experiment at the resonant location, provided a piecewise constant background density is used. This is because a singularity develops at the the resonant location which is equivalent to having an infinite wavenumber.</a:t>
-            </a:r>
-          </a:p>
-          <a:p>
-            <a:endParaRPr lang="en-GB" dirty="0"/>
+              <a:t>In the fifth section the goal is show that if the background field is oblique to the solar surface then the Alfven waves couple to fast waves upon reflection with the solar surface. I do this by imposing an incident Alfven then calculating the unique solution which keeps the velocity equal to zero at the boundary</a:t>
+            </a:r>
           </a:p>
         </p:txBody>
       </p:sp>
@@ -2782,7 +2744,7 @@
     </p:spTree>
     <p:extLst>
       <p:ext uri="{BB962C8B-B14F-4D97-AF65-F5344CB8AC3E}">
-        <p14:creationId xmlns:p14="http://schemas.microsoft.com/office/powerpoint/2010/main" val="3821027144"/>
+        <p14:creationId xmlns:p14="http://schemas.microsoft.com/office/powerpoint/2010/main" val="1664928254"/>
       </p:ext>
     </p:extLst>
   </p:cSld>
@@ -2838,7 +2800,7 @@
           <a:p>
             <a:r>
               <a:rPr lang="en-GB" dirty="0"/>
-              <a:t>In the seventh section, the goal is to to test this hypothesis.</a:t>
+              <a:t>In the sixth section, the goal is to check the validity of line-tied boundary conditions. I do this by using a piecewise constant background density and imposing continuity of the velocity and magnetic field at the interface. I then compare the results from this section with the previous section to see if they agree. We should see that the solutions agree if I make the density in the chromosphere very large. We do indeed find that the solutions mostly agree. However, if the length scales tangential to the solar surface are sufficiently short then the solutions start to disagree.</a:t>
             </a:r>
           </a:p>
           <a:p>
@@ -2847,7 +2809,23 @@
           <a:p>
             <a:r>
               <a:rPr lang="en-GB" dirty="0"/>
-              <a:t>I do this by first calculating an analytic approximation.</a:t>
+              <a:t>We find that if </a:t>
+            </a:r>
+            <a:r>
+              <a:rPr lang="en-GB" dirty="0" err="1"/>
+              <a:t>kx</a:t>
+            </a:r>
+            <a:r>
+              <a:rPr lang="en-GB" dirty="0"/>
+              <a:t> is very large then the </a:t>
+            </a:r>
+            <a:r>
+              <a:rPr lang="en-GB" dirty="0" err="1"/>
+              <a:t>lintied</a:t>
+            </a:r>
+            <a:r>
+              <a:rPr lang="en-GB" dirty="0"/>
+              <a:t> model gives very steep boundary layers, however, in the piecewise constant model, the boundary layers go away.</a:t>
             </a:r>
           </a:p>
           <a:p>
@@ -2856,17 +2834,25 @@
           <a:p>
             <a:r>
               <a:rPr lang="en-GB" dirty="0"/>
-              <a:t>I then verify the analytic solution via a numerical approach.</a:t>
+              <a:t>Given that the boundary layers go away for large </a:t>
+            </a:r>
+            <a:r>
+              <a:rPr lang="en-GB" dirty="0" err="1"/>
+              <a:t>kx</a:t>
+            </a:r>
+            <a:r>
+              <a:rPr lang="en-GB" dirty="0"/>
+              <a:t>. </a:t>
+            </a:r>
+          </a:p>
+          <a:p>
+            <a:r>
+              <a:rPr lang="en-GB" dirty="0"/>
+              <a:t>This means that they should not appear in an ideal resonant absorption experiment at the resonant location, provided a piecewise constant background density is used. This is because a singularity develops at the the resonant location which is equivalent to having an infinite wavenumber.</a:t>
             </a:r>
           </a:p>
           <a:p>
             <a:endParaRPr lang="en-GB" dirty="0"/>
-          </a:p>
-          <a:p>
-            <a:r>
-              <a:rPr lang="en-GB" dirty="0"/>
-              <a:t>This section is probably the most involved section, but at the end of it we do indeed confirm that near the singularity in a resonant absorption experiment, the boundary layers are not present.</a:t>
-            </a:r>
           </a:p>
         </p:txBody>
       </p:sp>
@@ -2896,7 +2882,7 @@
     </p:spTree>
     <p:extLst>
       <p:ext uri="{BB962C8B-B14F-4D97-AF65-F5344CB8AC3E}">
-        <p14:creationId xmlns:p14="http://schemas.microsoft.com/office/powerpoint/2010/main" val="2723528898"/>
+        <p14:creationId xmlns:p14="http://schemas.microsoft.com/office/powerpoint/2010/main" val="3821027144"/>
       </p:ext>
     </p:extLst>
   </p:cSld>
@@ -2952,7 +2938,34 @@
           <a:p>
             <a:r>
               <a:rPr lang="en-GB" dirty="0"/>
-              <a:t>In the final section I give a summary and conclusion.</a:t>
+              <a:t>In the seventh section, the goal is to to test this hypothesis.</a:t>
+            </a:r>
+          </a:p>
+          <a:p>
+            <a:endParaRPr lang="en-GB" dirty="0"/>
+          </a:p>
+          <a:p>
+            <a:r>
+              <a:rPr lang="en-GB" dirty="0"/>
+              <a:t>I do this by first calculating an analytic approximation.</a:t>
+            </a:r>
+          </a:p>
+          <a:p>
+            <a:endParaRPr lang="en-GB" dirty="0"/>
+          </a:p>
+          <a:p>
+            <a:r>
+              <a:rPr lang="en-GB" dirty="0"/>
+              <a:t>I then verify the analytic solution via a numerical approach.</a:t>
+            </a:r>
+          </a:p>
+          <a:p>
+            <a:endParaRPr lang="en-GB" dirty="0"/>
+          </a:p>
+          <a:p>
+            <a:r>
+              <a:rPr lang="en-GB" dirty="0"/>
+              <a:t>This section is probably the most involved section, but at the end of it we do indeed confirm that near the singularity in a resonant absorption experiment, the boundary layers are not present.</a:t>
             </a:r>
           </a:p>
         </p:txBody>
@@ -2983,7 +2996,7 @@
     </p:spTree>
     <p:extLst>
       <p:ext uri="{BB962C8B-B14F-4D97-AF65-F5344CB8AC3E}">
-        <p14:creationId xmlns:p14="http://schemas.microsoft.com/office/powerpoint/2010/main" val="3660968345"/>
+        <p14:creationId xmlns:p14="http://schemas.microsoft.com/office/powerpoint/2010/main" val="2723528898"/>
       </p:ext>
     </p:extLst>
   </p:cSld>
@@ -3039,24 +3052,7 @@
           <a:p>
             <a:r>
               <a:rPr lang="en-GB" dirty="0"/>
-              <a:t>That’s all I’ll say about chapter 4.</a:t>
-            </a:r>
-          </a:p>
-          <a:p>
-            <a:endParaRPr lang="en-GB" dirty="0"/>
-          </a:p>
-          <a:p>
-            <a:r>
-              <a:rPr lang="en-GB" dirty="0"/>
-              <a:t>I then give a conclusion and discussion of future work. One of the ideas I had for future work is the possibility of </a:t>
-            </a:r>
-            <a:r>
-              <a:rPr lang="en-GB" dirty="0" err="1"/>
-              <a:t>cotonal</a:t>
-            </a:r>
-            <a:r>
-              <a:rPr lang="en-GB" dirty="0"/>
-              <a:t> heating by fast waves or compressive waves.</a:t>
+              <a:t>In the final section I give a summary and conclusion.</a:t>
             </a:r>
           </a:p>
         </p:txBody>
@@ -3087,7 +3083,7 @@
     </p:spTree>
     <p:extLst>
       <p:ext uri="{BB962C8B-B14F-4D97-AF65-F5344CB8AC3E}">
-        <p14:creationId xmlns:p14="http://schemas.microsoft.com/office/powerpoint/2010/main" val="2485107547"/>
+        <p14:creationId xmlns:p14="http://schemas.microsoft.com/office/powerpoint/2010/main" val="3660968345"/>
       </p:ext>
     </p:extLst>
   </p:cSld>
@@ -3152,7 +3148,15 @@
           <a:p>
             <a:r>
               <a:rPr lang="en-GB" dirty="0"/>
-              <a:t>I then give a conclusion and discussion of future work.</a:t>
+              <a:t>I then give a conclusion and discussion of future work. One of the ideas I had for future work is the possibility of </a:t>
+            </a:r>
+            <a:r>
+              <a:rPr lang="en-GB" dirty="0" err="1"/>
+              <a:t>cotonal</a:t>
+            </a:r>
+            <a:r>
+              <a:rPr lang="en-GB" dirty="0"/>
+              <a:t> heating by fast waves or compressive waves.</a:t>
             </a:r>
           </a:p>
         </p:txBody>
@@ -3183,7 +3187,7 @@
     </p:spTree>
     <p:extLst>
       <p:ext uri="{BB962C8B-B14F-4D97-AF65-F5344CB8AC3E}">
-        <p14:creationId xmlns:p14="http://schemas.microsoft.com/office/powerpoint/2010/main" val="1552883892"/>
+        <p14:creationId xmlns:p14="http://schemas.microsoft.com/office/powerpoint/2010/main" val="2485107547"/>
       </p:ext>
     </p:extLst>
   </p:cSld>
@@ -3237,13 +3241,22 @@
           <a:bodyPr/>
           <a:lstStyle/>
           <a:p>
-            <a:pPr>
+            <a:pPr marL="0" marR="0" lvl="0" indent="0" algn="l" defTabSz="914400" rtl="0" eaLnBrk="1" fontAlgn="auto" latinLnBrk="0" hangingPunct="1">
               <a:lnSpc>
-                <a:spcPct val="107000"/>
+                <a:spcPct val="100000"/>
               </a:lnSpc>
+              <a:spcBef>
+                <a:spcPts val="0"/>
+              </a:spcBef>
               <a:spcAft>
-                <a:spcPts val="800"/>
+                <a:spcPts val="0"/>
               </a:spcAft>
+              <a:buClrTx/>
+              <a:buSzTx/>
+              <a:buFontTx/>
+              <a:buNone/>
+              <a:tabLst/>
+              <a:defRPr/>
             </a:pPr>
             <a:r>
               <a:rPr lang="en-GB" sz="1200" dirty="0">
@@ -3252,78 +3265,12 @@
                 <a:ea typeface="Calibri" panose="020F0502020204030204" pitchFamily="34" charset="0"/>
                 <a:cs typeface="Times New Roman" panose="02020603050405020304" pitchFamily="18" charset="0"/>
               </a:rPr>
-              <a:t>I will start by discussing chapter 2. If we have time I will talk about the introductory chapter at the end.</a:t>
-            </a:r>
-          </a:p>
-          <a:p>
-            <a:pPr>
-              <a:lnSpc>
-                <a:spcPct val="107000"/>
-              </a:lnSpc>
-              <a:spcAft>
-                <a:spcPts val="800"/>
-              </a:spcAft>
-            </a:pPr>
-            <a:endParaRPr lang="en-GB" sz="1200" dirty="0">
-              <a:effectLst/>
-              <a:latin typeface="Calibri" panose="020F0502020204030204" pitchFamily="34" charset="0"/>
-              <a:ea typeface="Calibri" panose="020F0502020204030204" pitchFamily="34" charset="0"/>
-              <a:cs typeface="Times New Roman" panose="02020603050405020304" pitchFamily="18" charset="0"/>
-            </a:endParaRPr>
-          </a:p>
-          <a:p>
-            <a:pPr>
-              <a:lnSpc>
-                <a:spcPct val="107000"/>
-              </a:lnSpc>
-              <a:spcAft>
-                <a:spcPts val="800"/>
-              </a:spcAft>
-            </a:pPr>
-            <a:r>
-              <a:rPr lang="en-GB" sz="1200" dirty="0">
-                <a:effectLst/>
-                <a:latin typeface="Calibri" panose="020F0502020204030204" pitchFamily="34" charset="0"/>
-                <a:ea typeface="Calibri" panose="020F0502020204030204" pitchFamily="34" charset="0"/>
-                <a:cs typeface="Times New Roman" panose="02020603050405020304" pitchFamily="18" charset="0"/>
-              </a:rPr>
-              <a:t>In chapter 2, my goal is to introduce some of the most relevant facts about footpoint driven Alfven waves for this thesis. </a:t>
-            </a:r>
-          </a:p>
-          <a:p>
-            <a:pPr>
-              <a:lnSpc>
-                <a:spcPct val="107000"/>
-              </a:lnSpc>
-              <a:spcAft>
-                <a:spcPts val="800"/>
-              </a:spcAft>
-            </a:pPr>
-            <a:endParaRPr lang="en-GB" sz="1200" dirty="0">
-              <a:effectLst/>
-              <a:latin typeface="Calibri" panose="020F0502020204030204" pitchFamily="34" charset="0"/>
-              <a:ea typeface="Calibri" panose="020F0502020204030204" pitchFamily="34" charset="0"/>
-              <a:cs typeface="Times New Roman" panose="02020603050405020304" pitchFamily="18" charset="0"/>
-            </a:endParaRPr>
-          </a:p>
-          <a:p>
-            <a:pPr>
-              <a:lnSpc>
-                <a:spcPct val="107000"/>
-              </a:lnSpc>
-              <a:spcAft>
-                <a:spcPts val="800"/>
-              </a:spcAft>
-            </a:pPr>
-            <a:r>
-              <a:rPr lang="en-GB" sz="1200" dirty="0">
-                <a:effectLst/>
-                <a:latin typeface="Calibri" panose="020F0502020204030204" pitchFamily="34" charset="0"/>
-                <a:ea typeface="Calibri" panose="020F0502020204030204" pitchFamily="34" charset="0"/>
-                <a:cs typeface="Times New Roman" panose="02020603050405020304" pitchFamily="18" charset="0"/>
-              </a:rPr>
-              <a:t>I think this chapter reads like a cross between an introductory chapter and a research chapter. I talk about lots of results that are already quite well known, so I think I would struggle to write a paper based on this content. However, I think I the way I derive many of the results is original so it could perhaps make it in to some sort of review paper.</a:t>
-            </a:r>
+              <a:t>In the interest of time I will skip the introduction. I think it’s fairly similar to the sort of thing you’d find in lots of other solar physics theses.</a:t>
+            </a:r>
+            <a:endParaRPr lang="en-GB" dirty="0"/>
+          </a:p>
+          <a:p>
+            <a:endParaRPr lang="en-GB" dirty="0"/>
           </a:p>
         </p:txBody>
       </p:sp>
@@ -3353,7 +3300,7 @@
     </p:spTree>
     <p:extLst>
       <p:ext uri="{BB962C8B-B14F-4D97-AF65-F5344CB8AC3E}">
-        <p14:creationId xmlns:p14="http://schemas.microsoft.com/office/powerpoint/2010/main" val="2226684155"/>
+        <p14:creationId xmlns:p14="http://schemas.microsoft.com/office/powerpoint/2010/main" val="1235172246"/>
       </p:ext>
     </p:extLst>
   </p:cSld>
@@ -3409,7 +3356,16 @@
           <a:p>
             <a:r>
               <a:rPr lang="en-GB" dirty="0"/>
-              <a:t>Finally, in the appendix, I follow-up one of the ideas I have for further study. Which is the possibility that the viscous dissipation of compressive waves could play a significant role in coronal heating. The reason I think further study could be interesting, is because the viscosity dissipates compressive gradients and gradients parallel to the magnetic field of the order 10^10 more efficiently than transverse gradients.</a:t>
+              <a:t>That’s all I’ll say about chapter 4.</a:t>
+            </a:r>
+          </a:p>
+          <a:p>
+            <a:endParaRPr lang="en-GB" dirty="0"/>
+          </a:p>
+          <a:p>
+            <a:r>
+              <a:rPr lang="en-GB" dirty="0"/>
+              <a:t>I then give a conclusion and discussion of future work.</a:t>
             </a:r>
           </a:p>
         </p:txBody>
@@ -3440,7 +3396,7 @@
     </p:spTree>
     <p:extLst>
       <p:ext uri="{BB962C8B-B14F-4D97-AF65-F5344CB8AC3E}">
-        <p14:creationId xmlns:p14="http://schemas.microsoft.com/office/powerpoint/2010/main" val="795329814"/>
+        <p14:creationId xmlns:p14="http://schemas.microsoft.com/office/powerpoint/2010/main" val="1552883892"/>
       </p:ext>
     </p:extLst>
   </p:cSld>
@@ -3494,86 +3450,9 @@
           <a:bodyPr/>
           <a:lstStyle/>
           <a:p>
-            <a:pPr marL="0" marR="0" lvl="0" indent="0" algn="l" defTabSz="914400" rtl="0" eaLnBrk="1" fontAlgn="auto" latinLnBrk="0" hangingPunct="1">
-              <a:lnSpc>
-                <a:spcPct val="100000"/>
-              </a:lnSpc>
-              <a:spcBef>
-                <a:spcPts val="0"/>
-              </a:spcBef>
-              <a:spcAft>
-                <a:spcPts val="0"/>
-              </a:spcAft>
-              <a:buClrTx/>
-              <a:buSzTx/>
-              <a:buFontTx/>
-              <a:buNone/>
-              <a:tabLst/>
-              <a:defRPr/>
-            </a:pPr>
             <a:r>
               <a:rPr lang="en-GB" dirty="0"/>
-              <a:t>Now I will go through the thesis chapter by chapter starting with the introduction chapter. </a:t>
-            </a:r>
-          </a:p>
-          <a:p>
-            <a:pPr marL="0" marR="0" lvl="0" indent="0" algn="l" defTabSz="914400" rtl="0" eaLnBrk="1" fontAlgn="auto" latinLnBrk="0" hangingPunct="1">
-              <a:lnSpc>
-                <a:spcPct val="100000"/>
-              </a:lnSpc>
-              <a:spcBef>
-                <a:spcPts val="0"/>
-              </a:spcBef>
-              <a:spcAft>
-                <a:spcPts val="0"/>
-              </a:spcAft>
-              <a:buClrTx/>
-              <a:buSzTx/>
-              <a:buFontTx/>
-              <a:buNone/>
-              <a:tabLst/>
-              <a:defRPr/>
-            </a:pPr>
-            <a:endParaRPr lang="en-GB" sz="1200" dirty="0">
-              <a:effectLst/>
-              <a:latin typeface="Calibri" panose="020F0502020204030204" pitchFamily="34" charset="0"/>
-              <a:cs typeface="Times New Roman" panose="02020603050405020304" pitchFamily="18" charset="0"/>
-            </a:endParaRPr>
-          </a:p>
-          <a:p>
-            <a:pPr marL="0" marR="0" lvl="0" indent="0" algn="l" defTabSz="914400" rtl="0" eaLnBrk="1" fontAlgn="auto" latinLnBrk="0" hangingPunct="1">
-              <a:lnSpc>
-                <a:spcPct val="100000"/>
-              </a:lnSpc>
-              <a:spcBef>
-                <a:spcPts val="0"/>
-              </a:spcBef>
-              <a:spcAft>
-                <a:spcPts val="0"/>
-              </a:spcAft>
-              <a:buClrTx/>
-              <a:buSzTx/>
-              <a:buFontTx/>
-              <a:buNone/>
-              <a:tabLst/>
-              <a:defRPr/>
-            </a:pPr>
-            <a:r>
-              <a:rPr lang="en-GB" sz="1200" dirty="0">
-                <a:effectLst/>
-                <a:latin typeface="Calibri" panose="020F0502020204030204" pitchFamily="34" charset="0"/>
-                <a:cs typeface="Times New Roman" panose="02020603050405020304" pitchFamily="18" charset="0"/>
-              </a:rPr>
-              <a:t>M</a:t>
-            </a:r>
-            <a:r>
-              <a:rPr lang="en-GB" sz="1200" dirty="0">
-                <a:effectLst/>
-                <a:latin typeface="Calibri" panose="020F0502020204030204" pitchFamily="34" charset="0"/>
-                <a:ea typeface="Calibri" panose="020F0502020204030204" pitchFamily="34" charset="0"/>
-                <a:cs typeface="Times New Roman" panose="02020603050405020304" pitchFamily="18" charset="0"/>
-              </a:rPr>
-              <a:t>y goal with this chapter is to introduce the main equations and terminology I will use throughout the thesis.</a:t>
+              <a:t>Finally, in the appendix, I follow-up one of the ideas I have for further study. Which is the possibility that the viscous dissipation of compressive waves could play a significant role in coronal heating. The reason I think further study could be interesting, is because the viscosity dissipates compressive gradients and gradients parallel to the magnetic field of the order 10^10 more efficiently than transverse gradients.</a:t>
             </a:r>
           </a:p>
         </p:txBody>
@@ -3604,7 +3483,7 @@
     </p:spTree>
     <p:extLst>
       <p:ext uri="{BB962C8B-B14F-4D97-AF65-F5344CB8AC3E}">
-        <p14:creationId xmlns:p14="http://schemas.microsoft.com/office/powerpoint/2010/main" val="3663696700"/>
+        <p14:creationId xmlns:p14="http://schemas.microsoft.com/office/powerpoint/2010/main" val="795329814"/>
       </p:ext>
     </p:extLst>
   </p:cSld>
@@ -3676,12 +3555,68 @@
               <a:defRPr/>
             </a:pPr>
             <a:r>
+              <a:rPr lang="en-GB" dirty="0"/>
+              <a:t>Now I will go through the thesis chapter by chapter starting with the introduction chapter. </a:t>
+            </a:r>
+          </a:p>
+          <a:p>
+            <a:pPr marL="0" marR="0" lvl="0" indent="0" algn="l" defTabSz="914400" rtl="0" eaLnBrk="1" fontAlgn="auto" latinLnBrk="0" hangingPunct="1">
+              <a:lnSpc>
+                <a:spcPct val="100000"/>
+              </a:lnSpc>
+              <a:spcBef>
+                <a:spcPts val="0"/>
+              </a:spcBef>
+              <a:spcAft>
+                <a:spcPts val="0"/>
+              </a:spcAft>
+              <a:buClrTx/>
+              <a:buSzTx/>
+              <a:buFontTx/>
+              <a:buNone/>
+              <a:tabLst/>
+              <a:defRPr/>
+            </a:pPr>
+            <a:endParaRPr lang="en-GB" sz="1200" dirty="0">
+              <a:effectLst/>
+              <a:latin typeface="Calibri" panose="020F0502020204030204" pitchFamily="34" charset="0"/>
+              <a:cs typeface="Times New Roman" panose="02020603050405020304" pitchFamily="18" charset="0"/>
+            </a:endParaRPr>
+          </a:p>
+          <a:p>
+            <a:pPr marL="0" marR="0" lvl="0" indent="0" algn="l" defTabSz="914400" rtl="0" eaLnBrk="1" fontAlgn="auto" latinLnBrk="0" hangingPunct="1">
+              <a:lnSpc>
+                <a:spcPct val="100000"/>
+              </a:lnSpc>
+              <a:spcBef>
+                <a:spcPts val="0"/>
+              </a:spcBef>
+              <a:spcAft>
+                <a:spcPts val="0"/>
+              </a:spcAft>
+              <a:buClrTx/>
+              <a:buSzTx/>
+              <a:buFontTx/>
+              <a:buNone/>
+              <a:tabLst/>
+              <a:defRPr/>
+            </a:pPr>
+            <a:r>
               <a:rPr lang="en-GB" sz="1200" dirty="0">
                 <a:effectLst/>
                 <a:latin typeface="Calibri" panose="020F0502020204030204" pitchFamily="34" charset="0"/>
                 <a:cs typeface="Times New Roman" panose="02020603050405020304" pitchFamily="18" charset="0"/>
               </a:rPr>
-              <a:t>The first section aims to introduce some basic facts about the solar atmosphere. I want to make sure the reader knows what I mean when I say words like photosphere, transition region, quiet sun, active region etc</a:t>
+              <a:t>M</a:t>
+            </a:r>
+            <a:r>
+              <a:rPr lang="en-GB" sz="1200" dirty="0">
+                <a:effectLst/>
+                <a:latin typeface="Calibri" panose="020F0502020204030204" pitchFamily="34" charset="0"/>
+                <a:ea typeface="Calibri" panose="020F0502020204030204" pitchFamily="34" charset="0"/>
+                <a:cs typeface="Times New Roman" panose="02020603050405020304" pitchFamily="18" charset="0"/>
+              </a:rPr>
+              <a:t>y goal with this chapter is to introduce the main equations and terminology I will use throughout the thesis.</a:t>
             </a:r>
           </a:p>
         </p:txBody>
@@ -3712,7 +3647,7 @@
     </p:spTree>
     <p:extLst>
       <p:ext uri="{BB962C8B-B14F-4D97-AF65-F5344CB8AC3E}">
-        <p14:creationId xmlns:p14="http://schemas.microsoft.com/office/powerpoint/2010/main" val="1286531437"/>
+        <p14:creationId xmlns:p14="http://schemas.microsoft.com/office/powerpoint/2010/main" val="3663696700"/>
       </p:ext>
     </p:extLst>
   </p:cSld>
@@ -3789,7 +3724,7 @@
                 <a:latin typeface="Calibri" panose="020F0502020204030204" pitchFamily="34" charset="0"/>
                 <a:cs typeface="Times New Roman" panose="02020603050405020304" pitchFamily="18" charset="0"/>
               </a:rPr>
-              <a:t>The second section aims to give an introduction to the coronal heating. I thought it would be good to introduce the coronal heating problem here because I go in to a lot of detail about a specific coronal heating mechanism, namely, phase mixing in chapter 3. I also talk about coronal heating in the appendix. </a:t>
+              <a:t>The first section aims to introduce some basic facts about the solar atmosphere. I want to make sure the reader knows what I mean when I say words like photosphere, transition region, quiet sun, active region etc</a:t>
             </a:r>
           </a:p>
         </p:txBody>
@@ -3820,7 +3755,7 @@
     </p:spTree>
     <p:extLst>
       <p:ext uri="{BB962C8B-B14F-4D97-AF65-F5344CB8AC3E}">
-        <p14:creationId xmlns:p14="http://schemas.microsoft.com/office/powerpoint/2010/main" val="3981504322"/>
+        <p14:creationId xmlns:p14="http://schemas.microsoft.com/office/powerpoint/2010/main" val="1286531437"/>
       </p:ext>
     </p:extLst>
   </p:cSld>
@@ -3897,124 +3832,8 @@
                 <a:latin typeface="Calibri" panose="020F0502020204030204" pitchFamily="34" charset="0"/>
                 <a:cs typeface="Times New Roman" panose="02020603050405020304" pitchFamily="18" charset="0"/>
               </a:rPr>
-              <a:t>The third section aims to introduce the MHD equations and some of the critical assumptions. </a:t>
-            </a:r>
-            <a:r>
-              <a:rPr lang="en-GB" sz="1200" dirty="0">
-                <a:effectLst/>
-                <a:latin typeface="Calibri" panose="020F0502020204030204" pitchFamily="34" charset="0"/>
-                <a:ea typeface="Calibri" panose="020F0502020204030204" pitchFamily="34" charset="0"/>
-                <a:cs typeface="Times New Roman" panose="02020603050405020304" pitchFamily="18" charset="0"/>
-              </a:rPr>
-              <a:t>. </a:t>
-            </a:r>
-          </a:p>
-          <a:p>
-            <a:pPr marL="0" marR="0" lvl="0" indent="0" algn="l" defTabSz="914400" rtl="0" eaLnBrk="1" fontAlgn="auto" latinLnBrk="0" hangingPunct="1">
-              <a:lnSpc>
-                <a:spcPct val="100000"/>
-              </a:lnSpc>
-              <a:spcBef>
-                <a:spcPts val="0"/>
-              </a:spcBef>
-              <a:spcAft>
-                <a:spcPts val="0"/>
-              </a:spcAft>
-              <a:buClrTx/>
-              <a:buSzTx/>
-              <a:buFontTx/>
-              <a:buNone/>
-              <a:tabLst/>
-              <a:defRPr/>
-            </a:pPr>
-            <a:endParaRPr lang="en-GB" sz="1200" dirty="0">
-              <a:effectLst/>
-              <a:latin typeface="Calibri" panose="020F0502020204030204" pitchFamily="34" charset="0"/>
-              <a:ea typeface="Calibri" panose="020F0502020204030204" pitchFamily="34" charset="0"/>
-              <a:cs typeface="Times New Roman" panose="02020603050405020304" pitchFamily="18" charset="0"/>
-            </a:endParaRPr>
-          </a:p>
-          <a:p>
-            <a:pPr marL="0" marR="0" lvl="0" indent="0" algn="l" defTabSz="914400" rtl="0" eaLnBrk="1" fontAlgn="auto" latinLnBrk="0" hangingPunct="1">
-              <a:lnSpc>
-                <a:spcPct val="100000"/>
-              </a:lnSpc>
-              <a:spcBef>
-                <a:spcPts val="0"/>
-              </a:spcBef>
-              <a:spcAft>
-                <a:spcPts val="0"/>
-              </a:spcAft>
-              <a:buClrTx/>
-              <a:buSzTx/>
-              <a:buFontTx/>
-              <a:buNone/>
-              <a:tabLst/>
-              <a:defRPr/>
-            </a:pPr>
-            <a:r>
-              <a:rPr lang="en-GB" sz="1200" dirty="0">
-                <a:effectLst/>
-                <a:latin typeface="Calibri" panose="020F0502020204030204" pitchFamily="34" charset="0"/>
-                <a:ea typeface="Calibri" panose="020F0502020204030204" pitchFamily="34" charset="0"/>
-                <a:cs typeface="Times New Roman" panose="02020603050405020304" pitchFamily="18" charset="0"/>
-              </a:rPr>
-              <a:t>I thought it was important to show when the length scales are too short for the plasma to be modelled as collisional because, in the later chapters, very short length scales form due to phase mixing. I think most PhD students in this field have a section in their introduction very similar to this. </a:t>
-            </a:r>
-          </a:p>
-          <a:p>
-            <a:pPr marL="0" marR="0" lvl="0" indent="0" algn="l" defTabSz="914400" rtl="0" eaLnBrk="1" fontAlgn="auto" latinLnBrk="0" hangingPunct="1">
-              <a:lnSpc>
-                <a:spcPct val="100000"/>
-              </a:lnSpc>
-              <a:spcBef>
-                <a:spcPts val="0"/>
-              </a:spcBef>
-              <a:spcAft>
-                <a:spcPts val="0"/>
-              </a:spcAft>
-              <a:buClrTx/>
-              <a:buSzTx/>
-              <a:buFontTx/>
-              <a:buNone/>
-              <a:tabLst/>
-              <a:defRPr/>
-            </a:pPr>
-            <a:endParaRPr lang="en-GB" sz="1200" dirty="0">
-              <a:effectLst/>
-              <a:latin typeface="Calibri" panose="020F0502020204030204" pitchFamily="34" charset="0"/>
-              <a:ea typeface="Calibri" panose="020F0502020204030204" pitchFamily="34" charset="0"/>
-              <a:cs typeface="Times New Roman" panose="02020603050405020304" pitchFamily="18" charset="0"/>
-            </a:endParaRPr>
-          </a:p>
-          <a:p>
-            <a:pPr marL="0" marR="0" lvl="0" indent="0" algn="l" defTabSz="914400" rtl="0" eaLnBrk="1" fontAlgn="auto" latinLnBrk="0" hangingPunct="1">
-              <a:lnSpc>
-                <a:spcPct val="100000"/>
-              </a:lnSpc>
-              <a:spcBef>
-                <a:spcPts val="0"/>
-              </a:spcBef>
-              <a:spcAft>
-                <a:spcPts val="0"/>
-              </a:spcAft>
-              <a:buClrTx/>
-              <a:buSzTx/>
-              <a:buFontTx/>
-              <a:buNone/>
-              <a:tabLst/>
-              <a:defRPr/>
-            </a:pPr>
-            <a:r>
-              <a:rPr lang="en-GB" sz="1200" dirty="0">
-                <a:effectLst/>
-                <a:latin typeface="Calibri" panose="020F0502020204030204" pitchFamily="34" charset="0"/>
-                <a:ea typeface="Calibri" panose="020F0502020204030204" pitchFamily="34" charset="0"/>
-                <a:cs typeface="Times New Roman" panose="02020603050405020304" pitchFamily="18" charset="0"/>
-              </a:rPr>
-              <a:t>I go into more detail about the viscosity tensor than I think most other PhD students would. I do this because, in chapter 3, I make strong claims about phase mixing as a coronal heating mechanism. I also propose the dissipation of fast waves as a possible heating mechanism in the appendix. My claims are heavily reliant on modelling the resistivity and viscosity correctly. So I thought it was worth spending a bit of extra time clearly defining how I model the viscosity.</a:t>
-            </a:r>
-            <a:endParaRPr lang="en-GB" dirty="0"/>
+              <a:t>The second section aims to give an introduction to the coronal heating. I thought it would be good to introduce the coronal heating problem here because I go in to a lot of detail about a specific coronal heating mechanism, namely, phase mixing in chapter 3. I also talk about coronal heating in the appendix. </a:t>
+            </a:r>
           </a:p>
         </p:txBody>
       </p:sp>
@@ -4044,7 +3863,7 @@
     </p:spTree>
     <p:extLst>
       <p:ext uri="{BB962C8B-B14F-4D97-AF65-F5344CB8AC3E}">
-        <p14:creationId xmlns:p14="http://schemas.microsoft.com/office/powerpoint/2010/main" val="587528790"/>
+        <p14:creationId xmlns:p14="http://schemas.microsoft.com/office/powerpoint/2010/main" val="3981504322"/>
       </p:ext>
     </p:extLst>
   </p:cSld>
@@ -4121,7 +3940,122 @@
                 <a:latin typeface="Calibri" panose="020F0502020204030204" pitchFamily="34" charset="0"/>
                 <a:cs typeface="Times New Roman" panose="02020603050405020304" pitchFamily="18" charset="0"/>
               </a:rPr>
-              <a:t>The fourth section aims to introduce some basic facts about linear fast and Alfven waves. I do this by deriving the dispersion relation and then using this to show basic facts like that linear Alfven waves are incompressible and fast waves propagate isotropically. I don’t talk much about slow waves as I model the plasma beta equal to zero throughout most of this thesis.</a:t>
+              <a:t>The third section aims to introduce the MHD equations and some of the critical assumptions. </a:t>
+            </a:r>
+            <a:r>
+              <a:rPr lang="en-GB" sz="1200" dirty="0">
+                <a:effectLst/>
+                <a:latin typeface="Calibri" panose="020F0502020204030204" pitchFamily="34" charset="0"/>
+                <a:ea typeface="Calibri" panose="020F0502020204030204" pitchFamily="34" charset="0"/>
+                <a:cs typeface="Times New Roman" panose="02020603050405020304" pitchFamily="18" charset="0"/>
+              </a:rPr>
+              <a:t>. </a:t>
+            </a:r>
+          </a:p>
+          <a:p>
+            <a:pPr marL="0" marR="0" lvl="0" indent="0" algn="l" defTabSz="914400" rtl="0" eaLnBrk="1" fontAlgn="auto" latinLnBrk="0" hangingPunct="1">
+              <a:lnSpc>
+                <a:spcPct val="100000"/>
+              </a:lnSpc>
+              <a:spcBef>
+                <a:spcPts val="0"/>
+              </a:spcBef>
+              <a:spcAft>
+                <a:spcPts val="0"/>
+              </a:spcAft>
+              <a:buClrTx/>
+              <a:buSzTx/>
+              <a:buFontTx/>
+              <a:buNone/>
+              <a:tabLst/>
+              <a:defRPr/>
+            </a:pPr>
+            <a:endParaRPr lang="en-GB" sz="1200" dirty="0">
+              <a:effectLst/>
+              <a:latin typeface="Calibri" panose="020F0502020204030204" pitchFamily="34" charset="0"/>
+              <a:ea typeface="Calibri" panose="020F0502020204030204" pitchFamily="34" charset="0"/>
+              <a:cs typeface="Times New Roman" panose="02020603050405020304" pitchFamily="18" charset="0"/>
+            </a:endParaRPr>
+          </a:p>
+          <a:p>
+            <a:pPr marL="0" marR="0" lvl="0" indent="0" algn="l" defTabSz="914400" rtl="0" eaLnBrk="1" fontAlgn="auto" latinLnBrk="0" hangingPunct="1">
+              <a:lnSpc>
+                <a:spcPct val="100000"/>
+              </a:lnSpc>
+              <a:spcBef>
+                <a:spcPts val="0"/>
+              </a:spcBef>
+              <a:spcAft>
+                <a:spcPts val="0"/>
+              </a:spcAft>
+              <a:buClrTx/>
+              <a:buSzTx/>
+              <a:buFontTx/>
+              <a:buNone/>
+              <a:tabLst/>
+              <a:defRPr/>
+            </a:pPr>
+            <a:r>
+              <a:rPr lang="en-GB" sz="1200" dirty="0">
+                <a:effectLst/>
+                <a:latin typeface="Calibri" panose="020F0502020204030204" pitchFamily="34" charset="0"/>
+                <a:ea typeface="Calibri" panose="020F0502020204030204" pitchFamily="34" charset="0"/>
+                <a:cs typeface="Times New Roman" panose="02020603050405020304" pitchFamily="18" charset="0"/>
+              </a:rPr>
+              <a:t>I thought it was important to show when the length scales are too short for the plasma to be modelled as collisional because, in the later chapters, very short length scales form due to phase mixing. I think most PhD students in this field have a section in their introduction very similar to this. </a:t>
+            </a:r>
+          </a:p>
+          <a:p>
+            <a:pPr marL="0" marR="0" lvl="0" indent="0" algn="l" defTabSz="914400" rtl="0" eaLnBrk="1" fontAlgn="auto" latinLnBrk="0" hangingPunct="1">
+              <a:lnSpc>
+                <a:spcPct val="100000"/>
+              </a:lnSpc>
+              <a:spcBef>
+                <a:spcPts val="0"/>
+              </a:spcBef>
+              <a:spcAft>
+                <a:spcPts val="0"/>
+              </a:spcAft>
+              <a:buClrTx/>
+              <a:buSzTx/>
+              <a:buFontTx/>
+              <a:buNone/>
+              <a:tabLst/>
+              <a:defRPr/>
+            </a:pPr>
+            <a:endParaRPr lang="en-GB" sz="1200" dirty="0">
+              <a:effectLst/>
+              <a:latin typeface="Calibri" panose="020F0502020204030204" pitchFamily="34" charset="0"/>
+              <a:ea typeface="Calibri" panose="020F0502020204030204" pitchFamily="34" charset="0"/>
+              <a:cs typeface="Times New Roman" panose="02020603050405020304" pitchFamily="18" charset="0"/>
+            </a:endParaRPr>
+          </a:p>
+          <a:p>
+            <a:pPr marL="0" marR="0" lvl="0" indent="0" algn="l" defTabSz="914400" rtl="0" eaLnBrk="1" fontAlgn="auto" latinLnBrk="0" hangingPunct="1">
+              <a:lnSpc>
+                <a:spcPct val="100000"/>
+              </a:lnSpc>
+              <a:spcBef>
+                <a:spcPts val="0"/>
+              </a:spcBef>
+              <a:spcAft>
+                <a:spcPts val="0"/>
+              </a:spcAft>
+              <a:buClrTx/>
+              <a:buSzTx/>
+              <a:buFontTx/>
+              <a:buNone/>
+              <a:tabLst/>
+              <a:defRPr/>
+            </a:pPr>
+            <a:r>
+              <a:rPr lang="en-GB" sz="1200" dirty="0">
+                <a:effectLst/>
+                <a:latin typeface="Calibri" panose="020F0502020204030204" pitchFamily="34" charset="0"/>
+                <a:ea typeface="Calibri" panose="020F0502020204030204" pitchFamily="34" charset="0"/>
+                <a:cs typeface="Times New Roman" panose="02020603050405020304" pitchFamily="18" charset="0"/>
+              </a:rPr>
+              <a:t>I go into more detail about the viscosity tensor than I think most other PhD students would. I do this because, in chapter 3, I make strong claims about phase mixing as a coronal heating mechanism. I also propose the dissipation of fast waves as a possible heating mechanism in the appendix. My claims are heavily reliant on modelling the resistivity and viscosity correctly. So I thought it was worth spending a bit of extra time clearly defining how I model the viscosity.</a:t>
             </a:r>
             <a:endParaRPr lang="en-GB" dirty="0"/>
           </a:p>
@@ -4153,7 +4087,7 @@
     </p:spTree>
     <p:extLst>
       <p:ext uri="{BB962C8B-B14F-4D97-AF65-F5344CB8AC3E}">
-        <p14:creationId xmlns:p14="http://schemas.microsoft.com/office/powerpoint/2010/main" val="971111398"/>
+        <p14:creationId xmlns:p14="http://schemas.microsoft.com/office/powerpoint/2010/main" val="587528790"/>
       </p:ext>
     </p:extLst>
   </p:cSld>
@@ -4207,64 +4141,32 @@
           <a:bodyPr/>
           <a:lstStyle/>
           <a:p>
-            <a:pPr marL="0" lvl="0" indent="0">
+            <a:pPr marL="0" marR="0" lvl="0" indent="0" algn="l" defTabSz="914400" rtl="0" eaLnBrk="1" fontAlgn="auto" latinLnBrk="0" hangingPunct="1">
               <a:lnSpc>
-                <a:spcPct val="107000"/>
+                <a:spcPct val="100000"/>
               </a:lnSpc>
+              <a:spcBef>
+                <a:spcPts val="0"/>
+              </a:spcBef>
               <a:spcAft>
-                <a:spcPts val="800"/>
+                <a:spcPts val="0"/>
               </a:spcAft>
-              <a:buFont typeface="Symbol" panose="05050102010706020507" pitchFamily="18" charset="2"/>
+              <a:buClrTx/>
+              <a:buSzTx/>
+              <a:buFontTx/>
               <a:buNone/>
+              <a:tabLst/>
+              <a:defRPr/>
             </a:pPr>
             <a:r>
               <a:rPr lang="en-GB" sz="1200" dirty="0">
                 <a:effectLst/>
                 <a:latin typeface="Calibri" panose="020F0502020204030204" pitchFamily="34" charset="0"/>
-                <a:ea typeface="Calibri" panose="020F0502020204030204" pitchFamily="34" charset="0"/>
                 <a:cs typeface="Times New Roman" panose="02020603050405020304" pitchFamily="18" charset="0"/>
               </a:rPr>
-              <a:t>The fifth section aims to introduce the observed power spectra of waves on the sun. I thought it would be good to introduce it here because I refer to it later in chapter 2 when we look at footpoint driven waves where the driver is noisy. I also use it in chapter 3 to calculate the heat produced by multiple harmonics of standing phase-mixed Alfven waves.</a:t>
-            </a:r>
-          </a:p>
-          <a:p>
-            <a:pPr marL="0" lvl="0" indent="0">
-              <a:lnSpc>
-                <a:spcPct val="107000"/>
-              </a:lnSpc>
-              <a:spcAft>
-                <a:spcPts val="800"/>
-              </a:spcAft>
-              <a:buFont typeface="Symbol" panose="05050102010706020507" pitchFamily="18" charset="2"/>
-              <a:buNone/>
-            </a:pPr>
-            <a:endParaRPr lang="en-GB" sz="1200" dirty="0">
-              <a:effectLst/>
-              <a:latin typeface="Calibri" panose="020F0502020204030204" pitchFamily="34" charset="0"/>
-              <a:ea typeface="Calibri" panose="020F0502020204030204" pitchFamily="34" charset="0"/>
-              <a:cs typeface="Times New Roman" panose="02020603050405020304" pitchFamily="18" charset="0"/>
-            </a:endParaRPr>
-          </a:p>
-          <a:p>
-            <a:pPr marL="0" lvl="0" indent="0">
-              <a:lnSpc>
-                <a:spcPct val="107000"/>
-              </a:lnSpc>
-              <a:spcAft>
-                <a:spcPts val="800"/>
-              </a:spcAft>
-              <a:buFont typeface="Symbol" panose="05050102010706020507" pitchFamily="18" charset="2"/>
-              <a:buNone/>
-            </a:pPr>
-            <a:r>
-              <a:rPr lang="en-GB" sz="1200" dirty="0">
-                <a:effectLst/>
-                <a:latin typeface="Calibri" panose="020F0502020204030204" pitchFamily="34" charset="0"/>
-                <a:ea typeface="Calibri" panose="020F0502020204030204" pitchFamily="34" charset="0"/>
-                <a:cs typeface="Times New Roman" panose="02020603050405020304" pitchFamily="18" charset="0"/>
-              </a:rPr>
-              <a:t>In this section I also go into the maths of how power spectra are calculated in a lot more detail than I would in say a paper. The reason is because in a paper you would normally assume the reader already knows this but for this thesis I wanted to make sure the reader knows precisely how the power spectrum is defined.</a:t>
-            </a:r>
+              <a:t>The fourth section aims to introduce some basic facts about linear fast and Alfven waves. I do this by deriving the dispersion relation and then using this to show basic facts like that linear Alfven waves are incompressible and fast waves propagate isotropically. I don’t talk much about slow waves as I model the plasma beta equal to zero throughout most of this thesis.</a:t>
+            </a:r>
+            <a:endParaRPr lang="en-GB" dirty="0"/>
           </a:p>
         </p:txBody>
       </p:sp>
@@ -4294,7 +4196,7 @@
     </p:spTree>
     <p:extLst>
       <p:ext uri="{BB962C8B-B14F-4D97-AF65-F5344CB8AC3E}">
-        <p14:creationId xmlns:p14="http://schemas.microsoft.com/office/powerpoint/2010/main" val="2285234356"/>
+        <p14:creationId xmlns:p14="http://schemas.microsoft.com/office/powerpoint/2010/main" val="971111398"/>
       </p:ext>
     </p:extLst>
   </p:cSld>
@@ -4365,7 +4267,46 @@
                 <a:ea typeface="Calibri" panose="020F0502020204030204" pitchFamily="34" charset="0"/>
                 <a:cs typeface="Times New Roman" panose="02020603050405020304" pitchFamily="18" charset="0"/>
               </a:rPr>
-              <a:t>Finally section 6 gives a brief outline of the thesis.</a:t>
+              <a:t>The fifth section aims to introduce the observed power spectra of waves on the sun. I thought it would be good to introduce it here because I refer to it later in chapter 2 when we look at footpoint driven waves where the driver is noisy. I also use it in chapter 3 to calculate the heat produced by multiple harmonics of standing phase-mixed Alfven waves.</a:t>
+            </a:r>
+          </a:p>
+          <a:p>
+            <a:pPr marL="0" lvl="0" indent="0">
+              <a:lnSpc>
+                <a:spcPct val="107000"/>
+              </a:lnSpc>
+              <a:spcAft>
+                <a:spcPts val="800"/>
+              </a:spcAft>
+              <a:buFont typeface="Symbol" panose="05050102010706020507" pitchFamily="18" charset="2"/>
+              <a:buNone/>
+            </a:pPr>
+            <a:endParaRPr lang="en-GB" sz="1200" dirty="0">
+              <a:effectLst/>
+              <a:latin typeface="Calibri" panose="020F0502020204030204" pitchFamily="34" charset="0"/>
+              <a:ea typeface="Calibri" panose="020F0502020204030204" pitchFamily="34" charset="0"/>
+              <a:cs typeface="Times New Roman" panose="02020603050405020304" pitchFamily="18" charset="0"/>
+            </a:endParaRPr>
+          </a:p>
+          <a:p>
+            <a:pPr marL="0" lvl="0" indent="0">
+              <a:lnSpc>
+                <a:spcPct val="107000"/>
+              </a:lnSpc>
+              <a:spcAft>
+                <a:spcPts val="800"/>
+              </a:spcAft>
+              <a:buFont typeface="Symbol" panose="05050102010706020507" pitchFamily="18" charset="2"/>
+              <a:buNone/>
+            </a:pPr>
+            <a:r>
+              <a:rPr lang="en-GB" sz="1200" dirty="0">
+                <a:effectLst/>
+                <a:latin typeface="Calibri" panose="020F0502020204030204" pitchFamily="34" charset="0"/>
+                <a:ea typeface="Calibri" panose="020F0502020204030204" pitchFamily="34" charset="0"/>
+                <a:cs typeface="Times New Roman" panose="02020603050405020304" pitchFamily="18" charset="0"/>
+              </a:rPr>
+              <a:t>In this section I also go into the maths of how power spectra are calculated in a lot more detail than I would in say a paper. The reason is because in a paper you would normally assume the reader already knows this but for this thesis I wanted to make sure the reader knows precisely how the power spectrum is defined.</a:t>
             </a:r>
           </a:p>
         </p:txBody>
@@ -4388,6 +4329,108 @@
             <a:fld id="{1E87CAF0-729D-43D8-91D5-D499CDCACC7E}" type="slidenum">
               <a:rPr lang="en-GB" smtClean="0"/>
               <a:t>37</a:t>
+            </a:fld>
+            <a:endParaRPr lang="en-GB"/>
+          </a:p>
+        </p:txBody>
+      </p:sp>
+    </p:spTree>
+    <p:extLst>
+      <p:ext uri="{BB962C8B-B14F-4D97-AF65-F5344CB8AC3E}">
+        <p14:creationId xmlns:p14="http://schemas.microsoft.com/office/powerpoint/2010/main" val="2285234356"/>
+      </p:ext>
+    </p:extLst>
+  </p:cSld>
+  <p:clrMapOvr>
+    <a:masterClrMapping/>
+  </p:clrMapOvr>
+</p:notes>
+</file>
+
+<file path=ppt/notesSlides/notesSlide38.xml><?xml version="1.0" encoding="utf-8"?>
+<p:notes xmlns:a="http://schemas.openxmlformats.org/drawingml/2006/main" xmlns:r="http://schemas.openxmlformats.org/officeDocument/2006/relationships" xmlns:p="http://schemas.openxmlformats.org/presentationml/2006/main">
+  <p:cSld>
+    <p:spTree>
+      <p:nvGrpSpPr>
+        <p:cNvPr id="1" name=""/>
+        <p:cNvGrpSpPr/>
+        <p:nvPr/>
+      </p:nvGrpSpPr>
+      <p:grpSpPr>
+        <a:xfrm>
+          <a:off x="0" y="0"/>
+          <a:ext cx="0" cy="0"/>
+          <a:chOff x="0" y="0"/>
+          <a:chExt cx="0" cy="0"/>
+        </a:xfrm>
+      </p:grpSpPr>
+      <p:sp>
+        <p:nvSpPr>
+          <p:cNvPr id="2" name="Slide Image Placeholder 1"/>
+          <p:cNvSpPr>
+            <a:spLocks noGrp="1" noRot="1" noChangeAspect="1"/>
+          </p:cNvSpPr>
+          <p:nvPr>
+            <p:ph type="sldImg"/>
+          </p:nvPr>
+        </p:nvSpPr>
+        <p:spPr/>
+      </p:sp>
+      <p:sp>
+        <p:nvSpPr>
+          <p:cNvPr id="3" name="Notes Placeholder 2"/>
+          <p:cNvSpPr>
+            <a:spLocks noGrp="1"/>
+          </p:cNvSpPr>
+          <p:nvPr>
+            <p:ph type="body" idx="1"/>
+          </p:nvPr>
+        </p:nvSpPr>
+        <p:spPr/>
+        <p:txBody>
+          <a:bodyPr/>
+          <a:lstStyle/>
+          <a:p>
+            <a:pPr marL="0" lvl="0" indent="0">
+              <a:lnSpc>
+                <a:spcPct val="107000"/>
+              </a:lnSpc>
+              <a:spcAft>
+                <a:spcPts val="800"/>
+              </a:spcAft>
+              <a:buFont typeface="Symbol" panose="05050102010706020507" pitchFamily="18" charset="2"/>
+              <a:buNone/>
+            </a:pPr>
+            <a:r>
+              <a:rPr lang="en-GB" sz="1200" dirty="0">
+                <a:effectLst/>
+                <a:latin typeface="Calibri" panose="020F0502020204030204" pitchFamily="34" charset="0"/>
+                <a:ea typeface="Calibri" panose="020F0502020204030204" pitchFamily="34" charset="0"/>
+                <a:cs typeface="Times New Roman" panose="02020603050405020304" pitchFamily="18" charset="0"/>
+              </a:rPr>
+              <a:t>Finally section 6 gives a brief outline of the thesis.</a:t>
+            </a:r>
+          </a:p>
+        </p:txBody>
+      </p:sp>
+      <p:sp>
+        <p:nvSpPr>
+          <p:cNvPr id="4" name="Slide Number Placeholder 3"/>
+          <p:cNvSpPr>
+            <a:spLocks noGrp="1"/>
+          </p:cNvSpPr>
+          <p:nvPr>
+            <p:ph type="sldNum" sz="quarter" idx="5"/>
+          </p:nvPr>
+        </p:nvSpPr>
+        <p:spPr/>
+        <p:txBody>
+          <a:bodyPr/>
+          <a:lstStyle/>
+          <a:p>
+            <a:fld id="{1E87CAF0-729D-43D8-91D5-D499CDCACC7E}" type="slidenum">
+              <a:rPr lang="en-GB" smtClean="0"/>
+              <a:t>38</a:t>
             </a:fld>
             <a:endParaRPr lang="en-GB"/>
           </a:p>
@@ -4465,7 +4508,42 @@
                 <a:ea typeface="Calibri" panose="020F0502020204030204" pitchFamily="34" charset="0"/>
                 <a:cs typeface="Times New Roman" panose="02020603050405020304" pitchFamily="18" charset="0"/>
               </a:rPr>
-              <a:t>I start this chapter by giving a very brief introduction.</a:t>
+              <a:t>In chapter 2, my goal is to introduce some of the most relevant facts about footpoint driven Alfven waves for this thesis. </a:t>
+            </a:r>
+          </a:p>
+          <a:p>
+            <a:pPr>
+              <a:lnSpc>
+                <a:spcPct val="107000"/>
+              </a:lnSpc>
+              <a:spcAft>
+                <a:spcPts val="800"/>
+              </a:spcAft>
+            </a:pPr>
+            <a:endParaRPr lang="en-GB" sz="1200" dirty="0">
+              <a:effectLst/>
+              <a:latin typeface="Calibri" panose="020F0502020204030204" pitchFamily="34" charset="0"/>
+              <a:ea typeface="Calibri" panose="020F0502020204030204" pitchFamily="34" charset="0"/>
+              <a:cs typeface="Times New Roman" panose="02020603050405020304" pitchFamily="18" charset="0"/>
+            </a:endParaRPr>
+          </a:p>
+          <a:p>
+            <a:pPr>
+              <a:lnSpc>
+                <a:spcPct val="107000"/>
+              </a:lnSpc>
+              <a:spcAft>
+                <a:spcPts val="800"/>
+              </a:spcAft>
+            </a:pPr>
+            <a:r>
+              <a:rPr lang="en-GB" sz="1200" dirty="0">
+                <a:effectLst/>
+                <a:latin typeface="Calibri" panose="020F0502020204030204" pitchFamily="34" charset="0"/>
+                <a:ea typeface="Calibri" panose="020F0502020204030204" pitchFamily="34" charset="0"/>
+                <a:cs typeface="Times New Roman" panose="02020603050405020304" pitchFamily="18" charset="0"/>
+              </a:rPr>
+              <a:t>I think this chapter reads like a cross between an introductory chapter and a research chapter. I talk about lots of results that are already quite well known, so I think I would struggle to write a paper based on this content. However, I think I the way I derive many of the results is original so it could perhaps make it in to some sort of review paper.</a:t>
             </a:r>
           </a:p>
         </p:txBody>
@@ -4496,7 +4574,7 @@
     </p:spTree>
     <p:extLst>
       <p:ext uri="{BB962C8B-B14F-4D97-AF65-F5344CB8AC3E}">
-        <p14:creationId xmlns:p14="http://schemas.microsoft.com/office/powerpoint/2010/main" val="427813186"/>
+        <p14:creationId xmlns:p14="http://schemas.microsoft.com/office/powerpoint/2010/main" val="2226684155"/>
       </p:ext>
     </p:extLst>
   </p:cSld>
@@ -4565,7 +4643,7 @@
                 <a:ea typeface="Calibri" panose="020F0502020204030204" pitchFamily="34" charset="0"/>
                 <a:cs typeface="Times New Roman" panose="02020603050405020304" pitchFamily="18" charset="0"/>
               </a:rPr>
-              <a:t>I then present the model and linearised equations we use. </a:t>
+              <a:t>I start this chapter by giving a very brief introduction.</a:t>
             </a:r>
           </a:p>
         </p:txBody>
@@ -4596,7 +4674,7 @@
     </p:spTree>
     <p:extLst>
       <p:ext uri="{BB962C8B-B14F-4D97-AF65-F5344CB8AC3E}">
-        <p14:creationId xmlns:p14="http://schemas.microsoft.com/office/powerpoint/2010/main" val="904671963"/>
+        <p14:creationId xmlns:p14="http://schemas.microsoft.com/office/powerpoint/2010/main" val="427813186"/>
       </p:ext>
     </p:extLst>
   </p:cSld>
@@ -4650,34 +4728,6 @@
           <a:bodyPr/>
           <a:lstStyle/>
           <a:p>
-            <a:pPr marL="0" marR="0" lvl="0" indent="0" algn="l" defTabSz="914400" rtl="0" eaLnBrk="1" fontAlgn="auto" latinLnBrk="0" hangingPunct="1">
-              <a:lnSpc>
-                <a:spcPct val="107000"/>
-              </a:lnSpc>
-              <a:spcBef>
-                <a:spcPts val="0"/>
-              </a:spcBef>
-              <a:spcAft>
-                <a:spcPts val="800"/>
-              </a:spcAft>
-              <a:buClrTx/>
-              <a:buSzTx/>
-              <a:buFontTx/>
-              <a:buNone/>
-              <a:tabLst/>
-              <a:defRPr/>
-            </a:pPr>
-            <a:r>
-              <a:rPr lang="en-GB" sz="1200" dirty="0">
-                <a:effectLst/>
-                <a:latin typeface="Calibri" panose="020F0502020204030204" pitchFamily="34" charset="0"/>
-                <a:ea typeface="Calibri" panose="020F0502020204030204" pitchFamily="34" charset="0"/>
-                <a:cs typeface="Times New Roman" panose="02020603050405020304" pitchFamily="18" charset="0"/>
-              </a:rPr>
-              <a:t>In the third section my goal is to calculate the general solution for linear Alfven waves in a closed uniform field line using a method of images approach combined with d'Alembert's formula. The main reason I derive this formula is that I make use of it in Chapter 3 when we calculate the solution for linear, resistive phase-mixed Alfven waves in a leaky loop. It’s really easy to include leakage with this formula. It also comes in handy in the next section when we look at the case where the driver is sinusoidal.</a:t>
-            </a:r>
-          </a:p>
-          <a:p>
             <a:pPr>
               <a:lnSpc>
                 <a:spcPct val="107000"/>
@@ -4686,12 +4736,15 @@
                 <a:spcPts val="800"/>
               </a:spcAft>
             </a:pPr>
-            <a:endParaRPr lang="en-GB" sz="1200" dirty="0">
-              <a:effectLst/>
-              <a:latin typeface="Calibri" panose="020F0502020204030204" pitchFamily="34" charset="0"/>
-              <a:ea typeface="Calibri" panose="020F0502020204030204" pitchFamily="34" charset="0"/>
-              <a:cs typeface="Times New Roman" panose="02020603050405020304" pitchFamily="18" charset="0"/>
-            </a:endParaRPr>
+            <a:r>
+              <a:rPr lang="en-GB" sz="1200" dirty="0">
+                <a:effectLst/>
+                <a:latin typeface="Calibri" panose="020F0502020204030204" pitchFamily="34" charset="0"/>
+                <a:ea typeface="Calibri" panose="020F0502020204030204" pitchFamily="34" charset="0"/>
+                <a:cs typeface="Times New Roman" panose="02020603050405020304" pitchFamily="18" charset="0"/>
+              </a:rPr>
+              <a:t>I then present the model and linearised equations we use. </a:t>
+            </a:r>
           </a:p>
         </p:txBody>
       </p:sp>
@@ -4721,7 +4774,7 @@
     </p:spTree>
     <p:extLst>
       <p:ext uri="{BB962C8B-B14F-4D97-AF65-F5344CB8AC3E}">
-        <p14:creationId xmlns:p14="http://schemas.microsoft.com/office/powerpoint/2010/main" val="1147163397"/>
+        <p14:creationId xmlns:p14="http://schemas.microsoft.com/office/powerpoint/2010/main" val="904671963"/>
       </p:ext>
     </p:extLst>
   </p:cSld>
@@ -4793,9 +4846,24 @@
               <a:defRPr/>
             </a:pPr>
             <a:r>
-              <a:rPr lang="en-GB" dirty="0"/>
-              <a:t>In the fourth section my aim is to calculate the solution for the case where the driver is sinusoidal. The reason I consider a sinusoidal driver is that I think it’s the simplest case to consider. In reality the footpoint driver on the Sun will be much more random but you can model this as a superposition of many sinusoidal drivers. In this section my goal was to introduce some key concepts like resonance and the beating effect. I produced lots of graphs as I thought this is really useful for building intuition for how the solution changes depending on the frequency of the driver. </a:t>
-            </a:r>
+              <a:rPr lang="en-GB" sz="1200" dirty="0">
+                <a:effectLst/>
+                <a:latin typeface="Calibri" panose="020F0502020204030204" pitchFamily="34" charset="0"/>
+                <a:ea typeface="Calibri" panose="020F0502020204030204" pitchFamily="34" charset="0"/>
+                <a:cs typeface="Times New Roman" panose="02020603050405020304" pitchFamily="18" charset="0"/>
+              </a:rPr>
+              <a:t>In the third section my goal is to calculate the general solution for linear Alfven waves in a closed uniform field line using a method of images approach combined with d'Alembert's formula. The main reason I derive this formula is that I make use of it in Chapter 3 when we calculate the solution for linear, resistive phase-mixed Alfven waves in a leaky loop. It’s really easy to include leakage with this formula. It also comes in handy in the next section when we look at the case where the driver is sinusoidal.</a:t>
+            </a:r>
+          </a:p>
+          <a:p>
+            <a:pPr>
+              <a:lnSpc>
+                <a:spcPct val="107000"/>
+              </a:lnSpc>
+              <a:spcAft>
+                <a:spcPts val="800"/>
+              </a:spcAft>
+            </a:pPr>
             <a:endParaRPr lang="en-GB" sz="1200" dirty="0">
               <a:effectLst/>
               <a:latin typeface="Calibri" panose="020F0502020204030204" pitchFamily="34" charset="0"/>
@@ -4831,7 +4899,7 @@
     </p:spTree>
     <p:extLst>
       <p:ext uri="{BB962C8B-B14F-4D97-AF65-F5344CB8AC3E}">
-        <p14:creationId xmlns:p14="http://schemas.microsoft.com/office/powerpoint/2010/main" val="2613893387"/>
+        <p14:creationId xmlns:p14="http://schemas.microsoft.com/office/powerpoint/2010/main" val="1147163397"/>
       </p:ext>
     </p:extLst>
   </p:cSld>
@@ -4885,82 +4953,33 @@
           <a:bodyPr/>
           <a:lstStyle/>
           <a:p>
-            <a:pPr marL="0" indent="0">
-              <a:buFont typeface="Arial" panose="020B0604020202020204" pitchFamily="34" charset="0"/>
+            <a:pPr marL="0" marR="0" lvl="0" indent="0" algn="l" defTabSz="914400" rtl="0" eaLnBrk="1" fontAlgn="auto" latinLnBrk="0" hangingPunct="1">
+              <a:lnSpc>
+                <a:spcPct val="107000"/>
+              </a:lnSpc>
+              <a:spcBef>
+                <a:spcPts val="0"/>
+              </a:spcBef>
+              <a:spcAft>
+                <a:spcPts val="800"/>
+              </a:spcAft>
+              <a:buClrTx/>
+              <a:buSzTx/>
+              <a:buFontTx/>
               <a:buNone/>
+              <a:tabLst/>
+              <a:defRPr/>
             </a:pPr>
             <a:r>
               <a:rPr lang="en-GB" dirty="0"/>
-              <a:t>In the fifth section my aim is to calculate the solution for the case where a broadband or noisy driver is used. </a:t>
-            </a:r>
-          </a:p>
-          <a:p>
-            <a:pPr marL="0" indent="0">
-              <a:buFont typeface="Arial" panose="020B0604020202020204" pitchFamily="34" charset="0"/>
-              <a:buNone/>
-            </a:pPr>
-            <a:endParaRPr lang="en-GB" dirty="0"/>
-          </a:p>
-          <a:p>
-            <a:pPr marL="0" indent="0">
-              <a:buFont typeface="Arial" panose="020B0604020202020204" pitchFamily="34" charset="0"/>
-              <a:buNone/>
-            </a:pPr>
-            <a:r>
-              <a:rPr lang="en-GB" dirty="0"/>
-              <a:t>Throughout this thesis I mainly use sinusoidal drivers but I thought it would be good to at least once consider the case where a noisy driver is used as this more closely resembles what the driver on the sun actually behaves like.</a:t>
-            </a:r>
-          </a:p>
-          <a:p>
-            <a:pPr marL="0" indent="0">
-              <a:buFont typeface="Arial" panose="020B0604020202020204" pitchFamily="34" charset="0"/>
-              <a:buNone/>
-            </a:pPr>
-            <a:endParaRPr lang="en-GB" dirty="0"/>
-          </a:p>
-          <a:p>
-            <a:pPr marL="0" indent="0">
-              <a:buFont typeface="Arial" panose="020B0604020202020204" pitchFamily="34" charset="0"/>
-              <a:buNone/>
-            </a:pPr>
-            <a:r>
-              <a:rPr lang="en-GB" dirty="0"/>
-              <a:t>I basically had two aims in this section.</a:t>
-            </a:r>
-          </a:p>
-          <a:p>
-            <a:pPr marL="0" indent="0">
-              <a:buFont typeface="Arial" panose="020B0604020202020204" pitchFamily="34" charset="0"/>
-              <a:buNone/>
-            </a:pPr>
-            <a:endParaRPr lang="en-GB" dirty="0"/>
-          </a:p>
-          <a:p>
-            <a:pPr marL="0" indent="0">
-              <a:buFont typeface="Arial" panose="020B0604020202020204" pitchFamily="34" charset="0"/>
-              <a:buNone/>
-            </a:pPr>
-            <a:r>
-              <a:rPr lang="en-GB" dirty="0"/>
-              <a:t>The first was to see if the energy will grow to infinity or oscillate about a finite value if a random driver is used. I thought this was an interesting question to answer and until I did the calculation I actually had no idea if it would grow to infinity or not. It turns out, that for a white noise driver, the energy grows linearly with time, and for a resonant driver, the energy grows as t squared.</a:t>
-            </a:r>
-          </a:p>
-          <a:p>
-            <a:pPr marL="0" indent="0">
-              <a:buFont typeface="Arial" panose="020B0604020202020204" pitchFamily="34" charset="0"/>
-              <a:buNone/>
-            </a:pPr>
-            <a:endParaRPr lang="en-GB" dirty="0"/>
-          </a:p>
-          <a:p>
-            <a:pPr marL="0" indent="0">
-              <a:buFont typeface="Arial" panose="020B0604020202020204" pitchFamily="34" charset="0"/>
-              <a:buNone/>
-            </a:pPr>
-            <a:r>
-              <a:rPr lang="en-GB" dirty="0"/>
-              <a:t>The second aim was to check that a true white noise driver which excites all frequencies with a given amount of energy gives the same results as an approximate white noise signal which only excites the frequencies over a finite range. It turns out that provided the resonant frequency is excited then the true white noise signal and approximate white noise signal give approximately the same answer. The reason I wanted to check this because a true white noise signal isn’t actually physical because it has a variance of infinity whereas an approximate white noise signal has a finite variance so is physical. So its reassuring to know that although true white noise isn’t physical it is still a useful tool for making predictions.</a:t>
-            </a:r>
+              <a:t>In the fourth section my aim is to calculate the solution for the case where the driver is sinusoidal. The reason I consider a sinusoidal driver is that I think it’s the simplest case to consider. In reality the footpoint driver on the Sun will be much more random but you can model this as a superposition of many sinusoidal drivers. In this section my goal was to introduce some key concepts like resonance and the beating effect. I produced lots of graphs as I thought this is really useful for building intuition for how the solution changes depending on the frequency of the driver. </a:t>
+            </a:r>
+            <a:endParaRPr lang="en-GB" sz="1200" dirty="0">
+              <a:effectLst/>
+              <a:latin typeface="Calibri" panose="020F0502020204030204" pitchFamily="34" charset="0"/>
+              <a:ea typeface="Calibri" panose="020F0502020204030204" pitchFamily="34" charset="0"/>
+              <a:cs typeface="Times New Roman" panose="02020603050405020304" pitchFamily="18" charset="0"/>
+            </a:endParaRPr>
           </a:p>
         </p:txBody>
       </p:sp>
@@ -4990,7 +5009,7 @@
     </p:spTree>
     <p:extLst>
       <p:ext uri="{BB962C8B-B14F-4D97-AF65-F5344CB8AC3E}">
-        <p14:creationId xmlns:p14="http://schemas.microsoft.com/office/powerpoint/2010/main" val="1481797288"/>
+        <p14:creationId xmlns:p14="http://schemas.microsoft.com/office/powerpoint/2010/main" val="2613893387"/>
       </p:ext>
     </p:extLst>
   </p:cSld>
@@ -5050,15 +5069,75 @@
             </a:pPr>
             <a:r>
               <a:rPr lang="en-GB" dirty="0"/>
-              <a:t>The sixth sections aims to estimate a reflection coefficient, R. This is important as to simulate the leakage I model that a fraction R of the waves reflects each time the waves hit each of the boundaries. To estimate the reflection coefficient I use a method which is similar to what Joe </a:t>
-            </a:r>
-            <a:r>
-              <a:rPr lang="en-GB" dirty="0" err="1"/>
-              <a:t>Hollweg</a:t>
-            </a:r>
+              <a:t>In the fifth section my aim is to calculate the solution for the case where a broadband or noisy driver is used. </a:t>
+            </a:r>
+          </a:p>
+          <a:p>
+            <a:pPr marL="0" indent="0">
+              <a:buFont typeface="Arial" panose="020B0604020202020204" pitchFamily="34" charset="0"/>
+              <a:buNone/>
+            </a:pPr>
+            <a:endParaRPr lang="en-GB" dirty="0"/>
+          </a:p>
+          <a:p>
+            <a:pPr marL="0" indent="0">
+              <a:buFont typeface="Arial" panose="020B0604020202020204" pitchFamily="34" charset="0"/>
+              <a:buNone/>
+            </a:pPr>
             <a:r>
               <a:rPr lang="en-GB" dirty="0"/>
-              <a:t> uses in a in a paper he wrote in 1984.</a:t>
+              <a:t>Throughout this thesis I mainly use sinusoidal drivers but I thought it would be good to at least once consider the case where a noisy driver is used as this more closely resembles what the driver on the sun actually behaves like.</a:t>
+            </a:r>
+          </a:p>
+          <a:p>
+            <a:pPr marL="0" indent="0">
+              <a:buFont typeface="Arial" panose="020B0604020202020204" pitchFamily="34" charset="0"/>
+              <a:buNone/>
+            </a:pPr>
+            <a:endParaRPr lang="en-GB" dirty="0"/>
+          </a:p>
+          <a:p>
+            <a:pPr marL="0" indent="0">
+              <a:buFont typeface="Arial" panose="020B0604020202020204" pitchFamily="34" charset="0"/>
+              <a:buNone/>
+            </a:pPr>
+            <a:r>
+              <a:rPr lang="en-GB" dirty="0"/>
+              <a:t>I basically had two aims in this section.</a:t>
+            </a:r>
+          </a:p>
+          <a:p>
+            <a:pPr marL="0" indent="0">
+              <a:buFont typeface="Arial" panose="020B0604020202020204" pitchFamily="34" charset="0"/>
+              <a:buNone/>
+            </a:pPr>
+            <a:endParaRPr lang="en-GB" dirty="0"/>
+          </a:p>
+          <a:p>
+            <a:pPr marL="0" indent="0">
+              <a:buFont typeface="Arial" panose="020B0604020202020204" pitchFamily="34" charset="0"/>
+              <a:buNone/>
+            </a:pPr>
+            <a:r>
+              <a:rPr lang="en-GB" dirty="0"/>
+              <a:t>The first was to see if the energy will grow to infinity or oscillate about a finite value if a random driver is used. I thought this was an interesting question to answer and until I did the calculation I actually had no idea if it would grow to infinity or not. It turns out, that for a white noise driver, the energy grows linearly with time, and for a resonant driver, the energy grows as t squared.</a:t>
+            </a:r>
+          </a:p>
+          <a:p>
+            <a:pPr marL="0" indent="0">
+              <a:buFont typeface="Arial" panose="020B0604020202020204" pitchFamily="34" charset="0"/>
+              <a:buNone/>
+            </a:pPr>
+            <a:endParaRPr lang="en-GB" dirty="0"/>
+          </a:p>
+          <a:p>
+            <a:pPr marL="0" indent="0">
+              <a:buFont typeface="Arial" panose="020B0604020202020204" pitchFamily="34" charset="0"/>
+              <a:buNone/>
+            </a:pPr>
+            <a:r>
+              <a:rPr lang="en-GB" dirty="0"/>
+              <a:t>The second aim was to check that a true white noise driver which excites all frequencies with a given amount of energy gives the same results as an approximate white noise signal which only excites the frequencies over a finite range. It turns out that provided the resonant frequency is excited then the true white noise signal and approximate white noise signal give approximately the same answer. The reason I wanted to check this because a true white noise signal isn’t actually physical because it has a variance of infinity whereas an approximate white noise signal has a finite variance so is physical. So its reassuring to know that although true white noise isn’t physical it is still a useful tool for making predictions.</a:t>
             </a:r>
           </a:p>
         </p:txBody>
@@ -5089,7 +5168,7 @@
     </p:spTree>
     <p:extLst>
       <p:ext uri="{BB962C8B-B14F-4D97-AF65-F5344CB8AC3E}">
-        <p14:creationId xmlns:p14="http://schemas.microsoft.com/office/powerpoint/2010/main" val="1919909110"/>
+        <p14:creationId xmlns:p14="http://schemas.microsoft.com/office/powerpoint/2010/main" val="1481797288"/>
       </p:ext>
     </p:extLst>
   </p:cSld>
@@ -8564,7 +8643,7 @@
         </p:nvSpPr>
         <p:spPr>
           <a:xfrm>
-            <a:off x="4124325" y="2578443"/>
+            <a:off x="4124325" y="2413686"/>
             <a:ext cx="3971925" cy="181233"/>
           </a:xfrm>
           <a:prstGeom prst="rect">
@@ -8605,7 +8684,7 @@
     </p:spTree>
     <p:extLst>
       <p:ext uri="{BB962C8B-B14F-4D97-AF65-F5344CB8AC3E}">
-        <p14:creationId xmlns:p14="http://schemas.microsoft.com/office/powerpoint/2010/main" val="2914483572"/>
+        <p14:creationId xmlns:p14="http://schemas.microsoft.com/office/powerpoint/2010/main" val="938772190"/>
       </p:ext>
     </p:extLst>
   </p:cSld>
@@ -8733,7 +8812,7 @@
         </p:nvSpPr>
         <p:spPr>
           <a:xfrm>
-            <a:off x="4124325" y="2734961"/>
+            <a:off x="4124325" y="2578443"/>
             <a:ext cx="3971925" cy="181233"/>
           </a:xfrm>
           <a:prstGeom prst="rect">
@@ -8774,7 +8853,7 @@
     </p:spTree>
     <p:extLst>
       <p:ext uri="{BB962C8B-B14F-4D97-AF65-F5344CB8AC3E}">
-        <p14:creationId xmlns:p14="http://schemas.microsoft.com/office/powerpoint/2010/main" val="3079720989"/>
+        <p14:creationId xmlns:p14="http://schemas.microsoft.com/office/powerpoint/2010/main" val="2914483572"/>
       </p:ext>
     </p:extLst>
   </p:cSld>
@@ -8902,7 +8981,7 @@
         </p:nvSpPr>
         <p:spPr>
           <a:xfrm>
-            <a:off x="4124325" y="2899718"/>
+            <a:off x="4124325" y="2734961"/>
             <a:ext cx="3971925" cy="181233"/>
           </a:xfrm>
           <a:prstGeom prst="rect">
@@ -8943,7 +9022,7 @@
     </p:spTree>
     <p:extLst>
       <p:ext uri="{BB962C8B-B14F-4D97-AF65-F5344CB8AC3E}">
-        <p14:creationId xmlns:p14="http://schemas.microsoft.com/office/powerpoint/2010/main" val="3033220531"/>
+        <p14:creationId xmlns:p14="http://schemas.microsoft.com/office/powerpoint/2010/main" val="3079720989"/>
       </p:ext>
     </p:extLst>
   </p:cSld>
@@ -9071,7 +9150,7 @@
         </p:nvSpPr>
         <p:spPr>
           <a:xfrm>
-            <a:off x="4124325" y="3031523"/>
+            <a:off x="4124325" y="2899718"/>
             <a:ext cx="3971925" cy="181233"/>
           </a:xfrm>
           <a:prstGeom prst="rect">
@@ -9112,7 +9191,7 @@
     </p:spTree>
     <p:extLst>
       <p:ext uri="{BB962C8B-B14F-4D97-AF65-F5344CB8AC3E}">
-        <p14:creationId xmlns:p14="http://schemas.microsoft.com/office/powerpoint/2010/main" val="284216428"/>
+        <p14:creationId xmlns:p14="http://schemas.microsoft.com/office/powerpoint/2010/main" val="3033220531"/>
       </p:ext>
     </p:extLst>
   </p:cSld>
@@ -9240,7 +9319,7 @@
         </p:nvSpPr>
         <p:spPr>
           <a:xfrm>
-            <a:off x="4095749" y="3298483"/>
+            <a:off x="4124325" y="3031523"/>
             <a:ext cx="3971925" cy="181233"/>
           </a:xfrm>
           <a:prstGeom prst="rect">
@@ -9281,7 +9360,7 @@
     </p:spTree>
     <p:extLst>
       <p:ext uri="{BB962C8B-B14F-4D97-AF65-F5344CB8AC3E}">
-        <p14:creationId xmlns:p14="http://schemas.microsoft.com/office/powerpoint/2010/main" val="1930018435"/>
+        <p14:creationId xmlns:p14="http://schemas.microsoft.com/office/powerpoint/2010/main" val="284216428"/>
       </p:ext>
     </p:extLst>
   </p:cSld>
@@ -9409,7 +9488,7 @@
         </p:nvSpPr>
         <p:spPr>
           <a:xfrm>
-            <a:off x="4095749" y="3463240"/>
+            <a:off x="4095749" y="3298483"/>
             <a:ext cx="3971925" cy="181233"/>
           </a:xfrm>
           <a:prstGeom prst="rect">
@@ -9450,7 +9529,7 @@
     </p:spTree>
     <p:extLst>
       <p:ext uri="{BB962C8B-B14F-4D97-AF65-F5344CB8AC3E}">
-        <p14:creationId xmlns:p14="http://schemas.microsoft.com/office/powerpoint/2010/main" val="962929400"/>
+        <p14:creationId xmlns:p14="http://schemas.microsoft.com/office/powerpoint/2010/main" val="1930018435"/>
       </p:ext>
     </p:extLst>
   </p:cSld>
@@ -9578,7 +9657,7 @@
         </p:nvSpPr>
         <p:spPr>
           <a:xfrm>
-            <a:off x="4095749" y="3611521"/>
+            <a:off x="4095749" y="3463240"/>
             <a:ext cx="3971925" cy="181233"/>
           </a:xfrm>
           <a:prstGeom prst="rect">
@@ -9619,7 +9698,7 @@
     </p:spTree>
     <p:extLst>
       <p:ext uri="{BB962C8B-B14F-4D97-AF65-F5344CB8AC3E}">
-        <p14:creationId xmlns:p14="http://schemas.microsoft.com/office/powerpoint/2010/main" val="1524343250"/>
+        <p14:creationId xmlns:p14="http://schemas.microsoft.com/office/powerpoint/2010/main" val="962929400"/>
       </p:ext>
     </p:extLst>
   </p:cSld>
@@ -9747,8 +9826,8 @@
         </p:nvSpPr>
         <p:spPr>
           <a:xfrm>
-            <a:off x="4095749" y="3784516"/>
-            <a:ext cx="3971925" cy="466208"/>
+            <a:off x="4095749" y="3611521"/>
+            <a:ext cx="3971925" cy="181233"/>
           </a:xfrm>
           <a:prstGeom prst="rect">
             <a:avLst/>
@@ -9788,7 +9867,7 @@
     </p:spTree>
     <p:extLst>
       <p:ext uri="{BB962C8B-B14F-4D97-AF65-F5344CB8AC3E}">
-        <p14:creationId xmlns:p14="http://schemas.microsoft.com/office/powerpoint/2010/main" val="261373994"/>
+        <p14:creationId xmlns:p14="http://schemas.microsoft.com/office/powerpoint/2010/main" val="1524343250"/>
       </p:ext>
     </p:extLst>
   </p:cSld>
@@ -9916,8 +9995,8 @@
         </p:nvSpPr>
         <p:spPr>
           <a:xfrm>
-            <a:off x="4095749" y="4242486"/>
-            <a:ext cx="3971925" cy="774356"/>
+            <a:off x="4095749" y="3784516"/>
+            <a:ext cx="3971925" cy="466208"/>
           </a:xfrm>
           <a:prstGeom prst="rect">
             <a:avLst/>
@@ -9957,7 +10036,7 @@
     </p:spTree>
     <p:extLst>
       <p:ext uri="{BB962C8B-B14F-4D97-AF65-F5344CB8AC3E}">
-        <p14:creationId xmlns:p14="http://schemas.microsoft.com/office/powerpoint/2010/main" val="1330818357"/>
+        <p14:creationId xmlns:p14="http://schemas.microsoft.com/office/powerpoint/2010/main" val="261373994"/>
       </p:ext>
     </p:extLst>
   </p:cSld>
@@ -10085,8 +10164,8 @@
         </p:nvSpPr>
         <p:spPr>
           <a:xfrm>
-            <a:off x="4095749" y="5025080"/>
-            <a:ext cx="3971925" cy="164755"/>
+            <a:off x="4095749" y="4242486"/>
+            <a:ext cx="3971925" cy="774356"/>
           </a:xfrm>
           <a:prstGeom prst="rect">
             <a:avLst/>
@@ -10126,7 +10205,7 @@
     </p:spTree>
     <p:extLst>
       <p:ext uri="{BB962C8B-B14F-4D97-AF65-F5344CB8AC3E}">
-        <p14:creationId xmlns:p14="http://schemas.microsoft.com/office/powerpoint/2010/main" val="1439769895"/>
+        <p14:creationId xmlns:p14="http://schemas.microsoft.com/office/powerpoint/2010/main" val="1330818357"/>
       </p:ext>
     </p:extLst>
   </p:cSld>
@@ -10371,7 +10450,7 @@
         </p:nvSpPr>
         <p:spPr>
           <a:xfrm>
-            <a:off x="4095749" y="5156885"/>
+            <a:off x="4095749" y="5025080"/>
             <a:ext cx="3971925" cy="164755"/>
           </a:xfrm>
           <a:prstGeom prst="rect">
@@ -10412,7 +10491,7 @@
     </p:spTree>
     <p:extLst>
       <p:ext uri="{BB962C8B-B14F-4D97-AF65-F5344CB8AC3E}">
-        <p14:creationId xmlns:p14="http://schemas.microsoft.com/office/powerpoint/2010/main" val="1684566342"/>
+        <p14:creationId xmlns:p14="http://schemas.microsoft.com/office/powerpoint/2010/main" val="1439769895"/>
       </p:ext>
     </p:extLst>
   </p:cSld>
@@ -10540,7 +10619,7 @@
         </p:nvSpPr>
         <p:spPr>
           <a:xfrm>
-            <a:off x="4095749" y="5329879"/>
+            <a:off x="4095749" y="5156885"/>
             <a:ext cx="3971925" cy="164755"/>
           </a:xfrm>
           <a:prstGeom prst="rect">
@@ -10581,7 +10660,7 @@
     </p:spTree>
     <p:extLst>
       <p:ext uri="{BB962C8B-B14F-4D97-AF65-F5344CB8AC3E}">
-        <p14:creationId xmlns:p14="http://schemas.microsoft.com/office/powerpoint/2010/main" val="3221480976"/>
+        <p14:creationId xmlns:p14="http://schemas.microsoft.com/office/powerpoint/2010/main" val="1684566342"/>
       </p:ext>
     </p:extLst>
   </p:cSld>
@@ -10709,7 +10788,7 @@
         </p:nvSpPr>
         <p:spPr>
           <a:xfrm>
-            <a:off x="8191496" y="716690"/>
+            <a:off x="4095749" y="5329879"/>
             <a:ext cx="3971925" cy="164755"/>
           </a:xfrm>
           <a:prstGeom prst="rect">
@@ -10750,7 +10829,7 @@
     </p:spTree>
     <p:extLst>
       <p:ext uri="{BB962C8B-B14F-4D97-AF65-F5344CB8AC3E}">
-        <p14:creationId xmlns:p14="http://schemas.microsoft.com/office/powerpoint/2010/main" val="1798269881"/>
+        <p14:creationId xmlns:p14="http://schemas.microsoft.com/office/powerpoint/2010/main" val="3221480976"/>
       </p:ext>
     </p:extLst>
   </p:cSld>
@@ -10878,8 +10957,8 @@
         </p:nvSpPr>
         <p:spPr>
           <a:xfrm>
-            <a:off x="8191496" y="881450"/>
-            <a:ext cx="3971925" cy="1103870"/>
+            <a:off x="8191496" y="716690"/>
+            <a:ext cx="3971925" cy="164755"/>
           </a:xfrm>
           <a:prstGeom prst="rect">
             <a:avLst/>
@@ -10919,7 +10998,7 @@
     </p:spTree>
     <p:extLst>
       <p:ext uri="{BB962C8B-B14F-4D97-AF65-F5344CB8AC3E}">
-        <p14:creationId xmlns:p14="http://schemas.microsoft.com/office/powerpoint/2010/main" val="2581897666"/>
+        <p14:creationId xmlns:p14="http://schemas.microsoft.com/office/powerpoint/2010/main" val="1798269881"/>
       </p:ext>
     </p:extLst>
   </p:cSld>
@@ -11047,8 +11126,8 @@
         </p:nvSpPr>
         <p:spPr>
           <a:xfrm>
-            <a:off x="8191496" y="1960604"/>
-            <a:ext cx="3971925" cy="486033"/>
+            <a:off x="8191496" y="881450"/>
+            <a:ext cx="3971925" cy="1103870"/>
           </a:xfrm>
           <a:prstGeom prst="rect">
             <a:avLst/>
@@ -11088,7 +11167,7 @@
     </p:spTree>
     <p:extLst>
       <p:ext uri="{BB962C8B-B14F-4D97-AF65-F5344CB8AC3E}">
-        <p14:creationId xmlns:p14="http://schemas.microsoft.com/office/powerpoint/2010/main" val="3838394295"/>
+        <p14:creationId xmlns:p14="http://schemas.microsoft.com/office/powerpoint/2010/main" val="2581897666"/>
       </p:ext>
     </p:extLst>
   </p:cSld>
@@ -11216,7 +11295,7 @@
         </p:nvSpPr>
         <p:spPr>
           <a:xfrm>
-            <a:off x="8191496" y="2426948"/>
+            <a:off x="8191496" y="1960604"/>
             <a:ext cx="3971925" cy="486033"/>
           </a:xfrm>
           <a:prstGeom prst="rect">
@@ -11257,7 +11336,7 @@
     </p:spTree>
     <p:extLst>
       <p:ext uri="{BB962C8B-B14F-4D97-AF65-F5344CB8AC3E}">
-        <p14:creationId xmlns:p14="http://schemas.microsoft.com/office/powerpoint/2010/main" val="3989612695"/>
+        <p14:creationId xmlns:p14="http://schemas.microsoft.com/office/powerpoint/2010/main" val="3838394295"/>
       </p:ext>
     </p:extLst>
   </p:cSld>
@@ -11385,8 +11464,8 @@
         </p:nvSpPr>
         <p:spPr>
           <a:xfrm>
-            <a:off x="8191496" y="2905715"/>
-            <a:ext cx="3971925" cy="786391"/>
+            <a:off x="8191496" y="2426948"/>
+            <a:ext cx="3971925" cy="486033"/>
           </a:xfrm>
           <a:prstGeom prst="rect">
             <a:avLst/>
@@ -11426,7 +11505,7 @@
     </p:spTree>
     <p:extLst>
       <p:ext uri="{BB962C8B-B14F-4D97-AF65-F5344CB8AC3E}">
-        <p14:creationId xmlns:p14="http://schemas.microsoft.com/office/powerpoint/2010/main" val="3562435308"/>
+        <p14:creationId xmlns:p14="http://schemas.microsoft.com/office/powerpoint/2010/main" val="3989612695"/>
       </p:ext>
     </p:extLst>
   </p:cSld>
@@ -11554,8 +11633,8 @@
         </p:nvSpPr>
         <p:spPr>
           <a:xfrm>
-            <a:off x="8191496" y="3670664"/>
-            <a:ext cx="3971925" cy="178197"/>
+            <a:off x="8191496" y="2905715"/>
+            <a:ext cx="3971925" cy="786391"/>
           </a:xfrm>
           <a:prstGeom prst="rect">
             <a:avLst/>
@@ -11595,7 +11674,7 @@
     </p:spTree>
     <p:extLst>
       <p:ext uri="{BB962C8B-B14F-4D97-AF65-F5344CB8AC3E}">
-        <p14:creationId xmlns:p14="http://schemas.microsoft.com/office/powerpoint/2010/main" val="1241824012"/>
+        <p14:creationId xmlns:p14="http://schemas.microsoft.com/office/powerpoint/2010/main" val="3562435308"/>
       </p:ext>
     </p:extLst>
   </p:cSld>
@@ -11723,7 +11802,7 @@
         </p:nvSpPr>
         <p:spPr>
           <a:xfrm>
-            <a:off x="8191496" y="3920562"/>
+            <a:off x="8191496" y="3670664"/>
             <a:ext cx="3971925" cy="178197"/>
           </a:xfrm>
           <a:prstGeom prst="rect">
@@ -11764,7 +11843,7 @@
     </p:spTree>
     <p:extLst>
       <p:ext uri="{BB962C8B-B14F-4D97-AF65-F5344CB8AC3E}">
-        <p14:creationId xmlns:p14="http://schemas.microsoft.com/office/powerpoint/2010/main" val="3964850597"/>
+        <p14:creationId xmlns:p14="http://schemas.microsoft.com/office/powerpoint/2010/main" val="1241824012"/>
       </p:ext>
     </p:extLst>
   </p:cSld>
@@ -11933,7 +12012,7 @@
     </p:spTree>
     <p:extLst>
       <p:ext uri="{BB962C8B-B14F-4D97-AF65-F5344CB8AC3E}">
-        <p14:creationId xmlns:p14="http://schemas.microsoft.com/office/powerpoint/2010/main" val="1958914651"/>
+        <p14:creationId xmlns:p14="http://schemas.microsoft.com/office/powerpoint/2010/main" val="3964850597"/>
       </p:ext>
     </p:extLst>
   </p:cSld>
@@ -12049,10 +12128,10 @@
       </p:pic>
       <p:sp>
         <p:nvSpPr>
-          <p:cNvPr id="8" name="Rectangle 7">
-            <a:extLst>
-              <a:ext uri="{FF2B5EF4-FFF2-40B4-BE49-F238E27FC236}">
-                <a16:creationId xmlns:a16="http://schemas.microsoft.com/office/drawing/2014/main" id="{B835B33B-500F-4DDD-A6AA-93FA9FC45D9E}"/>
+          <p:cNvPr id="6" name="Rectangle 5">
+            <a:extLst>
+              <a:ext uri="{FF2B5EF4-FFF2-40B4-BE49-F238E27FC236}">
+                <a16:creationId xmlns:a16="http://schemas.microsoft.com/office/drawing/2014/main" id="{C53C16BA-2819-FF44-A744-51EA4C3FB3F6}"/>
               </a:ext>
             </a:extLst>
           </p:cNvPr>
@@ -12061,8 +12140,8 @@
         </p:nvSpPr>
         <p:spPr>
           <a:xfrm>
-            <a:off x="28575" y="5427730"/>
-            <a:ext cx="3971925" cy="170987"/>
+            <a:off x="28575" y="2089099"/>
+            <a:ext cx="3971925" cy="3278767"/>
           </a:xfrm>
           <a:prstGeom prst="rect">
             <a:avLst/>
@@ -12102,7 +12181,7 @@
     </p:spTree>
     <p:extLst>
       <p:ext uri="{BB962C8B-B14F-4D97-AF65-F5344CB8AC3E}">
-        <p14:creationId xmlns:p14="http://schemas.microsoft.com/office/powerpoint/2010/main" val="2070340591"/>
+        <p14:creationId xmlns:p14="http://schemas.microsoft.com/office/powerpoint/2010/main" val="3676042074"/>
       </p:ext>
     </p:extLst>
   </p:cSld>
@@ -12230,8 +12309,8 @@
         </p:nvSpPr>
         <p:spPr>
           <a:xfrm>
-            <a:off x="8191496" y="4157629"/>
-            <a:ext cx="3971925" cy="702238"/>
+            <a:off x="8191496" y="3920562"/>
+            <a:ext cx="3971925" cy="178197"/>
           </a:xfrm>
           <a:prstGeom prst="rect">
             <a:avLst/>
@@ -12271,7 +12350,7 @@
     </p:spTree>
     <p:extLst>
       <p:ext uri="{BB962C8B-B14F-4D97-AF65-F5344CB8AC3E}">
-        <p14:creationId xmlns:p14="http://schemas.microsoft.com/office/powerpoint/2010/main" val="3595124467"/>
+        <p14:creationId xmlns:p14="http://schemas.microsoft.com/office/powerpoint/2010/main" val="1958914651"/>
       </p:ext>
     </p:extLst>
   </p:cSld>
@@ -12282,7 +12361,7 @@
 </file>
 
 <file path=ppt/slides/slide31.xml><?xml version="1.0" encoding="utf-8"?>
-<p:sld xmlns:a="http://schemas.openxmlformats.org/drawingml/2006/main" xmlns:r="http://schemas.openxmlformats.org/officeDocument/2006/relationships" xmlns:p="http://schemas.openxmlformats.org/presentationml/2006/main" show="0">
+<p:sld xmlns:a="http://schemas.openxmlformats.org/drawingml/2006/main" xmlns:r="http://schemas.openxmlformats.org/officeDocument/2006/relationships" xmlns:p="http://schemas.openxmlformats.org/presentationml/2006/main">
   <p:cSld>
     <p:spTree>
       <p:nvGrpSpPr>
@@ -12387,10 +12466,10 @@
       </p:pic>
       <p:sp>
         <p:nvSpPr>
-          <p:cNvPr id="2" name="Rectangle 1">
-            <a:extLst>
-              <a:ext uri="{FF2B5EF4-FFF2-40B4-BE49-F238E27FC236}">
-                <a16:creationId xmlns:a16="http://schemas.microsoft.com/office/drawing/2014/main" id="{45E9089C-611D-48E5-B5B8-F2AE129417DD}"/>
+          <p:cNvPr id="8" name="Rectangle 7">
+            <a:extLst>
+              <a:ext uri="{FF2B5EF4-FFF2-40B4-BE49-F238E27FC236}">
+                <a16:creationId xmlns:a16="http://schemas.microsoft.com/office/drawing/2014/main" id="{B835B33B-500F-4DDD-A6AA-93FA9FC45D9E}"/>
               </a:ext>
             </a:extLst>
           </p:cNvPr>
@@ -12399,8 +12478,8 @@
         </p:nvSpPr>
         <p:spPr>
           <a:xfrm>
-            <a:off x="28575" y="2066925"/>
-            <a:ext cx="3971925" cy="180975"/>
+            <a:off x="8191496" y="4157629"/>
+            <a:ext cx="3971925" cy="702238"/>
           </a:xfrm>
           <a:prstGeom prst="rect">
             <a:avLst/>
@@ -12440,7 +12519,7 @@
     </p:spTree>
     <p:extLst>
       <p:ext uri="{BB962C8B-B14F-4D97-AF65-F5344CB8AC3E}">
-        <p14:creationId xmlns:p14="http://schemas.microsoft.com/office/powerpoint/2010/main" val="997854273"/>
+        <p14:creationId xmlns:p14="http://schemas.microsoft.com/office/powerpoint/2010/main" val="3595124467"/>
       </p:ext>
     </p:extLst>
   </p:cSld>
@@ -12556,10 +12635,10 @@
       </p:pic>
       <p:sp>
         <p:nvSpPr>
-          <p:cNvPr id="6" name="Rectangle 5">
-            <a:extLst>
-              <a:ext uri="{FF2B5EF4-FFF2-40B4-BE49-F238E27FC236}">
-                <a16:creationId xmlns:a16="http://schemas.microsoft.com/office/drawing/2014/main" id="{F6AE576E-BD66-4381-BD1F-AD97ADBD590D}"/>
+          <p:cNvPr id="2" name="Rectangle 1">
+            <a:extLst>
+              <a:ext uri="{FF2B5EF4-FFF2-40B4-BE49-F238E27FC236}">
+                <a16:creationId xmlns:a16="http://schemas.microsoft.com/office/drawing/2014/main" id="{45E9089C-611D-48E5-B5B8-F2AE129417DD}"/>
               </a:ext>
             </a:extLst>
           </p:cNvPr>
@@ -12568,7 +12647,7 @@
         </p:nvSpPr>
         <p:spPr>
           <a:xfrm>
-            <a:off x="28575" y="2215608"/>
+            <a:off x="28575" y="2066925"/>
             <a:ext cx="3971925" cy="180975"/>
           </a:xfrm>
           <a:prstGeom prst="rect">
@@ -12609,7 +12688,7 @@
     </p:spTree>
     <p:extLst>
       <p:ext uri="{BB962C8B-B14F-4D97-AF65-F5344CB8AC3E}">
-        <p14:creationId xmlns:p14="http://schemas.microsoft.com/office/powerpoint/2010/main" val="2159621259"/>
+        <p14:creationId xmlns:p14="http://schemas.microsoft.com/office/powerpoint/2010/main" val="997854273"/>
       </p:ext>
     </p:extLst>
   </p:cSld>
@@ -12737,7 +12816,7 @@
         </p:nvSpPr>
         <p:spPr>
           <a:xfrm>
-            <a:off x="28575" y="2371725"/>
+            <a:off x="28575" y="2215608"/>
             <a:ext cx="3971925" cy="180975"/>
           </a:xfrm>
           <a:prstGeom prst="rect">
@@ -12778,7 +12857,7 @@
     </p:spTree>
     <p:extLst>
       <p:ext uri="{BB962C8B-B14F-4D97-AF65-F5344CB8AC3E}">
-        <p14:creationId xmlns:p14="http://schemas.microsoft.com/office/powerpoint/2010/main" val="2057268742"/>
+        <p14:creationId xmlns:p14="http://schemas.microsoft.com/office/powerpoint/2010/main" val="2159621259"/>
       </p:ext>
     </p:extLst>
   </p:cSld>
@@ -12894,10 +12973,10 @@
       </p:pic>
       <p:sp>
         <p:nvSpPr>
-          <p:cNvPr id="8" name="Rectangle 7">
-            <a:extLst>
-              <a:ext uri="{FF2B5EF4-FFF2-40B4-BE49-F238E27FC236}">
-                <a16:creationId xmlns:a16="http://schemas.microsoft.com/office/drawing/2014/main" id="{B835B33B-500F-4DDD-A6AA-93FA9FC45D9E}"/>
+          <p:cNvPr id="6" name="Rectangle 5">
+            <a:extLst>
+              <a:ext uri="{FF2B5EF4-FFF2-40B4-BE49-F238E27FC236}">
+                <a16:creationId xmlns:a16="http://schemas.microsoft.com/office/drawing/2014/main" id="{F6AE576E-BD66-4381-BD1F-AD97ADBD590D}"/>
               </a:ext>
             </a:extLst>
           </p:cNvPr>
@@ -12906,8 +12985,8 @@
         </p:nvSpPr>
         <p:spPr>
           <a:xfrm>
-            <a:off x="28575" y="2550146"/>
-            <a:ext cx="3971925" cy="1865738"/>
+            <a:off x="28575" y="2371725"/>
+            <a:ext cx="3971925" cy="180975"/>
           </a:xfrm>
           <a:prstGeom prst="rect">
             <a:avLst/>
@@ -12947,7 +13026,7 @@
     </p:spTree>
     <p:extLst>
       <p:ext uri="{BB962C8B-B14F-4D97-AF65-F5344CB8AC3E}">
-        <p14:creationId xmlns:p14="http://schemas.microsoft.com/office/powerpoint/2010/main" val="3542546647"/>
+        <p14:creationId xmlns:p14="http://schemas.microsoft.com/office/powerpoint/2010/main" val="2057268742"/>
       </p:ext>
     </p:extLst>
   </p:cSld>
@@ -13075,8 +13154,8 @@
         </p:nvSpPr>
         <p:spPr>
           <a:xfrm>
-            <a:off x="28575" y="4395188"/>
-            <a:ext cx="3971925" cy="639338"/>
+            <a:off x="28575" y="2550146"/>
+            <a:ext cx="3971925" cy="1865738"/>
           </a:xfrm>
           <a:prstGeom prst="rect">
             <a:avLst/>
@@ -13116,7 +13195,7 @@
     </p:spTree>
     <p:extLst>
       <p:ext uri="{BB962C8B-B14F-4D97-AF65-F5344CB8AC3E}">
-        <p14:creationId xmlns:p14="http://schemas.microsoft.com/office/powerpoint/2010/main" val="498483810"/>
+        <p14:creationId xmlns:p14="http://schemas.microsoft.com/office/powerpoint/2010/main" val="3542546647"/>
       </p:ext>
     </p:extLst>
   </p:cSld>
@@ -13244,8 +13323,8 @@
         </p:nvSpPr>
         <p:spPr>
           <a:xfrm>
-            <a:off x="28575" y="5025482"/>
-            <a:ext cx="3971925" cy="170987"/>
+            <a:off x="28575" y="4395188"/>
+            <a:ext cx="3971925" cy="639338"/>
           </a:xfrm>
           <a:prstGeom prst="rect">
             <a:avLst/>
@@ -13285,6 +13364,175 @@
     </p:spTree>
     <p:extLst>
       <p:ext uri="{BB962C8B-B14F-4D97-AF65-F5344CB8AC3E}">
+        <p14:creationId xmlns:p14="http://schemas.microsoft.com/office/powerpoint/2010/main" val="498483810"/>
+      </p:ext>
+    </p:extLst>
+  </p:cSld>
+  <p:clrMapOvr>
+    <a:masterClrMapping/>
+  </p:clrMapOvr>
+</p:sld>
+</file>
+
+<file path=ppt/slides/slide37.xml><?xml version="1.0" encoding="utf-8"?>
+<p:sld xmlns:a="http://schemas.openxmlformats.org/drawingml/2006/main" xmlns:r="http://schemas.openxmlformats.org/officeDocument/2006/relationships" xmlns:p="http://schemas.openxmlformats.org/presentationml/2006/main" show="0">
+  <p:cSld>
+    <p:spTree>
+      <p:nvGrpSpPr>
+        <p:cNvPr id="1" name=""/>
+        <p:cNvGrpSpPr/>
+        <p:nvPr/>
+      </p:nvGrpSpPr>
+      <p:grpSpPr>
+        <a:xfrm>
+          <a:off x="0" y="0"/>
+          <a:ext cx="0" cy="0"/>
+          <a:chOff x="0" y="0"/>
+          <a:chExt cx="0" cy="0"/>
+        </a:xfrm>
+      </p:grpSpPr>
+      <p:pic>
+        <p:nvPicPr>
+          <p:cNvPr id="5" name="Picture 4">
+            <a:extLst>
+              <a:ext uri="{FF2B5EF4-FFF2-40B4-BE49-F238E27FC236}">
+                <a16:creationId xmlns:a16="http://schemas.microsoft.com/office/drawing/2014/main" id="{F5C2D6F9-CF07-492E-95A8-A2EDECA338A7}"/>
+              </a:ext>
+            </a:extLst>
+          </p:cNvPr>
+          <p:cNvPicPr>
+            <a:picLocks noChangeAspect="1"/>
+          </p:cNvPicPr>
+          <p:nvPr/>
+        </p:nvPicPr>
+        <p:blipFill rotWithShape="1">
+          <a:blip r:embed="rId3"/>
+          <a:srcRect l="33795" r="33392"/>
+          <a:stretch/>
+        </p:blipFill>
+        <p:spPr>
+          <a:xfrm>
+            <a:off x="0" y="0"/>
+            <a:ext cx="4000503" cy="6858000"/>
+          </a:xfrm>
+          <a:prstGeom prst="rect">
+            <a:avLst/>
+          </a:prstGeom>
+        </p:spPr>
+      </p:pic>
+      <p:pic>
+        <p:nvPicPr>
+          <p:cNvPr id="7" name="Picture 6">
+            <a:extLst>
+              <a:ext uri="{FF2B5EF4-FFF2-40B4-BE49-F238E27FC236}">
+                <a16:creationId xmlns:a16="http://schemas.microsoft.com/office/drawing/2014/main" id="{7A8E5883-8227-450E-A1C8-36475780AD47}"/>
+              </a:ext>
+            </a:extLst>
+          </p:cNvPr>
+          <p:cNvPicPr>
+            <a:picLocks noChangeAspect="1"/>
+          </p:cNvPicPr>
+          <p:nvPr/>
+        </p:nvPicPr>
+        <p:blipFill rotWithShape="1">
+          <a:blip r:embed="rId4"/>
+          <a:srcRect l="33828" r="33359"/>
+          <a:stretch/>
+        </p:blipFill>
+        <p:spPr>
+          <a:xfrm>
+            <a:off x="4095749" y="0"/>
+            <a:ext cx="4000501" cy="6858000"/>
+          </a:xfrm>
+          <a:prstGeom prst="rect">
+            <a:avLst/>
+          </a:prstGeom>
+        </p:spPr>
+      </p:pic>
+      <p:pic>
+        <p:nvPicPr>
+          <p:cNvPr id="10" name="Picture 9">
+            <a:extLst>
+              <a:ext uri="{FF2B5EF4-FFF2-40B4-BE49-F238E27FC236}">
+                <a16:creationId xmlns:a16="http://schemas.microsoft.com/office/drawing/2014/main" id="{96C8E9C6-433B-48A1-9684-1D9E1CBA8C82}"/>
+              </a:ext>
+            </a:extLst>
+          </p:cNvPr>
+          <p:cNvPicPr>
+            <a:picLocks noChangeAspect="1"/>
+          </p:cNvPicPr>
+          <p:nvPr/>
+        </p:nvPicPr>
+        <p:blipFill rotWithShape="1">
+          <a:blip r:embed="rId5"/>
+          <a:srcRect l="33906" r="33281"/>
+          <a:stretch/>
+        </p:blipFill>
+        <p:spPr>
+          <a:xfrm>
+            <a:off x="8191499" y="0"/>
+            <a:ext cx="4000501" cy="6858000"/>
+          </a:xfrm>
+          <a:prstGeom prst="rect">
+            <a:avLst/>
+          </a:prstGeom>
+        </p:spPr>
+      </p:pic>
+      <p:sp>
+        <p:nvSpPr>
+          <p:cNvPr id="8" name="Rectangle 7">
+            <a:extLst>
+              <a:ext uri="{FF2B5EF4-FFF2-40B4-BE49-F238E27FC236}">
+                <a16:creationId xmlns:a16="http://schemas.microsoft.com/office/drawing/2014/main" id="{B835B33B-500F-4DDD-A6AA-93FA9FC45D9E}"/>
+              </a:ext>
+            </a:extLst>
+          </p:cNvPr>
+          <p:cNvSpPr/>
+          <p:nvPr/>
+        </p:nvSpPr>
+        <p:spPr>
+          <a:xfrm>
+            <a:off x="28575" y="5025482"/>
+            <a:ext cx="3971925" cy="170987"/>
+          </a:xfrm>
+          <a:prstGeom prst="rect">
+            <a:avLst/>
+          </a:prstGeom>
+          <a:noFill/>
+          <a:ln w="38100">
+            <a:solidFill>
+              <a:srgbClr val="FF0000"/>
+            </a:solidFill>
+          </a:ln>
+        </p:spPr>
+        <p:style>
+          <a:lnRef idx="2">
+            <a:schemeClr val="accent1">
+              <a:shade val="50000"/>
+            </a:schemeClr>
+          </a:lnRef>
+          <a:fillRef idx="1">
+            <a:schemeClr val="accent1"/>
+          </a:fillRef>
+          <a:effectRef idx="0">
+            <a:schemeClr val="accent1"/>
+          </a:effectRef>
+          <a:fontRef idx="minor">
+            <a:schemeClr val="lt1"/>
+          </a:fontRef>
+        </p:style>
+        <p:txBody>
+          <a:bodyPr rtlCol="0" anchor="ctr"/>
+          <a:lstStyle/>
+          <a:p>
+            <a:pPr algn="ctr"/>
+            <a:endParaRPr lang="en-GB"/>
+          </a:p>
+        </p:txBody>
+      </p:sp>
+    </p:spTree>
+    <p:extLst>
+      <p:ext uri="{BB962C8B-B14F-4D97-AF65-F5344CB8AC3E}">
         <p14:creationId xmlns:p14="http://schemas.microsoft.com/office/powerpoint/2010/main" val="3310774538"/>
       </p:ext>
     </p:extLst>
@@ -13295,7 +13543,7 @@
 </p:sld>
 </file>
 
-<file path=ppt/slides/slide37.xml><?xml version="1.0" encoding="utf-8"?>
+<file path=ppt/slides/slide38.xml><?xml version="1.0" encoding="utf-8"?>
 <p:sld xmlns:a="http://schemas.openxmlformats.org/drawingml/2006/main" xmlns:r="http://schemas.openxmlformats.org/officeDocument/2006/relationships" xmlns:p="http://schemas.openxmlformats.org/presentationml/2006/main" show="0">
   <p:cSld>
     <p:spTree>
@@ -13582,7 +13830,7 @@
         </p:nvSpPr>
         <p:spPr>
           <a:xfrm>
-            <a:off x="28575" y="5592486"/>
+            <a:off x="28575" y="5427730"/>
             <a:ext cx="3971925" cy="170987"/>
           </a:xfrm>
           <a:prstGeom prst="rect">
@@ -13623,7 +13871,7 @@
     </p:spTree>
     <p:extLst>
       <p:ext uri="{BB962C8B-B14F-4D97-AF65-F5344CB8AC3E}">
-        <p14:creationId xmlns:p14="http://schemas.microsoft.com/office/powerpoint/2010/main" val="1981701234"/>
+        <p14:creationId xmlns:p14="http://schemas.microsoft.com/office/powerpoint/2010/main" val="2070340591"/>
       </p:ext>
     </p:extLst>
   </p:cSld>
@@ -13751,7 +13999,7 @@
         </p:nvSpPr>
         <p:spPr>
           <a:xfrm>
-            <a:off x="4124325" y="707448"/>
+            <a:off x="28575" y="5592486"/>
             <a:ext cx="3971925" cy="170987"/>
           </a:xfrm>
           <a:prstGeom prst="rect">
@@ -13792,7 +14040,7 @@
     </p:spTree>
     <p:extLst>
       <p:ext uri="{BB962C8B-B14F-4D97-AF65-F5344CB8AC3E}">
-        <p14:creationId xmlns:p14="http://schemas.microsoft.com/office/powerpoint/2010/main" val="1977621991"/>
+        <p14:creationId xmlns:p14="http://schemas.microsoft.com/office/powerpoint/2010/main" val="1981701234"/>
       </p:ext>
     </p:extLst>
   </p:cSld>
@@ -13920,7 +14168,7 @@
         </p:nvSpPr>
         <p:spPr>
           <a:xfrm>
-            <a:off x="4124325" y="872204"/>
+            <a:off x="4124325" y="707448"/>
             <a:ext cx="3971925" cy="170987"/>
           </a:xfrm>
           <a:prstGeom prst="rect">
@@ -13961,7 +14209,7 @@
     </p:spTree>
     <p:extLst>
       <p:ext uri="{BB962C8B-B14F-4D97-AF65-F5344CB8AC3E}">
-        <p14:creationId xmlns:p14="http://schemas.microsoft.com/office/powerpoint/2010/main" val="1775451064"/>
+        <p14:creationId xmlns:p14="http://schemas.microsoft.com/office/powerpoint/2010/main" val="1977621991"/>
       </p:ext>
     </p:extLst>
   </p:cSld>
@@ -14089,8 +14337,8 @@
         </p:nvSpPr>
         <p:spPr>
           <a:xfrm>
-            <a:off x="4124325" y="1036960"/>
-            <a:ext cx="3971925" cy="775364"/>
+            <a:off x="4124325" y="872204"/>
+            <a:ext cx="3971925" cy="170987"/>
           </a:xfrm>
           <a:prstGeom prst="rect">
             <a:avLst/>
@@ -14130,7 +14378,7 @@
     </p:spTree>
     <p:extLst>
       <p:ext uri="{BB962C8B-B14F-4D97-AF65-F5344CB8AC3E}">
-        <p14:creationId xmlns:p14="http://schemas.microsoft.com/office/powerpoint/2010/main" val="719958958"/>
+        <p14:creationId xmlns:p14="http://schemas.microsoft.com/office/powerpoint/2010/main" val="1775451064"/>
       </p:ext>
     </p:extLst>
   </p:cSld>
@@ -14258,8 +14506,8 @@
         </p:nvSpPr>
         <p:spPr>
           <a:xfrm>
-            <a:off x="4124325" y="1819555"/>
-            <a:ext cx="3971925" cy="627083"/>
+            <a:off x="4124325" y="1036960"/>
+            <a:ext cx="3971925" cy="775364"/>
           </a:xfrm>
           <a:prstGeom prst="rect">
             <a:avLst/>
@@ -14299,7 +14547,7 @@
     </p:spTree>
     <p:extLst>
       <p:ext uri="{BB962C8B-B14F-4D97-AF65-F5344CB8AC3E}">
-        <p14:creationId xmlns:p14="http://schemas.microsoft.com/office/powerpoint/2010/main" val="2193806873"/>
+        <p14:creationId xmlns:p14="http://schemas.microsoft.com/office/powerpoint/2010/main" val="719958958"/>
       </p:ext>
     </p:extLst>
   </p:cSld>
@@ -14427,8 +14675,8 @@
         </p:nvSpPr>
         <p:spPr>
           <a:xfrm>
-            <a:off x="4124325" y="2413686"/>
-            <a:ext cx="3971925" cy="181233"/>
+            <a:off x="4124325" y="1819555"/>
+            <a:ext cx="3971925" cy="627083"/>
           </a:xfrm>
           <a:prstGeom prst="rect">
             <a:avLst/>
@@ -14468,7 +14716,7 @@
     </p:spTree>
     <p:extLst>
       <p:ext uri="{BB962C8B-B14F-4D97-AF65-F5344CB8AC3E}">
-        <p14:creationId xmlns:p14="http://schemas.microsoft.com/office/powerpoint/2010/main" val="938772190"/>
+        <p14:creationId xmlns:p14="http://schemas.microsoft.com/office/powerpoint/2010/main" val="2193806873"/>
       </p:ext>
     </p:extLst>
   </p:cSld>

--- a/Presentation/thesis_overview_v3.pptx
+++ b/Presentation/thesis_overview_v3.pptx
@@ -715,7 +715,7 @@
             </a:pPr>
             <a:r>
               <a:rPr lang="en-GB" dirty="0"/>
-              <a:t>The sixth sections aims to estimate a reflection coefficient, R. This is important as to simulate the leakage I model that a fraction R of the waves reflects each time the waves hit each of the boundaries. To estimate the reflection coefficient I use a method which is similar to what Joe </a:t>
+              <a:t>The sixth sections aims to estimate the reflection coefficient, R. This is important as to simulate the leakage I model that a fraction R of the waves reflects each time the waves hit each of the boundaries. To estimate the reflection coefficient I use a method which is similar to what Joe </a:t>
             </a:r>
             <a:r>
               <a:rPr lang="en-GB" dirty="0" err="1"/>
@@ -723,7 +723,7 @@
             </a:r>
             <a:r>
               <a:rPr lang="en-GB" dirty="0"/>
-              <a:t> uses in a in a paper he wrote in 1984.</a:t>
+              <a:t> uses in a paper he wrote in 1984.</a:t>
             </a:r>
           </a:p>
         </p:txBody>
@@ -905,7 +905,7 @@
             </a:pPr>
             <a:r>
               <a:rPr lang="en-GB" dirty="0"/>
-              <a:t>There are two main aims in the eighth section</a:t>
+              <a:t>In the eight section, I have two main aims.</a:t>
             </a:r>
           </a:p>
           <a:p>
@@ -922,7 +922,7 @@
             </a:pPr>
             <a:r>
               <a:rPr lang="en-GB" dirty="0"/>
-              <a:t>The first aim here is to introduce the idea of a steady-state. In other words, that for a leaky loop or resistive loop the system will go through a transient phase where the system can oscillate at different frequencies to the driver frequency but at steady-state the whole system oscillates at the driver frequency.</a:t>
+              <a:t>The first aim here is to introduce the idea of a steady-state. In other words, that for a leaky loop or resistive loop the system will go through a transient phase where the system can oscillate at different frequencies to the driver frequency but will always eventually reach a steady-state, where the whole system oscillates at the driver frequency.</a:t>
             </a:r>
           </a:p>
           <a:p>
@@ -939,7 +939,7 @@
             </a:pPr>
             <a:r>
               <a:rPr lang="en-GB" dirty="0"/>
-              <a:t>Another aim is to convince the reader that the formula we derived is indeed accurate. I do this by calculating both a numeric and analytic solution and checking they agree. Confirming this formula is accurate is useful in Chapter 3 when we look at resistive phase mixed Alfven waves in a leaky loop.</a:t>
+              <a:t>The second aim is to convince the reader that the formula we derived is indeed accurate. I do this by calculating both a numeric and analytic solution and checking they agree. Confirming this formula is accurate is also useful in Chapter 3 when we look at resistive phase mixed Alfven waves in a leaky loop.</a:t>
             </a:r>
           </a:p>
         </p:txBody>
@@ -2281,7 +2281,7 @@
           <a:p>
             <a:r>
               <a:rPr lang="en-GB" dirty="0"/>
-              <a:t>In the sixth chapter I bring together results from the chapter and from the literature to make the case that phase mixing is not a viable standalone heating mechanism. There’s lots of physics which I neglect in my model but in this discussion I try to make the argument that ignoring this physics causes my model to overestimate the heating rate per unit of wave energy. Therefore, my estimate serves as an upper bound. If my upper bound can’t give enough heat then we know a more physical model will also not give enough heat.</a:t>
+              <a:t>In the sixth section I bring together results from the chapter and from the literature to make the case that phase mixing is not a viable standalone heating mechanism. There’s lots of physics which I neglect in my model but in this discussion I try to make the argument that ignoring this physics causes my model to overestimate the heating rate per unit of wave energy. Therefore, my estimate serves as an upper bound. If my upper bound can’t give enough heat then we know a more physical model will also not give enough heat.</a:t>
             </a:r>
           </a:p>
         </p:txBody>
@@ -2612,7 +2612,7 @@
           <a:p>
             <a:r>
               <a:rPr lang="en-GB" dirty="0"/>
-              <a:t>The first 4 sections of this chapter are all basically introductory sections so I won’t go into them here. The fourth section here aims to introduce resonant resonant absorption and show some of its key features.</a:t>
+              <a:t>The first 4 sections of this chapter are all basically introductory sections so I won’t go into them much here. The fourth section here aims to introduce resonant resonant absorption and show some of its key features.</a:t>
             </a:r>
           </a:p>
           <a:p>
@@ -2713,7 +2713,7 @@
           <a:p>
             <a:r>
               <a:rPr lang="en-GB" dirty="0"/>
-              <a:t>In the fifth section the goal is show that if the background field is oblique to the solar surface then the Alfven waves couple to fast waves upon reflection with the solar surface. I do this by imposing an incident Alfven then calculating the unique solution which keeps the velocity equal to zero at the boundary</a:t>
+              <a:t>In the fifth section the goal is show that if the background field is oblique to the solar surface then the Alfven waves couple to fast waves upon reflection with the solar surface. I do this by imposing an incident Alfven wave then calculating the unique solution which keeps the velocity equal to zero at the boundary</a:t>
             </a:r>
           </a:p>
         </p:txBody>
@@ -4852,7 +4852,7 @@
                 <a:ea typeface="Calibri" panose="020F0502020204030204" pitchFamily="34" charset="0"/>
                 <a:cs typeface="Times New Roman" panose="02020603050405020304" pitchFamily="18" charset="0"/>
               </a:rPr>
-              <a:t>In the third section my goal is to calculate the general solution for linear Alfven waves in a closed uniform field line using a method of images approach combined with d'Alembert's formula. The main reason I derive this formula is that I make use of it in Chapter 3 when we calculate the solution for linear, resistive phase-mixed Alfven waves in a leaky loop. It’s really easy to include leakage with this formula. It also comes in handy in the next section when we look at the case where the driver is sinusoidal.</a:t>
+              <a:t>In the third section my goal is to calculate the general solution for linear Alfven waves in a closed uniform field line. By using a method of images approach combined with d'Alembert's formula. The main reason I derive this solution is that I make use of it in Chapter 3 when we calculate the solution for resistive phase-mixed Alfven waves in a leaky loop. It’s really easy to include leakage with this formula. It also comes in handy in the next section when we look at the case where the driver is sinusoidal.</a:t>
             </a:r>
           </a:p>
           <a:p>
@@ -4972,7 +4972,50 @@
             </a:pPr>
             <a:r>
               <a:rPr lang="en-GB" dirty="0"/>
-              <a:t>In the fourth section my aim is to calculate the solution for the case where the driver is sinusoidal. The reason I consider a sinusoidal driver is that I think it’s the simplest case to consider. In reality the footpoint driver on the Sun will be much more random but you can model this as a superposition of many sinusoidal drivers. In this section my goal was to introduce some key concepts like resonance and the beating effect. I produced lots of graphs as I thought this is really useful for building intuition for how the solution changes depending on the frequency of the driver. </a:t>
+              <a:t>In the fourth section my aim is to calculate the solution for the case where the driver is sinusoidal. The reason I consider a sinusoidal driver is that I think it’s the simplest case to consider. In reality the footpoint driver on the Sun will be much more random but you can model this as a superposition of many sinusoidal drivers. </a:t>
+            </a:r>
+          </a:p>
+          <a:p>
+            <a:pPr marL="0" marR="0" lvl="0" indent="0" algn="l" defTabSz="914400" rtl="0" eaLnBrk="1" fontAlgn="auto" latinLnBrk="0" hangingPunct="1">
+              <a:lnSpc>
+                <a:spcPct val="107000"/>
+              </a:lnSpc>
+              <a:spcBef>
+                <a:spcPts val="0"/>
+              </a:spcBef>
+              <a:spcAft>
+                <a:spcPts val="800"/>
+              </a:spcAft>
+              <a:buClrTx/>
+              <a:buSzTx/>
+              <a:buFontTx/>
+              <a:buNone/>
+              <a:tabLst/>
+              <a:defRPr/>
+            </a:pPr>
+            <a:endParaRPr lang="en-GB" dirty="0"/>
+          </a:p>
+          <a:p>
+            <a:pPr marL="0" marR="0" lvl="0" indent="0" algn="l" defTabSz="914400" rtl="0" eaLnBrk="1" fontAlgn="auto" latinLnBrk="0" hangingPunct="1">
+              <a:lnSpc>
+                <a:spcPct val="107000"/>
+              </a:lnSpc>
+              <a:spcBef>
+                <a:spcPts val="0"/>
+              </a:spcBef>
+              <a:spcAft>
+                <a:spcPts val="800"/>
+              </a:spcAft>
+              <a:buClrTx/>
+              <a:buSzTx/>
+              <a:buFontTx/>
+              <a:buNone/>
+              <a:tabLst/>
+              <a:defRPr/>
+            </a:pPr>
+            <a:r>
+              <a:rPr lang="en-GB" dirty="0"/>
+              <a:t>After calculating the solution, I use it to introduce some key concepts like resonance and the beating effect. I produced lots of graphs as I thought this is really useful for building intuition for how the solution changes depending on the frequency of the driver. </a:t>
             </a:r>
             <a:endParaRPr lang="en-GB" sz="1200" dirty="0">
               <a:effectLst/>
@@ -5137,7 +5180,7 @@
             </a:pPr>
             <a:r>
               <a:rPr lang="en-GB" dirty="0"/>
-              <a:t>The second aim was to check that a true white noise driver which excites all frequencies with a given amount of energy gives the same results as an approximate white noise signal which only excites the frequencies over a finite range. It turns out that provided the resonant frequency is excited then the true white noise signal and approximate white noise signal give approximately the same answer. The reason I wanted to check this because a true white noise signal isn’t actually physical because it has a variance of infinity whereas an approximate white noise signal has a finite variance so is physical. So its reassuring to know that although true white noise isn’t physical it is still a useful tool for making predictions.</a:t>
+              <a:t>The second aim was to check that a true white noise driver which excites all frequencies with a given amount of energy gives the same results as an approximate white noise signal which only excites the frequencies over a finite range. It turns out, that provided the resonant frequency is excited then the true white noise signal and approximate white noise signal give approximately the same answer. The reason I wanted to check this is because a true white noise signal isn’t actually physical because it has a variance of infinity whereas an approximate white noise signal has a finite variance so it is physical. So its reassuring to know that although true white noise isn’t physical it is still a useful tool for making predictions.</a:t>
             </a:r>
           </a:p>
         </p:txBody>

--- a/Presentation/thesis_overview_v3.pptx
+++ b/Presentation/thesis_overview_v3.pptx
@@ -37,8 +37,8 @@
     <p:sldId id="295" r:id="rId28"/>
     <p:sldId id="296" r:id="rId29"/>
     <p:sldId id="297" r:id="rId30"/>
-    <p:sldId id="298" r:id="rId31"/>
-    <p:sldId id="299" r:id="rId32"/>
+    <p:sldId id="299" r:id="rId31"/>
+    <p:sldId id="301" r:id="rId32"/>
     <p:sldId id="263" r:id="rId33"/>
     <p:sldId id="264" r:id="rId34"/>
     <p:sldId id="265" r:id="rId35"/>
@@ -814,7 +814,7 @@
             </a:pPr>
             <a:r>
               <a:rPr lang="en-GB" dirty="0"/>
-              <a:t>In seventh section I show how the general solution derived in the third section can be modified to include leakage. Or in other words, modified to ensure that only a  fraction R of the waves reflects each time the waves hits one of the boundaries.</a:t>
+              <a:t>In seventh section, I show how the general solution derived in the third section can be modified to include leakage. Or in other words, modified to ensure that only a  fraction R of the waves reflects each time the waves hits one of the boundaries.</a:t>
             </a:r>
           </a:p>
         </p:txBody>
@@ -905,7 +905,7 @@
             </a:pPr>
             <a:r>
               <a:rPr lang="en-GB" dirty="0"/>
-              <a:t>In the eight section, I have two main aims.</a:t>
+              <a:t>In the eighth section, I have two main aims.</a:t>
             </a:r>
           </a:p>
           <a:p>
@@ -1850,7 +1850,7 @@
                 <a:latin typeface="Calibri" panose="020F0502020204030204" pitchFamily="34" charset="0"/>
                 <a:cs typeface="Times New Roman" panose="02020603050405020304" pitchFamily="18" charset="0"/>
               </a:rPr>
-              <a:t>Given that this is only a 20 minute talk I don’t have time to go into much detail about any particular topic. However, hopefully this talk will be sufficient to give a rough idea of what the thesis is about and then we can go into more detail about particular topics later on in this viva.</a:t>
+              <a:t>Given that this is only a 20 minute talk, I don’t have time to go into much detail about any particular topic. However, hopefully this talk will be sufficient to give a rough idea of what the thesis is about and then we can go into more detail about particular topics later on in this viva.</a:t>
             </a:r>
           </a:p>
           <a:p>
@@ -1955,7 +1955,7 @@
                 <a:ea typeface="Calibri" panose="020F0502020204030204" pitchFamily="34" charset="0"/>
                 <a:cs typeface="Times New Roman" panose="02020603050405020304" pitchFamily="18" charset="0"/>
               </a:rPr>
-              <a:t>I will start by giving a brief overview of the thesis as a whole, then I will go through chapter by chapter explaining the main aims and results from each section.</a:t>
+              <a:t>I will start by giving a brief overview of the thesis as a whole, then I will go chapter by chapter, explaining the main aims and results from each section.</a:t>
             </a:r>
           </a:p>
           <a:p>
@@ -2061,7 +2061,7 @@
                 <a:ea typeface="Calibri" panose="020F0502020204030204" pitchFamily="34" charset="0"/>
                 <a:cs typeface="Times New Roman" panose="02020603050405020304" pitchFamily="18" charset="0"/>
               </a:rPr>
-              <a:t>I think the two most important results from this thesis are shown in chapter 3 and chapter 4. I think the key result from chapter 3, is that I show that phase mixing is not a viable standalone coronal heating mechanism. The key results from chapter 4 is that I show that, counterintuitively, the length scales parallel to the solar surface play a role in determining the validity of line–tied boundary conditions. I think there are other interesting results from this thesis, but these two stand out because I think they are original as well as interesting.</a:t>
+              <a:t>The two most significant results from this thesis are shown in chapter 3 and chapter 4. The key result from chapter 3 is that I show that phase mixing is not a viable standalone coronal heating mechanism. The key result from chapter 4 is that I show that, counterintuitively, the length scales parallel to the solar surface play a role in determining the validity of line–tied boundary conditions. I think there are other interesting results from this thesis, but these two stand out because I think they are original as well as interesting.</a:t>
             </a:r>
             <a:endParaRPr lang="en-GB" sz="1200" dirty="0">
               <a:effectLst/>
@@ -2472,7 +2472,7 @@
             </a:r>
             <a:r>
               <a:rPr lang="en-GB" dirty="0"/>
-              <a:t> this year. The paper been approved by the referee I’m just wating to get the proofs.</a:t>
+              <a:t> this year. The paper been approved by the referee, I’m just wating to get the proofs.</a:t>
             </a:r>
           </a:p>
           <a:p>
@@ -2713,7 +2713,7 @@
           <a:p>
             <a:r>
               <a:rPr lang="en-GB" dirty="0"/>
-              <a:t>In the fifth section the goal is show that if the background field is oblique to the solar surface then the Alfven waves couple to fast waves upon reflection with the solar surface. I do this by imposing an incident Alfven wave then calculating the unique solution which keeps the velocity equal to zero at the boundary</a:t>
+              <a:t>In the fifth section, the goal is show that if the background field is oblique to the solar surface then the Alfven waves couple to fast waves upon reflection with the solar surface. I do this by imposing an incident Alfven wave then calculating the unique solution which keeps the velocity equal to zero at the boundary</a:t>
             </a:r>
           </a:p>
         </p:txBody>
@@ -2817,15 +2817,7 @@
             </a:r>
             <a:r>
               <a:rPr lang="en-GB" dirty="0"/>
-              <a:t> is very large then the </a:t>
-            </a:r>
-            <a:r>
-              <a:rPr lang="en-GB" dirty="0" err="1"/>
-              <a:t>lintied</a:t>
-            </a:r>
-            <a:r>
-              <a:rPr lang="en-GB" dirty="0"/>
-              <a:t> model gives very steep boundary layers, however, in the piecewise constant model, the boundary layers go away.</a:t>
+              <a:t> is very large then the line-tied model gives very steep boundary layers, however, in the piecewise constant model, the boundary layers go away.</a:t>
             </a:r>
           </a:p>
           <a:p>
@@ -2848,7 +2840,7 @@
           <a:p>
             <a:r>
               <a:rPr lang="en-GB" dirty="0"/>
-              <a:t>This means that they should not appear in an ideal resonant absorption experiment at the resonant location, provided a piecewise constant background density is used. This is because a singularity develops at the the resonant location which is equivalent to having an infinite wavenumber.</a:t>
+              <a:t>This means that they should not appear in an ideal resonant absorption experiment at the resonant location. This is because a singularity develops at the the resonant location which is equivalent to having an infinite wavenumber.</a:t>
             </a:r>
           </a:p>
           <a:p>
@@ -3139,7 +3131,7 @@
           <a:p>
             <a:r>
               <a:rPr lang="en-GB" dirty="0"/>
-              <a:t>That’s all I’ll say about chapter 4.</a:t>
+              <a:t>So that’s all I’ll say about chapter 4.</a:t>
             </a:r>
           </a:p>
           <a:p>
@@ -3148,15 +3140,7 @@
           <a:p>
             <a:r>
               <a:rPr lang="en-GB" dirty="0"/>
-              <a:t>I then give a conclusion and discussion of future work. One of the ideas I had for future work is the possibility of </a:t>
-            </a:r>
-            <a:r>
-              <a:rPr lang="en-GB" dirty="0" err="1"/>
-              <a:t>cotonal</a:t>
-            </a:r>
-            <a:r>
-              <a:rPr lang="en-GB" dirty="0"/>
-              <a:t> heating by fast waves or compressive waves.</a:t>
+              <a:t>In chapter 5, I give a conclusion and discussion of future work. One of the ideas I had for future work is the possibility of coronal heating by fast waves or compressive waves.</a:t>
             </a:r>
           </a:p>
         </p:txBody>
@@ -3265,7 +3249,7 @@
                 <a:ea typeface="Calibri" panose="020F0502020204030204" pitchFamily="34" charset="0"/>
                 <a:cs typeface="Times New Roman" panose="02020603050405020304" pitchFamily="18" charset="0"/>
               </a:rPr>
-              <a:t>In the interest of time I will skip the introduction. I think it’s fairly similar to the sort of thing you’d find in lots of other solar physics theses.</a:t>
+              <a:t>In the interest of time I will skip the introduction because I think it’s fairly similar to the sort of thing you’d find in lots of other solar physics theses.</a:t>
             </a:r>
             <a:endParaRPr lang="en-GB" dirty="0"/>
           </a:p>
@@ -3356,16 +3340,7 @@
           <a:p>
             <a:r>
               <a:rPr lang="en-GB" dirty="0"/>
-              <a:t>That’s all I’ll say about chapter 4.</a:t>
-            </a:r>
-          </a:p>
-          <a:p>
-            <a:endParaRPr lang="en-GB" dirty="0"/>
-          </a:p>
-          <a:p>
-            <a:r>
-              <a:rPr lang="en-GB" dirty="0"/>
-              <a:t>I then give a conclusion and discussion of future work.</a:t>
+              <a:t>Finally, in the appendix, I follow-up one of the ideas I have for further study. Which is the possibility that the viscous dissipation of compressive waves could play a significant role in coronal heating. </a:t>
             </a:r>
           </a:p>
         </p:txBody>
@@ -3396,7 +3371,7 @@
     </p:spTree>
     <p:extLst>
       <p:ext uri="{BB962C8B-B14F-4D97-AF65-F5344CB8AC3E}">
-        <p14:creationId xmlns:p14="http://schemas.microsoft.com/office/powerpoint/2010/main" val="1552883892"/>
+        <p14:creationId xmlns:p14="http://schemas.microsoft.com/office/powerpoint/2010/main" val="795329814"/>
       </p:ext>
     </p:extLst>
   </p:cSld>
@@ -3450,9 +3425,86 @@
           <a:bodyPr/>
           <a:lstStyle/>
           <a:p>
+            <a:pPr marL="0" marR="0" lvl="0" indent="0" algn="l" defTabSz="914400" rtl="0" eaLnBrk="1" fontAlgn="auto" latinLnBrk="0" hangingPunct="1">
+              <a:lnSpc>
+                <a:spcPct val="100000"/>
+              </a:lnSpc>
+              <a:spcBef>
+                <a:spcPts val="0"/>
+              </a:spcBef>
+              <a:spcAft>
+                <a:spcPts val="0"/>
+              </a:spcAft>
+              <a:buClrTx/>
+              <a:buSzTx/>
+              <a:buFontTx/>
+              <a:buNone/>
+              <a:tabLst/>
+              <a:defRPr/>
+            </a:pPr>
             <a:r>
               <a:rPr lang="en-GB" dirty="0"/>
-              <a:t>Finally, in the appendix, I follow-up one of the ideas I have for further study. Which is the possibility that the viscous dissipation of compressive waves could play a significant role in coronal heating. The reason I think further study could be interesting, is because the viscosity dissipates compressive gradients and gradients parallel to the magnetic field of the order 10^10 more efficiently than transverse gradients.</a:t>
+              <a:t>Now I will go through the thesis chapter by chapter starting with the introduction chapter. </a:t>
+            </a:r>
+          </a:p>
+          <a:p>
+            <a:pPr marL="0" marR="0" lvl="0" indent="0" algn="l" defTabSz="914400" rtl="0" eaLnBrk="1" fontAlgn="auto" latinLnBrk="0" hangingPunct="1">
+              <a:lnSpc>
+                <a:spcPct val="100000"/>
+              </a:lnSpc>
+              <a:spcBef>
+                <a:spcPts val="0"/>
+              </a:spcBef>
+              <a:spcAft>
+                <a:spcPts val="0"/>
+              </a:spcAft>
+              <a:buClrTx/>
+              <a:buSzTx/>
+              <a:buFontTx/>
+              <a:buNone/>
+              <a:tabLst/>
+              <a:defRPr/>
+            </a:pPr>
+            <a:endParaRPr lang="en-GB" sz="1200" dirty="0">
+              <a:effectLst/>
+              <a:latin typeface="Calibri" panose="020F0502020204030204" pitchFamily="34" charset="0"/>
+              <a:cs typeface="Times New Roman" panose="02020603050405020304" pitchFamily="18" charset="0"/>
+            </a:endParaRPr>
+          </a:p>
+          <a:p>
+            <a:pPr marL="0" marR="0" lvl="0" indent="0" algn="l" defTabSz="914400" rtl="0" eaLnBrk="1" fontAlgn="auto" latinLnBrk="0" hangingPunct="1">
+              <a:lnSpc>
+                <a:spcPct val="100000"/>
+              </a:lnSpc>
+              <a:spcBef>
+                <a:spcPts val="0"/>
+              </a:spcBef>
+              <a:spcAft>
+                <a:spcPts val="0"/>
+              </a:spcAft>
+              <a:buClrTx/>
+              <a:buSzTx/>
+              <a:buFontTx/>
+              <a:buNone/>
+              <a:tabLst/>
+              <a:defRPr/>
+            </a:pPr>
+            <a:r>
+              <a:rPr lang="en-GB" sz="1200" dirty="0">
+                <a:effectLst/>
+                <a:latin typeface="Calibri" panose="020F0502020204030204" pitchFamily="34" charset="0"/>
+                <a:cs typeface="Times New Roman" panose="02020603050405020304" pitchFamily="18" charset="0"/>
+              </a:rPr>
+              <a:t>M</a:t>
+            </a:r>
+            <a:r>
+              <a:rPr lang="en-GB" sz="1200" dirty="0">
+                <a:effectLst/>
+                <a:latin typeface="Calibri" panose="020F0502020204030204" pitchFamily="34" charset="0"/>
+                <a:ea typeface="Calibri" panose="020F0502020204030204" pitchFamily="34" charset="0"/>
+                <a:cs typeface="Times New Roman" panose="02020603050405020304" pitchFamily="18" charset="0"/>
+              </a:rPr>
+              <a:t>y goal with this chapter is to introduce the main equations and terminology I will use throughout the thesis.</a:t>
             </a:r>
           </a:p>
         </p:txBody>
@@ -3474,7 +3526,7 @@
           <a:p>
             <a:fld id="{1E87CAF0-729D-43D8-91D5-D499CDCACC7E}" type="slidenum">
               <a:rPr lang="en-GB" smtClean="0"/>
-              <a:t>31</a:t>
+              <a:t>32</a:t>
             </a:fld>
             <a:endParaRPr lang="en-GB"/>
           </a:p>
@@ -3483,7 +3535,7 @@
     </p:spTree>
     <p:extLst>
       <p:ext uri="{BB962C8B-B14F-4D97-AF65-F5344CB8AC3E}">
-        <p14:creationId xmlns:p14="http://schemas.microsoft.com/office/powerpoint/2010/main" val="795329814"/>
+        <p14:creationId xmlns:p14="http://schemas.microsoft.com/office/powerpoint/2010/main" val="3663696700"/>
       </p:ext>
     </p:extLst>
   </p:cSld>
@@ -3555,68 +3607,12 @@
               <a:defRPr/>
             </a:pPr>
             <a:r>
-              <a:rPr lang="en-GB" dirty="0"/>
-              <a:t>Now I will go through the thesis chapter by chapter starting with the introduction chapter. </a:t>
-            </a:r>
-          </a:p>
-          <a:p>
-            <a:pPr marL="0" marR="0" lvl="0" indent="0" algn="l" defTabSz="914400" rtl="0" eaLnBrk="1" fontAlgn="auto" latinLnBrk="0" hangingPunct="1">
-              <a:lnSpc>
-                <a:spcPct val="100000"/>
-              </a:lnSpc>
-              <a:spcBef>
-                <a:spcPts val="0"/>
-              </a:spcBef>
-              <a:spcAft>
-                <a:spcPts val="0"/>
-              </a:spcAft>
-              <a:buClrTx/>
-              <a:buSzTx/>
-              <a:buFontTx/>
-              <a:buNone/>
-              <a:tabLst/>
-              <a:defRPr/>
-            </a:pPr>
-            <a:endParaRPr lang="en-GB" sz="1200" dirty="0">
-              <a:effectLst/>
-              <a:latin typeface="Calibri" panose="020F0502020204030204" pitchFamily="34" charset="0"/>
-              <a:cs typeface="Times New Roman" panose="02020603050405020304" pitchFamily="18" charset="0"/>
-            </a:endParaRPr>
-          </a:p>
-          <a:p>
-            <a:pPr marL="0" marR="0" lvl="0" indent="0" algn="l" defTabSz="914400" rtl="0" eaLnBrk="1" fontAlgn="auto" latinLnBrk="0" hangingPunct="1">
-              <a:lnSpc>
-                <a:spcPct val="100000"/>
-              </a:lnSpc>
-              <a:spcBef>
-                <a:spcPts val="0"/>
-              </a:spcBef>
-              <a:spcAft>
-                <a:spcPts val="0"/>
-              </a:spcAft>
-              <a:buClrTx/>
-              <a:buSzTx/>
-              <a:buFontTx/>
-              <a:buNone/>
-              <a:tabLst/>
-              <a:defRPr/>
-            </a:pPr>
-            <a:r>
               <a:rPr lang="en-GB" sz="1200" dirty="0">
                 <a:effectLst/>
                 <a:latin typeface="Calibri" panose="020F0502020204030204" pitchFamily="34" charset="0"/>
                 <a:cs typeface="Times New Roman" panose="02020603050405020304" pitchFamily="18" charset="0"/>
               </a:rPr>
-              <a:t>M</a:t>
-            </a:r>
-            <a:r>
-              <a:rPr lang="en-GB" sz="1200" dirty="0">
-                <a:effectLst/>
-                <a:latin typeface="Calibri" panose="020F0502020204030204" pitchFamily="34" charset="0"/>
-                <a:ea typeface="Calibri" panose="020F0502020204030204" pitchFamily="34" charset="0"/>
-                <a:cs typeface="Times New Roman" panose="02020603050405020304" pitchFamily="18" charset="0"/>
-              </a:rPr>
-              <a:t>y goal with this chapter is to introduce the main equations and terminology I will use throughout the thesis.</a:t>
+              <a:t>The first section aims to introduce some basic facts about the solar atmosphere. I want to make sure the reader knows what I mean when I say words like photosphere, transition region, quiet sun, active region etc</a:t>
             </a:r>
           </a:p>
         </p:txBody>
@@ -3638,7 +3634,7 @@
           <a:p>
             <a:fld id="{1E87CAF0-729D-43D8-91D5-D499CDCACC7E}" type="slidenum">
               <a:rPr lang="en-GB" smtClean="0"/>
-              <a:t>32</a:t>
+              <a:t>33</a:t>
             </a:fld>
             <a:endParaRPr lang="en-GB"/>
           </a:p>
@@ -3647,7 +3643,7 @@
     </p:spTree>
     <p:extLst>
       <p:ext uri="{BB962C8B-B14F-4D97-AF65-F5344CB8AC3E}">
-        <p14:creationId xmlns:p14="http://schemas.microsoft.com/office/powerpoint/2010/main" val="3663696700"/>
+        <p14:creationId xmlns:p14="http://schemas.microsoft.com/office/powerpoint/2010/main" val="1286531437"/>
       </p:ext>
     </p:extLst>
   </p:cSld>
@@ -3724,7 +3720,7 @@
                 <a:latin typeface="Calibri" panose="020F0502020204030204" pitchFamily="34" charset="0"/>
                 <a:cs typeface="Times New Roman" panose="02020603050405020304" pitchFamily="18" charset="0"/>
               </a:rPr>
-              <a:t>The first section aims to introduce some basic facts about the solar atmosphere. I want to make sure the reader knows what I mean when I say words like photosphere, transition region, quiet sun, active region etc</a:t>
+              <a:t>The second section aims to give an introduction to the coronal heating. I thought it would be good to introduce the coronal heating problem here because I go in to a lot of detail about a specific coronal heating mechanism, namely, phase mixing in chapter 3. I also talk about coronal heating in the appendix. </a:t>
             </a:r>
           </a:p>
         </p:txBody>
@@ -3746,7 +3742,7 @@
           <a:p>
             <a:fld id="{1E87CAF0-729D-43D8-91D5-D499CDCACC7E}" type="slidenum">
               <a:rPr lang="en-GB" smtClean="0"/>
-              <a:t>33</a:t>
+              <a:t>34</a:t>
             </a:fld>
             <a:endParaRPr lang="en-GB"/>
           </a:p>
@@ -3755,7 +3751,7 @@
     </p:spTree>
     <p:extLst>
       <p:ext uri="{BB962C8B-B14F-4D97-AF65-F5344CB8AC3E}">
-        <p14:creationId xmlns:p14="http://schemas.microsoft.com/office/powerpoint/2010/main" val="1286531437"/>
+        <p14:creationId xmlns:p14="http://schemas.microsoft.com/office/powerpoint/2010/main" val="3981504322"/>
       </p:ext>
     </p:extLst>
   </p:cSld>
@@ -3832,8 +3828,124 @@
                 <a:latin typeface="Calibri" panose="020F0502020204030204" pitchFamily="34" charset="0"/>
                 <a:cs typeface="Times New Roman" panose="02020603050405020304" pitchFamily="18" charset="0"/>
               </a:rPr>
-              <a:t>The second section aims to give an introduction to the coronal heating. I thought it would be good to introduce the coronal heating problem here because I go in to a lot of detail about a specific coronal heating mechanism, namely, phase mixing in chapter 3. I also talk about coronal heating in the appendix. </a:t>
-            </a:r>
+              <a:t>The third section aims to introduce the MHD equations and some of the critical assumptions. </a:t>
+            </a:r>
+            <a:r>
+              <a:rPr lang="en-GB" sz="1200" dirty="0">
+                <a:effectLst/>
+                <a:latin typeface="Calibri" panose="020F0502020204030204" pitchFamily="34" charset="0"/>
+                <a:ea typeface="Calibri" panose="020F0502020204030204" pitchFamily="34" charset="0"/>
+                <a:cs typeface="Times New Roman" panose="02020603050405020304" pitchFamily="18" charset="0"/>
+              </a:rPr>
+              <a:t>. </a:t>
+            </a:r>
+          </a:p>
+          <a:p>
+            <a:pPr marL="0" marR="0" lvl="0" indent="0" algn="l" defTabSz="914400" rtl="0" eaLnBrk="1" fontAlgn="auto" latinLnBrk="0" hangingPunct="1">
+              <a:lnSpc>
+                <a:spcPct val="100000"/>
+              </a:lnSpc>
+              <a:spcBef>
+                <a:spcPts val="0"/>
+              </a:spcBef>
+              <a:spcAft>
+                <a:spcPts val="0"/>
+              </a:spcAft>
+              <a:buClrTx/>
+              <a:buSzTx/>
+              <a:buFontTx/>
+              <a:buNone/>
+              <a:tabLst/>
+              <a:defRPr/>
+            </a:pPr>
+            <a:endParaRPr lang="en-GB" sz="1200" dirty="0">
+              <a:effectLst/>
+              <a:latin typeface="Calibri" panose="020F0502020204030204" pitchFamily="34" charset="0"/>
+              <a:ea typeface="Calibri" panose="020F0502020204030204" pitchFamily="34" charset="0"/>
+              <a:cs typeface="Times New Roman" panose="02020603050405020304" pitchFamily="18" charset="0"/>
+            </a:endParaRPr>
+          </a:p>
+          <a:p>
+            <a:pPr marL="0" marR="0" lvl="0" indent="0" algn="l" defTabSz="914400" rtl="0" eaLnBrk="1" fontAlgn="auto" latinLnBrk="0" hangingPunct="1">
+              <a:lnSpc>
+                <a:spcPct val="100000"/>
+              </a:lnSpc>
+              <a:spcBef>
+                <a:spcPts val="0"/>
+              </a:spcBef>
+              <a:spcAft>
+                <a:spcPts val="0"/>
+              </a:spcAft>
+              <a:buClrTx/>
+              <a:buSzTx/>
+              <a:buFontTx/>
+              <a:buNone/>
+              <a:tabLst/>
+              <a:defRPr/>
+            </a:pPr>
+            <a:r>
+              <a:rPr lang="en-GB" sz="1200" dirty="0">
+                <a:effectLst/>
+                <a:latin typeface="Calibri" panose="020F0502020204030204" pitchFamily="34" charset="0"/>
+                <a:ea typeface="Calibri" panose="020F0502020204030204" pitchFamily="34" charset="0"/>
+                <a:cs typeface="Times New Roman" panose="02020603050405020304" pitchFamily="18" charset="0"/>
+              </a:rPr>
+              <a:t>I thought it was important to show when the length scales are too short for the plasma to be modelled as collisional because, in the later chapters, very short length scales form due to phase mixing. I think most PhD students in this field have a section in their introduction very similar to this. </a:t>
+            </a:r>
+          </a:p>
+          <a:p>
+            <a:pPr marL="0" marR="0" lvl="0" indent="0" algn="l" defTabSz="914400" rtl="0" eaLnBrk="1" fontAlgn="auto" latinLnBrk="0" hangingPunct="1">
+              <a:lnSpc>
+                <a:spcPct val="100000"/>
+              </a:lnSpc>
+              <a:spcBef>
+                <a:spcPts val="0"/>
+              </a:spcBef>
+              <a:spcAft>
+                <a:spcPts val="0"/>
+              </a:spcAft>
+              <a:buClrTx/>
+              <a:buSzTx/>
+              <a:buFontTx/>
+              <a:buNone/>
+              <a:tabLst/>
+              <a:defRPr/>
+            </a:pPr>
+            <a:endParaRPr lang="en-GB" sz="1200" dirty="0">
+              <a:effectLst/>
+              <a:latin typeface="Calibri" panose="020F0502020204030204" pitchFamily="34" charset="0"/>
+              <a:ea typeface="Calibri" panose="020F0502020204030204" pitchFamily="34" charset="0"/>
+              <a:cs typeface="Times New Roman" panose="02020603050405020304" pitchFamily="18" charset="0"/>
+            </a:endParaRPr>
+          </a:p>
+          <a:p>
+            <a:pPr marL="0" marR="0" lvl="0" indent="0" algn="l" defTabSz="914400" rtl="0" eaLnBrk="1" fontAlgn="auto" latinLnBrk="0" hangingPunct="1">
+              <a:lnSpc>
+                <a:spcPct val="100000"/>
+              </a:lnSpc>
+              <a:spcBef>
+                <a:spcPts val="0"/>
+              </a:spcBef>
+              <a:spcAft>
+                <a:spcPts val="0"/>
+              </a:spcAft>
+              <a:buClrTx/>
+              <a:buSzTx/>
+              <a:buFontTx/>
+              <a:buNone/>
+              <a:tabLst/>
+              <a:defRPr/>
+            </a:pPr>
+            <a:r>
+              <a:rPr lang="en-GB" sz="1200" dirty="0">
+                <a:effectLst/>
+                <a:latin typeface="Calibri" panose="020F0502020204030204" pitchFamily="34" charset="0"/>
+                <a:ea typeface="Calibri" panose="020F0502020204030204" pitchFamily="34" charset="0"/>
+                <a:cs typeface="Times New Roman" panose="02020603050405020304" pitchFamily="18" charset="0"/>
+              </a:rPr>
+              <a:t>I go into more detail about the viscosity tensor than I think most other PhD students would. I do this because, in chapter 3, I make strong claims about phase mixing as a coronal heating mechanism. I also propose the dissipation of fast waves as a possible heating mechanism in the appendix. My claims are heavily reliant on modelling the resistivity and viscosity correctly. So I thought it was worth spending a bit of extra time clearly defining how I model the viscosity.</a:t>
+            </a:r>
+            <a:endParaRPr lang="en-GB" dirty="0"/>
           </a:p>
         </p:txBody>
       </p:sp>
@@ -3854,7 +3966,7 @@
           <a:p>
             <a:fld id="{1E87CAF0-729D-43D8-91D5-D499CDCACC7E}" type="slidenum">
               <a:rPr lang="en-GB" smtClean="0"/>
-              <a:t>34</a:t>
+              <a:t>35</a:t>
             </a:fld>
             <a:endParaRPr lang="en-GB"/>
           </a:p>
@@ -3863,7 +3975,7 @@
     </p:spTree>
     <p:extLst>
       <p:ext uri="{BB962C8B-B14F-4D97-AF65-F5344CB8AC3E}">
-        <p14:creationId xmlns:p14="http://schemas.microsoft.com/office/powerpoint/2010/main" val="3981504322"/>
+        <p14:creationId xmlns:p14="http://schemas.microsoft.com/office/powerpoint/2010/main" val="587528790"/>
       </p:ext>
     </p:extLst>
   </p:cSld>
@@ -3940,122 +4052,7 @@
                 <a:latin typeface="Calibri" panose="020F0502020204030204" pitchFamily="34" charset="0"/>
                 <a:cs typeface="Times New Roman" panose="02020603050405020304" pitchFamily="18" charset="0"/>
               </a:rPr>
-              <a:t>The third section aims to introduce the MHD equations and some of the critical assumptions. </a:t>
-            </a:r>
-            <a:r>
-              <a:rPr lang="en-GB" sz="1200" dirty="0">
-                <a:effectLst/>
-                <a:latin typeface="Calibri" panose="020F0502020204030204" pitchFamily="34" charset="0"/>
-                <a:ea typeface="Calibri" panose="020F0502020204030204" pitchFamily="34" charset="0"/>
-                <a:cs typeface="Times New Roman" panose="02020603050405020304" pitchFamily="18" charset="0"/>
-              </a:rPr>
-              <a:t>. </a:t>
-            </a:r>
-          </a:p>
-          <a:p>
-            <a:pPr marL="0" marR="0" lvl="0" indent="0" algn="l" defTabSz="914400" rtl="0" eaLnBrk="1" fontAlgn="auto" latinLnBrk="0" hangingPunct="1">
-              <a:lnSpc>
-                <a:spcPct val="100000"/>
-              </a:lnSpc>
-              <a:spcBef>
-                <a:spcPts val="0"/>
-              </a:spcBef>
-              <a:spcAft>
-                <a:spcPts val="0"/>
-              </a:spcAft>
-              <a:buClrTx/>
-              <a:buSzTx/>
-              <a:buFontTx/>
-              <a:buNone/>
-              <a:tabLst/>
-              <a:defRPr/>
-            </a:pPr>
-            <a:endParaRPr lang="en-GB" sz="1200" dirty="0">
-              <a:effectLst/>
-              <a:latin typeface="Calibri" panose="020F0502020204030204" pitchFamily="34" charset="0"/>
-              <a:ea typeface="Calibri" panose="020F0502020204030204" pitchFamily="34" charset="0"/>
-              <a:cs typeface="Times New Roman" panose="02020603050405020304" pitchFamily="18" charset="0"/>
-            </a:endParaRPr>
-          </a:p>
-          <a:p>
-            <a:pPr marL="0" marR="0" lvl="0" indent="0" algn="l" defTabSz="914400" rtl="0" eaLnBrk="1" fontAlgn="auto" latinLnBrk="0" hangingPunct="1">
-              <a:lnSpc>
-                <a:spcPct val="100000"/>
-              </a:lnSpc>
-              <a:spcBef>
-                <a:spcPts val="0"/>
-              </a:spcBef>
-              <a:spcAft>
-                <a:spcPts val="0"/>
-              </a:spcAft>
-              <a:buClrTx/>
-              <a:buSzTx/>
-              <a:buFontTx/>
-              <a:buNone/>
-              <a:tabLst/>
-              <a:defRPr/>
-            </a:pPr>
-            <a:r>
-              <a:rPr lang="en-GB" sz="1200" dirty="0">
-                <a:effectLst/>
-                <a:latin typeface="Calibri" panose="020F0502020204030204" pitchFamily="34" charset="0"/>
-                <a:ea typeface="Calibri" panose="020F0502020204030204" pitchFamily="34" charset="0"/>
-                <a:cs typeface="Times New Roman" panose="02020603050405020304" pitchFamily="18" charset="0"/>
-              </a:rPr>
-              <a:t>I thought it was important to show when the length scales are too short for the plasma to be modelled as collisional because, in the later chapters, very short length scales form due to phase mixing. I think most PhD students in this field have a section in their introduction very similar to this. </a:t>
-            </a:r>
-          </a:p>
-          <a:p>
-            <a:pPr marL="0" marR="0" lvl="0" indent="0" algn="l" defTabSz="914400" rtl="0" eaLnBrk="1" fontAlgn="auto" latinLnBrk="0" hangingPunct="1">
-              <a:lnSpc>
-                <a:spcPct val="100000"/>
-              </a:lnSpc>
-              <a:spcBef>
-                <a:spcPts val="0"/>
-              </a:spcBef>
-              <a:spcAft>
-                <a:spcPts val="0"/>
-              </a:spcAft>
-              <a:buClrTx/>
-              <a:buSzTx/>
-              <a:buFontTx/>
-              <a:buNone/>
-              <a:tabLst/>
-              <a:defRPr/>
-            </a:pPr>
-            <a:endParaRPr lang="en-GB" sz="1200" dirty="0">
-              <a:effectLst/>
-              <a:latin typeface="Calibri" panose="020F0502020204030204" pitchFamily="34" charset="0"/>
-              <a:ea typeface="Calibri" panose="020F0502020204030204" pitchFamily="34" charset="0"/>
-              <a:cs typeface="Times New Roman" panose="02020603050405020304" pitchFamily="18" charset="0"/>
-            </a:endParaRPr>
-          </a:p>
-          <a:p>
-            <a:pPr marL="0" marR="0" lvl="0" indent="0" algn="l" defTabSz="914400" rtl="0" eaLnBrk="1" fontAlgn="auto" latinLnBrk="0" hangingPunct="1">
-              <a:lnSpc>
-                <a:spcPct val="100000"/>
-              </a:lnSpc>
-              <a:spcBef>
-                <a:spcPts val="0"/>
-              </a:spcBef>
-              <a:spcAft>
-                <a:spcPts val="0"/>
-              </a:spcAft>
-              <a:buClrTx/>
-              <a:buSzTx/>
-              <a:buFontTx/>
-              <a:buNone/>
-              <a:tabLst/>
-              <a:defRPr/>
-            </a:pPr>
-            <a:r>
-              <a:rPr lang="en-GB" sz="1200" dirty="0">
-                <a:effectLst/>
-                <a:latin typeface="Calibri" panose="020F0502020204030204" pitchFamily="34" charset="0"/>
-                <a:ea typeface="Calibri" panose="020F0502020204030204" pitchFamily="34" charset="0"/>
-                <a:cs typeface="Times New Roman" panose="02020603050405020304" pitchFamily="18" charset="0"/>
-              </a:rPr>
-              <a:t>I go into more detail about the viscosity tensor than I think most other PhD students would. I do this because, in chapter 3, I make strong claims about phase mixing as a coronal heating mechanism. I also propose the dissipation of fast waves as a possible heating mechanism in the appendix. My claims are heavily reliant on modelling the resistivity and viscosity correctly. So I thought it was worth spending a bit of extra time clearly defining how I model the viscosity.</a:t>
+              <a:t>The fourth section aims to introduce some basic facts about linear fast and Alfven waves. I do this by deriving the dispersion relation and then using this to show basic facts like that linear Alfven waves are incompressible and fast waves propagate isotropically. I don’t talk much about slow waves as I model the plasma beta equal to zero throughout most of this thesis.</a:t>
             </a:r>
             <a:endParaRPr lang="en-GB" dirty="0"/>
           </a:p>
@@ -4078,7 +4075,7 @@
           <a:p>
             <a:fld id="{1E87CAF0-729D-43D8-91D5-D499CDCACC7E}" type="slidenum">
               <a:rPr lang="en-GB" smtClean="0"/>
-              <a:t>35</a:t>
+              <a:t>36</a:t>
             </a:fld>
             <a:endParaRPr lang="en-GB"/>
           </a:p>
@@ -4087,7 +4084,7 @@
     </p:spTree>
     <p:extLst>
       <p:ext uri="{BB962C8B-B14F-4D97-AF65-F5344CB8AC3E}">
-        <p14:creationId xmlns:p14="http://schemas.microsoft.com/office/powerpoint/2010/main" val="587528790"/>
+        <p14:creationId xmlns:p14="http://schemas.microsoft.com/office/powerpoint/2010/main" val="971111398"/>
       </p:ext>
     </p:extLst>
   </p:cSld>
@@ -4141,115 +4138,6 @@
           <a:bodyPr/>
           <a:lstStyle/>
           <a:p>
-            <a:pPr marL="0" marR="0" lvl="0" indent="0" algn="l" defTabSz="914400" rtl="0" eaLnBrk="1" fontAlgn="auto" latinLnBrk="0" hangingPunct="1">
-              <a:lnSpc>
-                <a:spcPct val="100000"/>
-              </a:lnSpc>
-              <a:spcBef>
-                <a:spcPts val="0"/>
-              </a:spcBef>
-              <a:spcAft>
-                <a:spcPts val="0"/>
-              </a:spcAft>
-              <a:buClrTx/>
-              <a:buSzTx/>
-              <a:buFontTx/>
-              <a:buNone/>
-              <a:tabLst/>
-              <a:defRPr/>
-            </a:pPr>
-            <a:r>
-              <a:rPr lang="en-GB" sz="1200" dirty="0">
-                <a:effectLst/>
-                <a:latin typeface="Calibri" panose="020F0502020204030204" pitchFamily="34" charset="0"/>
-                <a:cs typeface="Times New Roman" panose="02020603050405020304" pitchFamily="18" charset="0"/>
-              </a:rPr>
-              <a:t>The fourth section aims to introduce some basic facts about linear fast and Alfven waves. I do this by deriving the dispersion relation and then using this to show basic facts like that linear Alfven waves are incompressible and fast waves propagate isotropically. I don’t talk much about slow waves as I model the plasma beta equal to zero throughout most of this thesis.</a:t>
-            </a:r>
-            <a:endParaRPr lang="en-GB" dirty="0"/>
-          </a:p>
-        </p:txBody>
-      </p:sp>
-      <p:sp>
-        <p:nvSpPr>
-          <p:cNvPr id="4" name="Slide Number Placeholder 3"/>
-          <p:cNvSpPr>
-            <a:spLocks noGrp="1"/>
-          </p:cNvSpPr>
-          <p:nvPr>
-            <p:ph type="sldNum" sz="quarter" idx="5"/>
-          </p:nvPr>
-        </p:nvSpPr>
-        <p:spPr/>
-        <p:txBody>
-          <a:bodyPr/>
-          <a:lstStyle/>
-          <a:p>
-            <a:fld id="{1E87CAF0-729D-43D8-91D5-D499CDCACC7E}" type="slidenum">
-              <a:rPr lang="en-GB" smtClean="0"/>
-              <a:t>36</a:t>
-            </a:fld>
-            <a:endParaRPr lang="en-GB"/>
-          </a:p>
-        </p:txBody>
-      </p:sp>
-    </p:spTree>
-    <p:extLst>
-      <p:ext uri="{BB962C8B-B14F-4D97-AF65-F5344CB8AC3E}">
-        <p14:creationId xmlns:p14="http://schemas.microsoft.com/office/powerpoint/2010/main" val="971111398"/>
-      </p:ext>
-    </p:extLst>
-  </p:cSld>
-  <p:clrMapOvr>
-    <a:masterClrMapping/>
-  </p:clrMapOvr>
-</p:notes>
-</file>
-
-<file path=ppt/notesSlides/notesSlide37.xml><?xml version="1.0" encoding="utf-8"?>
-<p:notes xmlns:a="http://schemas.openxmlformats.org/drawingml/2006/main" xmlns:r="http://schemas.openxmlformats.org/officeDocument/2006/relationships" xmlns:p="http://schemas.openxmlformats.org/presentationml/2006/main">
-  <p:cSld>
-    <p:spTree>
-      <p:nvGrpSpPr>
-        <p:cNvPr id="1" name=""/>
-        <p:cNvGrpSpPr/>
-        <p:nvPr/>
-      </p:nvGrpSpPr>
-      <p:grpSpPr>
-        <a:xfrm>
-          <a:off x="0" y="0"/>
-          <a:ext cx="0" cy="0"/>
-          <a:chOff x="0" y="0"/>
-          <a:chExt cx="0" cy="0"/>
-        </a:xfrm>
-      </p:grpSpPr>
-      <p:sp>
-        <p:nvSpPr>
-          <p:cNvPr id="2" name="Slide Image Placeholder 1"/>
-          <p:cNvSpPr>
-            <a:spLocks noGrp="1" noRot="1" noChangeAspect="1"/>
-          </p:cNvSpPr>
-          <p:nvPr>
-            <p:ph type="sldImg"/>
-          </p:nvPr>
-        </p:nvSpPr>
-        <p:spPr/>
-      </p:sp>
-      <p:sp>
-        <p:nvSpPr>
-          <p:cNvPr id="3" name="Notes Placeholder 2"/>
-          <p:cNvSpPr>
-            <a:spLocks noGrp="1"/>
-          </p:cNvSpPr>
-          <p:nvPr>
-            <p:ph type="body" idx="1"/>
-          </p:nvPr>
-        </p:nvSpPr>
-        <p:spPr/>
-        <p:txBody>
-          <a:bodyPr/>
-          <a:lstStyle/>
-          <a:p>
             <a:pPr marL="0" lvl="0" indent="0">
               <a:lnSpc>
                 <a:spcPct val="107000"/>
@@ -4347,7 +4235,7 @@
 </p:notes>
 </file>
 
-<file path=ppt/notesSlides/notesSlide38.xml><?xml version="1.0" encoding="utf-8"?>
+<file path=ppt/notesSlides/notesSlide37.xml><?xml version="1.0" encoding="utf-8"?>
 <p:notes xmlns:a="http://schemas.openxmlformats.org/drawingml/2006/main" xmlns:r="http://schemas.openxmlformats.org/officeDocument/2006/relationships" xmlns:p="http://schemas.openxmlformats.org/presentationml/2006/main">
   <p:cSld>
     <p:spTree>
@@ -4852,7 +4740,7 @@
                 <a:ea typeface="Calibri" panose="020F0502020204030204" pitchFamily="34" charset="0"/>
                 <a:cs typeface="Times New Roman" panose="02020603050405020304" pitchFamily="18" charset="0"/>
               </a:rPr>
-              <a:t>In the third section my goal is to calculate the general solution for linear Alfven waves in a closed uniform field line. By using a method of images approach combined with d'Alembert's formula. The main reason I derive this solution is that I make use of it in Chapter 3 when we calculate the solution for resistive phase-mixed Alfven waves in a leaky loop. It’s really easy to include leakage with this formula. It also comes in handy in the next section when we look at the case where the driver is sinusoidal.</a:t>
+              <a:t>In the third section, my goal is to calculate the general solution for linear Alfven waves in a closed uniform field line, by using a method of images approach, combined with d'Alembert's formula. The main reason I derive this solution is that I make use of it in Chapter 3 when we calculate the solution for resistive phase-mixed Alfven waves in a leaky loop. It’s really easy to include leakage with this formula. It also comes in handy in the next section when we look at the case where the driver is sinusoidal.</a:t>
             </a:r>
           </a:p>
           <a:p>
@@ -4972,7 +4860,7 @@
             </a:pPr>
             <a:r>
               <a:rPr lang="en-GB" dirty="0"/>
-              <a:t>In the fourth section my aim is to calculate the solution for the case where the driver is sinusoidal. The reason I consider a sinusoidal driver is that I think it’s the simplest case to consider. In reality the footpoint driver on the Sun will be much more random but you can model this as a superposition of many sinusoidal drivers. </a:t>
+              <a:t>In the fourth section my aim is to calculate the solution for the case where the driver is sinusoidal. The reason I consider a sinusoidal driver is that I think it’s the simplest case to consider. In reality, the footpoint driver on the Sun will be much more random but you can model this as a superposition of many sinusoidal drivers. </a:t>
             </a:r>
           </a:p>
           <a:p>
@@ -5129,7 +5017,7 @@
             </a:pPr>
             <a:r>
               <a:rPr lang="en-GB" dirty="0"/>
-              <a:t>Throughout this thesis I mainly use sinusoidal drivers but I thought it would be good to at least once consider the case where a noisy driver is used as this more closely resembles what the driver on the sun actually behaves like.</a:t>
+              <a:t>Throughout this thesis, I mainly use sinusoidal drivers but I thought it would be good to at least once consider the case where a noisy driver is used as this more closely resembles what the driver on the sun actually behaves like.</a:t>
             </a:r>
           </a:p>
           <a:p>
@@ -5163,7 +5051,7 @@
             </a:pPr>
             <a:r>
               <a:rPr lang="en-GB" dirty="0"/>
-              <a:t>The first was to see if the energy will grow to infinity or oscillate about a finite value if a random driver is used. I thought this was an interesting question to answer and until I did the calculation I actually had no idea if it would grow to infinity or not. It turns out, that for a white noise driver, the energy grows linearly with time, and for a resonant driver, the energy grows as t squared.</a:t>
+              <a:t>The first was to calculate if the energy will grow to infinity or oscillate about a finite value if a random driver is used. I thought this was an interesting question to answer and until I did the calculation I actually had no idea if it would grow to infinity or not. It turns out, that for a white noise driver, the energy grows linearly with time, and for a resonant driver, the energy grows as t squared.</a:t>
             </a:r>
           </a:p>
           <a:p>
@@ -5180,7 +5068,7 @@
             </a:pPr>
             <a:r>
               <a:rPr lang="en-GB" dirty="0"/>
-              <a:t>The second aim was to check that a true white noise driver which excites all frequencies with a given amount of energy gives the same results as an approximate white noise signal which only excites the frequencies over a finite range. It turns out, that provided the resonant frequency is excited then the true white noise signal and approximate white noise signal give approximately the same answer. The reason I wanted to check this is because a true white noise signal isn’t actually physical because it has a variance of infinity whereas an approximate white noise signal has a finite variance so it is physical. So its reassuring to know that although true white noise isn’t physical it is still a useful tool for making predictions.</a:t>
+              <a:t>The second aim was to check that a true white noise driver which excites all frequencies with a given amount of energy gives the same results as an approximate white noise signal which only excites the frequencies over a finite range. It turns out, that provided the resonant frequency is excited then the true white noise signal and approximate white noise signal give approximately the same answer. The reason I wanted to check this, is because a true white noise signal isn’t actually physical because it has a variance of infinity whereas an approximate white noise signal has a finite variance so it is physical. So its reassuring to know that although true white noise isn’t physical it is still a useful tool for making predictions.</a:t>
             </a:r>
           </a:p>
         </p:txBody>
@@ -12352,8 +12240,8 @@
         </p:nvSpPr>
         <p:spPr>
           <a:xfrm>
-            <a:off x="8191496" y="3920562"/>
-            <a:ext cx="3971925" cy="178197"/>
+            <a:off x="8191496" y="4157629"/>
+            <a:ext cx="3971925" cy="702238"/>
           </a:xfrm>
           <a:prstGeom prst="rect">
             <a:avLst/>
@@ -12393,7 +12281,7 @@
     </p:spTree>
     <p:extLst>
       <p:ext uri="{BB962C8B-B14F-4D97-AF65-F5344CB8AC3E}">
-        <p14:creationId xmlns:p14="http://schemas.microsoft.com/office/powerpoint/2010/main" val="1958914651"/>
+        <p14:creationId xmlns:p14="http://schemas.microsoft.com/office/powerpoint/2010/main" val="3595124467"/>
       </p:ext>
     </p:extLst>
   </p:cSld>
@@ -12420,141 +12308,52 @@
           <a:chExt cx="0" cy="0"/>
         </a:xfrm>
       </p:grpSpPr>
-      <p:pic>
-        <p:nvPicPr>
-          <p:cNvPr id="5" name="Picture 4">
-            <a:extLst>
-              <a:ext uri="{FF2B5EF4-FFF2-40B4-BE49-F238E27FC236}">
-                <a16:creationId xmlns:a16="http://schemas.microsoft.com/office/drawing/2014/main" id="{F5C2D6F9-CF07-492E-95A8-A2EDECA338A7}"/>
-              </a:ext>
-            </a:extLst>
-          </p:cNvPr>
-          <p:cNvPicPr>
-            <a:picLocks noChangeAspect="1"/>
-          </p:cNvPicPr>
-          <p:nvPr/>
-        </p:nvPicPr>
-        <p:blipFill rotWithShape="1">
-          <a:blip r:embed="rId3"/>
-          <a:srcRect l="33795" r="33392"/>
-          <a:stretch/>
-        </p:blipFill>
-        <p:spPr>
-          <a:xfrm>
-            <a:off x="0" y="0"/>
-            <a:ext cx="4000503" cy="6858000"/>
-          </a:xfrm>
-          <a:prstGeom prst="rect">
-            <a:avLst/>
-          </a:prstGeom>
-        </p:spPr>
-      </p:pic>
-      <p:pic>
-        <p:nvPicPr>
-          <p:cNvPr id="7" name="Picture 6">
-            <a:extLst>
-              <a:ext uri="{FF2B5EF4-FFF2-40B4-BE49-F238E27FC236}">
-                <a16:creationId xmlns:a16="http://schemas.microsoft.com/office/drawing/2014/main" id="{7A8E5883-8227-450E-A1C8-36475780AD47}"/>
-              </a:ext>
-            </a:extLst>
-          </p:cNvPr>
-          <p:cNvPicPr>
-            <a:picLocks noChangeAspect="1"/>
-          </p:cNvPicPr>
-          <p:nvPr/>
-        </p:nvPicPr>
-        <p:blipFill rotWithShape="1">
-          <a:blip r:embed="rId4"/>
-          <a:srcRect l="33828" r="33359"/>
-          <a:stretch/>
-        </p:blipFill>
-        <p:spPr>
-          <a:xfrm>
-            <a:off x="4095749" y="0"/>
-            <a:ext cx="4000501" cy="6858000"/>
-          </a:xfrm>
-          <a:prstGeom prst="rect">
-            <a:avLst/>
-          </a:prstGeom>
-        </p:spPr>
-      </p:pic>
-      <p:pic>
-        <p:nvPicPr>
-          <p:cNvPr id="10" name="Picture 9">
-            <a:extLst>
-              <a:ext uri="{FF2B5EF4-FFF2-40B4-BE49-F238E27FC236}">
-                <a16:creationId xmlns:a16="http://schemas.microsoft.com/office/drawing/2014/main" id="{96C8E9C6-433B-48A1-9684-1D9E1CBA8C82}"/>
-              </a:ext>
-            </a:extLst>
-          </p:cNvPr>
-          <p:cNvPicPr>
-            <a:picLocks noChangeAspect="1"/>
-          </p:cNvPicPr>
-          <p:nvPr/>
-        </p:nvPicPr>
-        <p:blipFill rotWithShape="1">
-          <a:blip r:embed="rId5"/>
-          <a:srcRect l="33906" r="33281"/>
-          <a:stretch/>
-        </p:blipFill>
-        <p:spPr>
-          <a:xfrm>
-            <a:off x="8191499" y="0"/>
-            <a:ext cx="4000501" cy="6858000"/>
-          </a:xfrm>
-          <a:prstGeom prst="rect">
-            <a:avLst/>
-          </a:prstGeom>
-        </p:spPr>
-      </p:pic>
-      <p:sp>
-        <p:nvSpPr>
-          <p:cNvPr id="8" name="Rectangle 7">
-            <a:extLst>
-              <a:ext uri="{FF2B5EF4-FFF2-40B4-BE49-F238E27FC236}">
-                <a16:creationId xmlns:a16="http://schemas.microsoft.com/office/drawing/2014/main" id="{B835B33B-500F-4DDD-A6AA-93FA9FC45D9E}"/>
-              </a:ext>
-            </a:extLst>
-          </p:cNvPr>
-          <p:cNvSpPr/>
-          <p:nvPr/>
-        </p:nvSpPr>
-        <p:spPr>
-          <a:xfrm>
-            <a:off x="8191496" y="4157629"/>
-            <a:ext cx="3971925" cy="702238"/>
-          </a:xfrm>
-          <a:prstGeom prst="rect">
-            <a:avLst/>
-          </a:prstGeom>
-          <a:noFill/>
-          <a:ln w="38100">
-            <a:solidFill>
-              <a:srgbClr val="FF0000"/>
-            </a:solidFill>
-          </a:ln>
-        </p:spPr>
-        <p:style>
-          <a:lnRef idx="2">
-            <a:schemeClr val="accent1">
-              <a:shade val="50000"/>
-            </a:schemeClr>
-          </a:lnRef>
-          <a:fillRef idx="1">
-            <a:schemeClr val="accent1"/>
-          </a:fillRef>
-          <a:effectRef idx="0">
-            <a:schemeClr val="accent1"/>
-          </a:effectRef>
-          <a:fontRef idx="minor">
-            <a:schemeClr val="lt1"/>
-          </a:fontRef>
-        </p:style>
-        <p:txBody>
-          <a:bodyPr rtlCol="0" anchor="ctr"/>
-          <a:lstStyle/>
-          <a:p>
-            <a:pPr algn="ctr"/>
+      <p:sp>
+        <p:nvSpPr>
+          <p:cNvPr id="2" name="Title 1">
+            <a:extLst>
+              <a:ext uri="{FF2B5EF4-FFF2-40B4-BE49-F238E27FC236}">
+                <a16:creationId xmlns:a16="http://schemas.microsoft.com/office/drawing/2014/main" id="{2B23F8F0-896A-D24F-A6E4-07F1CBB90569}"/>
+              </a:ext>
+            </a:extLst>
+          </p:cNvPr>
+          <p:cNvSpPr>
+            <a:spLocks noGrp="1"/>
+          </p:cNvSpPr>
+          <p:nvPr>
+            <p:ph type="title"/>
+          </p:nvPr>
+        </p:nvSpPr>
+        <p:spPr/>
+        <p:txBody>
+          <a:bodyPr/>
+          <a:lstStyle/>
+          <a:p>
+            <a:endParaRPr lang="en-GB"/>
+          </a:p>
+        </p:txBody>
+      </p:sp>
+      <p:sp>
+        <p:nvSpPr>
+          <p:cNvPr id="3" name="Content Placeholder 2">
+            <a:extLst>
+              <a:ext uri="{FF2B5EF4-FFF2-40B4-BE49-F238E27FC236}">
+                <a16:creationId xmlns:a16="http://schemas.microsoft.com/office/drawing/2014/main" id="{E69724AD-656B-DB42-ABEB-8C15B979DA8E}"/>
+              </a:ext>
+            </a:extLst>
+          </p:cNvPr>
+          <p:cNvSpPr>
+            <a:spLocks noGrp="1"/>
+          </p:cNvSpPr>
+          <p:nvPr>
+            <p:ph idx="1"/>
+          </p:nvPr>
+        </p:nvSpPr>
+        <p:spPr/>
+        <p:txBody>
+          <a:bodyPr/>
+          <a:lstStyle/>
+          <a:p>
             <a:endParaRPr lang="en-GB"/>
           </a:p>
         </p:txBody>
@@ -12562,7 +12361,7 @@
     </p:spTree>
     <p:extLst>
       <p:ext uri="{BB962C8B-B14F-4D97-AF65-F5344CB8AC3E}">
-        <p14:creationId xmlns:p14="http://schemas.microsoft.com/office/powerpoint/2010/main" val="3595124467"/>
+        <p14:creationId xmlns:p14="http://schemas.microsoft.com/office/powerpoint/2010/main" val="743971381"/>
       </p:ext>
     </p:extLst>
   </p:cSld>

--- a/Presentation/thesis_overview_v3.pptx
+++ b/Presentation/thesis_overview_v3.pptx
@@ -1030,7 +1030,7 @@
             </a:pPr>
             <a:r>
               <a:rPr lang="en-GB" dirty="0"/>
-              <a:t>In section 9 the goal is to introduce phase mixing so the reader is ready for the more in-depth discussion of phase mixing in the next chapter. I do this by illustrating phase mixing using graphs in the simplest setup I could think of.</a:t>
+              <a:t>In section 9, the goal is to introduce phase mixing so the reader is ready for the more in-depth discussion of phase mixing in the next chapter. I do this by illustrating phase mixing using graphs in the simplest setup I could think of.</a:t>
             </a:r>
           </a:p>
         </p:txBody>
@@ -1217,7 +1217,7 @@
           <a:p>
             <a:r>
               <a:rPr lang="en-GB" dirty="0"/>
-              <a:t>Chapter 3 is closely related to a paper I published in 2019. The main goal of this chapter is to show that phase mixing is not a viable standalone heating mechanism in the closed solar corona. I still think its possible that phase mixing could play an indirect role in coronal heating. For example, it could trigger the Kelvin-Helmholtz instability which then causes energy to be dissipated due to gradients parallel to the velocity and magnetic field. But I don’t think the direct dissipation of the transverse gradients produced by phase mixing plays a significant role in coronal heating.</a:t>
+              <a:t>Chapter 3 is closely related to a paper I published in 2019. </a:t>
             </a:r>
           </a:p>
           <a:p>
@@ -1226,7 +1226,7 @@
           <a:p>
             <a:r>
               <a:rPr lang="en-GB" dirty="0"/>
-              <a:t>I structure this chapter by starting simple with an open loop. Then I keep adding complexity to the model in each subsequent section.</a:t>
+              <a:t>The main goal of this chapter is to show that phase mixing is not a viable standalone heating mechanism in the closed corona. I still think its possible that phase mixing could play an indirect role in coronal heating. For example, it could trigger the Kelvin-Helmholtz instability which then causes energy to be dissipated due to gradients parallel to the velocity and magnetic fields. But I don’t think the direct dissipation of the transverse gradients produced by phase mixing plays a significant role in coronal heating.</a:t>
             </a:r>
           </a:p>
         </p:txBody>
@@ -1348,7 +1348,7 @@
             </a:pPr>
             <a:r>
               <a:rPr lang="en-GB" dirty="0"/>
-              <a:t>I then estimate that we need a heating rate per unit of wave energy of about 10^-1 s-^-1 to the heat the corona. This comes from estimating the heating rate required per unit volume and dividing by observed wave energy density in the corona.</a:t>
+              <a:t>I then estimate that we need a heating rate per unit of wave energy of about 10^-1 s-^-1 to the heat the corona. This comes from estimating the required heating rate and dividing by observed wave energy density in the corona.</a:t>
             </a:r>
           </a:p>
           <a:p>
@@ -1796,58 +1796,6 @@
               <a:rPr lang="en-GB" sz="1200" dirty="0">
                 <a:effectLst/>
                 <a:latin typeface="Calibri" panose="020F0502020204030204" pitchFamily="34" charset="0"/>
-                <a:ea typeface="Calibri" panose="020F0502020204030204" pitchFamily="34" charset="0"/>
-                <a:cs typeface="Times New Roman" panose="02020603050405020304" pitchFamily="18" charset="0"/>
-              </a:rPr>
-              <a:t>This slide shows the contents page in the thesis. </a:t>
-            </a:r>
-          </a:p>
-          <a:p>
-            <a:pPr marL="0" marR="0" lvl="0" indent="0" algn="l" defTabSz="914400" rtl="0" eaLnBrk="1" fontAlgn="auto" latinLnBrk="0" hangingPunct="1">
-              <a:lnSpc>
-                <a:spcPct val="100000"/>
-              </a:lnSpc>
-              <a:spcBef>
-                <a:spcPts val="0"/>
-              </a:spcBef>
-              <a:spcAft>
-                <a:spcPts val="0"/>
-              </a:spcAft>
-              <a:buClrTx/>
-              <a:buSzTx/>
-              <a:buFontTx/>
-              <a:buNone/>
-              <a:tabLst/>
-              <a:defRPr/>
-            </a:pPr>
-            <a:endParaRPr lang="en-GB" sz="1200" dirty="0">
-              <a:effectLst/>
-              <a:latin typeface="Calibri" panose="020F0502020204030204" pitchFamily="34" charset="0"/>
-              <a:cs typeface="Times New Roman" panose="02020603050405020304" pitchFamily="18" charset="0"/>
-            </a:endParaRPr>
-          </a:p>
-          <a:p>
-            <a:pPr marL="0" marR="0" lvl="0" indent="0" algn="l" defTabSz="914400" rtl="0" eaLnBrk="1" fontAlgn="auto" latinLnBrk="0" hangingPunct="1">
-              <a:lnSpc>
-                <a:spcPct val="100000"/>
-              </a:lnSpc>
-              <a:spcBef>
-                <a:spcPts val="0"/>
-              </a:spcBef>
-              <a:spcAft>
-                <a:spcPts val="0"/>
-              </a:spcAft>
-              <a:buClrTx/>
-              <a:buSzTx/>
-              <a:buFontTx/>
-              <a:buNone/>
-              <a:tabLst/>
-              <a:defRPr/>
-            </a:pPr>
-            <a:r>
-              <a:rPr lang="en-GB" sz="1200" dirty="0">
-                <a:effectLst/>
-                <a:latin typeface="Calibri" panose="020F0502020204030204" pitchFamily="34" charset="0"/>
                 <a:cs typeface="Times New Roman" panose="02020603050405020304" pitchFamily="18" charset="0"/>
               </a:rPr>
               <a:t>Given that this is only a 20 minute talk, I don’t have time to go into much detail about any particular topic. However, hopefully this talk will be sufficient to give a rough idea of what the thesis is about and then we can go into more detail about particular topics later on in this viva.</a:t>
@@ -2281,7 +2229,7 @@
           <a:p>
             <a:r>
               <a:rPr lang="en-GB" dirty="0"/>
-              <a:t>In the sixth section I bring together results from the chapter and from the literature to make the case that phase mixing is not a viable standalone heating mechanism. There’s lots of physics which I neglect in my model but in this discussion I try to make the argument that ignoring this physics causes my model to overestimate the heating rate per unit of wave energy. Therefore, my estimate serves as an upper bound. If my upper bound can’t give enough heat then we know a more physical model will also not give enough heat.</a:t>
+              <a:t>In the sixth section I bring together results from the chapter and from the literature to make the case that phase mixing is not a viable standalone heating mechanism. There’s lots of physics which I neglect in my model but in this discussion, I try to make the argument that ignoring this physics causes my model to overestimate the heating rate. Therefore, my estimate serves as an upper bound. If my upper bound can’t give enough heat then we know a more physical model will also not give enough heat.</a:t>
             </a:r>
           </a:p>
         </p:txBody>
@@ -2713,7 +2661,7 @@
           <a:p>
             <a:r>
               <a:rPr lang="en-GB" dirty="0"/>
-              <a:t>In the fifth section, the goal is show that if the background field is oblique to the solar surface then the Alfven waves couple to fast waves upon reflection with the solar surface. I do this by imposing an incident Alfven wave then calculating the unique solution which keeps the velocity equal to zero at the boundary</a:t>
+              <a:t>In the fifth section, the goal is to show that if the background field is oblique to the solar surface then the Alfven waves couple to fast waves upon reflection with the solar surface. I do this by imposing an incident Alfven wave then calculating the unique solution which keeps the velocity equal to zero at the boundary</a:t>
             </a:r>
           </a:p>
         </p:txBody>
@@ -2800,7 +2748,7 @@
           <a:p>
             <a:r>
               <a:rPr lang="en-GB" dirty="0"/>
-              <a:t>In the sixth section, the goal is to check the validity of line-tied boundary conditions. I do this by using a piecewise constant background density and imposing continuity of the velocity and magnetic field at the interface. I then compare the results from this section with the previous section to see if they agree. We should see that the solutions agree if I make the density in the chromosphere very large. We do indeed find that the solutions mostly agree. However, if the length scales tangential to the solar surface are sufficiently short then the solutions start to disagree.</a:t>
+              <a:t>In the sixth section, the goal is to check the validity of line-tied boundary conditions. I do this by using a piecewise constant background density and imposing continuity of the velocity and magnetic field at the interface. I then compare the results from this section with the previous section to see if they agree. As expected, the solutions converge to each other as I make the density in the chromosphere larger and larger. However, if the length scales tangential to the solar surface are sufficiently short then the solutions start to disagree.</a:t>
             </a:r>
           </a:p>
           <a:p>
@@ -2930,7 +2878,7 @@
           <a:p>
             <a:r>
               <a:rPr lang="en-GB" dirty="0"/>
-              <a:t>In the seventh section, the goal is to to test this hypothesis.</a:t>
+              <a:t>I test this hypothesis in the seventh section.</a:t>
             </a:r>
           </a:p>
           <a:p>
@@ -3425,86 +3373,9 @@
           <a:bodyPr/>
           <a:lstStyle/>
           <a:p>
-            <a:pPr marL="0" marR="0" lvl="0" indent="0" algn="l" defTabSz="914400" rtl="0" eaLnBrk="1" fontAlgn="auto" latinLnBrk="0" hangingPunct="1">
-              <a:lnSpc>
-                <a:spcPct val="100000"/>
-              </a:lnSpc>
-              <a:spcBef>
-                <a:spcPts val="0"/>
-              </a:spcBef>
-              <a:spcAft>
-                <a:spcPts val="0"/>
-              </a:spcAft>
-              <a:buClrTx/>
-              <a:buSzTx/>
-              <a:buFontTx/>
-              <a:buNone/>
-              <a:tabLst/>
-              <a:defRPr/>
-            </a:pPr>
             <a:r>
               <a:rPr lang="en-GB" dirty="0"/>
-              <a:t>Now I will go through the thesis chapter by chapter starting with the introduction chapter. </a:t>
-            </a:r>
-          </a:p>
-          <a:p>
-            <a:pPr marL="0" marR="0" lvl="0" indent="0" algn="l" defTabSz="914400" rtl="0" eaLnBrk="1" fontAlgn="auto" latinLnBrk="0" hangingPunct="1">
-              <a:lnSpc>
-                <a:spcPct val="100000"/>
-              </a:lnSpc>
-              <a:spcBef>
-                <a:spcPts val="0"/>
-              </a:spcBef>
-              <a:spcAft>
-                <a:spcPts val="0"/>
-              </a:spcAft>
-              <a:buClrTx/>
-              <a:buSzTx/>
-              <a:buFontTx/>
-              <a:buNone/>
-              <a:tabLst/>
-              <a:defRPr/>
-            </a:pPr>
-            <a:endParaRPr lang="en-GB" sz="1200" dirty="0">
-              <a:effectLst/>
-              <a:latin typeface="Calibri" panose="020F0502020204030204" pitchFamily="34" charset="0"/>
-              <a:cs typeface="Times New Roman" panose="02020603050405020304" pitchFamily="18" charset="0"/>
-            </a:endParaRPr>
-          </a:p>
-          <a:p>
-            <a:pPr marL="0" marR="0" lvl="0" indent="0" algn="l" defTabSz="914400" rtl="0" eaLnBrk="1" fontAlgn="auto" latinLnBrk="0" hangingPunct="1">
-              <a:lnSpc>
-                <a:spcPct val="100000"/>
-              </a:lnSpc>
-              <a:spcBef>
-                <a:spcPts val="0"/>
-              </a:spcBef>
-              <a:spcAft>
-                <a:spcPts val="0"/>
-              </a:spcAft>
-              <a:buClrTx/>
-              <a:buSzTx/>
-              <a:buFontTx/>
-              <a:buNone/>
-              <a:tabLst/>
-              <a:defRPr/>
-            </a:pPr>
-            <a:r>
-              <a:rPr lang="en-GB" sz="1200" dirty="0">
-                <a:effectLst/>
-                <a:latin typeface="Calibri" panose="020F0502020204030204" pitchFamily="34" charset="0"/>
-                <a:cs typeface="Times New Roman" panose="02020603050405020304" pitchFamily="18" charset="0"/>
-              </a:rPr>
-              <a:t>M</a:t>
-            </a:r>
-            <a:r>
-              <a:rPr lang="en-GB" sz="1200" dirty="0">
-                <a:effectLst/>
-                <a:latin typeface="Calibri" panose="020F0502020204030204" pitchFamily="34" charset="0"/>
-                <a:ea typeface="Calibri" panose="020F0502020204030204" pitchFamily="34" charset="0"/>
-                <a:cs typeface="Times New Roman" panose="02020603050405020304" pitchFamily="18" charset="0"/>
-              </a:rPr>
-              <a:t>y goal with this chapter is to introduce the main equations and terminology I will use throughout the thesis.</a:t>
+              <a:t>That’s all, thanks for listening.</a:t>
             </a:r>
           </a:p>
         </p:txBody>
@@ -3526,7 +3397,7 @@
           <a:p>
             <a:fld id="{1E87CAF0-729D-43D8-91D5-D499CDCACC7E}" type="slidenum">
               <a:rPr lang="en-GB" smtClean="0"/>
-              <a:t>32</a:t>
+              <a:t>31</a:t>
             </a:fld>
             <a:endParaRPr lang="en-GB"/>
           </a:p>
@@ -3535,7 +3406,7 @@
     </p:spTree>
     <p:extLst>
       <p:ext uri="{BB962C8B-B14F-4D97-AF65-F5344CB8AC3E}">
-        <p14:creationId xmlns:p14="http://schemas.microsoft.com/office/powerpoint/2010/main" val="3663696700"/>
+        <p14:creationId xmlns:p14="http://schemas.microsoft.com/office/powerpoint/2010/main" val="1043083291"/>
       </p:ext>
     </p:extLst>
   </p:cSld>
@@ -3607,12 +3478,68 @@
               <a:defRPr/>
             </a:pPr>
             <a:r>
+              <a:rPr lang="en-GB" dirty="0"/>
+              <a:t>Now I will go through the thesis chapter by chapter starting with the introduction chapter. </a:t>
+            </a:r>
+          </a:p>
+          <a:p>
+            <a:pPr marL="0" marR="0" lvl="0" indent="0" algn="l" defTabSz="914400" rtl="0" eaLnBrk="1" fontAlgn="auto" latinLnBrk="0" hangingPunct="1">
+              <a:lnSpc>
+                <a:spcPct val="100000"/>
+              </a:lnSpc>
+              <a:spcBef>
+                <a:spcPts val="0"/>
+              </a:spcBef>
+              <a:spcAft>
+                <a:spcPts val="0"/>
+              </a:spcAft>
+              <a:buClrTx/>
+              <a:buSzTx/>
+              <a:buFontTx/>
+              <a:buNone/>
+              <a:tabLst/>
+              <a:defRPr/>
+            </a:pPr>
+            <a:endParaRPr lang="en-GB" sz="1200" dirty="0">
+              <a:effectLst/>
+              <a:latin typeface="Calibri" panose="020F0502020204030204" pitchFamily="34" charset="0"/>
+              <a:cs typeface="Times New Roman" panose="02020603050405020304" pitchFamily="18" charset="0"/>
+            </a:endParaRPr>
+          </a:p>
+          <a:p>
+            <a:pPr marL="0" marR="0" lvl="0" indent="0" algn="l" defTabSz="914400" rtl="0" eaLnBrk="1" fontAlgn="auto" latinLnBrk="0" hangingPunct="1">
+              <a:lnSpc>
+                <a:spcPct val="100000"/>
+              </a:lnSpc>
+              <a:spcBef>
+                <a:spcPts val="0"/>
+              </a:spcBef>
+              <a:spcAft>
+                <a:spcPts val="0"/>
+              </a:spcAft>
+              <a:buClrTx/>
+              <a:buSzTx/>
+              <a:buFontTx/>
+              <a:buNone/>
+              <a:tabLst/>
+              <a:defRPr/>
+            </a:pPr>
+            <a:r>
               <a:rPr lang="en-GB" sz="1200" dirty="0">
                 <a:effectLst/>
                 <a:latin typeface="Calibri" panose="020F0502020204030204" pitchFamily="34" charset="0"/>
                 <a:cs typeface="Times New Roman" panose="02020603050405020304" pitchFamily="18" charset="0"/>
               </a:rPr>
-              <a:t>The first section aims to introduce some basic facts about the solar atmosphere. I want to make sure the reader knows what I mean when I say words like photosphere, transition region, quiet sun, active region etc</a:t>
+              <a:t>M</a:t>
+            </a:r>
+            <a:r>
+              <a:rPr lang="en-GB" sz="1200" dirty="0">
+                <a:effectLst/>
+                <a:latin typeface="Calibri" panose="020F0502020204030204" pitchFamily="34" charset="0"/>
+                <a:ea typeface="Calibri" panose="020F0502020204030204" pitchFamily="34" charset="0"/>
+                <a:cs typeface="Times New Roman" panose="02020603050405020304" pitchFamily="18" charset="0"/>
+              </a:rPr>
+              <a:t>y goal with this chapter is to introduce the main equations and terminology I will use throughout the thesis.</a:t>
             </a:r>
           </a:p>
         </p:txBody>
@@ -3634,7 +3561,7 @@
           <a:p>
             <a:fld id="{1E87CAF0-729D-43D8-91D5-D499CDCACC7E}" type="slidenum">
               <a:rPr lang="en-GB" smtClean="0"/>
-              <a:t>33</a:t>
+              <a:t>32</a:t>
             </a:fld>
             <a:endParaRPr lang="en-GB"/>
           </a:p>
@@ -3643,7 +3570,7 @@
     </p:spTree>
     <p:extLst>
       <p:ext uri="{BB962C8B-B14F-4D97-AF65-F5344CB8AC3E}">
-        <p14:creationId xmlns:p14="http://schemas.microsoft.com/office/powerpoint/2010/main" val="1286531437"/>
+        <p14:creationId xmlns:p14="http://schemas.microsoft.com/office/powerpoint/2010/main" val="3663696700"/>
       </p:ext>
     </p:extLst>
   </p:cSld>
@@ -3720,7 +3647,7 @@
                 <a:latin typeface="Calibri" panose="020F0502020204030204" pitchFamily="34" charset="0"/>
                 <a:cs typeface="Times New Roman" panose="02020603050405020304" pitchFamily="18" charset="0"/>
               </a:rPr>
-              <a:t>The second section aims to give an introduction to the coronal heating. I thought it would be good to introduce the coronal heating problem here because I go in to a lot of detail about a specific coronal heating mechanism, namely, phase mixing in chapter 3. I also talk about coronal heating in the appendix. </a:t>
+              <a:t>The first section aims to introduce some basic facts about the solar atmosphere. I want to make sure the reader knows what I mean when I say words like photosphere, transition region, quiet sun, active region etc</a:t>
             </a:r>
           </a:p>
         </p:txBody>
@@ -3742,7 +3669,7 @@
           <a:p>
             <a:fld id="{1E87CAF0-729D-43D8-91D5-D499CDCACC7E}" type="slidenum">
               <a:rPr lang="en-GB" smtClean="0"/>
-              <a:t>34</a:t>
+              <a:t>33</a:t>
             </a:fld>
             <a:endParaRPr lang="en-GB"/>
           </a:p>
@@ -3751,7 +3678,7 @@
     </p:spTree>
     <p:extLst>
       <p:ext uri="{BB962C8B-B14F-4D97-AF65-F5344CB8AC3E}">
-        <p14:creationId xmlns:p14="http://schemas.microsoft.com/office/powerpoint/2010/main" val="3981504322"/>
+        <p14:creationId xmlns:p14="http://schemas.microsoft.com/office/powerpoint/2010/main" val="1286531437"/>
       </p:ext>
     </p:extLst>
   </p:cSld>
@@ -3828,124 +3755,8 @@
                 <a:latin typeface="Calibri" panose="020F0502020204030204" pitchFamily="34" charset="0"/>
                 <a:cs typeface="Times New Roman" panose="02020603050405020304" pitchFamily="18" charset="0"/>
               </a:rPr>
-              <a:t>The third section aims to introduce the MHD equations and some of the critical assumptions. </a:t>
-            </a:r>
-            <a:r>
-              <a:rPr lang="en-GB" sz="1200" dirty="0">
-                <a:effectLst/>
-                <a:latin typeface="Calibri" panose="020F0502020204030204" pitchFamily="34" charset="0"/>
-                <a:ea typeface="Calibri" panose="020F0502020204030204" pitchFamily="34" charset="0"/>
-                <a:cs typeface="Times New Roman" panose="02020603050405020304" pitchFamily="18" charset="0"/>
-              </a:rPr>
-              <a:t>. </a:t>
-            </a:r>
-          </a:p>
-          <a:p>
-            <a:pPr marL="0" marR="0" lvl="0" indent="0" algn="l" defTabSz="914400" rtl="0" eaLnBrk="1" fontAlgn="auto" latinLnBrk="0" hangingPunct="1">
-              <a:lnSpc>
-                <a:spcPct val="100000"/>
-              </a:lnSpc>
-              <a:spcBef>
-                <a:spcPts val="0"/>
-              </a:spcBef>
-              <a:spcAft>
-                <a:spcPts val="0"/>
-              </a:spcAft>
-              <a:buClrTx/>
-              <a:buSzTx/>
-              <a:buFontTx/>
-              <a:buNone/>
-              <a:tabLst/>
-              <a:defRPr/>
-            </a:pPr>
-            <a:endParaRPr lang="en-GB" sz="1200" dirty="0">
-              <a:effectLst/>
-              <a:latin typeface="Calibri" panose="020F0502020204030204" pitchFamily="34" charset="0"/>
-              <a:ea typeface="Calibri" panose="020F0502020204030204" pitchFamily="34" charset="0"/>
-              <a:cs typeface="Times New Roman" panose="02020603050405020304" pitchFamily="18" charset="0"/>
-            </a:endParaRPr>
-          </a:p>
-          <a:p>
-            <a:pPr marL="0" marR="0" lvl="0" indent="0" algn="l" defTabSz="914400" rtl="0" eaLnBrk="1" fontAlgn="auto" latinLnBrk="0" hangingPunct="1">
-              <a:lnSpc>
-                <a:spcPct val="100000"/>
-              </a:lnSpc>
-              <a:spcBef>
-                <a:spcPts val="0"/>
-              </a:spcBef>
-              <a:spcAft>
-                <a:spcPts val="0"/>
-              </a:spcAft>
-              <a:buClrTx/>
-              <a:buSzTx/>
-              <a:buFontTx/>
-              <a:buNone/>
-              <a:tabLst/>
-              <a:defRPr/>
-            </a:pPr>
-            <a:r>
-              <a:rPr lang="en-GB" sz="1200" dirty="0">
-                <a:effectLst/>
-                <a:latin typeface="Calibri" panose="020F0502020204030204" pitchFamily="34" charset="0"/>
-                <a:ea typeface="Calibri" panose="020F0502020204030204" pitchFamily="34" charset="0"/>
-                <a:cs typeface="Times New Roman" panose="02020603050405020304" pitchFamily="18" charset="0"/>
-              </a:rPr>
-              <a:t>I thought it was important to show when the length scales are too short for the plasma to be modelled as collisional because, in the later chapters, very short length scales form due to phase mixing. I think most PhD students in this field have a section in their introduction very similar to this. </a:t>
-            </a:r>
-          </a:p>
-          <a:p>
-            <a:pPr marL="0" marR="0" lvl="0" indent="0" algn="l" defTabSz="914400" rtl="0" eaLnBrk="1" fontAlgn="auto" latinLnBrk="0" hangingPunct="1">
-              <a:lnSpc>
-                <a:spcPct val="100000"/>
-              </a:lnSpc>
-              <a:spcBef>
-                <a:spcPts val="0"/>
-              </a:spcBef>
-              <a:spcAft>
-                <a:spcPts val="0"/>
-              </a:spcAft>
-              <a:buClrTx/>
-              <a:buSzTx/>
-              <a:buFontTx/>
-              <a:buNone/>
-              <a:tabLst/>
-              <a:defRPr/>
-            </a:pPr>
-            <a:endParaRPr lang="en-GB" sz="1200" dirty="0">
-              <a:effectLst/>
-              <a:latin typeface="Calibri" panose="020F0502020204030204" pitchFamily="34" charset="0"/>
-              <a:ea typeface="Calibri" panose="020F0502020204030204" pitchFamily="34" charset="0"/>
-              <a:cs typeface="Times New Roman" panose="02020603050405020304" pitchFamily="18" charset="0"/>
-            </a:endParaRPr>
-          </a:p>
-          <a:p>
-            <a:pPr marL="0" marR="0" lvl="0" indent="0" algn="l" defTabSz="914400" rtl="0" eaLnBrk="1" fontAlgn="auto" latinLnBrk="0" hangingPunct="1">
-              <a:lnSpc>
-                <a:spcPct val="100000"/>
-              </a:lnSpc>
-              <a:spcBef>
-                <a:spcPts val="0"/>
-              </a:spcBef>
-              <a:spcAft>
-                <a:spcPts val="0"/>
-              </a:spcAft>
-              <a:buClrTx/>
-              <a:buSzTx/>
-              <a:buFontTx/>
-              <a:buNone/>
-              <a:tabLst/>
-              <a:defRPr/>
-            </a:pPr>
-            <a:r>
-              <a:rPr lang="en-GB" sz="1200" dirty="0">
-                <a:effectLst/>
-                <a:latin typeface="Calibri" panose="020F0502020204030204" pitchFamily="34" charset="0"/>
-                <a:ea typeface="Calibri" panose="020F0502020204030204" pitchFamily="34" charset="0"/>
-                <a:cs typeface="Times New Roman" panose="02020603050405020304" pitchFamily="18" charset="0"/>
-              </a:rPr>
-              <a:t>I go into more detail about the viscosity tensor than I think most other PhD students would. I do this because, in chapter 3, I make strong claims about phase mixing as a coronal heating mechanism. I also propose the dissipation of fast waves as a possible heating mechanism in the appendix. My claims are heavily reliant on modelling the resistivity and viscosity correctly. So I thought it was worth spending a bit of extra time clearly defining how I model the viscosity.</a:t>
-            </a:r>
-            <a:endParaRPr lang="en-GB" dirty="0"/>
+              <a:t>The second section aims to give an introduction to the coronal heating. I thought it would be good to introduce the coronal heating problem here because I go in to a lot of detail about a specific coronal heating mechanism, namely, phase mixing in chapter 3. I also talk about coronal heating in the appendix. </a:t>
+            </a:r>
           </a:p>
         </p:txBody>
       </p:sp>
@@ -3966,7 +3777,7 @@
           <a:p>
             <a:fld id="{1E87CAF0-729D-43D8-91D5-D499CDCACC7E}" type="slidenum">
               <a:rPr lang="en-GB" smtClean="0"/>
-              <a:t>35</a:t>
+              <a:t>34</a:t>
             </a:fld>
             <a:endParaRPr lang="en-GB"/>
           </a:p>
@@ -3975,7 +3786,7 @@
     </p:spTree>
     <p:extLst>
       <p:ext uri="{BB962C8B-B14F-4D97-AF65-F5344CB8AC3E}">
-        <p14:creationId xmlns:p14="http://schemas.microsoft.com/office/powerpoint/2010/main" val="587528790"/>
+        <p14:creationId xmlns:p14="http://schemas.microsoft.com/office/powerpoint/2010/main" val="3981504322"/>
       </p:ext>
     </p:extLst>
   </p:cSld>
@@ -4052,7 +3863,122 @@
                 <a:latin typeface="Calibri" panose="020F0502020204030204" pitchFamily="34" charset="0"/>
                 <a:cs typeface="Times New Roman" panose="02020603050405020304" pitchFamily="18" charset="0"/>
               </a:rPr>
-              <a:t>The fourth section aims to introduce some basic facts about linear fast and Alfven waves. I do this by deriving the dispersion relation and then using this to show basic facts like that linear Alfven waves are incompressible and fast waves propagate isotropically. I don’t talk much about slow waves as I model the plasma beta equal to zero throughout most of this thesis.</a:t>
+              <a:t>The third section aims to introduce the MHD equations and some of the critical assumptions. </a:t>
+            </a:r>
+            <a:r>
+              <a:rPr lang="en-GB" sz="1200" dirty="0">
+                <a:effectLst/>
+                <a:latin typeface="Calibri" panose="020F0502020204030204" pitchFamily="34" charset="0"/>
+                <a:ea typeface="Calibri" panose="020F0502020204030204" pitchFamily="34" charset="0"/>
+                <a:cs typeface="Times New Roman" panose="02020603050405020304" pitchFamily="18" charset="0"/>
+              </a:rPr>
+              <a:t>. </a:t>
+            </a:r>
+          </a:p>
+          <a:p>
+            <a:pPr marL="0" marR="0" lvl="0" indent="0" algn="l" defTabSz="914400" rtl="0" eaLnBrk="1" fontAlgn="auto" latinLnBrk="0" hangingPunct="1">
+              <a:lnSpc>
+                <a:spcPct val="100000"/>
+              </a:lnSpc>
+              <a:spcBef>
+                <a:spcPts val="0"/>
+              </a:spcBef>
+              <a:spcAft>
+                <a:spcPts val="0"/>
+              </a:spcAft>
+              <a:buClrTx/>
+              <a:buSzTx/>
+              <a:buFontTx/>
+              <a:buNone/>
+              <a:tabLst/>
+              <a:defRPr/>
+            </a:pPr>
+            <a:endParaRPr lang="en-GB" sz="1200" dirty="0">
+              <a:effectLst/>
+              <a:latin typeface="Calibri" panose="020F0502020204030204" pitchFamily="34" charset="0"/>
+              <a:ea typeface="Calibri" panose="020F0502020204030204" pitchFamily="34" charset="0"/>
+              <a:cs typeface="Times New Roman" panose="02020603050405020304" pitchFamily="18" charset="0"/>
+            </a:endParaRPr>
+          </a:p>
+          <a:p>
+            <a:pPr marL="0" marR="0" lvl="0" indent="0" algn="l" defTabSz="914400" rtl="0" eaLnBrk="1" fontAlgn="auto" latinLnBrk="0" hangingPunct="1">
+              <a:lnSpc>
+                <a:spcPct val="100000"/>
+              </a:lnSpc>
+              <a:spcBef>
+                <a:spcPts val="0"/>
+              </a:spcBef>
+              <a:spcAft>
+                <a:spcPts val="0"/>
+              </a:spcAft>
+              <a:buClrTx/>
+              <a:buSzTx/>
+              <a:buFontTx/>
+              <a:buNone/>
+              <a:tabLst/>
+              <a:defRPr/>
+            </a:pPr>
+            <a:r>
+              <a:rPr lang="en-GB" sz="1200" dirty="0">
+                <a:effectLst/>
+                <a:latin typeface="Calibri" panose="020F0502020204030204" pitchFamily="34" charset="0"/>
+                <a:ea typeface="Calibri" panose="020F0502020204030204" pitchFamily="34" charset="0"/>
+                <a:cs typeface="Times New Roman" panose="02020603050405020304" pitchFamily="18" charset="0"/>
+              </a:rPr>
+              <a:t>I thought it was important to show when the length scales are too short for the plasma to be modelled as collisional because, in the later chapters, very short length scales form due to phase mixing. I think most PhD students in this field have a section in their introduction very similar to this. </a:t>
+            </a:r>
+          </a:p>
+          <a:p>
+            <a:pPr marL="0" marR="0" lvl="0" indent="0" algn="l" defTabSz="914400" rtl="0" eaLnBrk="1" fontAlgn="auto" latinLnBrk="0" hangingPunct="1">
+              <a:lnSpc>
+                <a:spcPct val="100000"/>
+              </a:lnSpc>
+              <a:spcBef>
+                <a:spcPts val="0"/>
+              </a:spcBef>
+              <a:spcAft>
+                <a:spcPts val="0"/>
+              </a:spcAft>
+              <a:buClrTx/>
+              <a:buSzTx/>
+              <a:buFontTx/>
+              <a:buNone/>
+              <a:tabLst/>
+              <a:defRPr/>
+            </a:pPr>
+            <a:endParaRPr lang="en-GB" sz="1200" dirty="0">
+              <a:effectLst/>
+              <a:latin typeface="Calibri" panose="020F0502020204030204" pitchFamily="34" charset="0"/>
+              <a:ea typeface="Calibri" panose="020F0502020204030204" pitchFamily="34" charset="0"/>
+              <a:cs typeface="Times New Roman" panose="02020603050405020304" pitchFamily="18" charset="0"/>
+            </a:endParaRPr>
+          </a:p>
+          <a:p>
+            <a:pPr marL="0" marR="0" lvl="0" indent="0" algn="l" defTabSz="914400" rtl="0" eaLnBrk="1" fontAlgn="auto" latinLnBrk="0" hangingPunct="1">
+              <a:lnSpc>
+                <a:spcPct val="100000"/>
+              </a:lnSpc>
+              <a:spcBef>
+                <a:spcPts val="0"/>
+              </a:spcBef>
+              <a:spcAft>
+                <a:spcPts val="0"/>
+              </a:spcAft>
+              <a:buClrTx/>
+              <a:buSzTx/>
+              <a:buFontTx/>
+              <a:buNone/>
+              <a:tabLst/>
+              <a:defRPr/>
+            </a:pPr>
+            <a:r>
+              <a:rPr lang="en-GB" sz="1200" dirty="0">
+                <a:effectLst/>
+                <a:latin typeface="Calibri" panose="020F0502020204030204" pitchFamily="34" charset="0"/>
+                <a:ea typeface="Calibri" panose="020F0502020204030204" pitchFamily="34" charset="0"/>
+                <a:cs typeface="Times New Roman" panose="02020603050405020304" pitchFamily="18" charset="0"/>
+              </a:rPr>
+              <a:t>I go into more detail about the viscosity tensor than I think most other PhD students would. I do this because, in chapter 3, I make strong claims about phase mixing as a coronal heating mechanism. I also propose the dissipation of fast waves as a possible heating mechanism in the appendix. My claims are heavily reliant on modelling the resistivity and viscosity correctly. So I thought it was worth spending a bit of extra time clearly defining how I model the viscosity.</a:t>
             </a:r>
             <a:endParaRPr lang="en-GB" dirty="0"/>
           </a:p>
@@ -4075,7 +4001,7 @@
           <a:p>
             <a:fld id="{1E87CAF0-729D-43D8-91D5-D499CDCACC7E}" type="slidenum">
               <a:rPr lang="en-GB" smtClean="0"/>
-              <a:t>36</a:t>
+              <a:t>35</a:t>
             </a:fld>
             <a:endParaRPr lang="en-GB"/>
           </a:p>
@@ -4084,7 +4010,7 @@
     </p:spTree>
     <p:extLst>
       <p:ext uri="{BB962C8B-B14F-4D97-AF65-F5344CB8AC3E}">
-        <p14:creationId xmlns:p14="http://schemas.microsoft.com/office/powerpoint/2010/main" val="971111398"/>
+        <p14:creationId xmlns:p14="http://schemas.microsoft.com/office/powerpoint/2010/main" val="587528790"/>
       </p:ext>
     </p:extLst>
   </p:cSld>
@@ -4138,6 +4064,115 @@
           <a:bodyPr/>
           <a:lstStyle/>
           <a:p>
+            <a:pPr marL="0" marR="0" lvl="0" indent="0" algn="l" defTabSz="914400" rtl="0" eaLnBrk="1" fontAlgn="auto" latinLnBrk="0" hangingPunct="1">
+              <a:lnSpc>
+                <a:spcPct val="100000"/>
+              </a:lnSpc>
+              <a:spcBef>
+                <a:spcPts val="0"/>
+              </a:spcBef>
+              <a:spcAft>
+                <a:spcPts val="0"/>
+              </a:spcAft>
+              <a:buClrTx/>
+              <a:buSzTx/>
+              <a:buFontTx/>
+              <a:buNone/>
+              <a:tabLst/>
+              <a:defRPr/>
+            </a:pPr>
+            <a:r>
+              <a:rPr lang="en-GB" sz="1200" dirty="0">
+                <a:effectLst/>
+                <a:latin typeface="Calibri" panose="020F0502020204030204" pitchFamily="34" charset="0"/>
+                <a:cs typeface="Times New Roman" panose="02020603050405020304" pitchFamily="18" charset="0"/>
+              </a:rPr>
+              <a:t>The fourth section aims to introduce some basic facts about linear fast and Alfven waves. I do this by deriving the dispersion relation and then using this to show basic facts like that linear Alfven waves are incompressible and fast waves propagate isotropically. I don’t talk much about slow waves as I model the plasma beta equal to zero throughout most of this thesis.</a:t>
+            </a:r>
+            <a:endParaRPr lang="en-GB" dirty="0"/>
+          </a:p>
+        </p:txBody>
+      </p:sp>
+      <p:sp>
+        <p:nvSpPr>
+          <p:cNvPr id="4" name="Slide Number Placeholder 3"/>
+          <p:cNvSpPr>
+            <a:spLocks noGrp="1"/>
+          </p:cNvSpPr>
+          <p:nvPr>
+            <p:ph type="sldNum" sz="quarter" idx="5"/>
+          </p:nvPr>
+        </p:nvSpPr>
+        <p:spPr/>
+        <p:txBody>
+          <a:bodyPr/>
+          <a:lstStyle/>
+          <a:p>
+            <a:fld id="{1E87CAF0-729D-43D8-91D5-D499CDCACC7E}" type="slidenum">
+              <a:rPr lang="en-GB" smtClean="0"/>
+              <a:t>36</a:t>
+            </a:fld>
+            <a:endParaRPr lang="en-GB"/>
+          </a:p>
+        </p:txBody>
+      </p:sp>
+    </p:spTree>
+    <p:extLst>
+      <p:ext uri="{BB962C8B-B14F-4D97-AF65-F5344CB8AC3E}">
+        <p14:creationId xmlns:p14="http://schemas.microsoft.com/office/powerpoint/2010/main" val="971111398"/>
+      </p:ext>
+    </p:extLst>
+  </p:cSld>
+  <p:clrMapOvr>
+    <a:masterClrMapping/>
+  </p:clrMapOvr>
+</p:notes>
+</file>
+
+<file path=ppt/notesSlides/notesSlide37.xml><?xml version="1.0" encoding="utf-8"?>
+<p:notes xmlns:a="http://schemas.openxmlformats.org/drawingml/2006/main" xmlns:r="http://schemas.openxmlformats.org/officeDocument/2006/relationships" xmlns:p="http://schemas.openxmlformats.org/presentationml/2006/main">
+  <p:cSld>
+    <p:spTree>
+      <p:nvGrpSpPr>
+        <p:cNvPr id="1" name=""/>
+        <p:cNvGrpSpPr/>
+        <p:nvPr/>
+      </p:nvGrpSpPr>
+      <p:grpSpPr>
+        <a:xfrm>
+          <a:off x="0" y="0"/>
+          <a:ext cx="0" cy="0"/>
+          <a:chOff x="0" y="0"/>
+          <a:chExt cx="0" cy="0"/>
+        </a:xfrm>
+      </p:grpSpPr>
+      <p:sp>
+        <p:nvSpPr>
+          <p:cNvPr id="2" name="Slide Image Placeholder 1"/>
+          <p:cNvSpPr>
+            <a:spLocks noGrp="1" noRot="1" noChangeAspect="1"/>
+          </p:cNvSpPr>
+          <p:nvPr>
+            <p:ph type="sldImg"/>
+          </p:nvPr>
+        </p:nvSpPr>
+        <p:spPr/>
+      </p:sp>
+      <p:sp>
+        <p:nvSpPr>
+          <p:cNvPr id="3" name="Notes Placeholder 2"/>
+          <p:cNvSpPr>
+            <a:spLocks noGrp="1"/>
+          </p:cNvSpPr>
+          <p:nvPr>
+            <p:ph type="body" idx="1"/>
+          </p:nvPr>
+        </p:nvSpPr>
+        <p:spPr/>
+        <p:txBody>
+          <a:bodyPr/>
+          <a:lstStyle/>
+          <a:p>
             <a:pPr marL="0" lvl="0" indent="0">
               <a:lnSpc>
                 <a:spcPct val="107000"/>
@@ -4235,7 +4270,7 @@
 </p:notes>
 </file>
 
-<file path=ppt/notesSlides/notesSlide37.xml><?xml version="1.0" encoding="utf-8"?>
+<file path=ppt/notesSlides/notesSlide38.xml><?xml version="1.0" encoding="utf-8"?>
 <p:notes xmlns:a="http://schemas.openxmlformats.org/drawingml/2006/main" xmlns:r="http://schemas.openxmlformats.org/officeDocument/2006/relationships" xmlns:p="http://schemas.openxmlformats.org/presentationml/2006/main">
   <p:cSld>
     <p:spTree>
@@ -4431,7 +4466,7 @@
                 <a:ea typeface="Calibri" panose="020F0502020204030204" pitchFamily="34" charset="0"/>
                 <a:cs typeface="Times New Roman" panose="02020603050405020304" pitchFamily="18" charset="0"/>
               </a:rPr>
-              <a:t>I think this chapter reads like a cross between an introductory chapter and a research chapter. I talk about lots of results that are already quite well known, so I think I would struggle to write a paper based on this content. However, I think I the way I derive many of the results is original so it could perhaps make it in to some sort of review paper.</a:t>
+              <a:t>I think this chapter reads like a cross between an introductory chapter and a research chapter. I talk about lots of results that are already quite well known, so I think I would struggle to write a paper based on this content. However, I think I the way I derive many of the results is original so it could make it in to some sort of review paper.</a:t>
             </a:r>
           </a:p>
         </p:txBody>
@@ -4740,7 +4775,7 @@
                 <a:ea typeface="Calibri" panose="020F0502020204030204" pitchFamily="34" charset="0"/>
                 <a:cs typeface="Times New Roman" panose="02020603050405020304" pitchFamily="18" charset="0"/>
               </a:rPr>
-              <a:t>In the third section, my goal is to calculate the general solution for linear Alfven waves in a closed uniform field line, by using a method of images approach, combined with d'Alembert's formula. The main reason I derive this solution is that I make use of it in Chapter 3 when we calculate the solution for resistive phase-mixed Alfven waves in a leaky loop. It’s really easy to include leakage with this formula. It also comes in handy in the next section when we look at the case where the driver is sinusoidal.</a:t>
+              <a:t>In the third section, my goal is to calculate the general solution for linear Alfven waves in a closed uniform field line. I derive the solution by using a method of images approach, combined with d'Alembert's formula. The main reason I derive this solution is that I make use of it in Chapter 3 when we calculate the solution for resistive phase-mixed Alfven waves in a leaky loop. It’s really easy to include leakage with this formula. It also comes in handy in the next section when we look at the case where the driver is sinusoidal.</a:t>
             </a:r>
           </a:p>
           <a:p>
@@ -5051,7 +5086,7 @@
             </a:pPr>
             <a:r>
               <a:rPr lang="en-GB" dirty="0"/>
-              <a:t>The first was to calculate if the energy will grow to infinity or oscillate about a finite value if a random driver is used. I thought this was an interesting question to answer and until I did the calculation I actually had no idea if it would grow to infinity or not. It turns out, that for a white noise driver, the energy grows linearly with time, and for a resonant driver, the energy grows as t squared.</a:t>
+              <a:t>The first was to calculate if the energy will grow to infinity or oscillate about a finite value. I thought this was an interesting question to answer and until I did the calculation I actually had no idea if it would grow to infinity or not. It turns out, that for a white noise driver, the energy grows linearly with time, and for a resonant driver, the energy grows as t squared.</a:t>
             </a:r>
           </a:p>
           <a:p>
@@ -12310,10 +12345,10 @@
       </p:grpSpPr>
       <p:sp>
         <p:nvSpPr>
-          <p:cNvPr id="2" name="Title 1">
-            <a:extLst>
-              <a:ext uri="{FF2B5EF4-FFF2-40B4-BE49-F238E27FC236}">
-                <a16:creationId xmlns:a16="http://schemas.microsoft.com/office/drawing/2014/main" id="{2B23F8F0-896A-D24F-A6E4-07F1CBB90569}"/>
+          <p:cNvPr id="4" name="Title 3">
+            <a:extLst>
+              <a:ext uri="{FF2B5EF4-FFF2-40B4-BE49-F238E27FC236}">
+                <a16:creationId xmlns:a16="http://schemas.microsoft.com/office/drawing/2014/main" id="{705F4583-60E8-D24B-B2EC-A0694107C9DA}"/>
               </a:ext>
             </a:extLst>
           </p:cNvPr>
@@ -12321,7 +12356,7 @@
             <a:spLocks noGrp="1"/>
           </p:cNvSpPr>
           <p:nvPr>
-            <p:ph type="title"/>
+            <p:ph type="ctrTitle"/>
           </p:nvPr>
         </p:nvSpPr>
         <p:spPr/>
@@ -12329,16 +12364,19 @@
           <a:bodyPr/>
           <a:lstStyle/>
           <a:p>
-            <a:endParaRPr lang="en-GB"/>
-          </a:p>
-        </p:txBody>
-      </p:sp>
-      <p:sp>
-        <p:nvSpPr>
-          <p:cNvPr id="3" name="Content Placeholder 2">
-            <a:extLst>
-              <a:ext uri="{FF2B5EF4-FFF2-40B4-BE49-F238E27FC236}">
-                <a16:creationId xmlns:a16="http://schemas.microsoft.com/office/drawing/2014/main" id="{E69724AD-656B-DB42-ABEB-8C15B979DA8E}"/>
+            <a:r>
+              <a:rPr lang="en-GB" dirty="0"/>
+              <a:t>Thanks for listening</a:t>
+            </a:r>
+          </a:p>
+        </p:txBody>
+      </p:sp>
+      <p:sp>
+        <p:nvSpPr>
+          <p:cNvPr id="5" name="Subtitle 4">
+            <a:extLst>
+              <a:ext uri="{FF2B5EF4-FFF2-40B4-BE49-F238E27FC236}">
+                <a16:creationId xmlns:a16="http://schemas.microsoft.com/office/drawing/2014/main" id="{2977DDF1-1B83-654D-A9AB-20AD2F114395}"/>
               </a:ext>
             </a:extLst>
           </p:cNvPr>
@@ -12346,7 +12384,7 @@
             <a:spLocks noGrp="1"/>
           </p:cNvSpPr>
           <p:nvPr>
-            <p:ph idx="1"/>
+            <p:ph type="subTitle" idx="1"/>
           </p:nvPr>
         </p:nvSpPr>
         <p:spPr/>

--- a/Presentation/thesis_overview_v3.pptx
+++ b/Presentation/thesis_overview_v3.pptx
@@ -38,14 +38,14 @@
     <p:sldId id="296" r:id="rId29"/>
     <p:sldId id="297" r:id="rId30"/>
     <p:sldId id="299" r:id="rId31"/>
-    <p:sldId id="301" r:id="rId32"/>
-    <p:sldId id="263" r:id="rId33"/>
-    <p:sldId id="264" r:id="rId34"/>
-    <p:sldId id="265" r:id="rId35"/>
-    <p:sldId id="266" r:id="rId36"/>
-    <p:sldId id="267" r:id="rId37"/>
-    <p:sldId id="268" r:id="rId38"/>
-    <p:sldId id="269" r:id="rId39"/>
+    <p:sldId id="263" r:id="rId32"/>
+    <p:sldId id="264" r:id="rId33"/>
+    <p:sldId id="265" r:id="rId34"/>
+    <p:sldId id="266" r:id="rId35"/>
+    <p:sldId id="267" r:id="rId36"/>
+    <p:sldId id="268" r:id="rId37"/>
+    <p:sldId id="269" r:id="rId38"/>
+    <p:sldId id="301" r:id="rId39"/>
   </p:sldIdLst>
   <p:sldSz cx="12192000" cy="6858000"/>
   <p:notesSz cx="6858000" cy="9144000"/>
@@ -234,7 +234,7 @@
           <a:p>
             <a:fld id="{B6C2DD4F-436F-4418-87BA-048F53D04887}" type="datetimeFigureOut">
               <a:rPr lang="en-GB" smtClean="0"/>
-              <a:t>28/05/2021</a:t>
+              <a:t>01/06/2021</a:t>
             </a:fld>
             <a:endParaRPr lang="en-GB"/>
           </a:p>
@@ -3199,6 +3199,57 @@
               </a:rPr>
               <a:t>In the interest of time I will skip the introduction because I think it’s fairly similar to the sort of thing you’d find in lots of other solar physics theses.</a:t>
             </a:r>
+          </a:p>
+          <a:p>
+            <a:pPr marL="0" marR="0" lvl="0" indent="0" algn="l" defTabSz="914400" rtl="0" eaLnBrk="1" fontAlgn="auto" latinLnBrk="0" hangingPunct="1">
+              <a:lnSpc>
+                <a:spcPct val="100000"/>
+              </a:lnSpc>
+              <a:spcBef>
+                <a:spcPts val="0"/>
+              </a:spcBef>
+              <a:spcAft>
+                <a:spcPts val="0"/>
+              </a:spcAft>
+              <a:buClrTx/>
+              <a:buSzTx/>
+              <a:buFontTx/>
+              <a:buNone/>
+              <a:tabLst/>
+              <a:defRPr/>
+            </a:pPr>
+            <a:endParaRPr lang="en-GB" sz="1200" dirty="0">
+              <a:effectLst/>
+              <a:latin typeface="Calibri" panose="020F0502020204030204" pitchFamily="34" charset="0"/>
+              <a:cs typeface="Times New Roman" panose="02020603050405020304" pitchFamily="18" charset="0"/>
+            </a:endParaRPr>
+          </a:p>
+          <a:p>
+            <a:pPr marL="0" marR="0" lvl="0" indent="0" algn="l" defTabSz="914400" rtl="0" eaLnBrk="1" fontAlgn="auto" latinLnBrk="0" hangingPunct="1">
+              <a:lnSpc>
+                <a:spcPct val="100000"/>
+              </a:lnSpc>
+              <a:spcBef>
+                <a:spcPts val="0"/>
+              </a:spcBef>
+              <a:spcAft>
+                <a:spcPts val="0"/>
+              </a:spcAft>
+              <a:buClrTx/>
+              <a:buSzTx/>
+              <a:buFontTx/>
+              <a:buNone/>
+              <a:tabLst/>
+              <a:defRPr/>
+            </a:pPr>
+            <a:r>
+              <a:rPr lang="en-GB" sz="1200" dirty="0">
+                <a:effectLst/>
+                <a:latin typeface="Calibri" panose="020F0502020204030204" pitchFamily="34" charset="0"/>
+                <a:cs typeface="Times New Roman" panose="02020603050405020304" pitchFamily="18" charset="0"/>
+              </a:rPr>
+              <a:t>However, if there is time time. I will go through the introduction at the end.</a:t>
+            </a:r>
             <a:endParaRPr lang="en-GB" dirty="0"/>
           </a:p>
           <a:p>
@@ -3373,9 +3424,39 @@
           <a:bodyPr/>
           <a:lstStyle/>
           <a:p>
-            <a:r>
-              <a:rPr lang="en-GB" dirty="0"/>
-              <a:t>That’s all, thanks for listening.</a:t>
+            <a:pPr marL="0" marR="0" lvl="0" indent="0" algn="l" defTabSz="914400" rtl="0" eaLnBrk="1" fontAlgn="auto" latinLnBrk="0" hangingPunct="1">
+              <a:lnSpc>
+                <a:spcPct val="100000"/>
+              </a:lnSpc>
+              <a:spcBef>
+                <a:spcPts val="0"/>
+              </a:spcBef>
+              <a:spcAft>
+                <a:spcPts val="0"/>
+              </a:spcAft>
+              <a:buClrTx/>
+              <a:buSzTx/>
+              <a:buFontTx/>
+              <a:buNone/>
+              <a:tabLst/>
+              <a:defRPr/>
+            </a:pPr>
+            <a:r>
+              <a:rPr lang="en-GB" sz="1200" dirty="0">
+                <a:effectLst/>
+                <a:latin typeface="Calibri" panose="020F0502020204030204" pitchFamily="34" charset="0"/>
+                <a:cs typeface="Times New Roman" panose="02020603050405020304" pitchFamily="18" charset="0"/>
+              </a:rPr>
+              <a:t>M</a:t>
+            </a:r>
+            <a:r>
+              <a:rPr lang="en-GB" sz="1200" dirty="0">
+                <a:effectLst/>
+                <a:latin typeface="Calibri" panose="020F0502020204030204" pitchFamily="34" charset="0"/>
+                <a:ea typeface="Calibri" panose="020F0502020204030204" pitchFamily="34" charset="0"/>
+                <a:cs typeface="Times New Roman" panose="02020603050405020304" pitchFamily="18" charset="0"/>
+              </a:rPr>
+              <a:t>y goal with this chapter is to introduce the main equations and terminology I will use throughout the thesis.</a:t>
             </a:r>
           </a:p>
         </p:txBody>
@@ -3406,7 +3487,7 @@
     </p:spTree>
     <p:extLst>
       <p:ext uri="{BB962C8B-B14F-4D97-AF65-F5344CB8AC3E}">
-        <p14:creationId xmlns:p14="http://schemas.microsoft.com/office/powerpoint/2010/main" val="1043083291"/>
+        <p14:creationId xmlns:p14="http://schemas.microsoft.com/office/powerpoint/2010/main" val="3663696700"/>
       </p:ext>
     </p:extLst>
   </p:cSld>
@@ -3478,68 +3559,12 @@
               <a:defRPr/>
             </a:pPr>
             <a:r>
-              <a:rPr lang="en-GB" dirty="0"/>
-              <a:t>Now I will go through the thesis chapter by chapter starting with the introduction chapter. </a:t>
-            </a:r>
-          </a:p>
-          <a:p>
-            <a:pPr marL="0" marR="0" lvl="0" indent="0" algn="l" defTabSz="914400" rtl="0" eaLnBrk="1" fontAlgn="auto" latinLnBrk="0" hangingPunct="1">
-              <a:lnSpc>
-                <a:spcPct val="100000"/>
-              </a:lnSpc>
-              <a:spcBef>
-                <a:spcPts val="0"/>
-              </a:spcBef>
-              <a:spcAft>
-                <a:spcPts val="0"/>
-              </a:spcAft>
-              <a:buClrTx/>
-              <a:buSzTx/>
-              <a:buFontTx/>
-              <a:buNone/>
-              <a:tabLst/>
-              <a:defRPr/>
-            </a:pPr>
-            <a:endParaRPr lang="en-GB" sz="1200" dirty="0">
-              <a:effectLst/>
-              <a:latin typeface="Calibri" panose="020F0502020204030204" pitchFamily="34" charset="0"/>
-              <a:cs typeface="Times New Roman" panose="02020603050405020304" pitchFamily="18" charset="0"/>
-            </a:endParaRPr>
-          </a:p>
-          <a:p>
-            <a:pPr marL="0" marR="0" lvl="0" indent="0" algn="l" defTabSz="914400" rtl="0" eaLnBrk="1" fontAlgn="auto" latinLnBrk="0" hangingPunct="1">
-              <a:lnSpc>
-                <a:spcPct val="100000"/>
-              </a:lnSpc>
-              <a:spcBef>
-                <a:spcPts val="0"/>
-              </a:spcBef>
-              <a:spcAft>
-                <a:spcPts val="0"/>
-              </a:spcAft>
-              <a:buClrTx/>
-              <a:buSzTx/>
-              <a:buFontTx/>
-              <a:buNone/>
-              <a:tabLst/>
-              <a:defRPr/>
-            </a:pPr>
-            <a:r>
               <a:rPr lang="en-GB" sz="1200" dirty="0">
                 <a:effectLst/>
                 <a:latin typeface="Calibri" panose="020F0502020204030204" pitchFamily="34" charset="0"/>
                 <a:cs typeface="Times New Roman" panose="02020603050405020304" pitchFamily="18" charset="0"/>
               </a:rPr>
-              <a:t>M</a:t>
-            </a:r>
-            <a:r>
-              <a:rPr lang="en-GB" sz="1200" dirty="0">
-                <a:effectLst/>
-                <a:latin typeface="Calibri" panose="020F0502020204030204" pitchFamily="34" charset="0"/>
-                <a:ea typeface="Calibri" panose="020F0502020204030204" pitchFamily="34" charset="0"/>
-                <a:cs typeface="Times New Roman" panose="02020603050405020304" pitchFamily="18" charset="0"/>
-              </a:rPr>
-              <a:t>y goal with this chapter is to introduce the main equations and terminology I will use throughout the thesis.</a:t>
+              <a:t>The first section aims to introduce some basic facts about the solar atmosphere. I want to make sure the reader knows what I mean when I say words like photosphere, transition region, quiet sun, active region etc</a:t>
             </a:r>
           </a:p>
         </p:txBody>
@@ -3570,7 +3595,7 @@
     </p:spTree>
     <p:extLst>
       <p:ext uri="{BB962C8B-B14F-4D97-AF65-F5344CB8AC3E}">
-        <p14:creationId xmlns:p14="http://schemas.microsoft.com/office/powerpoint/2010/main" val="3663696700"/>
+        <p14:creationId xmlns:p14="http://schemas.microsoft.com/office/powerpoint/2010/main" val="1286531437"/>
       </p:ext>
     </p:extLst>
   </p:cSld>
@@ -3647,7 +3672,7 @@
                 <a:latin typeface="Calibri" panose="020F0502020204030204" pitchFamily="34" charset="0"/>
                 <a:cs typeface="Times New Roman" panose="02020603050405020304" pitchFamily="18" charset="0"/>
               </a:rPr>
-              <a:t>The first section aims to introduce some basic facts about the solar atmosphere. I want to make sure the reader knows what I mean when I say words like photosphere, transition region, quiet sun, active region etc</a:t>
+              <a:t>The second section aims to give an introduction to the coronal heating. I thought it would be good to introduce the coronal heating problem here because I go in to a lot of detail about a specific coronal heating mechanism, namely, phase mixing in chapter 3. I also talk about coronal heating in the appendix. </a:t>
             </a:r>
           </a:p>
         </p:txBody>
@@ -3678,7 +3703,7 @@
     </p:spTree>
     <p:extLst>
       <p:ext uri="{BB962C8B-B14F-4D97-AF65-F5344CB8AC3E}">
-        <p14:creationId xmlns:p14="http://schemas.microsoft.com/office/powerpoint/2010/main" val="1286531437"/>
+        <p14:creationId xmlns:p14="http://schemas.microsoft.com/office/powerpoint/2010/main" val="3981504322"/>
       </p:ext>
     </p:extLst>
   </p:cSld>
@@ -3755,8 +3780,124 @@
                 <a:latin typeface="Calibri" panose="020F0502020204030204" pitchFamily="34" charset="0"/>
                 <a:cs typeface="Times New Roman" panose="02020603050405020304" pitchFamily="18" charset="0"/>
               </a:rPr>
-              <a:t>The second section aims to give an introduction to the coronal heating. I thought it would be good to introduce the coronal heating problem here because I go in to a lot of detail about a specific coronal heating mechanism, namely, phase mixing in chapter 3. I also talk about coronal heating in the appendix. </a:t>
-            </a:r>
+              <a:t>The third section aims to introduce the MHD equations and some of the critical assumptions. </a:t>
+            </a:r>
+            <a:r>
+              <a:rPr lang="en-GB" sz="1200" dirty="0">
+                <a:effectLst/>
+                <a:latin typeface="Calibri" panose="020F0502020204030204" pitchFamily="34" charset="0"/>
+                <a:ea typeface="Calibri" panose="020F0502020204030204" pitchFamily="34" charset="0"/>
+                <a:cs typeface="Times New Roman" panose="02020603050405020304" pitchFamily="18" charset="0"/>
+              </a:rPr>
+              <a:t>. </a:t>
+            </a:r>
+          </a:p>
+          <a:p>
+            <a:pPr marL="0" marR="0" lvl="0" indent="0" algn="l" defTabSz="914400" rtl="0" eaLnBrk="1" fontAlgn="auto" latinLnBrk="0" hangingPunct="1">
+              <a:lnSpc>
+                <a:spcPct val="100000"/>
+              </a:lnSpc>
+              <a:spcBef>
+                <a:spcPts val="0"/>
+              </a:spcBef>
+              <a:spcAft>
+                <a:spcPts val="0"/>
+              </a:spcAft>
+              <a:buClrTx/>
+              <a:buSzTx/>
+              <a:buFontTx/>
+              <a:buNone/>
+              <a:tabLst/>
+              <a:defRPr/>
+            </a:pPr>
+            <a:endParaRPr lang="en-GB" sz="1200" dirty="0">
+              <a:effectLst/>
+              <a:latin typeface="Calibri" panose="020F0502020204030204" pitchFamily="34" charset="0"/>
+              <a:ea typeface="Calibri" panose="020F0502020204030204" pitchFamily="34" charset="0"/>
+              <a:cs typeface="Times New Roman" panose="02020603050405020304" pitchFamily="18" charset="0"/>
+            </a:endParaRPr>
+          </a:p>
+          <a:p>
+            <a:pPr marL="0" marR="0" lvl="0" indent="0" algn="l" defTabSz="914400" rtl="0" eaLnBrk="1" fontAlgn="auto" latinLnBrk="0" hangingPunct="1">
+              <a:lnSpc>
+                <a:spcPct val="100000"/>
+              </a:lnSpc>
+              <a:spcBef>
+                <a:spcPts val="0"/>
+              </a:spcBef>
+              <a:spcAft>
+                <a:spcPts val="0"/>
+              </a:spcAft>
+              <a:buClrTx/>
+              <a:buSzTx/>
+              <a:buFontTx/>
+              <a:buNone/>
+              <a:tabLst/>
+              <a:defRPr/>
+            </a:pPr>
+            <a:r>
+              <a:rPr lang="en-GB" sz="1200" dirty="0">
+                <a:effectLst/>
+                <a:latin typeface="Calibri" panose="020F0502020204030204" pitchFamily="34" charset="0"/>
+                <a:ea typeface="Calibri" panose="020F0502020204030204" pitchFamily="34" charset="0"/>
+                <a:cs typeface="Times New Roman" panose="02020603050405020304" pitchFamily="18" charset="0"/>
+              </a:rPr>
+              <a:t>I thought it was important to show when the length scales are too short for the plasma to be modelled as collisional because, in the later chapters, very short length scales form due to phase mixing. I think most PhD students in this field have a section in their introduction very similar to this. </a:t>
+            </a:r>
+          </a:p>
+          <a:p>
+            <a:pPr marL="0" marR="0" lvl="0" indent="0" algn="l" defTabSz="914400" rtl="0" eaLnBrk="1" fontAlgn="auto" latinLnBrk="0" hangingPunct="1">
+              <a:lnSpc>
+                <a:spcPct val="100000"/>
+              </a:lnSpc>
+              <a:spcBef>
+                <a:spcPts val="0"/>
+              </a:spcBef>
+              <a:spcAft>
+                <a:spcPts val="0"/>
+              </a:spcAft>
+              <a:buClrTx/>
+              <a:buSzTx/>
+              <a:buFontTx/>
+              <a:buNone/>
+              <a:tabLst/>
+              <a:defRPr/>
+            </a:pPr>
+            <a:endParaRPr lang="en-GB" sz="1200" dirty="0">
+              <a:effectLst/>
+              <a:latin typeface="Calibri" panose="020F0502020204030204" pitchFamily="34" charset="0"/>
+              <a:ea typeface="Calibri" panose="020F0502020204030204" pitchFamily="34" charset="0"/>
+              <a:cs typeface="Times New Roman" panose="02020603050405020304" pitchFamily="18" charset="0"/>
+            </a:endParaRPr>
+          </a:p>
+          <a:p>
+            <a:pPr marL="0" marR="0" lvl="0" indent="0" algn="l" defTabSz="914400" rtl="0" eaLnBrk="1" fontAlgn="auto" latinLnBrk="0" hangingPunct="1">
+              <a:lnSpc>
+                <a:spcPct val="100000"/>
+              </a:lnSpc>
+              <a:spcBef>
+                <a:spcPts val="0"/>
+              </a:spcBef>
+              <a:spcAft>
+                <a:spcPts val="0"/>
+              </a:spcAft>
+              <a:buClrTx/>
+              <a:buSzTx/>
+              <a:buFontTx/>
+              <a:buNone/>
+              <a:tabLst/>
+              <a:defRPr/>
+            </a:pPr>
+            <a:r>
+              <a:rPr lang="en-GB" sz="1200" dirty="0">
+                <a:effectLst/>
+                <a:latin typeface="Calibri" panose="020F0502020204030204" pitchFamily="34" charset="0"/>
+                <a:ea typeface="Calibri" panose="020F0502020204030204" pitchFamily="34" charset="0"/>
+                <a:cs typeface="Times New Roman" panose="02020603050405020304" pitchFamily="18" charset="0"/>
+              </a:rPr>
+              <a:t>I go into more detail about the viscosity tensor than I think most other PhD students would. I do this because, in chapter 3, I make strong claims about phase mixing as a coronal heating mechanism. I also propose the dissipation of fast waves as a possible heating mechanism in the appendix. My claims are heavily reliant on modelling the resistivity and viscosity correctly. So I thought it was worth spending a bit of extra time clearly defining how I model the viscosity.</a:t>
+            </a:r>
+            <a:endParaRPr lang="en-GB" dirty="0"/>
           </a:p>
         </p:txBody>
       </p:sp>
@@ -3786,7 +3927,7 @@
     </p:spTree>
     <p:extLst>
       <p:ext uri="{BB962C8B-B14F-4D97-AF65-F5344CB8AC3E}">
-        <p14:creationId xmlns:p14="http://schemas.microsoft.com/office/powerpoint/2010/main" val="3981504322"/>
+        <p14:creationId xmlns:p14="http://schemas.microsoft.com/office/powerpoint/2010/main" val="587528790"/>
       </p:ext>
     </p:extLst>
   </p:cSld>
@@ -3863,122 +4004,7 @@
                 <a:latin typeface="Calibri" panose="020F0502020204030204" pitchFamily="34" charset="0"/>
                 <a:cs typeface="Times New Roman" panose="02020603050405020304" pitchFamily="18" charset="0"/>
               </a:rPr>
-              <a:t>The third section aims to introduce the MHD equations and some of the critical assumptions. </a:t>
-            </a:r>
-            <a:r>
-              <a:rPr lang="en-GB" sz="1200" dirty="0">
-                <a:effectLst/>
-                <a:latin typeface="Calibri" panose="020F0502020204030204" pitchFamily="34" charset="0"/>
-                <a:ea typeface="Calibri" panose="020F0502020204030204" pitchFamily="34" charset="0"/>
-                <a:cs typeface="Times New Roman" panose="02020603050405020304" pitchFamily="18" charset="0"/>
-              </a:rPr>
-              <a:t>. </a:t>
-            </a:r>
-          </a:p>
-          <a:p>
-            <a:pPr marL="0" marR="0" lvl="0" indent="0" algn="l" defTabSz="914400" rtl="0" eaLnBrk="1" fontAlgn="auto" latinLnBrk="0" hangingPunct="1">
-              <a:lnSpc>
-                <a:spcPct val="100000"/>
-              </a:lnSpc>
-              <a:spcBef>
-                <a:spcPts val="0"/>
-              </a:spcBef>
-              <a:spcAft>
-                <a:spcPts val="0"/>
-              </a:spcAft>
-              <a:buClrTx/>
-              <a:buSzTx/>
-              <a:buFontTx/>
-              <a:buNone/>
-              <a:tabLst/>
-              <a:defRPr/>
-            </a:pPr>
-            <a:endParaRPr lang="en-GB" sz="1200" dirty="0">
-              <a:effectLst/>
-              <a:latin typeface="Calibri" panose="020F0502020204030204" pitchFamily="34" charset="0"/>
-              <a:ea typeface="Calibri" panose="020F0502020204030204" pitchFamily="34" charset="0"/>
-              <a:cs typeface="Times New Roman" panose="02020603050405020304" pitchFamily="18" charset="0"/>
-            </a:endParaRPr>
-          </a:p>
-          <a:p>
-            <a:pPr marL="0" marR="0" lvl="0" indent="0" algn="l" defTabSz="914400" rtl="0" eaLnBrk="1" fontAlgn="auto" latinLnBrk="0" hangingPunct="1">
-              <a:lnSpc>
-                <a:spcPct val="100000"/>
-              </a:lnSpc>
-              <a:spcBef>
-                <a:spcPts val="0"/>
-              </a:spcBef>
-              <a:spcAft>
-                <a:spcPts val="0"/>
-              </a:spcAft>
-              <a:buClrTx/>
-              <a:buSzTx/>
-              <a:buFontTx/>
-              <a:buNone/>
-              <a:tabLst/>
-              <a:defRPr/>
-            </a:pPr>
-            <a:r>
-              <a:rPr lang="en-GB" sz="1200" dirty="0">
-                <a:effectLst/>
-                <a:latin typeface="Calibri" panose="020F0502020204030204" pitchFamily="34" charset="0"/>
-                <a:ea typeface="Calibri" panose="020F0502020204030204" pitchFamily="34" charset="0"/>
-                <a:cs typeface="Times New Roman" panose="02020603050405020304" pitchFamily="18" charset="0"/>
-              </a:rPr>
-              <a:t>I thought it was important to show when the length scales are too short for the plasma to be modelled as collisional because, in the later chapters, very short length scales form due to phase mixing. I think most PhD students in this field have a section in their introduction very similar to this. </a:t>
-            </a:r>
-          </a:p>
-          <a:p>
-            <a:pPr marL="0" marR="0" lvl="0" indent="0" algn="l" defTabSz="914400" rtl="0" eaLnBrk="1" fontAlgn="auto" latinLnBrk="0" hangingPunct="1">
-              <a:lnSpc>
-                <a:spcPct val="100000"/>
-              </a:lnSpc>
-              <a:spcBef>
-                <a:spcPts val="0"/>
-              </a:spcBef>
-              <a:spcAft>
-                <a:spcPts val="0"/>
-              </a:spcAft>
-              <a:buClrTx/>
-              <a:buSzTx/>
-              <a:buFontTx/>
-              <a:buNone/>
-              <a:tabLst/>
-              <a:defRPr/>
-            </a:pPr>
-            <a:endParaRPr lang="en-GB" sz="1200" dirty="0">
-              <a:effectLst/>
-              <a:latin typeface="Calibri" panose="020F0502020204030204" pitchFamily="34" charset="0"/>
-              <a:ea typeface="Calibri" panose="020F0502020204030204" pitchFamily="34" charset="0"/>
-              <a:cs typeface="Times New Roman" panose="02020603050405020304" pitchFamily="18" charset="0"/>
-            </a:endParaRPr>
-          </a:p>
-          <a:p>
-            <a:pPr marL="0" marR="0" lvl="0" indent="0" algn="l" defTabSz="914400" rtl="0" eaLnBrk="1" fontAlgn="auto" latinLnBrk="0" hangingPunct="1">
-              <a:lnSpc>
-                <a:spcPct val="100000"/>
-              </a:lnSpc>
-              <a:spcBef>
-                <a:spcPts val="0"/>
-              </a:spcBef>
-              <a:spcAft>
-                <a:spcPts val="0"/>
-              </a:spcAft>
-              <a:buClrTx/>
-              <a:buSzTx/>
-              <a:buFontTx/>
-              <a:buNone/>
-              <a:tabLst/>
-              <a:defRPr/>
-            </a:pPr>
-            <a:r>
-              <a:rPr lang="en-GB" sz="1200" dirty="0">
-                <a:effectLst/>
-                <a:latin typeface="Calibri" panose="020F0502020204030204" pitchFamily="34" charset="0"/>
-                <a:ea typeface="Calibri" panose="020F0502020204030204" pitchFamily="34" charset="0"/>
-                <a:cs typeface="Times New Roman" panose="02020603050405020304" pitchFamily="18" charset="0"/>
-              </a:rPr>
-              <a:t>I go into more detail about the viscosity tensor than I think most other PhD students would. I do this because, in chapter 3, I make strong claims about phase mixing as a coronal heating mechanism. I also propose the dissipation of fast waves as a possible heating mechanism in the appendix. My claims are heavily reliant on modelling the resistivity and viscosity correctly. So I thought it was worth spending a bit of extra time clearly defining how I model the viscosity.</a:t>
+              <a:t>The fourth section aims to introduce some basic facts about linear fast and Alfven waves. I do this by deriving the dispersion relation and then using this to show basic facts like that linear Alfven waves are incompressible and fast waves propagate isotropically. I don’t talk much about slow waves as I model the plasma beta equal to zero throughout most of this thesis.</a:t>
             </a:r>
             <a:endParaRPr lang="en-GB" dirty="0"/>
           </a:p>
@@ -4010,7 +4036,7 @@
     </p:spTree>
     <p:extLst>
       <p:ext uri="{BB962C8B-B14F-4D97-AF65-F5344CB8AC3E}">
-        <p14:creationId xmlns:p14="http://schemas.microsoft.com/office/powerpoint/2010/main" val="587528790"/>
+        <p14:creationId xmlns:p14="http://schemas.microsoft.com/office/powerpoint/2010/main" val="971111398"/>
       </p:ext>
     </p:extLst>
   </p:cSld>
@@ -4064,32 +4090,64 @@
           <a:bodyPr/>
           <a:lstStyle/>
           <a:p>
-            <a:pPr marL="0" marR="0" lvl="0" indent="0" algn="l" defTabSz="914400" rtl="0" eaLnBrk="1" fontAlgn="auto" latinLnBrk="0" hangingPunct="1">
+            <a:pPr marL="0" lvl="0" indent="0">
               <a:lnSpc>
-                <a:spcPct val="100000"/>
+                <a:spcPct val="107000"/>
               </a:lnSpc>
-              <a:spcBef>
-                <a:spcPts val="0"/>
-              </a:spcBef>
               <a:spcAft>
-                <a:spcPts val="0"/>
+                <a:spcPts val="800"/>
               </a:spcAft>
-              <a:buClrTx/>
-              <a:buSzTx/>
-              <a:buFontTx/>
+              <a:buFont typeface="Symbol" panose="05050102010706020507" pitchFamily="18" charset="2"/>
               <a:buNone/>
-              <a:tabLst/>
-              <a:defRPr/>
             </a:pPr>
             <a:r>
               <a:rPr lang="en-GB" sz="1200" dirty="0">
                 <a:effectLst/>
                 <a:latin typeface="Calibri" panose="020F0502020204030204" pitchFamily="34" charset="0"/>
+                <a:ea typeface="Calibri" panose="020F0502020204030204" pitchFamily="34" charset="0"/>
                 <a:cs typeface="Times New Roman" panose="02020603050405020304" pitchFamily="18" charset="0"/>
               </a:rPr>
-              <a:t>The fourth section aims to introduce some basic facts about linear fast and Alfven waves. I do this by deriving the dispersion relation and then using this to show basic facts like that linear Alfven waves are incompressible and fast waves propagate isotropically. I don’t talk much about slow waves as I model the plasma beta equal to zero throughout most of this thesis.</a:t>
-            </a:r>
-            <a:endParaRPr lang="en-GB" dirty="0"/>
+              <a:t>The fifth section aims to introduce the observed power spectra of waves on the sun. I thought it would be good to introduce it here because I refer to it later in chapter 2 when we look at footpoint driven waves where the driver is noisy. I also use it in chapter 3 to calculate the heat produced by multiple harmonics of standing phase-mixed Alfven waves.</a:t>
+            </a:r>
+          </a:p>
+          <a:p>
+            <a:pPr marL="0" lvl="0" indent="0">
+              <a:lnSpc>
+                <a:spcPct val="107000"/>
+              </a:lnSpc>
+              <a:spcAft>
+                <a:spcPts val="800"/>
+              </a:spcAft>
+              <a:buFont typeface="Symbol" panose="05050102010706020507" pitchFamily="18" charset="2"/>
+              <a:buNone/>
+            </a:pPr>
+            <a:endParaRPr lang="en-GB" sz="1200" dirty="0">
+              <a:effectLst/>
+              <a:latin typeface="Calibri" panose="020F0502020204030204" pitchFamily="34" charset="0"/>
+              <a:ea typeface="Calibri" panose="020F0502020204030204" pitchFamily="34" charset="0"/>
+              <a:cs typeface="Times New Roman" panose="02020603050405020304" pitchFamily="18" charset="0"/>
+            </a:endParaRPr>
+          </a:p>
+          <a:p>
+            <a:pPr marL="0" lvl="0" indent="0">
+              <a:lnSpc>
+                <a:spcPct val="107000"/>
+              </a:lnSpc>
+              <a:spcAft>
+                <a:spcPts val="800"/>
+              </a:spcAft>
+              <a:buFont typeface="Symbol" panose="05050102010706020507" pitchFamily="18" charset="2"/>
+              <a:buNone/>
+            </a:pPr>
+            <a:r>
+              <a:rPr lang="en-GB" sz="1200" dirty="0">
+                <a:effectLst/>
+                <a:latin typeface="Calibri" panose="020F0502020204030204" pitchFamily="34" charset="0"/>
+                <a:ea typeface="Calibri" panose="020F0502020204030204" pitchFamily="34" charset="0"/>
+                <a:cs typeface="Times New Roman" panose="02020603050405020304" pitchFamily="18" charset="0"/>
+              </a:rPr>
+              <a:t>In this section I also go into the maths of how power spectra are calculated in a lot more detail than I would in say a paper. The reason is because in a paper you would normally assume the reader already knows this but for this thesis I wanted to make sure the reader knows precisely how the power spectrum is defined.</a:t>
+            </a:r>
           </a:p>
         </p:txBody>
       </p:sp>
@@ -4119,7 +4177,7 @@
     </p:spTree>
     <p:extLst>
       <p:ext uri="{BB962C8B-B14F-4D97-AF65-F5344CB8AC3E}">
-        <p14:creationId xmlns:p14="http://schemas.microsoft.com/office/powerpoint/2010/main" val="971111398"/>
+        <p14:creationId xmlns:p14="http://schemas.microsoft.com/office/powerpoint/2010/main" val="2285234356"/>
       </p:ext>
     </p:extLst>
   </p:cSld>
@@ -4190,46 +4248,7 @@
                 <a:ea typeface="Calibri" panose="020F0502020204030204" pitchFamily="34" charset="0"/>
                 <a:cs typeface="Times New Roman" panose="02020603050405020304" pitchFamily="18" charset="0"/>
               </a:rPr>
-              <a:t>The fifth section aims to introduce the observed power spectra of waves on the sun. I thought it would be good to introduce it here because I refer to it later in chapter 2 when we look at footpoint driven waves where the driver is noisy. I also use it in chapter 3 to calculate the heat produced by multiple harmonics of standing phase-mixed Alfven waves.</a:t>
-            </a:r>
-          </a:p>
-          <a:p>
-            <a:pPr marL="0" lvl="0" indent="0">
-              <a:lnSpc>
-                <a:spcPct val="107000"/>
-              </a:lnSpc>
-              <a:spcAft>
-                <a:spcPts val="800"/>
-              </a:spcAft>
-              <a:buFont typeface="Symbol" panose="05050102010706020507" pitchFamily="18" charset="2"/>
-              <a:buNone/>
-            </a:pPr>
-            <a:endParaRPr lang="en-GB" sz="1200" dirty="0">
-              <a:effectLst/>
-              <a:latin typeface="Calibri" panose="020F0502020204030204" pitchFamily="34" charset="0"/>
-              <a:ea typeface="Calibri" panose="020F0502020204030204" pitchFamily="34" charset="0"/>
-              <a:cs typeface="Times New Roman" panose="02020603050405020304" pitchFamily="18" charset="0"/>
-            </a:endParaRPr>
-          </a:p>
-          <a:p>
-            <a:pPr marL="0" lvl="0" indent="0">
-              <a:lnSpc>
-                <a:spcPct val="107000"/>
-              </a:lnSpc>
-              <a:spcAft>
-                <a:spcPts val="800"/>
-              </a:spcAft>
-              <a:buFont typeface="Symbol" panose="05050102010706020507" pitchFamily="18" charset="2"/>
-              <a:buNone/>
-            </a:pPr>
-            <a:r>
-              <a:rPr lang="en-GB" sz="1200" dirty="0">
-                <a:effectLst/>
-                <a:latin typeface="Calibri" panose="020F0502020204030204" pitchFamily="34" charset="0"/>
-                <a:ea typeface="Calibri" panose="020F0502020204030204" pitchFamily="34" charset="0"/>
-                <a:cs typeface="Times New Roman" panose="02020603050405020304" pitchFamily="18" charset="0"/>
-              </a:rPr>
-              <a:t>In this section I also go into the maths of how power spectra are calculated in a lot more detail than I would in say a paper. The reason is because in a paper you would normally assume the reader already knows this but for this thesis I wanted to make sure the reader knows precisely how the power spectrum is defined.</a:t>
+              <a:t>Finally section 6 gives a brief outline of the thesis.</a:t>
             </a:r>
           </a:p>
         </p:txBody>
@@ -4260,7 +4279,7 @@
     </p:spTree>
     <p:extLst>
       <p:ext uri="{BB962C8B-B14F-4D97-AF65-F5344CB8AC3E}">
-        <p14:creationId xmlns:p14="http://schemas.microsoft.com/office/powerpoint/2010/main" val="2285234356"/>
+        <p14:creationId xmlns:p14="http://schemas.microsoft.com/office/powerpoint/2010/main" val="791399348"/>
       </p:ext>
     </p:extLst>
   </p:cSld>
@@ -4314,24 +4333,9 @@
           <a:bodyPr/>
           <a:lstStyle/>
           <a:p>
-            <a:pPr marL="0" lvl="0" indent="0">
-              <a:lnSpc>
-                <a:spcPct val="107000"/>
-              </a:lnSpc>
-              <a:spcAft>
-                <a:spcPts val="800"/>
-              </a:spcAft>
-              <a:buFont typeface="Symbol" panose="05050102010706020507" pitchFamily="18" charset="2"/>
-              <a:buNone/>
-            </a:pPr>
-            <a:r>
-              <a:rPr lang="en-GB" sz="1200" dirty="0">
-                <a:effectLst/>
-                <a:latin typeface="Calibri" panose="020F0502020204030204" pitchFamily="34" charset="0"/>
-                <a:ea typeface="Calibri" panose="020F0502020204030204" pitchFamily="34" charset="0"/>
-                <a:cs typeface="Times New Roman" panose="02020603050405020304" pitchFamily="18" charset="0"/>
-              </a:rPr>
-              <a:t>Finally section 6 gives a brief outline of the thesis.</a:t>
+            <a:r>
+              <a:rPr lang="en-GB" dirty="0"/>
+              <a:t>That’s all, thanks for listening.</a:t>
             </a:r>
           </a:p>
         </p:txBody>
@@ -4362,7 +4366,7 @@
     </p:spTree>
     <p:extLst>
       <p:ext uri="{BB962C8B-B14F-4D97-AF65-F5344CB8AC3E}">
-        <p14:creationId xmlns:p14="http://schemas.microsoft.com/office/powerpoint/2010/main" val="791399348"/>
+        <p14:creationId xmlns:p14="http://schemas.microsoft.com/office/powerpoint/2010/main" val="1043083291"/>
       </p:ext>
     </p:extLst>
   </p:cSld>
@@ -5293,7 +5297,7 @@
           <a:p>
             <a:fld id="{56EEEA2F-7E23-417F-9FCD-482E647E329D}" type="datetimeFigureOut">
               <a:rPr lang="en-GB" smtClean="0"/>
-              <a:t>28/05/2021</a:t>
+              <a:t>01/06/2021</a:t>
             </a:fld>
             <a:endParaRPr lang="en-GB"/>
           </a:p>
@@ -5493,7 +5497,7 @@
           <a:p>
             <a:fld id="{56EEEA2F-7E23-417F-9FCD-482E647E329D}" type="datetimeFigureOut">
               <a:rPr lang="en-GB" smtClean="0"/>
-              <a:t>28/05/2021</a:t>
+              <a:t>01/06/2021</a:t>
             </a:fld>
             <a:endParaRPr lang="en-GB"/>
           </a:p>
@@ -5703,7 +5707,7 @@
           <a:p>
             <a:fld id="{56EEEA2F-7E23-417F-9FCD-482E647E329D}" type="datetimeFigureOut">
               <a:rPr lang="en-GB" smtClean="0"/>
-              <a:t>28/05/2021</a:t>
+              <a:t>01/06/2021</a:t>
             </a:fld>
             <a:endParaRPr lang="en-GB"/>
           </a:p>
@@ -5903,7 +5907,7 @@
           <a:p>
             <a:fld id="{56EEEA2F-7E23-417F-9FCD-482E647E329D}" type="datetimeFigureOut">
               <a:rPr lang="en-GB" smtClean="0"/>
-              <a:t>28/05/2021</a:t>
+              <a:t>01/06/2021</a:t>
             </a:fld>
             <a:endParaRPr lang="en-GB"/>
           </a:p>
@@ -6179,7 +6183,7 @@
           <a:p>
             <a:fld id="{56EEEA2F-7E23-417F-9FCD-482E647E329D}" type="datetimeFigureOut">
               <a:rPr lang="en-GB" smtClean="0"/>
-              <a:t>28/05/2021</a:t>
+              <a:t>01/06/2021</a:t>
             </a:fld>
             <a:endParaRPr lang="en-GB"/>
           </a:p>
@@ -6447,7 +6451,7 @@
           <a:p>
             <a:fld id="{56EEEA2F-7E23-417F-9FCD-482E647E329D}" type="datetimeFigureOut">
               <a:rPr lang="en-GB" smtClean="0"/>
-              <a:t>28/05/2021</a:t>
+              <a:t>01/06/2021</a:t>
             </a:fld>
             <a:endParaRPr lang="en-GB"/>
           </a:p>
@@ -6862,7 +6866,7 @@
           <a:p>
             <a:fld id="{56EEEA2F-7E23-417F-9FCD-482E647E329D}" type="datetimeFigureOut">
               <a:rPr lang="en-GB" smtClean="0"/>
-              <a:t>28/05/2021</a:t>
+              <a:t>01/06/2021</a:t>
             </a:fld>
             <a:endParaRPr lang="en-GB"/>
           </a:p>
@@ -7004,7 +7008,7 @@
           <a:p>
             <a:fld id="{56EEEA2F-7E23-417F-9FCD-482E647E329D}" type="datetimeFigureOut">
               <a:rPr lang="en-GB" smtClean="0"/>
-              <a:t>28/05/2021</a:t>
+              <a:t>01/06/2021</a:t>
             </a:fld>
             <a:endParaRPr lang="en-GB"/>
           </a:p>
@@ -7117,7 +7121,7 @@
           <a:p>
             <a:fld id="{56EEEA2F-7E23-417F-9FCD-482E647E329D}" type="datetimeFigureOut">
               <a:rPr lang="en-GB" smtClean="0"/>
-              <a:t>28/05/2021</a:t>
+              <a:t>01/06/2021</a:t>
             </a:fld>
             <a:endParaRPr lang="en-GB"/>
           </a:p>
@@ -7430,7 +7434,7 @@
           <a:p>
             <a:fld id="{56EEEA2F-7E23-417F-9FCD-482E647E329D}" type="datetimeFigureOut">
               <a:rPr lang="en-GB" smtClean="0"/>
-              <a:t>28/05/2021</a:t>
+              <a:t>01/06/2021</a:t>
             </a:fld>
             <a:endParaRPr lang="en-GB"/>
           </a:p>
@@ -7719,7 +7723,7 @@
           <a:p>
             <a:fld id="{56EEEA2F-7E23-417F-9FCD-482E647E329D}" type="datetimeFigureOut">
               <a:rPr lang="en-GB" smtClean="0"/>
-              <a:t>28/05/2021</a:t>
+              <a:t>01/06/2021</a:t>
             </a:fld>
             <a:endParaRPr lang="en-GB"/>
           </a:p>
@@ -7962,7 +7966,7 @@
           <a:p>
             <a:fld id="{56EEEA2F-7E23-417F-9FCD-482E647E329D}" type="datetimeFigureOut">
               <a:rPr lang="en-GB" smtClean="0"/>
-              <a:t>28/05/2021</a:t>
+              <a:t>01/06/2021</a:t>
             </a:fld>
             <a:endParaRPr lang="en-GB"/>
           </a:p>
@@ -12343,55 +12347,141 @@
           <a:chExt cx="0" cy="0"/>
         </a:xfrm>
       </p:grpSpPr>
-      <p:sp>
-        <p:nvSpPr>
-          <p:cNvPr id="4" name="Title 3">
-            <a:extLst>
-              <a:ext uri="{FF2B5EF4-FFF2-40B4-BE49-F238E27FC236}">
-                <a16:creationId xmlns:a16="http://schemas.microsoft.com/office/drawing/2014/main" id="{705F4583-60E8-D24B-B2EC-A0694107C9DA}"/>
-              </a:ext>
-            </a:extLst>
-          </p:cNvPr>
-          <p:cNvSpPr>
-            <a:spLocks noGrp="1"/>
-          </p:cNvSpPr>
-          <p:nvPr>
-            <p:ph type="ctrTitle"/>
-          </p:nvPr>
-        </p:nvSpPr>
-        <p:spPr/>
-        <p:txBody>
-          <a:bodyPr/>
-          <a:lstStyle/>
-          <a:p>
-            <a:r>
-              <a:rPr lang="en-GB" dirty="0"/>
-              <a:t>Thanks for listening</a:t>
-            </a:r>
-          </a:p>
-        </p:txBody>
-      </p:sp>
-      <p:sp>
-        <p:nvSpPr>
-          <p:cNvPr id="5" name="Subtitle 4">
-            <a:extLst>
-              <a:ext uri="{FF2B5EF4-FFF2-40B4-BE49-F238E27FC236}">
-                <a16:creationId xmlns:a16="http://schemas.microsoft.com/office/drawing/2014/main" id="{2977DDF1-1B83-654D-A9AB-20AD2F114395}"/>
-              </a:ext>
-            </a:extLst>
-          </p:cNvPr>
-          <p:cNvSpPr>
-            <a:spLocks noGrp="1"/>
-          </p:cNvSpPr>
-          <p:nvPr>
-            <p:ph type="subTitle" idx="1"/>
-          </p:nvPr>
-        </p:nvSpPr>
-        <p:spPr/>
-        <p:txBody>
-          <a:bodyPr/>
-          <a:lstStyle/>
-          <a:p>
+      <p:pic>
+        <p:nvPicPr>
+          <p:cNvPr id="5" name="Picture 4">
+            <a:extLst>
+              <a:ext uri="{FF2B5EF4-FFF2-40B4-BE49-F238E27FC236}">
+                <a16:creationId xmlns:a16="http://schemas.microsoft.com/office/drawing/2014/main" id="{F5C2D6F9-CF07-492E-95A8-A2EDECA338A7}"/>
+              </a:ext>
+            </a:extLst>
+          </p:cNvPr>
+          <p:cNvPicPr>
+            <a:picLocks noChangeAspect="1"/>
+          </p:cNvPicPr>
+          <p:nvPr/>
+        </p:nvPicPr>
+        <p:blipFill rotWithShape="1">
+          <a:blip r:embed="rId3"/>
+          <a:srcRect l="33795" r="33392"/>
+          <a:stretch/>
+        </p:blipFill>
+        <p:spPr>
+          <a:xfrm>
+            <a:off x="0" y="0"/>
+            <a:ext cx="4000503" cy="6858000"/>
+          </a:xfrm>
+          <a:prstGeom prst="rect">
+            <a:avLst/>
+          </a:prstGeom>
+        </p:spPr>
+      </p:pic>
+      <p:pic>
+        <p:nvPicPr>
+          <p:cNvPr id="7" name="Picture 6">
+            <a:extLst>
+              <a:ext uri="{FF2B5EF4-FFF2-40B4-BE49-F238E27FC236}">
+                <a16:creationId xmlns:a16="http://schemas.microsoft.com/office/drawing/2014/main" id="{7A8E5883-8227-450E-A1C8-36475780AD47}"/>
+              </a:ext>
+            </a:extLst>
+          </p:cNvPr>
+          <p:cNvPicPr>
+            <a:picLocks noChangeAspect="1"/>
+          </p:cNvPicPr>
+          <p:nvPr/>
+        </p:nvPicPr>
+        <p:blipFill rotWithShape="1">
+          <a:blip r:embed="rId4"/>
+          <a:srcRect l="33828" r="33359"/>
+          <a:stretch/>
+        </p:blipFill>
+        <p:spPr>
+          <a:xfrm>
+            <a:off x="4095749" y="0"/>
+            <a:ext cx="4000501" cy="6858000"/>
+          </a:xfrm>
+          <a:prstGeom prst="rect">
+            <a:avLst/>
+          </a:prstGeom>
+        </p:spPr>
+      </p:pic>
+      <p:pic>
+        <p:nvPicPr>
+          <p:cNvPr id="10" name="Picture 9">
+            <a:extLst>
+              <a:ext uri="{FF2B5EF4-FFF2-40B4-BE49-F238E27FC236}">
+                <a16:creationId xmlns:a16="http://schemas.microsoft.com/office/drawing/2014/main" id="{96C8E9C6-433B-48A1-9684-1D9E1CBA8C82}"/>
+              </a:ext>
+            </a:extLst>
+          </p:cNvPr>
+          <p:cNvPicPr>
+            <a:picLocks noChangeAspect="1"/>
+          </p:cNvPicPr>
+          <p:nvPr/>
+        </p:nvPicPr>
+        <p:blipFill rotWithShape="1">
+          <a:blip r:embed="rId5"/>
+          <a:srcRect l="33906" r="33281"/>
+          <a:stretch/>
+        </p:blipFill>
+        <p:spPr>
+          <a:xfrm>
+            <a:off x="8191499" y="0"/>
+            <a:ext cx="4000501" cy="6858000"/>
+          </a:xfrm>
+          <a:prstGeom prst="rect">
+            <a:avLst/>
+          </a:prstGeom>
+        </p:spPr>
+      </p:pic>
+      <p:sp>
+        <p:nvSpPr>
+          <p:cNvPr id="2" name="Rectangle 1">
+            <a:extLst>
+              <a:ext uri="{FF2B5EF4-FFF2-40B4-BE49-F238E27FC236}">
+                <a16:creationId xmlns:a16="http://schemas.microsoft.com/office/drawing/2014/main" id="{45E9089C-611D-48E5-B5B8-F2AE129417DD}"/>
+              </a:ext>
+            </a:extLst>
+          </p:cNvPr>
+          <p:cNvSpPr/>
+          <p:nvPr/>
+        </p:nvSpPr>
+        <p:spPr>
+          <a:xfrm>
+            <a:off x="28575" y="2066925"/>
+            <a:ext cx="3971925" cy="180975"/>
+          </a:xfrm>
+          <a:prstGeom prst="rect">
+            <a:avLst/>
+          </a:prstGeom>
+          <a:noFill/>
+          <a:ln w="38100">
+            <a:solidFill>
+              <a:srgbClr val="FF0000"/>
+            </a:solidFill>
+          </a:ln>
+        </p:spPr>
+        <p:style>
+          <a:lnRef idx="2">
+            <a:schemeClr val="accent1">
+              <a:shade val="50000"/>
+            </a:schemeClr>
+          </a:lnRef>
+          <a:fillRef idx="1">
+            <a:schemeClr val="accent1"/>
+          </a:fillRef>
+          <a:effectRef idx="0">
+            <a:schemeClr val="accent1"/>
+          </a:effectRef>
+          <a:fontRef idx="minor">
+            <a:schemeClr val="lt1"/>
+          </a:fontRef>
+        </p:style>
+        <p:txBody>
+          <a:bodyPr rtlCol="0" anchor="ctr"/>
+          <a:lstStyle/>
+          <a:p>
+            <a:pPr algn="ctr"/>
             <a:endParaRPr lang="en-GB"/>
           </a:p>
         </p:txBody>
@@ -12399,7 +12489,7 @@
     </p:spTree>
     <p:extLst>
       <p:ext uri="{BB962C8B-B14F-4D97-AF65-F5344CB8AC3E}">
-        <p14:creationId xmlns:p14="http://schemas.microsoft.com/office/powerpoint/2010/main" val="743971381"/>
+        <p14:creationId xmlns:p14="http://schemas.microsoft.com/office/powerpoint/2010/main" val="997854273"/>
       </p:ext>
     </p:extLst>
   </p:cSld>
@@ -12410,7 +12500,7 @@
 </file>
 
 <file path=ppt/slides/slide32.xml><?xml version="1.0" encoding="utf-8"?>
-<p:sld xmlns:a="http://schemas.openxmlformats.org/drawingml/2006/main" xmlns:r="http://schemas.openxmlformats.org/officeDocument/2006/relationships" xmlns:p="http://schemas.openxmlformats.org/presentationml/2006/main" show="0">
+<p:sld xmlns:a="http://schemas.openxmlformats.org/drawingml/2006/main" xmlns:r="http://schemas.openxmlformats.org/officeDocument/2006/relationships" xmlns:p="http://schemas.openxmlformats.org/presentationml/2006/main">
   <p:cSld>
     <p:spTree>
       <p:nvGrpSpPr>
@@ -12515,10 +12605,10 @@
       </p:pic>
       <p:sp>
         <p:nvSpPr>
-          <p:cNvPr id="2" name="Rectangle 1">
-            <a:extLst>
-              <a:ext uri="{FF2B5EF4-FFF2-40B4-BE49-F238E27FC236}">
-                <a16:creationId xmlns:a16="http://schemas.microsoft.com/office/drawing/2014/main" id="{45E9089C-611D-48E5-B5B8-F2AE129417DD}"/>
+          <p:cNvPr id="6" name="Rectangle 5">
+            <a:extLst>
+              <a:ext uri="{FF2B5EF4-FFF2-40B4-BE49-F238E27FC236}">
+                <a16:creationId xmlns:a16="http://schemas.microsoft.com/office/drawing/2014/main" id="{F6AE576E-BD66-4381-BD1F-AD97ADBD590D}"/>
               </a:ext>
             </a:extLst>
           </p:cNvPr>
@@ -12527,7 +12617,7 @@
         </p:nvSpPr>
         <p:spPr>
           <a:xfrm>
-            <a:off x="28575" y="2066925"/>
+            <a:off x="28575" y="2215608"/>
             <a:ext cx="3971925" cy="180975"/>
           </a:xfrm>
           <a:prstGeom prst="rect">
@@ -12568,7 +12658,7 @@
     </p:spTree>
     <p:extLst>
       <p:ext uri="{BB962C8B-B14F-4D97-AF65-F5344CB8AC3E}">
-        <p14:creationId xmlns:p14="http://schemas.microsoft.com/office/powerpoint/2010/main" val="997854273"/>
+        <p14:creationId xmlns:p14="http://schemas.microsoft.com/office/powerpoint/2010/main" val="2159621259"/>
       </p:ext>
     </p:extLst>
   </p:cSld>
@@ -12579,7 +12669,7 @@
 </file>
 
 <file path=ppt/slides/slide33.xml><?xml version="1.0" encoding="utf-8"?>
-<p:sld xmlns:a="http://schemas.openxmlformats.org/drawingml/2006/main" xmlns:r="http://schemas.openxmlformats.org/officeDocument/2006/relationships" xmlns:p="http://schemas.openxmlformats.org/presentationml/2006/main" show="0">
+<p:sld xmlns:a="http://schemas.openxmlformats.org/drawingml/2006/main" xmlns:r="http://schemas.openxmlformats.org/officeDocument/2006/relationships" xmlns:p="http://schemas.openxmlformats.org/presentationml/2006/main">
   <p:cSld>
     <p:spTree>
       <p:nvGrpSpPr>
@@ -12696,7 +12786,7 @@
         </p:nvSpPr>
         <p:spPr>
           <a:xfrm>
-            <a:off x="28575" y="2215608"/>
+            <a:off x="28575" y="2371725"/>
             <a:ext cx="3971925" cy="180975"/>
           </a:xfrm>
           <a:prstGeom prst="rect">
@@ -12737,7 +12827,7 @@
     </p:spTree>
     <p:extLst>
       <p:ext uri="{BB962C8B-B14F-4D97-AF65-F5344CB8AC3E}">
-        <p14:creationId xmlns:p14="http://schemas.microsoft.com/office/powerpoint/2010/main" val="2159621259"/>
+        <p14:creationId xmlns:p14="http://schemas.microsoft.com/office/powerpoint/2010/main" val="2057268742"/>
       </p:ext>
     </p:extLst>
   </p:cSld>
@@ -12748,7 +12838,7 @@
 </file>
 
 <file path=ppt/slides/slide34.xml><?xml version="1.0" encoding="utf-8"?>
-<p:sld xmlns:a="http://schemas.openxmlformats.org/drawingml/2006/main" xmlns:r="http://schemas.openxmlformats.org/officeDocument/2006/relationships" xmlns:p="http://schemas.openxmlformats.org/presentationml/2006/main" show="0">
+<p:sld xmlns:a="http://schemas.openxmlformats.org/drawingml/2006/main" xmlns:r="http://schemas.openxmlformats.org/officeDocument/2006/relationships" xmlns:p="http://schemas.openxmlformats.org/presentationml/2006/main">
   <p:cSld>
     <p:spTree>
       <p:nvGrpSpPr>
@@ -12853,10 +12943,10 @@
       </p:pic>
       <p:sp>
         <p:nvSpPr>
-          <p:cNvPr id="6" name="Rectangle 5">
-            <a:extLst>
-              <a:ext uri="{FF2B5EF4-FFF2-40B4-BE49-F238E27FC236}">
-                <a16:creationId xmlns:a16="http://schemas.microsoft.com/office/drawing/2014/main" id="{F6AE576E-BD66-4381-BD1F-AD97ADBD590D}"/>
+          <p:cNvPr id="8" name="Rectangle 7">
+            <a:extLst>
+              <a:ext uri="{FF2B5EF4-FFF2-40B4-BE49-F238E27FC236}">
+                <a16:creationId xmlns:a16="http://schemas.microsoft.com/office/drawing/2014/main" id="{B835B33B-500F-4DDD-A6AA-93FA9FC45D9E}"/>
               </a:ext>
             </a:extLst>
           </p:cNvPr>
@@ -12865,8 +12955,8 @@
         </p:nvSpPr>
         <p:spPr>
           <a:xfrm>
-            <a:off x="28575" y="2371725"/>
-            <a:ext cx="3971925" cy="180975"/>
+            <a:off x="28575" y="2550146"/>
+            <a:ext cx="3971925" cy="1865738"/>
           </a:xfrm>
           <a:prstGeom prst="rect">
             <a:avLst/>
@@ -12906,7 +12996,7 @@
     </p:spTree>
     <p:extLst>
       <p:ext uri="{BB962C8B-B14F-4D97-AF65-F5344CB8AC3E}">
-        <p14:creationId xmlns:p14="http://schemas.microsoft.com/office/powerpoint/2010/main" val="2057268742"/>
+        <p14:creationId xmlns:p14="http://schemas.microsoft.com/office/powerpoint/2010/main" val="3542546647"/>
       </p:ext>
     </p:extLst>
   </p:cSld>
@@ -12917,7 +13007,7 @@
 </file>
 
 <file path=ppt/slides/slide35.xml><?xml version="1.0" encoding="utf-8"?>
-<p:sld xmlns:a="http://schemas.openxmlformats.org/drawingml/2006/main" xmlns:r="http://schemas.openxmlformats.org/officeDocument/2006/relationships" xmlns:p="http://schemas.openxmlformats.org/presentationml/2006/main" show="0">
+<p:sld xmlns:a="http://schemas.openxmlformats.org/drawingml/2006/main" xmlns:r="http://schemas.openxmlformats.org/officeDocument/2006/relationships" xmlns:p="http://schemas.openxmlformats.org/presentationml/2006/main">
   <p:cSld>
     <p:spTree>
       <p:nvGrpSpPr>
@@ -13034,8 +13124,8 @@
         </p:nvSpPr>
         <p:spPr>
           <a:xfrm>
-            <a:off x="28575" y="2550146"/>
-            <a:ext cx="3971925" cy="1865738"/>
+            <a:off x="28575" y="4395188"/>
+            <a:ext cx="3971925" cy="639338"/>
           </a:xfrm>
           <a:prstGeom prst="rect">
             <a:avLst/>
@@ -13075,7 +13165,7 @@
     </p:spTree>
     <p:extLst>
       <p:ext uri="{BB962C8B-B14F-4D97-AF65-F5344CB8AC3E}">
-        <p14:creationId xmlns:p14="http://schemas.microsoft.com/office/powerpoint/2010/main" val="3542546647"/>
+        <p14:creationId xmlns:p14="http://schemas.microsoft.com/office/powerpoint/2010/main" val="498483810"/>
       </p:ext>
     </p:extLst>
   </p:cSld>
@@ -13086,7 +13176,7 @@
 </file>
 
 <file path=ppt/slides/slide36.xml><?xml version="1.0" encoding="utf-8"?>
-<p:sld xmlns:a="http://schemas.openxmlformats.org/drawingml/2006/main" xmlns:r="http://schemas.openxmlformats.org/officeDocument/2006/relationships" xmlns:p="http://schemas.openxmlformats.org/presentationml/2006/main" show="0">
+<p:sld xmlns:a="http://schemas.openxmlformats.org/drawingml/2006/main" xmlns:r="http://schemas.openxmlformats.org/officeDocument/2006/relationships" xmlns:p="http://schemas.openxmlformats.org/presentationml/2006/main">
   <p:cSld>
     <p:spTree>
       <p:nvGrpSpPr>
@@ -13203,8 +13293,8 @@
         </p:nvSpPr>
         <p:spPr>
           <a:xfrm>
-            <a:off x="28575" y="4395188"/>
-            <a:ext cx="3971925" cy="639338"/>
+            <a:off x="28575" y="5025482"/>
+            <a:ext cx="3971925" cy="170987"/>
           </a:xfrm>
           <a:prstGeom prst="rect">
             <a:avLst/>
@@ -13244,7 +13334,7 @@
     </p:spTree>
     <p:extLst>
       <p:ext uri="{BB962C8B-B14F-4D97-AF65-F5344CB8AC3E}">
-        <p14:creationId xmlns:p14="http://schemas.microsoft.com/office/powerpoint/2010/main" val="498483810"/>
+        <p14:creationId xmlns:p14="http://schemas.microsoft.com/office/powerpoint/2010/main" val="3310774538"/>
       </p:ext>
     </p:extLst>
   </p:cSld>
@@ -13255,7 +13345,7 @@
 </file>
 
 <file path=ppt/slides/slide37.xml><?xml version="1.0" encoding="utf-8"?>
-<p:sld xmlns:a="http://schemas.openxmlformats.org/drawingml/2006/main" xmlns:r="http://schemas.openxmlformats.org/officeDocument/2006/relationships" xmlns:p="http://schemas.openxmlformats.org/presentationml/2006/main" show="0">
+<p:sld xmlns:a="http://schemas.openxmlformats.org/drawingml/2006/main" xmlns:r="http://schemas.openxmlformats.org/officeDocument/2006/relationships" xmlns:p="http://schemas.openxmlformats.org/presentationml/2006/main">
   <p:cSld>
     <p:spTree>
       <p:nvGrpSpPr>
@@ -13372,7 +13462,7 @@
         </p:nvSpPr>
         <p:spPr>
           <a:xfrm>
-            <a:off x="28575" y="5025482"/>
+            <a:off x="28575" y="5174165"/>
             <a:ext cx="3971925" cy="170987"/>
           </a:xfrm>
           <a:prstGeom prst="rect">
@@ -13413,7 +13503,7 @@
     </p:spTree>
     <p:extLst>
       <p:ext uri="{BB962C8B-B14F-4D97-AF65-F5344CB8AC3E}">
-        <p14:creationId xmlns:p14="http://schemas.microsoft.com/office/powerpoint/2010/main" val="3310774538"/>
+        <p14:creationId xmlns:p14="http://schemas.microsoft.com/office/powerpoint/2010/main" val="3635097388"/>
       </p:ext>
     </p:extLst>
   </p:cSld>
@@ -13424,7 +13514,7 @@
 </file>
 
 <file path=ppt/slides/slide38.xml><?xml version="1.0" encoding="utf-8"?>
-<p:sld xmlns:a="http://schemas.openxmlformats.org/drawingml/2006/main" xmlns:r="http://schemas.openxmlformats.org/officeDocument/2006/relationships" xmlns:p="http://schemas.openxmlformats.org/presentationml/2006/main" show="0">
+<p:sld xmlns:a="http://schemas.openxmlformats.org/drawingml/2006/main" xmlns:r="http://schemas.openxmlformats.org/officeDocument/2006/relationships" xmlns:p="http://schemas.openxmlformats.org/presentationml/2006/main">
   <p:cSld>
     <p:spTree>
       <p:nvGrpSpPr>
@@ -13440,141 +13530,55 @@
           <a:chExt cx="0" cy="0"/>
         </a:xfrm>
       </p:grpSpPr>
-      <p:pic>
-        <p:nvPicPr>
-          <p:cNvPr id="5" name="Picture 4">
-            <a:extLst>
-              <a:ext uri="{FF2B5EF4-FFF2-40B4-BE49-F238E27FC236}">
-                <a16:creationId xmlns:a16="http://schemas.microsoft.com/office/drawing/2014/main" id="{F5C2D6F9-CF07-492E-95A8-A2EDECA338A7}"/>
-              </a:ext>
-            </a:extLst>
-          </p:cNvPr>
-          <p:cNvPicPr>
-            <a:picLocks noChangeAspect="1"/>
-          </p:cNvPicPr>
-          <p:nvPr/>
-        </p:nvPicPr>
-        <p:blipFill rotWithShape="1">
-          <a:blip r:embed="rId3"/>
-          <a:srcRect l="33795" r="33392"/>
-          <a:stretch/>
-        </p:blipFill>
-        <p:spPr>
-          <a:xfrm>
-            <a:off x="0" y="0"/>
-            <a:ext cx="4000503" cy="6858000"/>
-          </a:xfrm>
-          <a:prstGeom prst="rect">
-            <a:avLst/>
-          </a:prstGeom>
-        </p:spPr>
-      </p:pic>
-      <p:pic>
-        <p:nvPicPr>
-          <p:cNvPr id="7" name="Picture 6">
-            <a:extLst>
-              <a:ext uri="{FF2B5EF4-FFF2-40B4-BE49-F238E27FC236}">
-                <a16:creationId xmlns:a16="http://schemas.microsoft.com/office/drawing/2014/main" id="{7A8E5883-8227-450E-A1C8-36475780AD47}"/>
-              </a:ext>
-            </a:extLst>
-          </p:cNvPr>
-          <p:cNvPicPr>
-            <a:picLocks noChangeAspect="1"/>
-          </p:cNvPicPr>
-          <p:nvPr/>
-        </p:nvPicPr>
-        <p:blipFill rotWithShape="1">
-          <a:blip r:embed="rId4"/>
-          <a:srcRect l="33828" r="33359"/>
-          <a:stretch/>
-        </p:blipFill>
-        <p:spPr>
-          <a:xfrm>
-            <a:off x="4095749" y="0"/>
-            <a:ext cx="4000501" cy="6858000"/>
-          </a:xfrm>
-          <a:prstGeom prst="rect">
-            <a:avLst/>
-          </a:prstGeom>
-        </p:spPr>
-      </p:pic>
-      <p:pic>
-        <p:nvPicPr>
-          <p:cNvPr id="10" name="Picture 9">
-            <a:extLst>
-              <a:ext uri="{FF2B5EF4-FFF2-40B4-BE49-F238E27FC236}">
-                <a16:creationId xmlns:a16="http://schemas.microsoft.com/office/drawing/2014/main" id="{96C8E9C6-433B-48A1-9684-1D9E1CBA8C82}"/>
-              </a:ext>
-            </a:extLst>
-          </p:cNvPr>
-          <p:cNvPicPr>
-            <a:picLocks noChangeAspect="1"/>
-          </p:cNvPicPr>
-          <p:nvPr/>
-        </p:nvPicPr>
-        <p:blipFill rotWithShape="1">
-          <a:blip r:embed="rId5"/>
-          <a:srcRect l="33906" r="33281"/>
-          <a:stretch/>
-        </p:blipFill>
-        <p:spPr>
-          <a:xfrm>
-            <a:off x="8191499" y="0"/>
-            <a:ext cx="4000501" cy="6858000"/>
-          </a:xfrm>
-          <a:prstGeom prst="rect">
-            <a:avLst/>
-          </a:prstGeom>
-        </p:spPr>
-      </p:pic>
-      <p:sp>
-        <p:nvSpPr>
-          <p:cNvPr id="8" name="Rectangle 7">
-            <a:extLst>
-              <a:ext uri="{FF2B5EF4-FFF2-40B4-BE49-F238E27FC236}">
-                <a16:creationId xmlns:a16="http://schemas.microsoft.com/office/drawing/2014/main" id="{B835B33B-500F-4DDD-A6AA-93FA9FC45D9E}"/>
-              </a:ext>
-            </a:extLst>
-          </p:cNvPr>
-          <p:cNvSpPr/>
-          <p:nvPr/>
-        </p:nvSpPr>
-        <p:spPr>
-          <a:xfrm>
-            <a:off x="28575" y="5174165"/>
-            <a:ext cx="3971925" cy="170987"/>
-          </a:xfrm>
-          <a:prstGeom prst="rect">
-            <a:avLst/>
-          </a:prstGeom>
-          <a:noFill/>
-          <a:ln w="38100">
-            <a:solidFill>
-              <a:srgbClr val="FF0000"/>
-            </a:solidFill>
-          </a:ln>
-        </p:spPr>
-        <p:style>
-          <a:lnRef idx="2">
-            <a:schemeClr val="accent1">
-              <a:shade val="50000"/>
-            </a:schemeClr>
-          </a:lnRef>
-          <a:fillRef idx="1">
-            <a:schemeClr val="accent1"/>
-          </a:fillRef>
-          <a:effectRef idx="0">
-            <a:schemeClr val="accent1"/>
-          </a:effectRef>
-          <a:fontRef idx="minor">
-            <a:schemeClr val="lt1"/>
-          </a:fontRef>
-        </p:style>
-        <p:txBody>
-          <a:bodyPr rtlCol="0" anchor="ctr"/>
-          <a:lstStyle/>
-          <a:p>
-            <a:pPr algn="ctr"/>
+      <p:sp>
+        <p:nvSpPr>
+          <p:cNvPr id="4" name="Title 3">
+            <a:extLst>
+              <a:ext uri="{FF2B5EF4-FFF2-40B4-BE49-F238E27FC236}">
+                <a16:creationId xmlns:a16="http://schemas.microsoft.com/office/drawing/2014/main" id="{705F4583-60E8-D24B-B2EC-A0694107C9DA}"/>
+              </a:ext>
+            </a:extLst>
+          </p:cNvPr>
+          <p:cNvSpPr>
+            <a:spLocks noGrp="1"/>
+          </p:cNvSpPr>
+          <p:nvPr>
+            <p:ph type="ctrTitle"/>
+          </p:nvPr>
+        </p:nvSpPr>
+        <p:spPr/>
+        <p:txBody>
+          <a:bodyPr/>
+          <a:lstStyle/>
+          <a:p>
+            <a:r>
+              <a:rPr lang="en-GB" dirty="0"/>
+              <a:t>Thanks for listening</a:t>
+            </a:r>
+          </a:p>
+        </p:txBody>
+      </p:sp>
+      <p:sp>
+        <p:nvSpPr>
+          <p:cNvPr id="5" name="Subtitle 4">
+            <a:extLst>
+              <a:ext uri="{FF2B5EF4-FFF2-40B4-BE49-F238E27FC236}">
+                <a16:creationId xmlns:a16="http://schemas.microsoft.com/office/drawing/2014/main" id="{2977DDF1-1B83-654D-A9AB-20AD2F114395}"/>
+              </a:ext>
+            </a:extLst>
+          </p:cNvPr>
+          <p:cNvSpPr>
+            <a:spLocks noGrp="1"/>
+          </p:cNvSpPr>
+          <p:nvPr>
+            <p:ph type="subTitle" idx="1"/>
+          </p:nvPr>
+        </p:nvSpPr>
+        <p:spPr/>
+        <p:txBody>
+          <a:bodyPr/>
+          <a:lstStyle/>
+          <a:p>
             <a:endParaRPr lang="en-GB"/>
           </a:p>
         </p:txBody>
@@ -13582,7 +13586,7 @@
     </p:spTree>
     <p:extLst>
       <p:ext uri="{BB962C8B-B14F-4D97-AF65-F5344CB8AC3E}">
-        <p14:creationId xmlns:p14="http://schemas.microsoft.com/office/powerpoint/2010/main" val="3635097388"/>
+        <p14:creationId xmlns:p14="http://schemas.microsoft.com/office/powerpoint/2010/main" val="743971381"/>
       </p:ext>
     </p:extLst>
   </p:cSld>
